--- a/class-3-data_analysis_and_ml/titanic/presentation.pptx
+++ b/class-3-data_analysis_and_ml/titanic/presentation.pptx
@@ -5,29 +5,34 @@
     <p:sldMasterId id="2147483862" r:id="rId1"/>
   </p:sldMasterIdLst>
   <p:notesMasterIdLst>
-    <p:notesMasterId r:id="rId22"/>
+    <p:notesMasterId r:id="rId27"/>
   </p:notesMasterIdLst>
   <p:sldIdLst>
     <p:sldId id="262" r:id="rId2"/>
-    <p:sldId id="257" r:id="rId3"/>
-    <p:sldId id="260" r:id="rId4"/>
-    <p:sldId id="258" r:id="rId5"/>
-    <p:sldId id="259" r:id="rId6"/>
-    <p:sldId id="263" r:id="rId7"/>
-    <p:sldId id="264" r:id="rId8"/>
-    <p:sldId id="265" r:id="rId9"/>
-    <p:sldId id="266" r:id="rId10"/>
-    <p:sldId id="267" r:id="rId11"/>
-    <p:sldId id="268" r:id="rId12"/>
-    <p:sldId id="269" r:id="rId13"/>
-    <p:sldId id="270" r:id="rId14"/>
-    <p:sldId id="271" r:id="rId15"/>
-    <p:sldId id="272" r:id="rId16"/>
-    <p:sldId id="274" r:id="rId17"/>
-    <p:sldId id="261" r:id="rId18"/>
-    <p:sldId id="273" r:id="rId19"/>
-    <p:sldId id="275" r:id="rId20"/>
-    <p:sldId id="276" r:id="rId21"/>
+    <p:sldId id="277" r:id="rId3"/>
+    <p:sldId id="257" r:id="rId4"/>
+    <p:sldId id="260" r:id="rId5"/>
+    <p:sldId id="258" r:id="rId6"/>
+    <p:sldId id="278" r:id="rId7"/>
+    <p:sldId id="282" r:id="rId8"/>
+    <p:sldId id="259" r:id="rId9"/>
+    <p:sldId id="263" r:id="rId10"/>
+    <p:sldId id="264" r:id="rId11"/>
+    <p:sldId id="265" r:id="rId12"/>
+    <p:sldId id="266" r:id="rId13"/>
+    <p:sldId id="267" r:id="rId14"/>
+    <p:sldId id="268" r:id="rId15"/>
+    <p:sldId id="269" r:id="rId16"/>
+    <p:sldId id="270" r:id="rId17"/>
+    <p:sldId id="271" r:id="rId18"/>
+    <p:sldId id="272" r:id="rId19"/>
+    <p:sldId id="274" r:id="rId20"/>
+    <p:sldId id="261" r:id="rId21"/>
+    <p:sldId id="273" r:id="rId22"/>
+    <p:sldId id="275" r:id="rId23"/>
+    <p:sldId id="279" r:id="rId24"/>
+    <p:sldId id="280" r:id="rId25"/>
+    <p:sldId id="281" r:id="rId26"/>
   </p:sldIdLst>
   <p:sldSz cx="12192000" cy="6858000"/>
   <p:notesSz cx="6858000" cy="9144000"/>
@@ -1914,7 +1919,7 @@
           <a:pPr rtl="0"/>
           <a:r>
             <a:rPr lang="en-US" dirty="0"/>
-            <a:t>Training and Evaluating a Logistic Regression Model</a:t>
+            <a:t>Training and Evaluating an SVM Model</a:t>
           </a:r>
         </a:p>
       </dgm:t>
@@ -2093,6 +2098,42 @@
         </a:p>
       </dgm:t>
     </dgm:pt>
+    <dgm:pt modelId="{B48FE105-2369-4ACD-B872-C9AC50DD0845}">
+      <dgm:prSet/>
+      <dgm:spPr/>
+      <dgm:t>
+        <a:bodyPr/>
+        <a:lstStyle/>
+        <a:p>
+          <a:r>
+            <a:rPr lang="en-US" dirty="0"/>
+            <a:t>Training and Evaluating a Gaussian Naïve Bayes Model</a:t>
+          </a:r>
+        </a:p>
+      </dgm:t>
+    </dgm:pt>
+    <dgm:pt modelId="{5509F94D-7968-4DD4-BD17-D4B70ADF4360}" type="parTrans" cxnId="{1C59518E-9D95-4D34-9057-ECED514FA404}">
+      <dgm:prSet/>
+      <dgm:spPr/>
+      <dgm:t>
+        <a:bodyPr/>
+        <a:lstStyle/>
+        <a:p>
+          <a:endParaRPr lang="en-GB"/>
+        </a:p>
+      </dgm:t>
+    </dgm:pt>
+    <dgm:pt modelId="{529DE499-5E6D-44F2-BF42-15A593416ADF}" type="sibTrans" cxnId="{1C59518E-9D95-4D34-9057-ECED514FA404}">
+      <dgm:prSet/>
+      <dgm:spPr/>
+      <dgm:t>
+        <a:bodyPr/>
+        <a:lstStyle/>
+        <a:p>
+          <a:endParaRPr lang="en-GB"/>
+        </a:p>
+      </dgm:t>
+    </dgm:pt>
     <dgm:pt modelId="{91C2C90B-757E-454D-B9EE-0FF9AE453AED}" type="pres">
       <dgm:prSet presAssocID="{CFA4B552-66BE-40FA-A948-E8012F678263}" presName="linear" presStyleCnt="0">
         <dgm:presLayoutVars>
@@ -2178,6 +2219,7 @@
     <dgm:cxn modelId="{0EC71B31-F703-42D9-A388-7439AFC9B7FD}" type="presOf" srcId="{CFA4B552-66BE-40FA-A948-E8012F678263}" destId="{91C2C90B-757E-454D-B9EE-0FF9AE453AED}" srcOrd="0" destOrd="0" presId="urn:microsoft.com/office/officeart/2005/8/layout/list1"/>
     <dgm:cxn modelId="{27D8B531-9141-4B31-88E3-78D5A587FDF6}" srcId="{6444590F-EF19-4729-A66B-78D7C354F50B}" destId="{A2A91574-1694-420F-A06D-75C8B106EBD9}" srcOrd="0" destOrd="0" parTransId="{A35F58E4-8724-44B6-8C2E-E58CDD323F72}" sibTransId="{10F75322-A048-42C9-810C-EE89E96292B6}"/>
     <dgm:cxn modelId="{665ECA33-D006-4FD5-960C-A610627F9143}" srcId="{A98B9367-1C23-4963-B146-EE8B702C0EB2}" destId="{42F822E7-F28B-4517-A6BD-AA1EEE3CEC3A}" srcOrd="3" destOrd="0" parTransId="{4934D341-A321-4B10-9CC3-31337ABA6871}" sibTransId="{4CF18955-5301-4374-B6C4-3B2055E3091D}"/>
+    <dgm:cxn modelId="{99B48E5E-0963-424E-8802-FC4B37685470}" type="presOf" srcId="{B48FE105-2369-4ACD-B872-C9AC50DD0845}" destId="{F17A2036-3C25-4010-B556-E88D4973898B}" srcOrd="0" destOrd="2" presId="urn:microsoft.com/office/officeart/2005/8/layout/list1"/>
     <dgm:cxn modelId="{08F9D95E-1783-41EB-9F02-FB4FB5D553C7}" type="presOf" srcId="{E3AC23BB-22C5-47DC-8728-B37E3CAA4082}" destId="{39CB33ED-3CEE-452F-BC64-7F2ED80E83ED}" srcOrd="0" destOrd="5" presId="urn:microsoft.com/office/officeart/2005/8/layout/list1"/>
     <dgm:cxn modelId="{00860D42-A6B7-4C20-A48F-87F727B9B217}" srcId="{A98B9367-1C23-4963-B146-EE8B702C0EB2}" destId="{32A424BB-664C-4B1B-B1C6-C5238B09F81E}" srcOrd="0" destOrd="0" parTransId="{99DD3494-3A1B-44D2-A94B-2EA7058CFD82}" sibTransId="{2359FCDC-237E-4867-BAB0-188B57E0A74F}"/>
     <dgm:cxn modelId="{A57FE065-D062-48A2-B777-83E8C53E7F56}" srcId="{6444590F-EF19-4729-A66B-78D7C354F50B}" destId="{62A20337-4AC0-42AE-977C-941DF785BED0}" srcOrd="2" destOrd="0" parTransId="{39BB1E4F-EF0C-4551-9093-D691429D0936}" sibTransId="{3C65E6BC-DD30-4D45-BCF9-D3300521CC7E}"/>
@@ -2188,6 +2230,7 @@
     <dgm:cxn modelId="{96D63F57-EE4B-4745-A96D-0CC577F62FF9}" type="presOf" srcId="{42F822E7-F28B-4517-A6BD-AA1EEE3CEC3A}" destId="{39CB33ED-3CEE-452F-BC64-7F2ED80E83ED}" srcOrd="0" destOrd="7" presId="urn:microsoft.com/office/officeart/2005/8/layout/list1"/>
     <dgm:cxn modelId="{173A4E78-A01C-4ACC-AA04-425C4EB1D210}" type="presOf" srcId="{32A424BB-664C-4B1B-B1C6-C5238B09F81E}" destId="{39CB33ED-3CEE-452F-BC64-7F2ED80E83ED}" srcOrd="0" destOrd="0" presId="urn:microsoft.com/office/officeart/2005/8/layout/list1"/>
     <dgm:cxn modelId="{7E5D1C7C-5080-46CB-AF6A-12DF6433DB8A}" type="presOf" srcId="{62A20337-4AC0-42AE-977C-941DF785BED0}" destId="{39CB33ED-3CEE-452F-BC64-7F2ED80E83ED}" srcOrd="0" destOrd="4" presId="urn:microsoft.com/office/officeart/2005/8/layout/list1"/>
+    <dgm:cxn modelId="{1C59518E-9D95-4D34-9057-ECED514FA404}" srcId="{44647809-B732-41A7-9DB8-FAD49B102A56}" destId="{B48FE105-2369-4ACD-B872-C9AC50DD0845}" srcOrd="2" destOrd="0" parTransId="{5509F94D-7968-4DD4-BD17-D4B70ADF4360}" sibTransId="{529DE499-5E6D-44F2-BF42-15A593416ADF}"/>
     <dgm:cxn modelId="{81E494B2-E55B-4462-A021-B67D82E2EEBD}" type="presOf" srcId="{A2A91574-1694-420F-A06D-75C8B106EBD9}" destId="{39CB33ED-3CEE-452F-BC64-7F2ED80E83ED}" srcOrd="0" destOrd="2" presId="urn:microsoft.com/office/officeart/2005/8/layout/list1"/>
     <dgm:cxn modelId="{61585ABC-03C6-4A44-AD8E-84BF7E03F116}" type="presOf" srcId="{6444590F-EF19-4729-A66B-78D7C354F50B}" destId="{39CB33ED-3CEE-452F-BC64-7F2ED80E83ED}" srcOrd="0" destOrd="1" presId="urn:microsoft.com/office/officeart/2005/8/layout/list1"/>
     <dgm:cxn modelId="{A6FDCBD6-0981-44CE-9119-C6B899031518}" srcId="{A98B9367-1C23-4963-B146-EE8B702C0EB2}" destId="{6444590F-EF19-4729-A66B-78D7C354F50B}" srcOrd="1" destOrd="0" parTransId="{0661FE9F-642D-4AA9-B3D8-B49541B8FB4B}" sibTransId="{03D556F0-1510-475D-BC9C-9DD997AEFB75}"/>
@@ -2481,8 +2524,8 @@
       </dsp:nvSpPr>
       <dsp:spPr>
         <a:xfrm>
-          <a:off x="0" y="328617"/>
-          <a:ext cx="10353675" cy="2872800"/>
+          <a:off x="0" y="293516"/>
+          <a:ext cx="10353675" cy="2721600"/>
         </a:xfrm>
         <a:prstGeom prst="rect">
           <a:avLst/>
@@ -2522,12 +2565,12 @@
         <a:fontRef idx="minor"/>
       </dsp:style>
       <dsp:txBody>
-        <a:bodyPr spcFirstLastPara="0" vert="horz" wrap="square" lIns="803560" tIns="395732" rIns="803560" bIns="135128" numCol="1" spcCol="1270" anchor="t" anchorCtr="0">
+        <a:bodyPr spcFirstLastPara="0" vert="horz" wrap="square" lIns="803560" tIns="374904" rIns="803560" bIns="128016" numCol="1" spcCol="1270" anchor="t" anchorCtr="0">
           <a:noAutofit/>
         </a:bodyPr>
         <a:lstStyle/>
         <a:p>
-          <a:pPr marL="171450" lvl="1" indent="-171450" algn="l" defTabSz="844550">
+          <a:pPr marL="171450" lvl="1" indent="-171450" algn="l" defTabSz="800100">
             <a:lnSpc>
               <a:spcPct val="90000"/>
             </a:lnSpc>
@@ -2540,12 +2583,12 @@
             <a:buChar char="•"/>
           </a:pPr>
           <a:r>
-            <a:rPr lang="en-US" sz="1900" kern="1200"/>
+            <a:rPr lang="en-US" sz="1800" kern="1200"/>
             <a:t>Data Loading</a:t>
           </a:r>
         </a:p>
         <a:p>
-          <a:pPr marL="171450" lvl="1" indent="-171450" algn="l" defTabSz="844550">
+          <a:pPr marL="171450" lvl="1" indent="-171450" algn="l" defTabSz="800100">
             <a:lnSpc>
               <a:spcPct val="90000"/>
             </a:lnSpc>
@@ -2558,12 +2601,12 @@
             <a:buChar char="•"/>
           </a:pPr>
           <a:r>
-            <a:rPr lang="en-US" sz="1900" kern="1200"/>
+            <a:rPr lang="en-US" sz="1800" kern="1200"/>
             <a:t>Data Cleaning</a:t>
           </a:r>
         </a:p>
         <a:p>
-          <a:pPr marL="342900" lvl="2" indent="-171450" algn="l" defTabSz="844550">
+          <a:pPr marL="342900" lvl="2" indent="-171450" algn="l" defTabSz="800100">
             <a:lnSpc>
               <a:spcPct val="90000"/>
             </a:lnSpc>
@@ -2576,12 +2619,12 @@
             <a:buChar char="•"/>
           </a:pPr>
           <a:r>
-            <a:rPr lang="en-US" sz="1900" kern="1200" dirty="0"/>
+            <a:rPr lang="en-US" sz="1800" kern="1200" dirty="0"/>
             <a:t>Removing Duplicates</a:t>
           </a:r>
         </a:p>
         <a:p>
-          <a:pPr marL="342900" lvl="2" indent="-171450" algn="l" defTabSz="844550">
+          <a:pPr marL="342900" lvl="2" indent="-171450" algn="l" defTabSz="800100">
             <a:lnSpc>
               <a:spcPct val="90000"/>
             </a:lnSpc>
@@ -2594,20 +2637,20 @@
             <a:buChar char="•"/>
           </a:pPr>
           <a:r>
-            <a:rPr lang="en-US" sz="1900" kern="1200" dirty="0"/>
+            <a:rPr lang="en-US" sz="1800" kern="1200" dirty="0"/>
             <a:t>Removing Columns With 50%+ </a:t>
           </a:r>
           <a:r>
-            <a:rPr lang="en-US" sz="1900" kern="1200" dirty="0" err="1"/>
+            <a:rPr lang="en-US" sz="1800" kern="1200" dirty="0" err="1"/>
             <a:t>NaN</a:t>
           </a:r>
           <a:r>
-            <a:rPr lang="en-US" sz="1900" kern="1200" dirty="0"/>
+            <a:rPr lang="en-US" sz="1800" kern="1200" dirty="0"/>
             <a:t>/NA</a:t>
           </a:r>
         </a:p>
         <a:p>
-          <a:pPr marL="342900" lvl="2" indent="-171450" algn="l" defTabSz="844550">
+          <a:pPr marL="342900" lvl="2" indent="-171450" algn="l" defTabSz="800100">
             <a:lnSpc>
               <a:spcPct val="90000"/>
             </a:lnSpc>
@@ -2620,12 +2663,12 @@
             <a:buChar char="•"/>
           </a:pPr>
           <a:r>
-            <a:rPr lang="en-US" sz="1900" kern="1200" dirty="0"/>
+            <a:rPr lang="en-US" sz="1800" kern="1200" dirty="0"/>
             <a:t>Handling Outliers</a:t>
           </a:r>
         </a:p>
         <a:p>
-          <a:pPr marL="342900" lvl="2" indent="-171450" algn="l" defTabSz="844550">
+          <a:pPr marL="342900" lvl="2" indent="-171450" algn="l" defTabSz="800100">
             <a:lnSpc>
               <a:spcPct val="90000"/>
             </a:lnSpc>
@@ -2638,12 +2681,12 @@
             <a:buChar char="•"/>
           </a:pPr>
           <a:r>
-            <a:rPr lang="en-US" sz="1900" kern="1200" dirty="0"/>
+            <a:rPr lang="en-US" sz="1800" kern="1200" dirty="0"/>
             <a:t>Handling Missing Values</a:t>
           </a:r>
         </a:p>
         <a:p>
-          <a:pPr marL="171450" lvl="1" indent="-171450" algn="l" defTabSz="844550">
+          <a:pPr marL="171450" lvl="1" indent="-171450" algn="l" defTabSz="800100">
             <a:lnSpc>
               <a:spcPct val="90000"/>
             </a:lnSpc>
@@ -2656,12 +2699,12 @@
             <a:buChar char="•"/>
           </a:pPr>
           <a:r>
-            <a:rPr lang="en-US" sz="1900" kern="1200" dirty="0"/>
+            <a:rPr lang="en-US" sz="1800" kern="1200" dirty="0"/>
             <a:t>Exploratory Data Analysis</a:t>
           </a:r>
         </a:p>
         <a:p>
-          <a:pPr marL="171450" lvl="1" indent="-171450" algn="l" defTabSz="844550">
+          <a:pPr marL="171450" lvl="1" indent="-171450" algn="l" defTabSz="800100">
             <a:lnSpc>
               <a:spcPct val="90000"/>
             </a:lnSpc>
@@ -2674,14 +2717,14 @@
             <a:buChar char="•"/>
           </a:pPr>
           <a:r>
-            <a:rPr lang="en-US" sz="1900" kern="1200" dirty="0"/>
+            <a:rPr lang="en-US" sz="1800" kern="1200" dirty="0"/>
             <a:t>Converting Categorical Data into Quantitative Data</a:t>
           </a:r>
         </a:p>
       </dsp:txBody>
       <dsp:txXfrm>
-        <a:off x="0" y="328617"/>
-        <a:ext cx="10353675" cy="2872800"/>
+        <a:off x="0" y="293516"/>
+        <a:ext cx="10353675" cy="2721600"/>
       </dsp:txXfrm>
     </dsp:sp>
     <dsp:sp modelId="{50A786E1-BF33-4F99-B3AD-E5B8E36B126C}">
@@ -2691,8 +2734,8 @@
       </dsp:nvSpPr>
       <dsp:spPr>
         <a:xfrm>
-          <a:off x="517683" y="48177"/>
-          <a:ext cx="7247572" cy="560880"/>
+          <a:off x="517683" y="27836"/>
+          <a:ext cx="7247572" cy="531360"/>
         </a:xfrm>
         <a:prstGeom prst="roundRect">
           <a:avLst/>
@@ -2753,7 +2796,7 @@
         </a:bodyPr>
         <a:lstStyle/>
         <a:p>
-          <a:pPr marL="0" lvl="0" indent="0" algn="l" defTabSz="844550">
+          <a:pPr marL="0" lvl="0" indent="0" algn="l" defTabSz="800100">
             <a:lnSpc>
               <a:spcPct val="90000"/>
             </a:lnSpc>
@@ -2767,14 +2810,14 @@
             <a:defRPr b="1"/>
           </a:pPr>
           <a:r>
-            <a:rPr lang="en-US" sz="1900" kern="1200" dirty="0"/>
+            <a:rPr lang="en-US" sz="1800" kern="1200" dirty="0"/>
             <a:t>Data Analysis</a:t>
           </a:r>
         </a:p>
       </dsp:txBody>
       <dsp:txXfrm>
-        <a:off x="545063" y="75557"/>
-        <a:ext cx="7192812" cy="506120"/>
+        <a:off x="543622" y="53775"/>
+        <a:ext cx="7195694" cy="479482"/>
       </dsp:txXfrm>
     </dsp:sp>
     <dsp:sp modelId="{F17A2036-3C25-4010-B556-E88D4973898B}">
@@ -2784,8 +2827,8 @@
       </dsp:nvSpPr>
       <dsp:spPr>
         <a:xfrm>
-          <a:off x="0" y="3584457"/>
-          <a:ext cx="10353675" cy="1077300"/>
+          <a:off x="0" y="3377997"/>
+          <a:ext cx="10353675" cy="1304100"/>
         </a:xfrm>
         <a:prstGeom prst="rect">
           <a:avLst/>
@@ -2825,12 +2868,12 @@
         <a:fontRef idx="minor"/>
       </dsp:style>
       <dsp:txBody>
-        <a:bodyPr spcFirstLastPara="0" vert="horz" wrap="square" lIns="803560" tIns="395732" rIns="803560" bIns="135128" numCol="1" spcCol="1270" anchor="t" anchorCtr="0">
+        <a:bodyPr spcFirstLastPara="0" vert="horz" wrap="square" lIns="803560" tIns="374904" rIns="803560" bIns="128016" numCol="1" spcCol="1270" anchor="t" anchorCtr="0">
           <a:noAutofit/>
         </a:bodyPr>
         <a:lstStyle/>
         <a:p>
-          <a:pPr marL="171450" lvl="1" indent="-171450" algn="l" defTabSz="844550">
+          <a:pPr marL="171450" lvl="1" indent="-171450" algn="l" defTabSz="800100">
             <a:lnSpc>
               <a:spcPct val="90000"/>
             </a:lnSpc>
@@ -2843,12 +2886,12 @@
             <a:buChar char="•"/>
           </a:pPr>
           <a:r>
-            <a:rPr lang="en-US" sz="1900" kern="1200" dirty="0"/>
+            <a:rPr lang="en-US" sz="1800" kern="1200" dirty="0"/>
             <a:t>Training and Evaluating a Decision Tree Model</a:t>
           </a:r>
         </a:p>
         <a:p>
-          <a:pPr marL="171450" lvl="1" indent="-171450" algn="l" defTabSz="844550" rtl="0">
+          <a:pPr marL="171450" lvl="1" indent="-171450" algn="l" defTabSz="800100" rtl="0">
             <a:lnSpc>
               <a:spcPct val="90000"/>
             </a:lnSpc>
@@ -2861,14 +2904,32 @@
             <a:buChar char="•"/>
           </a:pPr>
           <a:r>
-            <a:rPr lang="en-US" sz="1900" kern="1200" dirty="0"/>
-            <a:t>Training and Evaluating a Logistic Regression Model</a:t>
+            <a:rPr lang="en-US" sz="1800" kern="1200" dirty="0"/>
+            <a:t>Training and Evaluating an SVM Model</a:t>
+          </a:r>
+        </a:p>
+        <a:p>
+          <a:pPr marL="171450" lvl="1" indent="-171450" algn="l" defTabSz="800100">
+            <a:lnSpc>
+              <a:spcPct val="90000"/>
+            </a:lnSpc>
+            <a:spcBef>
+              <a:spcPct val="0"/>
+            </a:spcBef>
+            <a:spcAft>
+              <a:spcPct val="15000"/>
+            </a:spcAft>
+            <a:buChar char="•"/>
+          </a:pPr>
+          <a:r>
+            <a:rPr lang="en-US" sz="1800" kern="1200" dirty="0"/>
+            <a:t>Training and Evaluating a Gaussian Naïve Bayes Model</a:t>
           </a:r>
         </a:p>
       </dsp:txBody>
       <dsp:txXfrm>
-        <a:off x="0" y="3584457"/>
-        <a:ext cx="10353675" cy="1077300"/>
+        <a:off x="0" y="3377997"/>
+        <a:ext cx="10353675" cy="1304100"/>
       </dsp:txXfrm>
     </dsp:sp>
     <dsp:sp modelId="{27DC79A5-FFBA-4970-9934-AF095E4540D4}">
@@ -2878,8 +2939,8 @@
       </dsp:nvSpPr>
       <dsp:spPr>
         <a:xfrm>
-          <a:off x="517683" y="3304017"/>
-          <a:ext cx="7247572" cy="560880"/>
+          <a:off x="517683" y="3112317"/>
+          <a:ext cx="7247572" cy="531360"/>
         </a:xfrm>
         <a:prstGeom prst="roundRect">
           <a:avLst/>
@@ -2940,7 +3001,7 @@
         </a:bodyPr>
         <a:lstStyle/>
         <a:p>
-          <a:pPr marL="0" lvl="0" indent="0" algn="l" defTabSz="844550">
+          <a:pPr marL="0" lvl="0" indent="0" algn="l" defTabSz="800100">
             <a:lnSpc>
               <a:spcPct val="90000"/>
             </a:lnSpc>
@@ -2954,14 +3015,14 @@
             <a:defRPr b="1"/>
           </a:pPr>
           <a:r>
-            <a:rPr lang="en-US" sz="1900" kern="1200" dirty="0"/>
+            <a:rPr lang="en-US" sz="1800" kern="1200" dirty="0"/>
             <a:t>Machine Learning</a:t>
           </a:r>
         </a:p>
       </dsp:txBody>
       <dsp:txXfrm>
-        <a:off x="545063" y="3331397"/>
-        <a:ext cx="7192812" cy="506120"/>
+        <a:off x="543622" y="3138256"/>
+        <a:ext cx="7195694" cy="479482"/>
       </dsp:txXfrm>
     </dsp:sp>
   </dsp:spTree>
@@ -6186,7 +6247,7 @@
           <a:p>
             <a:fld id="{2A4A9800-5339-4724-9091-C84BEA1AA2F7}" type="datetimeFigureOut">
               <a:rPr lang="en-GB" smtClean="0"/>
-              <a:t>25/12/2021</a:t>
+              <a:t>27/12/2021</a:t>
             </a:fld>
             <a:endParaRPr lang="en-GB"/>
           </a:p>
@@ -6603,7 +6664,7 @@
           <a:p>
             <a:fld id="{FF45D806-066F-4B81-A46D-20A2C8D4BBF1}" type="slidenum">
               <a:rPr lang="en-GB" smtClean="0"/>
-              <a:t>2</a:t>
+              <a:t>3</a:t>
             </a:fld>
             <a:endParaRPr lang="en-GB"/>
           </a:p>
@@ -6687,7 +6748,7 @@
           <a:p>
             <a:fld id="{FF45D806-066F-4B81-A46D-20A2C8D4BBF1}" type="slidenum">
               <a:rPr lang="en-GB" smtClean="0"/>
-              <a:t>4</a:t>
+              <a:t>5</a:t>
             </a:fld>
             <a:endParaRPr lang="en-GB"/>
           </a:p>
@@ -6813,7 +6874,7 @@
           <a:p>
             <a:fld id="{FF45D806-066F-4B81-A46D-20A2C8D4BBF1}" type="slidenum">
               <a:rPr lang="en-GB" smtClean="0"/>
-              <a:t>7</a:t>
+              <a:t>10</a:t>
             </a:fld>
             <a:endParaRPr lang="en-GB"/>
           </a:p>
@@ -7017,7 +7078,7 @@
           <a:p>
             <a:fld id="{02AC24A9-CCB6-4F8D-B8DB-C2F3692CFA5A}" type="datetimeFigureOut">
               <a:rPr lang="en-US" smtClean="0"/>
-              <a:t>12/25/2021</a:t>
+              <a:t>12/27/2021</a:t>
             </a:fld>
             <a:endParaRPr lang="en-US" dirty="0"/>
           </a:p>
@@ -7315,7 +7376,7 @@
           <a:p>
             <a:fld id="{02AC24A9-CCB6-4F8D-B8DB-C2F3692CFA5A}" type="datetimeFigureOut">
               <a:rPr lang="en-US" smtClean="0"/>
-              <a:t>12/25/2021</a:t>
+              <a:t>12/27/2021</a:t>
             </a:fld>
             <a:endParaRPr lang="en-US"/>
           </a:p>
@@ -7507,7 +7568,7 @@
           <a:p>
             <a:fld id="{02AC24A9-CCB6-4F8D-B8DB-C2F3692CFA5A}" type="datetimeFigureOut">
               <a:rPr lang="en-US" smtClean="0"/>
-              <a:t>12/25/2021</a:t>
+              <a:t>12/27/2021</a:t>
             </a:fld>
             <a:endParaRPr lang="en-US"/>
           </a:p>
@@ -7768,7 +7829,7 @@
           <a:p>
             <a:fld id="{02AC24A9-CCB6-4F8D-B8DB-C2F3692CFA5A}" type="datetimeFigureOut">
               <a:rPr lang="en-US" smtClean="0"/>
-              <a:t>12/25/2021</a:t>
+              <a:t>12/27/2021</a:t>
             </a:fld>
             <a:endParaRPr lang="en-US"/>
           </a:p>
@@ -8192,7 +8253,7 @@
           <a:p>
             <a:fld id="{02AC24A9-CCB6-4F8D-B8DB-C2F3692CFA5A}" type="datetimeFigureOut">
               <a:rPr lang="en-US" smtClean="0"/>
-              <a:t>12/25/2021</a:t>
+              <a:t>12/27/2021</a:t>
             </a:fld>
             <a:endParaRPr lang="en-US"/>
           </a:p>
@@ -8729,7 +8790,7 @@
           <a:p>
             <a:fld id="{02AC24A9-CCB6-4F8D-B8DB-C2F3692CFA5A}" type="datetimeFigureOut">
               <a:rPr lang="en-US" smtClean="0"/>
-              <a:t>12/25/2021</a:t>
+              <a:t>12/27/2021</a:t>
             </a:fld>
             <a:endParaRPr lang="en-US"/>
           </a:p>
@@ -9593,7 +9654,7 @@
           <a:p>
             <a:fld id="{02AC24A9-CCB6-4F8D-B8DB-C2F3692CFA5A}" type="datetimeFigureOut">
               <a:rPr lang="en-US" smtClean="0"/>
-              <a:t>12/25/2021</a:t>
+              <a:t>12/27/2021</a:t>
             </a:fld>
             <a:endParaRPr lang="en-US"/>
           </a:p>
@@ -9763,7 +9824,7 @@
           <a:p>
             <a:fld id="{02AC24A9-CCB6-4F8D-B8DB-C2F3692CFA5A}" type="datetimeFigureOut">
               <a:rPr lang="en-US" smtClean="0"/>
-              <a:t>12/25/2021</a:t>
+              <a:t>12/27/2021</a:t>
             </a:fld>
             <a:endParaRPr lang="en-US"/>
           </a:p>
@@ -9947,7 +10008,7 @@
           <a:p>
             <a:fld id="{02AC24A9-CCB6-4F8D-B8DB-C2F3692CFA5A}" type="datetimeFigureOut">
               <a:rPr lang="en-US" smtClean="0"/>
-              <a:t>12/25/2021</a:t>
+              <a:t>12/27/2021</a:t>
             </a:fld>
             <a:endParaRPr lang="en-US"/>
           </a:p>
@@ -10117,7 +10178,7 @@
           <a:p>
             <a:fld id="{02AC24A9-CCB6-4F8D-B8DB-C2F3692CFA5A}" type="datetimeFigureOut">
               <a:rPr lang="en-US" smtClean="0"/>
-              <a:t>12/25/2021</a:t>
+              <a:t>12/27/2021</a:t>
             </a:fld>
             <a:endParaRPr lang="en-US"/>
           </a:p>
@@ -10361,7 +10422,7 @@
           <a:p>
             <a:fld id="{02AC24A9-CCB6-4F8D-B8DB-C2F3692CFA5A}" type="datetimeFigureOut">
               <a:rPr lang="en-US" smtClean="0"/>
-              <a:t>12/25/2021</a:t>
+              <a:t>12/27/2021</a:t>
             </a:fld>
             <a:endParaRPr lang="en-US"/>
           </a:p>
@@ -10597,7 +10658,7 @@
           <a:p>
             <a:fld id="{02AC24A9-CCB6-4F8D-B8DB-C2F3692CFA5A}" type="datetimeFigureOut">
               <a:rPr lang="en-US" smtClean="0"/>
-              <a:t>12/25/2021</a:t>
+              <a:t>12/27/2021</a:t>
             </a:fld>
             <a:endParaRPr lang="en-US"/>
           </a:p>
@@ -11063,7 +11124,7 @@
           <a:p>
             <a:fld id="{02AC24A9-CCB6-4F8D-B8DB-C2F3692CFA5A}" type="datetimeFigureOut">
               <a:rPr lang="en-US" smtClean="0"/>
-              <a:t>12/25/2021</a:t>
+              <a:t>12/27/2021</a:t>
             </a:fld>
             <a:endParaRPr lang="en-US"/>
           </a:p>
@@ -11181,7 +11242,7 @@
           <a:p>
             <a:fld id="{02AC24A9-CCB6-4F8D-B8DB-C2F3692CFA5A}" type="datetimeFigureOut">
               <a:rPr lang="en-US" smtClean="0"/>
-              <a:t>12/25/2021</a:t>
+              <a:t>12/27/2021</a:t>
             </a:fld>
             <a:endParaRPr lang="en-US"/>
           </a:p>
@@ -11276,7 +11337,7 @@
           <a:p>
             <a:fld id="{02AC24A9-CCB6-4F8D-B8DB-C2F3692CFA5A}" type="datetimeFigureOut">
               <a:rPr lang="en-US" smtClean="0"/>
-              <a:t>12/25/2021</a:t>
+              <a:t>12/27/2021</a:t>
             </a:fld>
             <a:endParaRPr lang="en-US"/>
           </a:p>
@@ -11531,7 +11592,7 @@
           <a:p>
             <a:fld id="{02AC24A9-CCB6-4F8D-B8DB-C2F3692CFA5A}" type="datetimeFigureOut">
               <a:rPr lang="en-US" smtClean="0"/>
-              <a:t>12/25/2021</a:t>
+              <a:t>12/27/2021</a:t>
             </a:fld>
             <a:endParaRPr lang="en-US" dirty="0"/>
           </a:p>
@@ -11831,7 +11892,7 @@
           <a:p>
             <a:fld id="{02AC24A9-CCB6-4F8D-B8DB-C2F3692CFA5A}" type="datetimeFigureOut">
               <a:rPr lang="en-US" smtClean="0"/>
-              <a:t>12/25/2021</a:t>
+              <a:t>12/27/2021</a:t>
             </a:fld>
             <a:endParaRPr lang="en-US"/>
           </a:p>
@@ -12065,7 +12126,7 @@
           <a:p>
             <a:fld id="{02AC24A9-CCB6-4F8D-B8DB-C2F3692CFA5A}" type="datetimeFigureOut">
               <a:rPr lang="en-US" smtClean="0"/>
-              <a:t>12/25/2021</a:t>
+              <a:t>12/27/2021</a:t>
             </a:fld>
             <a:endParaRPr lang="en-US"/>
           </a:p>
@@ -13469,6 +13530,25 @@
 <file path=ppt/slides/slide10.xml><?xml version="1.0" encoding="utf-8"?>
 <p:sld xmlns:a="http://schemas.openxmlformats.org/drawingml/2006/main" xmlns:r="http://schemas.openxmlformats.org/officeDocument/2006/relationships" xmlns:p="http://schemas.openxmlformats.org/presentationml/2006/main">
   <p:cSld>
+    <p:bg>
+      <p:bgPr>
+        <a:blipFill rotWithShape="1">
+          <a:blip r:embed="rId3">
+            <a:duotone>
+              <a:schemeClr val="bg2">
+                <a:shade val="80000"/>
+                <a:lumMod val="80000"/>
+              </a:schemeClr>
+              <a:schemeClr val="bg2">
+                <a:tint val="98000"/>
+              </a:schemeClr>
+            </a:duotone>
+          </a:blip>
+          <a:stretch/>
+        </a:blipFill>
+        <a:effectLst/>
+      </p:bgPr>
+    </p:bg>
     <p:spTree>
       <p:nvGrpSpPr>
         <p:cNvPr id="1" name=""/>
@@ -13488,7 +13568,214 @@
           <p:cNvPr id="2" name="Title 1">
             <a:extLst>
               <a:ext uri="{FF2B5EF4-FFF2-40B4-BE49-F238E27FC236}">
-                <a16:creationId xmlns:a16="http://schemas.microsoft.com/office/drawing/2014/main" id="{444BF5D0-2FCC-4552-98C1-A9E737C9A176}"/>
+                <a16:creationId xmlns:a16="http://schemas.microsoft.com/office/drawing/2014/main" id="{1C154D38-6D45-4EEE-9247-6B11D9B1DBEF}"/>
+              </a:ext>
+            </a:extLst>
+          </p:cNvPr>
+          <p:cNvSpPr>
+            <a:spLocks noGrp="1"/>
+          </p:cNvSpPr>
+          <p:nvPr>
+            <p:ph type="title"/>
+          </p:nvPr>
+        </p:nvSpPr>
+        <p:spPr>
+          <a:xfrm>
+            <a:off x="913795" y="609600"/>
+            <a:ext cx="10353762" cy="970450"/>
+          </a:xfrm>
+        </p:spPr>
+        <p:txBody>
+          <a:bodyPr>
+            <a:normAutofit/>
+          </a:bodyPr>
+          <a:lstStyle/>
+          <a:p>
+            <a:pPr>
+              <a:lnSpc>
+                <a:spcPct val="90000"/>
+              </a:lnSpc>
+            </a:pPr>
+            <a:r>
+              <a:rPr lang="en-US" sz="3400"/>
+              <a:t>Data Cleaning – Removing Columns with 50%+ Null </a:t>
+            </a:r>
+            <a:endParaRPr lang="en-GB" sz="3400"/>
+          </a:p>
+        </p:txBody>
+      </p:sp>
+      <p:sp>
+        <p:nvSpPr>
+          <p:cNvPr id="3" name="Content Placeholder 2">
+            <a:extLst>
+              <a:ext uri="{FF2B5EF4-FFF2-40B4-BE49-F238E27FC236}">
+                <a16:creationId xmlns:a16="http://schemas.microsoft.com/office/drawing/2014/main" id="{C19FDC94-E606-418F-8D42-99C2CD819BF3}"/>
+              </a:ext>
+            </a:extLst>
+          </p:cNvPr>
+          <p:cNvSpPr>
+            <a:spLocks noGrp="1"/>
+          </p:cNvSpPr>
+          <p:nvPr>
+            <p:ph idx="1"/>
+          </p:nvPr>
+        </p:nvSpPr>
+        <p:spPr>
+          <a:xfrm>
+            <a:off x="913795" y="1732449"/>
+            <a:ext cx="5546272" cy="4216288"/>
+          </a:xfrm>
+        </p:spPr>
+        <p:txBody>
+          <a:bodyPr anchor="ctr">
+            <a:noAutofit/>
+          </a:bodyPr>
+          <a:lstStyle/>
+          <a:p>
+            <a:pPr>
+              <a:lnSpc>
+                <a:spcPct val="90000"/>
+              </a:lnSpc>
+            </a:pPr>
+            <a:r>
+              <a:rPr lang="en-US" sz="2600" dirty="0"/>
+              <a:t>We use the following statement to view data about the counts of null in every column:</a:t>
+            </a:r>
+          </a:p>
+          <a:p>
+            <a:pPr marL="450000" lvl="1" indent="0">
+              <a:lnSpc>
+                <a:spcPct val="90000"/>
+              </a:lnSpc>
+              <a:buNone/>
+            </a:pPr>
+            <a:r>
+              <a:rPr lang="en-US" sz="2200" dirty="0">
+                <a:latin typeface="Courier New" panose="02070309020205020404" pitchFamily="49" charset="0"/>
+                <a:cs typeface="Courier New" panose="02070309020205020404" pitchFamily="49" charset="0"/>
+              </a:rPr>
+              <a:t>df_train.info()</a:t>
+            </a:r>
+            <a:endParaRPr lang="en-US" sz="2200" dirty="0"/>
+          </a:p>
+          <a:p>
+            <a:pPr>
+              <a:lnSpc>
+                <a:spcPct val="90000"/>
+              </a:lnSpc>
+            </a:pPr>
+            <a:r>
+              <a:rPr lang="en-US" sz="2600" dirty="0"/>
+              <a:t>Based on the output data, we will remove the column Cabin, as it has more null values than existing values. We will also remove the columns </a:t>
+            </a:r>
+            <a:r>
+              <a:rPr lang="en-US" sz="2600" dirty="0">
+                <a:latin typeface="Courier New" panose="02070309020205020404" pitchFamily="49" charset="0"/>
+                <a:cs typeface="Courier New" panose="02070309020205020404" pitchFamily="49" charset="0"/>
+              </a:rPr>
+              <a:t>Ticket</a:t>
+            </a:r>
+            <a:r>
+              <a:rPr lang="en-US" sz="2600" dirty="0"/>
+              <a:t>, </a:t>
+            </a:r>
+            <a:r>
+              <a:rPr lang="en-US" sz="2600" dirty="0" err="1">
+                <a:latin typeface="Courier New" panose="02070309020205020404" pitchFamily="49" charset="0"/>
+                <a:cs typeface="Courier New" panose="02070309020205020404" pitchFamily="49" charset="0"/>
+              </a:rPr>
+              <a:t>PassengerId</a:t>
+            </a:r>
+            <a:r>
+              <a:rPr lang="en-US" sz="2600" dirty="0"/>
+              <a:t>, and </a:t>
+            </a:r>
+            <a:r>
+              <a:rPr lang="en-US" sz="2600" dirty="0">
+                <a:latin typeface="Courier New" panose="02070309020205020404" pitchFamily="49" charset="0"/>
+                <a:cs typeface="Courier New" panose="02070309020205020404" pitchFamily="49" charset="0"/>
+              </a:rPr>
+              <a:t>Name</a:t>
+            </a:r>
+            <a:r>
+              <a:rPr lang="en-US" sz="2600" dirty="0"/>
+              <a:t>, as we will not use them later in the analysis.</a:t>
+            </a:r>
+          </a:p>
+        </p:txBody>
+      </p:sp>
+      <p:pic>
+        <p:nvPicPr>
+          <p:cNvPr id="8" name="Picture 7" descr="A screenshot of a computer&#10;&#10;Description automatically generated with low confidence">
+            <a:extLst>
+              <a:ext uri="{FF2B5EF4-FFF2-40B4-BE49-F238E27FC236}">
+                <a16:creationId xmlns:a16="http://schemas.microsoft.com/office/drawing/2014/main" id="{502BF09E-F3F9-49F3-B293-63ED003898A7}"/>
+              </a:ext>
+            </a:extLst>
+          </p:cNvPr>
+          <p:cNvPicPr>
+            <a:picLocks noChangeAspect="1"/>
+          </p:cNvPicPr>
+          <p:nvPr/>
+        </p:nvPicPr>
+        <p:blipFill>
+          <a:blip r:embed="rId4">
+            <a:extLst>
+              <a:ext uri="{28A0092B-C50C-407E-A947-70E740481C1C}">
+                <a14:useLocalDpi xmlns:a14="http://schemas.microsoft.com/office/drawing/2010/main" val="0"/>
+              </a:ext>
+            </a:extLst>
+          </a:blip>
+          <a:stretch>
+            <a:fillRect/>
+          </a:stretch>
+        </p:blipFill>
+        <p:spPr>
+          <a:xfrm>
+            <a:off x="6834382" y="1732449"/>
+            <a:ext cx="4980717" cy="4157212"/>
+          </a:xfrm>
+          <a:prstGeom prst="rect">
+            <a:avLst/>
+          </a:prstGeom>
+        </p:spPr>
+      </p:pic>
+    </p:spTree>
+    <p:extLst>
+      <p:ext uri="{BB962C8B-B14F-4D97-AF65-F5344CB8AC3E}">
+        <p14:creationId xmlns:p14="http://schemas.microsoft.com/office/powerpoint/2010/main" val="1103358885"/>
+      </p:ext>
+    </p:extLst>
+  </p:cSld>
+  <p:clrMapOvr>
+    <a:masterClrMapping/>
+  </p:clrMapOvr>
+</p:sld>
+</file>
+
+<file path=ppt/slides/slide11.xml><?xml version="1.0" encoding="utf-8"?>
+<p:sld xmlns:a="http://schemas.openxmlformats.org/drawingml/2006/main" xmlns:r="http://schemas.openxmlformats.org/officeDocument/2006/relationships" xmlns:p="http://schemas.openxmlformats.org/presentationml/2006/main">
+  <p:cSld>
+    <p:spTree>
+      <p:nvGrpSpPr>
+        <p:cNvPr id="1" name=""/>
+        <p:cNvGrpSpPr/>
+        <p:nvPr/>
+      </p:nvGrpSpPr>
+      <p:grpSpPr>
+        <a:xfrm>
+          <a:off x="0" y="0"/>
+          <a:ext cx="0" cy="0"/>
+          <a:chOff x="0" y="0"/>
+          <a:chExt cx="0" cy="0"/>
+        </a:xfrm>
+      </p:grpSpPr>
+      <p:sp>
+        <p:nvSpPr>
+          <p:cNvPr id="2" name="Title 1">
+            <a:extLst>
+              <a:ext uri="{FF2B5EF4-FFF2-40B4-BE49-F238E27FC236}">
+                <a16:creationId xmlns:a16="http://schemas.microsoft.com/office/drawing/2014/main" id="{1C154D38-6D45-4EEE-9247-6B11D9B1DBEF}"/>
               </a:ext>
             </a:extLst>
           </p:cNvPr>
@@ -13505,8 +13792,8 @@
           <a:lstStyle/>
           <a:p>
             <a:r>
-              <a:rPr lang="en-US"/>
-              <a:t>Exploratory Data Analysis (EDA)</a:t>
+              <a:rPr lang="en-US" dirty="0"/>
+              <a:t>Data Cleaning – Handling the Outliers</a:t>
             </a:r>
             <a:endParaRPr lang="en-GB" dirty="0"/>
           </a:p>
@@ -13517,7 +13804,7 @@
           <p:cNvPr id="3" name="Content Placeholder 2">
             <a:extLst>
               <a:ext uri="{FF2B5EF4-FFF2-40B4-BE49-F238E27FC236}">
-                <a16:creationId xmlns:a16="http://schemas.microsoft.com/office/drawing/2014/main" id="{815A00DD-6D6E-4A66-BB03-00B8BF9EAACA}"/>
+                <a16:creationId xmlns:a16="http://schemas.microsoft.com/office/drawing/2014/main" id="{C19FDC94-E606-418F-8D42-99C2CD819BF3}"/>
               </a:ext>
             </a:extLst>
           </p:cNvPr>
@@ -13528,7 +13815,12 @@
             <p:ph idx="1"/>
           </p:nvPr>
         </p:nvSpPr>
-        <p:spPr/>
+        <p:spPr>
+          <a:xfrm>
+            <a:off x="913795" y="1732449"/>
+            <a:ext cx="10353762" cy="4515951"/>
+          </a:xfrm>
+        </p:spPr>
         <p:txBody>
           <a:bodyPr>
             <a:normAutofit/>
@@ -13536,23 +13828,50 @@
           <a:lstStyle/>
           <a:p>
             <a:r>
-              <a:rPr lang="en-US" sz="2400" dirty="0"/>
-              <a:t>For exploratory data analysis, we will create some count plots to help us get some insight about how the data columns are related. For each plot we will create two versions, one for the passengers who survived, and the other for those who didn’t.</a:t>
-            </a:r>
-          </a:p>
-          <a:p>
-            <a:r>
-              <a:rPr lang="en-US" sz="2400" dirty="0"/>
-              <a:t>We will next give a brief look to each of those plots.</a:t>
-            </a:r>
-            <a:endParaRPr lang="en-GB" sz="2400" dirty="0"/>
+              <a:rPr lang="en-US" sz="2800" dirty="0"/>
+              <a:t>Sometimes the dataset contains abnormal data that might negatively influence the analysis, such abnormal data points are termed </a:t>
+            </a:r>
+            <a:r>
+              <a:rPr lang="en-US" sz="2800" i="1" dirty="0"/>
+              <a:t>outliers</a:t>
+            </a:r>
+            <a:r>
+              <a:rPr lang="en-US" sz="2800" dirty="0"/>
+              <a:t>.</a:t>
+            </a:r>
+          </a:p>
+          <a:p>
+            <a:r>
+              <a:rPr lang="en-US" sz="2800" dirty="0"/>
+              <a:t>We can check for outliers by plotting our data columns.</a:t>
+            </a:r>
+          </a:p>
+          <a:p>
+            <a:r>
+              <a:rPr lang="en-US" sz="2800" dirty="0"/>
+              <a:t>For that, we can use seaborn </a:t>
+            </a:r>
+            <a:r>
+              <a:rPr lang="en-US" sz="2800" dirty="0" err="1"/>
+              <a:t>histplots</a:t>
+            </a:r>
+            <a:r>
+              <a:rPr lang="en-US" sz="2800" dirty="0"/>
+              <a:t>.</a:t>
+            </a:r>
+          </a:p>
+          <a:p>
+            <a:r>
+              <a:rPr lang="en-US" sz="2800" dirty="0"/>
+              <a:t>We will not present the plots here to save space.</a:t>
+            </a:r>
           </a:p>
         </p:txBody>
       </p:sp>
     </p:spTree>
     <p:extLst>
       <p:ext uri="{BB962C8B-B14F-4D97-AF65-F5344CB8AC3E}">
-        <p14:creationId xmlns:p14="http://schemas.microsoft.com/office/powerpoint/2010/main" val="2080050705"/>
+        <p14:creationId xmlns:p14="http://schemas.microsoft.com/office/powerpoint/2010/main" val="4061966808"/>
       </p:ext>
     </p:extLst>
   </p:cSld>
@@ -13562,7 +13881,7 @@
 </p:sld>
 </file>
 
-<file path=ppt/slides/slide11.xml><?xml version="1.0" encoding="utf-8"?>
+<file path=ppt/slides/slide12.xml><?xml version="1.0" encoding="utf-8"?>
 <p:sld xmlns:a="http://schemas.openxmlformats.org/drawingml/2006/main" xmlns:r="http://schemas.openxmlformats.org/officeDocument/2006/relationships" xmlns:p="http://schemas.openxmlformats.org/presentationml/2006/main">
   <p:cSld>
     <p:bg>
@@ -13603,7 +13922,7 @@
           <p:cNvPr id="2" name="Title 1">
             <a:extLst>
               <a:ext uri="{FF2B5EF4-FFF2-40B4-BE49-F238E27FC236}">
-                <a16:creationId xmlns:a16="http://schemas.microsoft.com/office/drawing/2014/main" id="{9C1C460A-DE04-4868-B1C9-03C824A1E08B}"/>
+                <a16:creationId xmlns:a16="http://schemas.microsoft.com/office/drawing/2014/main" id="{5F8639E2-A911-4BE5-A978-3E89B6CB6AD9}"/>
               </a:ext>
             </a:extLst>
           </p:cNvPr>
@@ -13616,8 +13935,8 @@
         </p:nvSpPr>
         <p:spPr>
           <a:xfrm>
-            <a:off x="707900" y="643467"/>
-            <a:ext cx="3946393" cy="1956298"/>
+            <a:off x="913795" y="609600"/>
+            <a:ext cx="5910517" cy="1117600"/>
           </a:xfrm>
         </p:spPr>
         <p:txBody>
@@ -13626,28 +13945,16 @@
           </a:bodyPr>
           <a:lstStyle/>
           <a:p>
-            <a:pPr algn="l"/>
-            <a:r>
-              <a:rPr lang="en-US" sz="3600">
-                <a:ln>
-                  <a:solidFill>
-                    <a:srgbClr val="404040">
-                      <a:alpha val="10000"/>
-                    </a:srgbClr>
-                  </a:solidFill>
-                </a:ln>
-              </a:rPr>
-              <a:t>EDA – Age</a:t>
-            </a:r>
-            <a:endParaRPr lang="en-GB" sz="3600">
-              <a:ln>
-                <a:solidFill>
-                  <a:srgbClr val="404040">
-                    <a:alpha val="10000"/>
-                  </a:srgbClr>
-                </a:solidFill>
-              </a:ln>
-            </a:endParaRPr>
+            <a:pPr>
+              <a:lnSpc>
+                <a:spcPct val="90000"/>
+              </a:lnSpc>
+            </a:pPr>
+            <a:r>
+              <a:rPr lang="en-US" sz="3700"/>
+              <a:t>Data Cleaning – Handling Missing Values</a:t>
+            </a:r>
+            <a:endParaRPr lang="en-GB" sz="3700"/>
           </a:p>
         </p:txBody>
       </p:sp>
@@ -13656,7 +13963,7 @@
           <p:cNvPr id="3" name="Content Placeholder 2">
             <a:extLst>
               <a:ext uri="{FF2B5EF4-FFF2-40B4-BE49-F238E27FC236}">
-                <a16:creationId xmlns:a16="http://schemas.microsoft.com/office/drawing/2014/main" id="{D361CC5C-566F-4AC0-8FFC-803D58F889AA}"/>
+                <a16:creationId xmlns:a16="http://schemas.microsoft.com/office/drawing/2014/main" id="{748EB230-E6D7-46EA-B34B-DDDAE3B85D93}"/>
               </a:ext>
             </a:extLst>
           </p:cNvPr>
@@ -13669,52 +13976,204 @@
         </p:nvSpPr>
         <p:spPr>
           <a:xfrm>
-            <a:off x="5139768" y="643467"/>
-            <a:ext cx="6430560" cy="1956298"/>
+            <a:off x="534257" y="1828799"/>
+            <a:ext cx="6290056" cy="4695291"/>
           </a:xfrm>
         </p:spPr>
         <p:txBody>
-          <a:bodyPr anchor="ctr">
-            <a:normAutofit/>
+          <a:bodyPr>
+            <a:normAutofit lnSpcReduction="10000"/>
           </a:bodyPr>
           <a:lstStyle/>
           <a:p>
-            <a:pPr marL="36900" indent="0">
-              <a:buClr>
-                <a:srgbClr val="7F9ECC"/>
-              </a:buClr>
-              <a:buNone/>
-            </a:pPr>
-            <a:r>
-              <a:rPr lang="en-US" dirty="0">
-                <a:ln>
-                  <a:solidFill>
-                    <a:srgbClr val="404040">
-                      <a:alpha val="10000"/>
-                    </a:srgbClr>
-                  </a:solidFill>
-                </a:ln>
+            <a:r>
+              <a:rPr lang="en-US" sz="2200" dirty="0"/>
+              <a:t>Handling missing values can be done two ways:</a:t>
+            </a:r>
+          </a:p>
+          <a:p>
+            <a:pPr lvl="1"/>
+            <a:r>
+              <a:rPr lang="en-US" sz="2000" dirty="0"/>
+              <a:t>Removing the rows with those values entirely</a:t>
+            </a:r>
+          </a:p>
+          <a:p>
+            <a:pPr lvl="1"/>
+            <a:r>
+              <a:rPr lang="en-US" sz="2000" dirty="0"/>
+              <a:t>Compensating for the missing values with a reasonable value/values, e.g. the mean, median, …</a:t>
+            </a:r>
+            <a:r>
+              <a:rPr lang="en-US" sz="2000" dirty="0" err="1"/>
+              <a:t>etc</a:t>
+            </a:r>
+            <a:endParaRPr lang="en-US" sz="2000" dirty="0"/>
+          </a:p>
+          <a:p>
+            <a:r>
+              <a:rPr lang="en-US" sz="2200" dirty="0"/>
+              <a:t>After checking the </a:t>
+            </a:r>
+            <a:r>
+              <a:rPr lang="en-US" sz="2200" dirty="0">
+                <a:latin typeface="Courier New" panose="02070309020205020404" pitchFamily="49" charset="0"/>
+                <a:cs typeface="Courier New" panose="02070309020205020404" pitchFamily="49" charset="0"/>
               </a:rPr>
-              <a:t>The ages of the passengers, either survived or not, seem to follow some kind of normal distribution.</a:t>
-            </a:r>
-            <a:endParaRPr lang="en-GB" dirty="0">
-              <a:ln>
-                <a:solidFill>
-                  <a:srgbClr val="404040">
-                    <a:alpha val="10000"/>
-                  </a:srgbClr>
-                </a:solidFill>
-              </a:ln>
-            </a:endParaRPr>
+              <a:t>info()</a:t>
+            </a:r>
+            <a:r>
+              <a:rPr lang="en-US" sz="2200" dirty="0"/>
+              <a:t> method for the two </a:t>
+            </a:r>
+            <a:r>
+              <a:rPr lang="en-US" sz="2200" dirty="0" err="1"/>
+              <a:t>dataframes</a:t>
+            </a:r>
+            <a:r>
+              <a:rPr lang="en-US" sz="2200" dirty="0"/>
+              <a:t>, it seems best to take the following actions with </a:t>
+            </a:r>
+            <a:r>
+              <a:rPr lang="en-US" sz="2200" dirty="0" err="1">
+                <a:latin typeface="Courier New" panose="02070309020205020404" pitchFamily="49" charset="0"/>
+                <a:cs typeface="Courier New" panose="02070309020205020404" pitchFamily="49" charset="0"/>
+              </a:rPr>
+              <a:t>df_train</a:t>
+            </a:r>
+            <a:r>
+              <a:rPr lang="en-US" sz="2200" dirty="0"/>
+              <a:t>:</a:t>
+            </a:r>
+          </a:p>
+          <a:p>
+            <a:pPr lvl="1"/>
+            <a:r>
+              <a:rPr lang="en-US" sz="2000" dirty="0"/>
+              <a:t>Remove the two rows that have missing values for the </a:t>
+            </a:r>
+            <a:r>
+              <a:rPr lang="en-US" sz="2000" dirty="0">
+                <a:latin typeface="Courier New" panose="02070309020205020404" pitchFamily="49" charset="0"/>
+                <a:cs typeface="Courier New" panose="02070309020205020404" pitchFamily="49" charset="0"/>
+              </a:rPr>
+              <a:t>Embarked</a:t>
+            </a:r>
+            <a:r>
+              <a:rPr lang="en-US" sz="2000" dirty="0"/>
+              <a:t> column.</a:t>
+            </a:r>
+          </a:p>
+          <a:p>
+            <a:pPr lvl="1"/>
+            <a:r>
+              <a:rPr lang="en-US" sz="2000" dirty="0"/>
+              <a:t>Compensate with the average for the </a:t>
+            </a:r>
+            <a:r>
+              <a:rPr lang="en-US" sz="2000" dirty="0">
+                <a:latin typeface="Courier New" panose="02070309020205020404" pitchFamily="49" charset="0"/>
+                <a:cs typeface="Courier New" panose="02070309020205020404" pitchFamily="49" charset="0"/>
+              </a:rPr>
+              <a:t>Age</a:t>
+            </a:r>
+            <a:r>
+              <a:rPr lang="en-US" sz="2000" dirty="0"/>
+              <a:t> column.</a:t>
+            </a:r>
+          </a:p>
+          <a:p>
+            <a:r>
+              <a:rPr lang="en-US" sz="2000" dirty="0"/>
+              <a:t>Similar actions can be taken with </a:t>
+            </a:r>
+            <a:r>
+              <a:rPr lang="en-US" sz="2000" dirty="0" err="1">
+                <a:latin typeface="Courier New" panose="02070309020205020404" pitchFamily="49" charset="0"/>
+                <a:cs typeface="Courier New" panose="02070309020205020404" pitchFamily="49" charset="0"/>
+              </a:rPr>
+              <a:t>df_test</a:t>
+            </a:r>
+            <a:r>
+              <a:rPr lang="en-US" sz="2000" dirty="0"/>
+              <a:t>.</a:t>
+            </a:r>
+          </a:p>
+        </p:txBody>
+      </p:sp>
+      <p:sp>
+        <p:nvSpPr>
+          <p:cNvPr id="15" name="Rectangle 12">
+            <a:extLst>
+              <a:ext uri="{FF2B5EF4-FFF2-40B4-BE49-F238E27FC236}">
+                <a16:creationId xmlns:a16="http://schemas.microsoft.com/office/drawing/2014/main" id="{FEB31415-7BF1-4297-867D-3EA440C99172}"/>
+              </a:ext>
+              <a:ext uri="{C183D7F6-B498-43B3-948B-1728B52AA6E4}">
+                <adec:decorative xmlns:adec="http://schemas.microsoft.com/office/drawing/2017/decorative" val="1"/>
+              </a:ext>
+            </a:extLst>
+          </p:cNvPr>
+          <p:cNvSpPr>
+            <a:spLocks noGrp="1" noRot="1" noChangeAspect="1" noMove="1" noResize="1" noEditPoints="1" noAdjustHandles="1" noChangeArrowheads="1" noChangeShapeType="1" noTextEdit="1"/>
+          </p:cNvSpPr>
+          <p:nvPr>
+            <p:extLst>
+              <p:ext uri="{386F3935-93C4-4BCD-93E2-E3B085C9AB24}">
+                <p16:designElem xmlns:p16="http://schemas.microsoft.com/office/powerpoint/2015/main" val="1"/>
+              </p:ext>
+            </p:extLst>
+          </p:nvPr>
+        </p:nvSpPr>
+        <p:spPr>
+          <a:xfrm>
+            <a:off x="7582162" y="965196"/>
+            <a:ext cx="3685394" cy="4971787"/>
+          </a:xfrm>
+          <a:prstGeom prst="rect">
+            <a:avLst/>
+          </a:prstGeom>
+          <a:solidFill>
+            <a:schemeClr val="tx1"/>
+          </a:solidFill>
+          <a:ln w="190500">
+            <a:solidFill>
+              <a:schemeClr val="tx1">
+                <a:alpha val="7000"/>
+              </a:schemeClr>
+            </a:solidFill>
+          </a:ln>
+        </p:spPr>
+        <p:style>
+          <a:lnRef idx="2">
+            <a:schemeClr val="accent1">
+              <a:shade val="50000"/>
+            </a:schemeClr>
+          </a:lnRef>
+          <a:fillRef idx="1">
+            <a:schemeClr val="accent1"/>
+          </a:fillRef>
+          <a:effectRef idx="0">
+            <a:schemeClr val="accent1"/>
+          </a:effectRef>
+          <a:fontRef idx="minor">
+            <a:schemeClr val="lt1"/>
+          </a:fontRef>
+        </p:style>
+        <p:txBody>
+          <a:bodyPr rtlCol="0" anchor="ctr"/>
+          <a:lstStyle/>
+          <a:p>
+            <a:pPr algn="ctr"/>
+            <a:endParaRPr lang="en-US"/>
           </a:p>
         </p:txBody>
       </p:sp>
       <p:pic>
         <p:nvPicPr>
-          <p:cNvPr id="7" name="Picture 6" descr="Chart, histogram&#10;&#10;Description automatically generated">
+          <p:cNvPr id="8" name="Picture 7" descr="A close-up of a document&#10;&#10;Description automatically generated with low confidence">
             <a:extLst>
               <a:ext uri="{FF2B5EF4-FFF2-40B4-BE49-F238E27FC236}">
-                <a16:creationId xmlns:a16="http://schemas.microsoft.com/office/drawing/2014/main" id="{39B721D0-B1C8-4715-93EE-E5B90ED683FD}"/>
+                <a16:creationId xmlns:a16="http://schemas.microsoft.com/office/drawing/2014/main" id="{F205D4DD-9549-4626-89B9-6042400CBBEB}"/>
               </a:ext>
             </a:extLst>
           </p:cNvPr>
@@ -13737,8 +14196,397 @@
         </p:blipFill>
         <p:spPr>
           <a:xfrm>
-            <a:off x="1344898" y="2233186"/>
-            <a:ext cx="8805970" cy="4270896"/>
+            <a:off x="7892696" y="1126064"/>
+            <a:ext cx="3095987" cy="2244591"/>
+          </a:xfrm>
+          <a:prstGeom prst="rect">
+            <a:avLst/>
+          </a:prstGeom>
+        </p:spPr>
+      </p:pic>
+      <p:pic>
+        <p:nvPicPr>
+          <p:cNvPr id="6" name="Picture 5" descr="A close-up of a document&#10;&#10;Description automatically generated with low confidence">
+            <a:extLst>
+              <a:ext uri="{FF2B5EF4-FFF2-40B4-BE49-F238E27FC236}">
+                <a16:creationId xmlns:a16="http://schemas.microsoft.com/office/drawing/2014/main" id="{F268AA01-89C3-4DF9-B4B6-8492A56900A4}"/>
+              </a:ext>
+            </a:extLst>
+          </p:cNvPr>
+          <p:cNvPicPr>
+            <a:picLocks noChangeAspect="1"/>
+          </p:cNvPicPr>
+          <p:nvPr/>
+        </p:nvPicPr>
+        <p:blipFill>
+          <a:blip r:embed="rId4">
+            <a:extLst>
+              <a:ext uri="{28A0092B-C50C-407E-A947-70E740481C1C}">
+                <a14:useLocalDpi xmlns:a14="http://schemas.microsoft.com/office/drawing/2010/main" val="0"/>
+              </a:ext>
+            </a:extLst>
+          </a:blip>
+          <a:stretch>
+            <a:fillRect/>
+          </a:stretch>
+        </p:blipFill>
+        <p:spPr>
+          <a:xfrm>
+            <a:off x="7892697" y="3419294"/>
+            <a:ext cx="3095986" cy="2469050"/>
+          </a:xfrm>
+          <a:prstGeom prst="rect">
+            <a:avLst/>
+          </a:prstGeom>
+        </p:spPr>
+      </p:pic>
+    </p:spTree>
+    <p:extLst>
+      <p:ext uri="{BB962C8B-B14F-4D97-AF65-F5344CB8AC3E}">
+        <p14:creationId xmlns:p14="http://schemas.microsoft.com/office/powerpoint/2010/main" val="888120808"/>
+      </p:ext>
+    </p:extLst>
+  </p:cSld>
+  <p:clrMapOvr>
+    <a:masterClrMapping/>
+  </p:clrMapOvr>
+</p:sld>
+</file>
+
+<file path=ppt/slides/slide13.xml><?xml version="1.0" encoding="utf-8"?>
+<p:sld xmlns:a="http://schemas.openxmlformats.org/drawingml/2006/main" xmlns:r="http://schemas.openxmlformats.org/officeDocument/2006/relationships" xmlns:p="http://schemas.openxmlformats.org/presentationml/2006/main">
+  <p:cSld>
+    <p:spTree>
+      <p:nvGrpSpPr>
+        <p:cNvPr id="1" name=""/>
+        <p:cNvGrpSpPr/>
+        <p:nvPr/>
+      </p:nvGrpSpPr>
+      <p:grpSpPr>
+        <a:xfrm>
+          <a:off x="0" y="0"/>
+          <a:ext cx="0" cy="0"/>
+          <a:chOff x="0" y="0"/>
+          <a:chExt cx="0" cy="0"/>
+        </a:xfrm>
+      </p:grpSpPr>
+      <p:sp>
+        <p:nvSpPr>
+          <p:cNvPr id="2" name="Title 1">
+            <a:extLst>
+              <a:ext uri="{FF2B5EF4-FFF2-40B4-BE49-F238E27FC236}">
+                <a16:creationId xmlns:a16="http://schemas.microsoft.com/office/drawing/2014/main" id="{444BF5D0-2FCC-4552-98C1-A9E737C9A176}"/>
+              </a:ext>
+            </a:extLst>
+          </p:cNvPr>
+          <p:cNvSpPr>
+            <a:spLocks noGrp="1"/>
+          </p:cNvSpPr>
+          <p:nvPr>
+            <p:ph type="title"/>
+          </p:nvPr>
+        </p:nvSpPr>
+        <p:spPr/>
+        <p:txBody>
+          <a:bodyPr/>
+          <a:lstStyle/>
+          <a:p>
+            <a:r>
+              <a:rPr lang="en-US"/>
+              <a:t>Exploratory Data Analysis (EDA)</a:t>
+            </a:r>
+            <a:endParaRPr lang="en-GB" dirty="0"/>
+          </a:p>
+        </p:txBody>
+      </p:sp>
+      <p:sp>
+        <p:nvSpPr>
+          <p:cNvPr id="3" name="Content Placeholder 2">
+            <a:extLst>
+              <a:ext uri="{FF2B5EF4-FFF2-40B4-BE49-F238E27FC236}">
+                <a16:creationId xmlns:a16="http://schemas.microsoft.com/office/drawing/2014/main" id="{815A00DD-6D6E-4A66-BB03-00B8BF9EAACA}"/>
+              </a:ext>
+            </a:extLst>
+          </p:cNvPr>
+          <p:cNvSpPr>
+            <a:spLocks noGrp="1"/>
+          </p:cNvSpPr>
+          <p:nvPr>
+            <p:ph idx="1"/>
+          </p:nvPr>
+        </p:nvSpPr>
+        <p:spPr/>
+        <p:txBody>
+          <a:bodyPr>
+            <a:normAutofit/>
+          </a:bodyPr>
+          <a:lstStyle/>
+          <a:p>
+            <a:r>
+              <a:rPr lang="en-US" sz="2400" dirty="0"/>
+              <a:t>For exploratory data analysis, we will create some plots to help us get some insight about how the data columns are related. For each plot we will create two versions, one for the passengers who survived, and the other for those who didn’t.</a:t>
+            </a:r>
+          </a:p>
+          <a:p>
+            <a:r>
+              <a:rPr lang="en-US" sz="2400" dirty="0"/>
+              <a:t>We will next give a brief look to each of those plots.</a:t>
+            </a:r>
+            <a:endParaRPr lang="en-GB" sz="2400" dirty="0"/>
+          </a:p>
+        </p:txBody>
+      </p:sp>
+    </p:spTree>
+    <p:extLst>
+      <p:ext uri="{BB962C8B-B14F-4D97-AF65-F5344CB8AC3E}">
+        <p14:creationId xmlns:p14="http://schemas.microsoft.com/office/powerpoint/2010/main" val="2080050705"/>
+      </p:ext>
+    </p:extLst>
+  </p:cSld>
+  <p:clrMapOvr>
+    <a:masterClrMapping/>
+  </p:clrMapOvr>
+</p:sld>
+</file>
+
+<file path=ppt/slides/slide14.xml><?xml version="1.0" encoding="utf-8"?>
+<p:sld xmlns:a="http://schemas.openxmlformats.org/drawingml/2006/main" xmlns:r="http://schemas.openxmlformats.org/officeDocument/2006/relationships" xmlns:p="http://schemas.openxmlformats.org/presentationml/2006/main">
+  <p:cSld>
+    <p:bg>
+      <p:bgPr>
+        <a:solidFill>
+          <a:schemeClr val="bg1"/>
+        </a:solidFill>
+        <a:effectLst/>
+      </p:bgPr>
+    </p:bg>
+    <p:spTree>
+      <p:nvGrpSpPr>
+        <p:cNvPr id="1" name=""/>
+        <p:cNvGrpSpPr/>
+        <p:nvPr/>
+      </p:nvGrpSpPr>
+      <p:grpSpPr>
+        <a:xfrm>
+          <a:off x="0" y="0"/>
+          <a:ext cx="0" cy="0"/>
+          <a:chOff x="0" y="0"/>
+          <a:chExt cx="0" cy="0"/>
+        </a:xfrm>
+      </p:grpSpPr>
+      <p:sp>
+        <p:nvSpPr>
+          <p:cNvPr id="10" name="Rectangle 9">
+            <a:extLst>
+              <a:ext uri="{FF2B5EF4-FFF2-40B4-BE49-F238E27FC236}">
+                <a16:creationId xmlns:a16="http://schemas.microsoft.com/office/drawing/2014/main" id="{95CB840F-8E41-4CA5-B79B-25CC80AD234A}"/>
+              </a:ext>
+              <a:ext uri="{C183D7F6-B498-43B3-948B-1728B52AA6E4}">
+                <adec:decorative xmlns:adec="http://schemas.microsoft.com/office/drawing/2017/decorative" val="1"/>
+              </a:ext>
+            </a:extLst>
+          </p:cNvPr>
+          <p:cNvSpPr>
+            <a:spLocks noGrp="1" noRot="1" noChangeAspect="1" noMove="1" noResize="1" noEditPoints="1" noAdjustHandles="1" noChangeArrowheads="1" noChangeShapeType="1" noTextEdit="1"/>
+          </p:cNvSpPr>
+          <p:nvPr>
+            <p:extLst>
+              <p:ext uri="{386F3935-93C4-4BCD-93E2-E3B085C9AB24}">
+                <p16:designElem xmlns:p16="http://schemas.microsoft.com/office/powerpoint/2015/main" val="1"/>
+              </p:ext>
+            </p:extLst>
+          </p:nvPr>
+        </p:nvSpPr>
+        <p:spPr>
+          <a:xfrm>
+            <a:off x="0" y="0"/>
+            <a:ext cx="12192000" cy="6858000"/>
+          </a:xfrm>
+          <a:prstGeom prst="rect">
+            <a:avLst/>
+          </a:prstGeom>
+          <a:ln>
+            <a:noFill/>
+          </a:ln>
+        </p:spPr>
+        <p:style>
+          <a:lnRef idx="2">
+            <a:schemeClr val="accent1">
+              <a:shade val="50000"/>
+            </a:schemeClr>
+          </a:lnRef>
+          <a:fillRef idx="1003">
+            <a:schemeClr val="dk2"/>
+          </a:fillRef>
+          <a:effectRef idx="0">
+            <a:schemeClr val="accent1"/>
+          </a:effectRef>
+          <a:fontRef idx="minor">
+            <a:schemeClr val="lt1"/>
+          </a:fontRef>
+        </p:style>
+        <p:txBody>
+          <a:bodyPr rtlCol="0" anchor="ctr"/>
+          <a:lstStyle/>
+          <a:p>
+            <a:pPr algn="ctr"/>
+            <a:endParaRPr lang="en-US"/>
+          </a:p>
+        </p:txBody>
+      </p:sp>
+      <p:sp>
+        <p:nvSpPr>
+          <p:cNvPr id="2" name="Title 1">
+            <a:extLst>
+              <a:ext uri="{FF2B5EF4-FFF2-40B4-BE49-F238E27FC236}">
+                <a16:creationId xmlns:a16="http://schemas.microsoft.com/office/drawing/2014/main" id="{9C1C460A-DE04-4868-B1C9-03C824A1E08B}"/>
+              </a:ext>
+            </a:extLst>
+          </p:cNvPr>
+          <p:cNvSpPr>
+            <a:spLocks noGrp="1"/>
+          </p:cNvSpPr>
+          <p:nvPr>
+            <p:ph type="title"/>
+          </p:nvPr>
+        </p:nvSpPr>
+        <p:spPr>
+          <a:xfrm>
+            <a:off x="913795" y="609600"/>
+            <a:ext cx="3078749" cy="970450"/>
+          </a:xfrm>
+        </p:spPr>
+        <p:txBody>
+          <a:bodyPr anchor="b">
+            <a:normAutofit/>
+          </a:bodyPr>
+          <a:lstStyle/>
+          <a:p>
+            <a:pPr algn="l"/>
+            <a:r>
+              <a:rPr lang="en-US" sz="2800" dirty="0">
+                <a:ln>
+                  <a:solidFill>
+                    <a:srgbClr val="404040">
+                      <a:alpha val="10000"/>
+                    </a:srgbClr>
+                  </a:solidFill>
+                </a:ln>
+                <a:solidFill>
+                  <a:srgbClr val="DADADA"/>
+                </a:solidFill>
+              </a:rPr>
+              <a:t>EDA – Age</a:t>
+            </a:r>
+            <a:endParaRPr lang="en-GB" sz="2800" dirty="0">
+              <a:ln>
+                <a:solidFill>
+                  <a:srgbClr val="404040">
+                    <a:alpha val="10000"/>
+                  </a:srgbClr>
+                </a:solidFill>
+              </a:ln>
+              <a:solidFill>
+                <a:srgbClr val="DADADA"/>
+              </a:solidFill>
+            </a:endParaRPr>
+          </a:p>
+        </p:txBody>
+      </p:sp>
+      <p:sp>
+        <p:nvSpPr>
+          <p:cNvPr id="3" name="Content Placeholder 2">
+            <a:extLst>
+              <a:ext uri="{FF2B5EF4-FFF2-40B4-BE49-F238E27FC236}">
+                <a16:creationId xmlns:a16="http://schemas.microsoft.com/office/drawing/2014/main" id="{D361CC5C-566F-4AC0-8FFC-803D58F889AA}"/>
+              </a:ext>
+            </a:extLst>
+          </p:cNvPr>
+          <p:cNvSpPr>
+            <a:spLocks noGrp="1"/>
+          </p:cNvSpPr>
+          <p:nvPr>
+            <p:ph idx="1"/>
+          </p:nvPr>
+        </p:nvSpPr>
+        <p:spPr>
+          <a:xfrm>
+            <a:off x="913795" y="1732449"/>
+            <a:ext cx="3617108" cy="4482084"/>
+          </a:xfrm>
+        </p:spPr>
+        <p:txBody>
+          <a:bodyPr anchor="t">
+            <a:normAutofit/>
+          </a:bodyPr>
+          <a:lstStyle/>
+          <a:p>
+            <a:pPr marL="36900" indent="0">
+              <a:buClr>
+                <a:srgbClr val="7F9ECC"/>
+              </a:buClr>
+              <a:buNone/>
+            </a:pPr>
+            <a:r>
+              <a:rPr lang="en-US" sz="1800" dirty="0">
+                <a:ln>
+                  <a:solidFill>
+                    <a:srgbClr val="404040">
+                      <a:alpha val="10000"/>
+                    </a:srgbClr>
+                  </a:solidFill>
+                </a:ln>
+                <a:solidFill>
+                  <a:srgbClr val="DADADA"/>
+                </a:solidFill>
+              </a:rPr>
+              <a:t>The ages of the passengers, either survived or not, seem to follow some kind of normal distribution.</a:t>
+            </a:r>
+            <a:endParaRPr lang="en-GB" sz="1800" dirty="0">
+              <a:ln>
+                <a:solidFill>
+                  <a:srgbClr val="404040">
+                    <a:alpha val="10000"/>
+                  </a:srgbClr>
+                </a:solidFill>
+              </a:ln>
+              <a:solidFill>
+                <a:srgbClr val="DADADA"/>
+              </a:solidFill>
+            </a:endParaRPr>
+          </a:p>
+        </p:txBody>
+      </p:sp>
+      <p:pic>
+        <p:nvPicPr>
+          <p:cNvPr id="5" name="Picture 4" descr="Chart&#10;&#10;Description automatically generated">
+            <a:extLst>
+              <a:ext uri="{FF2B5EF4-FFF2-40B4-BE49-F238E27FC236}">
+                <a16:creationId xmlns:a16="http://schemas.microsoft.com/office/drawing/2014/main" id="{C86AE605-7175-4062-964E-ADD6AE98A266}"/>
+              </a:ext>
+            </a:extLst>
+          </p:cNvPr>
+          <p:cNvPicPr>
+            <a:picLocks noChangeAspect="1"/>
+          </p:cNvPicPr>
+          <p:nvPr/>
+        </p:nvPicPr>
+        <p:blipFill>
+          <a:blip r:embed="rId2">
+            <a:extLst>
+              <a:ext uri="{28A0092B-C50C-407E-A947-70E740481C1C}">
+                <a14:useLocalDpi xmlns:a14="http://schemas.microsoft.com/office/drawing/2010/main" val="0"/>
+              </a:ext>
+            </a:extLst>
+          </a:blip>
+          <a:stretch>
+            <a:fillRect/>
+          </a:stretch>
+        </p:blipFill>
+        <p:spPr>
+          <a:xfrm>
+            <a:off x="4906339" y="1212168"/>
+            <a:ext cx="6642193" cy="4433663"/>
           </a:xfrm>
           <a:prstGeom prst="rect">
             <a:avLst/>
@@ -13753,12 +14601,12 @@
     </p:extLst>
   </p:cSld>
   <p:clrMapOvr>
-    <a:masterClrMapping/>
+    <a:overrideClrMapping bg1="lt1" tx1="dk1" bg2="lt2" tx2="dk2" accent1="accent1" accent2="accent2" accent3="accent3" accent4="accent4" accent5="accent5" accent6="accent6" hlink="hlink" folHlink="folHlink"/>
   </p:clrMapOvr>
 </p:sld>
 </file>
 
-<file path=ppt/slides/slide12.xml><?xml version="1.0" encoding="utf-8"?>
+<file path=ppt/slides/slide15.xml><?xml version="1.0" encoding="utf-8"?>
 <p:sld xmlns:a="http://schemas.openxmlformats.org/drawingml/2006/main" xmlns:r="http://schemas.openxmlformats.org/officeDocument/2006/relationships" xmlns:p="http://schemas.openxmlformats.org/presentationml/2006/main">
   <p:cSld>
     <p:bg>
@@ -13954,7 +14802,7 @@
 </p:sld>
 </file>
 
-<file path=ppt/slides/slide13.xml><?xml version="1.0" encoding="utf-8"?>
+<file path=ppt/slides/slide16.xml><?xml version="1.0" encoding="utf-8"?>
 <p:sld xmlns:a="http://schemas.openxmlformats.org/drawingml/2006/main" xmlns:r="http://schemas.openxmlformats.org/officeDocument/2006/relationships" xmlns:p="http://schemas.openxmlformats.org/presentationml/2006/main">
   <p:cSld>
     <p:bg>
@@ -14262,7 +15110,7 @@
 </p:sld>
 </file>
 
-<file path=ppt/slides/slide14.xml><?xml version="1.0" encoding="utf-8"?>
+<file path=ppt/slides/slide17.xml><?xml version="1.0" encoding="utf-8"?>
 <p:sld xmlns:a="http://schemas.openxmlformats.org/drawingml/2006/main" xmlns:r="http://schemas.openxmlformats.org/officeDocument/2006/relationships" xmlns:p="http://schemas.openxmlformats.org/presentationml/2006/main">
   <p:cSld>
     <p:bg>
@@ -14458,7 +15306,7 @@
 </p:sld>
 </file>
 
-<file path=ppt/slides/slide15.xml><?xml version="1.0" encoding="utf-8"?>
+<file path=ppt/slides/slide18.xml><?xml version="1.0" encoding="utf-8"?>
 <p:sld xmlns:a="http://schemas.openxmlformats.org/drawingml/2006/main" xmlns:r="http://schemas.openxmlformats.org/officeDocument/2006/relationships" xmlns:p="http://schemas.openxmlformats.org/presentationml/2006/main">
   <p:cSld>
     <p:bg>
@@ -14654,7 +15502,7 @@
 </p:sld>
 </file>
 
-<file path=ppt/slides/slide16.xml><?xml version="1.0" encoding="utf-8"?>
+<file path=ppt/slides/slide19.xml><?xml version="1.0" encoding="utf-8"?>
 <p:sld xmlns:a="http://schemas.openxmlformats.org/drawingml/2006/main" xmlns:r="http://schemas.openxmlformats.org/officeDocument/2006/relationships" xmlns:p="http://schemas.openxmlformats.org/presentationml/2006/main">
   <p:cSld>
     <p:spTree>
@@ -14811,7 +15659,125 @@
 </p:sld>
 </file>
 
-<file path=ppt/slides/slide17.xml><?xml version="1.0" encoding="utf-8"?>
+<file path=ppt/slides/slide2.xml><?xml version="1.0" encoding="utf-8"?>
+<p:sld xmlns:a="http://schemas.openxmlformats.org/drawingml/2006/main" xmlns:r="http://schemas.openxmlformats.org/officeDocument/2006/relationships" xmlns:p="http://schemas.openxmlformats.org/presentationml/2006/main">
+  <p:cSld>
+    <p:spTree>
+      <p:nvGrpSpPr>
+        <p:cNvPr id="1" name=""/>
+        <p:cNvGrpSpPr/>
+        <p:nvPr/>
+      </p:nvGrpSpPr>
+      <p:grpSpPr>
+        <a:xfrm>
+          <a:off x="0" y="0"/>
+          <a:ext cx="0" cy="0"/>
+          <a:chOff x="0" y="0"/>
+          <a:chExt cx="0" cy="0"/>
+        </a:xfrm>
+      </p:grpSpPr>
+      <p:sp>
+        <p:nvSpPr>
+          <p:cNvPr id="2" name="Title 1">
+            <a:extLst>
+              <a:ext uri="{FF2B5EF4-FFF2-40B4-BE49-F238E27FC236}">
+                <a16:creationId xmlns:a16="http://schemas.microsoft.com/office/drawing/2014/main" id="{5752A65E-F642-40AB-9F0B-25AFE0D7B372}"/>
+              </a:ext>
+            </a:extLst>
+          </p:cNvPr>
+          <p:cNvSpPr>
+            <a:spLocks noGrp="1"/>
+          </p:cNvSpPr>
+          <p:nvPr>
+            <p:ph type="title"/>
+          </p:nvPr>
+        </p:nvSpPr>
+        <p:spPr/>
+        <p:txBody>
+          <a:bodyPr/>
+          <a:lstStyle/>
+          <a:p>
+            <a:r>
+              <a:rPr lang="en-US" dirty="0"/>
+              <a:t>Overview of the Problem</a:t>
+            </a:r>
+            <a:endParaRPr lang="en-GB" dirty="0"/>
+          </a:p>
+        </p:txBody>
+      </p:sp>
+      <p:sp>
+        <p:nvSpPr>
+          <p:cNvPr id="3" name="Content Placeholder 2">
+            <a:extLst>
+              <a:ext uri="{FF2B5EF4-FFF2-40B4-BE49-F238E27FC236}">
+                <a16:creationId xmlns:a16="http://schemas.microsoft.com/office/drawing/2014/main" id="{E9252785-3943-487B-A331-889C593E8880}"/>
+              </a:ext>
+            </a:extLst>
+          </p:cNvPr>
+          <p:cNvSpPr>
+            <a:spLocks noGrp="1"/>
+          </p:cNvSpPr>
+          <p:nvPr>
+            <p:ph idx="1"/>
+          </p:nvPr>
+        </p:nvSpPr>
+        <p:spPr/>
+        <p:txBody>
+          <a:bodyPr/>
+          <a:lstStyle/>
+          <a:p>
+            <a:r>
+              <a:rPr lang="en-US" dirty="0"/>
+              <a:t>This problem deals with some data about Titanic passengers.</a:t>
+            </a:r>
+          </a:p>
+          <a:p>
+            <a:r>
+              <a:rPr lang="en-US" dirty="0"/>
+              <a:t>The main purpose is to create a machine learning model that can make guesses about whether a passenger has survived or not based on some data (for example their age, </a:t>
+            </a:r>
+            <a:r>
+              <a:rPr lang="en-US" dirty="0" err="1"/>
+              <a:t>Pclass</a:t>
+            </a:r>
+            <a:r>
+              <a:rPr lang="en-US" dirty="0"/>
+              <a:t>, …</a:t>
+            </a:r>
+            <a:r>
+              <a:rPr lang="en-US" dirty="0" err="1"/>
+              <a:t>etc</a:t>
+            </a:r>
+            <a:r>
+              <a:rPr lang="en-US" dirty="0"/>
+              <a:t>) describing the passenger. That is, to </a:t>
+            </a:r>
+            <a:r>
+              <a:rPr lang="en-US" i="1" dirty="0"/>
+              <a:t>classify</a:t>
+            </a:r>
+            <a:r>
+              <a:rPr lang="en-US" dirty="0"/>
+              <a:t> the passengers into two categories based on that data.</a:t>
+            </a:r>
+            <a:endParaRPr lang="en-GB" dirty="0"/>
+          </a:p>
+        </p:txBody>
+      </p:sp>
+    </p:spTree>
+    <p:extLst>
+      <p:ext uri="{BB962C8B-B14F-4D97-AF65-F5344CB8AC3E}">
+        <p14:creationId xmlns:p14="http://schemas.microsoft.com/office/powerpoint/2010/main" val="3051820988"/>
+      </p:ext>
+    </p:extLst>
+  </p:cSld>
+  <p:clrMapOvr>
+    <a:masterClrMapping/>
+  </p:clrMapOvr>
+</p:sld>
+</file>
+
+<file path=ppt/slides/slide20.xml><?xml version="1.0" encoding="utf-8"?>
 <p:sld xmlns:a="http://schemas.openxmlformats.org/drawingml/2006/main" xmlns:r="http://schemas.openxmlformats.org/officeDocument/2006/relationships" xmlns:p="http://schemas.openxmlformats.org/presentationml/2006/main">
   <p:cSld>
     <p:bg>
@@ -15113,7 +16079,7 @@
 </p:sld>
 </file>
 
-<file path=ppt/slides/slide18.xml><?xml version="1.0" encoding="utf-8"?>
+<file path=ppt/slides/slide21.xml><?xml version="1.0" encoding="utf-8"?>
 <p:sld xmlns:a="http://schemas.openxmlformats.org/drawingml/2006/main" xmlns:r="http://schemas.openxmlformats.org/officeDocument/2006/relationships" xmlns:p="http://schemas.openxmlformats.org/presentationml/2006/main">
   <p:cSld>
     <p:spTree>
@@ -15385,7 +16351,7 @@
 </p:sld>
 </file>
 
-<file path=ppt/slides/slide19.xml><?xml version="1.0" encoding="utf-8"?>
+<file path=ppt/slides/slide22.xml><?xml version="1.0" encoding="utf-8"?>
 <p:sld xmlns:a="http://schemas.openxmlformats.org/drawingml/2006/main" xmlns:r="http://schemas.openxmlformats.org/officeDocument/2006/relationships" xmlns:p="http://schemas.openxmlformats.org/presentationml/2006/main">
   <p:cSld>
     <p:spTree>
@@ -15430,7 +16396,363 @@
           <a:p>
             <a:r>
               <a:rPr lang="en-US" dirty="0"/>
-              <a:t>Decision Tree.</a:t>
+              <a:t>Decision Tree</a:t>
+            </a:r>
+            <a:endParaRPr lang="en-GB" dirty="0"/>
+          </a:p>
+        </p:txBody>
+      </p:sp>
+      <p:sp>
+        <p:nvSpPr>
+          <p:cNvPr id="3" name="Content Placeholder 2">
+            <a:extLst>
+              <a:ext uri="{FF2B5EF4-FFF2-40B4-BE49-F238E27FC236}">
+                <a16:creationId xmlns:a16="http://schemas.microsoft.com/office/drawing/2014/main" id="{D8557DCF-2E5C-4A4F-9CAE-AAD94989642A}"/>
+              </a:ext>
+            </a:extLst>
+          </p:cNvPr>
+          <p:cNvSpPr>
+            <a:spLocks noGrp="1"/>
+          </p:cNvSpPr>
+          <p:nvPr>
+            <p:ph idx="1"/>
+          </p:nvPr>
+        </p:nvSpPr>
+        <p:spPr>
+          <a:xfrm>
+            <a:off x="913795" y="1732449"/>
+            <a:ext cx="10353762" cy="4729996"/>
+          </a:xfrm>
+        </p:spPr>
+        <p:txBody>
+          <a:bodyPr>
+            <a:normAutofit lnSpcReduction="10000"/>
+          </a:bodyPr>
+          <a:lstStyle/>
+          <a:p>
+            <a:r>
+              <a:rPr lang="en-US" dirty="0"/>
+              <a:t>For this project, we have chosen three machine learning methods to create our model, namely Decision Tree, Support Vector Machine, and Gaussian Naïve Bayes. We will compare the accuracy of those three models.</a:t>
+            </a:r>
+          </a:p>
+          <a:p>
+            <a:r>
+              <a:rPr lang="en-US" dirty="0"/>
+              <a:t>For the decision tree, we use this code to train the model using the specified data:</a:t>
+            </a:r>
+          </a:p>
+          <a:p>
+            <a:pPr marL="36900" indent="0">
+              <a:buNone/>
+            </a:pPr>
+            <a:r>
+              <a:rPr lang="en-GB" dirty="0">
+                <a:latin typeface="Courier New" panose="02070309020205020404" pitchFamily="49" charset="0"/>
+                <a:cs typeface="Courier New" panose="02070309020205020404" pitchFamily="49" charset="0"/>
+              </a:rPr>
+              <a:t>	</a:t>
+            </a:r>
+            <a:r>
+              <a:rPr lang="en-GB" dirty="0" err="1">
+                <a:latin typeface="Courier New" panose="02070309020205020404" pitchFamily="49" charset="0"/>
+                <a:cs typeface="Courier New" panose="02070309020205020404" pitchFamily="49" charset="0"/>
+              </a:rPr>
+              <a:t>decision_tree</a:t>
+            </a:r>
+            <a:r>
+              <a:rPr lang="en-GB" dirty="0">
+                <a:latin typeface="Courier New" panose="02070309020205020404" pitchFamily="49" charset="0"/>
+                <a:cs typeface="Courier New" panose="02070309020205020404" pitchFamily="49" charset="0"/>
+              </a:rPr>
+              <a:t> = </a:t>
+            </a:r>
+            <a:r>
+              <a:rPr lang="en-GB" dirty="0" err="1">
+                <a:latin typeface="Courier New" panose="02070309020205020404" pitchFamily="49" charset="0"/>
+                <a:cs typeface="Courier New" panose="02070309020205020404" pitchFamily="49" charset="0"/>
+              </a:rPr>
+              <a:t>DecisionTreeClassifier</a:t>
+            </a:r>
+            <a:r>
+              <a:rPr lang="en-GB" dirty="0">
+                <a:latin typeface="Courier New" panose="02070309020205020404" pitchFamily="49" charset="0"/>
+                <a:cs typeface="Courier New" panose="02070309020205020404" pitchFamily="49" charset="0"/>
+              </a:rPr>
+              <a:t>()</a:t>
+            </a:r>
+          </a:p>
+          <a:p>
+            <a:pPr marL="36900" indent="0">
+              <a:buNone/>
+            </a:pPr>
+            <a:r>
+              <a:rPr lang="en-GB" dirty="0">
+                <a:latin typeface="Courier New" panose="02070309020205020404" pitchFamily="49" charset="0"/>
+                <a:cs typeface="Courier New" panose="02070309020205020404" pitchFamily="49" charset="0"/>
+              </a:rPr>
+              <a:t>	</a:t>
+            </a:r>
+            <a:r>
+              <a:rPr lang="en-GB" dirty="0" err="1">
+                <a:latin typeface="Courier New" panose="02070309020205020404" pitchFamily="49" charset="0"/>
+                <a:cs typeface="Courier New" panose="02070309020205020404" pitchFamily="49" charset="0"/>
+              </a:rPr>
+              <a:t>decision_tree.fit</a:t>
+            </a:r>
+            <a:r>
+              <a:rPr lang="en-GB" dirty="0">
+                <a:latin typeface="Courier New" panose="02070309020205020404" pitchFamily="49" charset="0"/>
+                <a:cs typeface="Courier New" panose="02070309020205020404" pitchFamily="49" charset="0"/>
+              </a:rPr>
+              <a:t>(</a:t>
+            </a:r>
+            <a:r>
+              <a:rPr lang="en-GB" dirty="0" err="1">
+                <a:latin typeface="Courier New" panose="02070309020205020404" pitchFamily="49" charset="0"/>
+                <a:cs typeface="Courier New" panose="02070309020205020404" pitchFamily="49" charset="0"/>
+              </a:rPr>
+              <a:t>X_train</a:t>
+            </a:r>
+            <a:r>
+              <a:rPr lang="en-GB" dirty="0">
+                <a:latin typeface="Courier New" panose="02070309020205020404" pitchFamily="49" charset="0"/>
+                <a:cs typeface="Courier New" panose="02070309020205020404" pitchFamily="49" charset="0"/>
+              </a:rPr>
+              <a:t>, </a:t>
+            </a:r>
+            <a:r>
+              <a:rPr lang="en-GB" dirty="0" err="1">
+                <a:latin typeface="Courier New" panose="02070309020205020404" pitchFamily="49" charset="0"/>
+                <a:cs typeface="Courier New" panose="02070309020205020404" pitchFamily="49" charset="0"/>
+              </a:rPr>
+              <a:t>Y_train</a:t>
+            </a:r>
+            <a:r>
+              <a:rPr lang="en-GB" dirty="0">
+                <a:latin typeface="Courier New" panose="02070309020205020404" pitchFamily="49" charset="0"/>
+                <a:cs typeface="Courier New" panose="02070309020205020404" pitchFamily="49" charset="0"/>
+              </a:rPr>
+              <a:t>)</a:t>
+            </a:r>
+          </a:p>
+          <a:p>
+            <a:pPr marL="36900" indent="0">
+              <a:buNone/>
+            </a:pPr>
+            <a:r>
+              <a:rPr lang="en-GB" dirty="0">
+                <a:latin typeface="Courier New" panose="02070309020205020404" pitchFamily="49" charset="0"/>
+                <a:cs typeface="Courier New" panose="02070309020205020404" pitchFamily="49" charset="0"/>
+              </a:rPr>
+              <a:t>	</a:t>
+            </a:r>
+            <a:r>
+              <a:rPr lang="en-GB" dirty="0" err="1">
+                <a:latin typeface="Courier New" panose="02070309020205020404" pitchFamily="49" charset="0"/>
+                <a:cs typeface="Courier New" panose="02070309020205020404" pitchFamily="49" charset="0"/>
+              </a:rPr>
+              <a:t>Y_pred</a:t>
+            </a:r>
+            <a:r>
+              <a:rPr lang="en-GB" dirty="0">
+                <a:latin typeface="Courier New" panose="02070309020205020404" pitchFamily="49" charset="0"/>
+                <a:cs typeface="Courier New" panose="02070309020205020404" pitchFamily="49" charset="0"/>
+              </a:rPr>
+              <a:t> = </a:t>
+            </a:r>
+            <a:r>
+              <a:rPr lang="en-GB" dirty="0" err="1">
+                <a:latin typeface="Courier New" panose="02070309020205020404" pitchFamily="49" charset="0"/>
+                <a:cs typeface="Courier New" panose="02070309020205020404" pitchFamily="49" charset="0"/>
+              </a:rPr>
+              <a:t>decision_tree.predict</a:t>
+            </a:r>
+            <a:r>
+              <a:rPr lang="en-GB" dirty="0">
+                <a:latin typeface="Courier New" panose="02070309020205020404" pitchFamily="49" charset="0"/>
+                <a:cs typeface="Courier New" panose="02070309020205020404" pitchFamily="49" charset="0"/>
+              </a:rPr>
+              <a:t>(</a:t>
+            </a:r>
+            <a:r>
+              <a:rPr lang="en-GB" dirty="0" err="1">
+                <a:latin typeface="Courier New" panose="02070309020205020404" pitchFamily="49" charset="0"/>
+                <a:cs typeface="Courier New" panose="02070309020205020404" pitchFamily="49" charset="0"/>
+              </a:rPr>
+              <a:t>X_test</a:t>
+            </a:r>
+            <a:r>
+              <a:rPr lang="en-GB" dirty="0">
+                <a:latin typeface="Courier New" panose="02070309020205020404" pitchFamily="49" charset="0"/>
+                <a:cs typeface="Courier New" panose="02070309020205020404" pitchFamily="49" charset="0"/>
+              </a:rPr>
+              <a:t>)</a:t>
+            </a:r>
+          </a:p>
+          <a:p>
+            <a:r>
+              <a:rPr lang="en-US" dirty="0"/>
+              <a:t>To estimate the accuracy of this model, we use these statements:</a:t>
+            </a:r>
+          </a:p>
+          <a:p>
+            <a:pPr marL="36900" indent="0">
+              <a:buNone/>
+            </a:pPr>
+            <a:r>
+              <a:rPr lang="en-US" dirty="0">
+                <a:latin typeface="Courier New" panose="02070309020205020404" pitchFamily="49" charset="0"/>
+                <a:cs typeface="Courier New" panose="02070309020205020404" pitchFamily="49" charset="0"/>
+              </a:rPr>
+              <a:t>	</a:t>
+            </a:r>
+            <a:r>
+              <a:rPr lang="en-US" dirty="0" err="1">
+                <a:latin typeface="Courier New" panose="02070309020205020404" pitchFamily="49" charset="0"/>
+                <a:cs typeface="Courier New" panose="02070309020205020404" pitchFamily="49" charset="0"/>
+              </a:rPr>
+              <a:t>acc_decision_tree</a:t>
+            </a:r>
+            <a:r>
+              <a:rPr lang="en-US" dirty="0">
+                <a:latin typeface="Courier New" panose="02070309020205020404" pitchFamily="49" charset="0"/>
+                <a:cs typeface="Courier New" panose="02070309020205020404" pitchFamily="49" charset="0"/>
+              </a:rPr>
+              <a:t> = round(</a:t>
+            </a:r>
+            <a:r>
+              <a:rPr lang="en-US" dirty="0" err="1">
+                <a:latin typeface="Courier New" panose="02070309020205020404" pitchFamily="49" charset="0"/>
+                <a:cs typeface="Courier New" panose="02070309020205020404" pitchFamily="49" charset="0"/>
+              </a:rPr>
+              <a:t>decision_tree.score</a:t>
+            </a:r>
+            <a:r>
+              <a:rPr lang="en-US" dirty="0">
+                <a:latin typeface="Courier New" panose="02070309020205020404" pitchFamily="49" charset="0"/>
+                <a:cs typeface="Courier New" panose="02070309020205020404" pitchFamily="49" charset="0"/>
+              </a:rPr>
+              <a:t>(</a:t>
+            </a:r>
+            <a:r>
+              <a:rPr lang="en-US" dirty="0" err="1">
+                <a:latin typeface="Courier New" panose="02070309020205020404" pitchFamily="49" charset="0"/>
+                <a:cs typeface="Courier New" panose="02070309020205020404" pitchFamily="49" charset="0"/>
+              </a:rPr>
+              <a:t>X_train</a:t>
+            </a:r>
+            <a:r>
+              <a:rPr lang="en-US" dirty="0">
+                <a:latin typeface="Courier New" panose="02070309020205020404" pitchFamily="49" charset="0"/>
+                <a:cs typeface="Courier New" panose="02070309020205020404" pitchFamily="49" charset="0"/>
+              </a:rPr>
+              <a:t>, </a:t>
+            </a:r>
+            <a:r>
+              <a:rPr lang="en-US" dirty="0" err="1">
+                <a:latin typeface="Courier New" panose="02070309020205020404" pitchFamily="49" charset="0"/>
+                <a:cs typeface="Courier New" panose="02070309020205020404" pitchFamily="49" charset="0"/>
+              </a:rPr>
+              <a:t>Y_train</a:t>
+            </a:r>
+            <a:r>
+              <a:rPr lang="en-US" dirty="0">
+                <a:latin typeface="Courier New" panose="02070309020205020404" pitchFamily="49" charset="0"/>
+                <a:cs typeface="Courier New" panose="02070309020205020404" pitchFamily="49" charset="0"/>
+              </a:rPr>
+              <a:t>) 		* 100, 2)</a:t>
+            </a:r>
+          </a:p>
+          <a:p>
+            <a:pPr marL="36900" indent="0">
+              <a:buNone/>
+            </a:pPr>
+            <a:r>
+              <a:rPr lang="en-US" dirty="0">
+                <a:latin typeface="Courier New" panose="02070309020205020404" pitchFamily="49" charset="0"/>
+                <a:cs typeface="Courier New" panose="02070309020205020404" pitchFamily="49" charset="0"/>
+              </a:rPr>
+              <a:t>	</a:t>
+            </a:r>
+            <a:r>
+              <a:rPr lang="en-US" dirty="0" err="1">
+                <a:latin typeface="Courier New" panose="02070309020205020404" pitchFamily="49" charset="0"/>
+                <a:cs typeface="Courier New" panose="02070309020205020404" pitchFamily="49" charset="0"/>
+              </a:rPr>
+              <a:t>acc_decision_tree</a:t>
+            </a:r>
+            <a:endParaRPr lang="en-US" dirty="0">
+              <a:latin typeface="Courier New" panose="02070309020205020404" pitchFamily="49" charset="0"/>
+              <a:cs typeface="Courier New" panose="02070309020205020404" pitchFamily="49" charset="0"/>
+            </a:endParaRPr>
+          </a:p>
+          <a:p>
+            <a:r>
+              <a:rPr lang="en-US" dirty="0"/>
+              <a:t>The accuracy of the model is 98.2%</a:t>
+            </a:r>
+          </a:p>
+        </p:txBody>
+      </p:sp>
+    </p:spTree>
+    <p:extLst>
+      <p:ext uri="{BB962C8B-B14F-4D97-AF65-F5344CB8AC3E}">
+        <p14:creationId xmlns:p14="http://schemas.microsoft.com/office/powerpoint/2010/main" val="3131340779"/>
+      </p:ext>
+    </p:extLst>
+  </p:cSld>
+  <p:clrMapOvr>
+    <a:masterClrMapping/>
+  </p:clrMapOvr>
+</p:sld>
+</file>
+
+<file path=ppt/slides/slide23.xml><?xml version="1.0" encoding="utf-8"?>
+<p:sld xmlns:a="http://schemas.openxmlformats.org/drawingml/2006/main" xmlns:r="http://schemas.openxmlformats.org/officeDocument/2006/relationships" xmlns:p="http://schemas.openxmlformats.org/presentationml/2006/main">
+  <p:cSld>
+    <p:spTree>
+      <p:nvGrpSpPr>
+        <p:cNvPr id="1" name=""/>
+        <p:cNvGrpSpPr/>
+        <p:nvPr/>
+      </p:nvGrpSpPr>
+      <p:grpSpPr>
+        <a:xfrm>
+          <a:off x="0" y="0"/>
+          <a:ext cx="0" cy="0"/>
+          <a:chOff x="0" y="0"/>
+          <a:chExt cx="0" cy="0"/>
+        </a:xfrm>
+      </p:grpSpPr>
+      <p:sp>
+        <p:nvSpPr>
+          <p:cNvPr id="2" name="Title 1">
+            <a:extLst>
+              <a:ext uri="{FF2B5EF4-FFF2-40B4-BE49-F238E27FC236}">
+                <a16:creationId xmlns:a16="http://schemas.microsoft.com/office/drawing/2014/main" id="{3B3C8C02-556B-441A-A831-F5866BCCD5D8}"/>
+              </a:ext>
+            </a:extLst>
+          </p:cNvPr>
+          <p:cNvSpPr>
+            <a:spLocks noGrp="1"/>
+          </p:cNvSpPr>
+          <p:nvPr>
+            <p:ph type="title"/>
+          </p:nvPr>
+        </p:nvSpPr>
+        <p:spPr>
+          <a:xfrm>
+            <a:off x="913795" y="599325"/>
+            <a:ext cx="10353762" cy="970450"/>
+          </a:xfrm>
+        </p:spPr>
+        <p:txBody>
+          <a:bodyPr/>
+          <a:lstStyle/>
+          <a:p>
+            <a:r>
+              <a:rPr lang="en-US" dirty="0"/>
+              <a:t>Support Vector Machine</a:t>
             </a:r>
             <a:endParaRPr lang="en-GB" dirty="0"/>
           </a:p>
@@ -15466,13 +16788,7 @@
           <a:p>
             <a:r>
               <a:rPr lang="en-US" dirty="0"/>
-              <a:t>For this project, we have chosen two types of machine learning algorithms to fit out model, the decision tree and logistic regression. We will compare the accuracy of both models.</a:t>
-            </a:r>
-          </a:p>
-          <a:p>
-            <a:r>
-              <a:rPr lang="en-US" dirty="0"/>
-              <a:t>For the decision tree, we use this code to train the model using the specified data:</a:t>
+              <a:t>For the SVM, we use this code to train the model using the specified data:</a:t>
             </a:r>
           </a:p>
           <a:p>
@@ -15487,33 +16803,17 @@
               <a:t>	</a:t>
             </a:r>
             <a:r>
-              <a:rPr lang="en-GB" dirty="0" err="1">
+              <a:rPr lang="en-GB" b="0" dirty="0">
+                <a:effectLst/>
                 <a:latin typeface="Courier New" panose="02070309020205020404" pitchFamily="49" charset="0"/>
                 <a:cs typeface="Courier New" panose="02070309020205020404" pitchFamily="49" charset="0"/>
               </a:rPr>
-              <a:t>decision_tree</a:t>
-            </a:r>
-            <a:r>
-              <a:rPr lang="en-GB" dirty="0">
-                <a:latin typeface="Courier New" panose="02070309020205020404" pitchFamily="49" charset="0"/>
-                <a:cs typeface="Courier New" panose="02070309020205020404" pitchFamily="49" charset="0"/>
-              </a:rPr>
-              <a:t> = </a:t>
-            </a:r>
-            <a:r>
-              <a:rPr lang="en-GB" dirty="0" err="1">
-                <a:latin typeface="Courier New" panose="02070309020205020404" pitchFamily="49" charset="0"/>
-                <a:cs typeface="Courier New" panose="02070309020205020404" pitchFamily="49" charset="0"/>
-              </a:rPr>
-              <a:t>DecisionTreeClassifier</a:t>
-            </a:r>
-            <a:r>
-              <a:rPr lang="en-GB" dirty="0">
-                <a:latin typeface="Courier New" panose="02070309020205020404" pitchFamily="49" charset="0"/>
-                <a:cs typeface="Courier New" panose="02070309020205020404" pitchFamily="49" charset="0"/>
-              </a:rPr>
-              <a:t>()</a:t>
-            </a:r>
+              <a:t>svc = SVC()</a:t>
+            </a:r>
+            <a:endParaRPr lang="en-GB" dirty="0">
+              <a:latin typeface="Courier New" panose="02070309020205020404" pitchFamily="49" charset="0"/>
+              <a:cs typeface="Courier New" panose="02070309020205020404" pitchFamily="49" charset="0"/>
+            </a:endParaRPr>
           </a:p>
           <a:p>
             <a:pPr marL="36900" indent="0">
@@ -15527,47 +16827,17 @@
               <a:t>	</a:t>
             </a:r>
             <a:r>
-              <a:rPr lang="en-GB" dirty="0" err="1">
+              <a:rPr lang="fr-FR" b="0" dirty="0">
+                <a:effectLst/>
                 <a:latin typeface="Courier New" panose="02070309020205020404" pitchFamily="49" charset="0"/>
                 <a:cs typeface="Courier New" panose="02070309020205020404" pitchFamily="49" charset="0"/>
               </a:rPr>
-              <a:t>decision_tree.fit</a:t>
-            </a:r>
-            <a:r>
-              <a:rPr lang="en-GB" dirty="0">
-                <a:latin typeface="Courier New" panose="02070309020205020404" pitchFamily="49" charset="0"/>
-                <a:cs typeface="Courier New" panose="02070309020205020404" pitchFamily="49" charset="0"/>
-              </a:rPr>
-              <a:t>(</a:t>
-            </a:r>
-            <a:r>
-              <a:rPr lang="en-GB" dirty="0" err="1">
-                <a:latin typeface="Courier New" panose="02070309020205020404" pitchFamily="49" charset="0"/>
-                <a:cs typeface="Courier New" panose="02070309020205020404" pitchFamily="49" charset="0"/>
-              </a:rPr>
-              <a:t>X_train</a:t>
-            </a:r>
-            <a:r>
-              <a:rPr lang="en-GB" dirty="0">
-                <a:latin typeface="Courier New" panose="02070309020205020404" pitchFamily="49" charset="0"/>
-                <a:cs typeface="Courier New" panose="02070309020205020404" pitchFamily="49" charset="0"/>
-              </a:rPr>
-              <a:t>, </a:t>
-            </a:r>
-            <a:r>
-              <a:rPr lang="en-GB" dirty="0" err="1">
-                <a:latin typeface="Courier New" panose="02070309020205020404" pitchFamily="49" charset="0"/>
-                <a:cs typeface="Courier New" panose="02070309020205020404" pitchFamily="49" charset="0"/>
-              </a:rPr>
-              <a:t>Y_train</a:t>
-            </a:r>
-            <a:r>
-              <a:rPr lang="en-GB" dirty="0">
-                <a:latin typeface="Courier New" panose="02070309020205020404" pitchFamily="49" charset="0"/>
-                <a:cs typeface="Courier New" panose="02070309020205020404" pitchFamily="49" charset="0"/>
-              </a:rPr>
-              <a:t>)</a:t>
-            </a:r>
+              <a:t>svc.fit(X_train, Y_train)</a:t>
+            </a:r>
+            <a:endParaRPr lang="en-GB" dirty="0">
+              <a:latin typeface="Courier New" panose="02070309020205020404" pitchFamily="49" charset="0"/>
+              <a:cs typeface="Courier New" panose="02070309020205020404" pitchFamily="49" charset="0"/>
+            </a:endParaRPr>
           </a:p>
           <a:p>
             <a:pPr marL="36900" indent="0">
@@ -15581,47 +16851,57 @@
               <a:t>	</a:t>
             </a:r>
             <a:r>
-              <a:rPr lang="en-GB" dirty="0" err="1">
+              <a:rPr lang="en-US" b="0" dirty="0" err="1">
+                <a:effectLst/>
                 <a:latin typeface="Courier New" panose="02070309020205020404" pitchFamily="49" charset="0"/>
                 <a:cs typeface="Courier New" panose="02070309020205020404" pitchFamily="49" charset="0"/>
               </a:rPr>
               <a:t>Y_pred</a:t>
             </a:r>
             <a:r>
-              <a:rPr lang="en-GB" dirty="0">
+              <a:rPr lang="en-US" b="0" dirty="0">
+                <a:effectLst/>
                 <a:latin typeface="Courier New" panose="02070309020205020404" pitchFamily="49" charset="0"/>
                 <a:cs typeface="Courier New" panose="02070309020205020404" pitchFamily="49" charset="0"/>
               </a:rPr>
               <a:t> = </a:t>
             </a:r>
             <a:r>
-              <a:rPr lang="en-GB" dirty="0" err="1">
+              <a:rPr lang="en-US" b="0" dirty="0" err="1">
+                <a:effectLst/>
                 <a:latin typeface="Courier New" panose="02070309020205020404" pitchFamily="49" charset="0"/>
                 <a:cs typeface="Courier New" panose="02070309020205020404" pitchFamily="49" charset="0"/>
               </a:rPr>
-              <a:t>decision_tree.predict</a:t>
-            </a:r>
-            <a:r>
-              <a:rPr lang="en-GB" dirty="0">
+              <a:t>svc.predict</a:t>
+            </a:r>
+            <a:r>
+              <a:rPr lang="en-US" b="0" dirty="0">
+                <a:effectLst/>
                 <a:latin typeface="Courier New" panose="02070309020205020404" pitchFamily="49" charset="0"/>
                 <a:cs typeface="Courier New" panose="02070309020205020404" pitchFamily="49" charset="0"/>
               </a:rPr>
               <a:t>(</a:t>
             </a:r>
             <a:r>
-              <a:rPr lang="en-GB" dirty="0" err="1">
+              <a:rPr lang="en-US" b="0" dirty="0" err="1">
+                <a:effectLst/>
                 <a:latin typeface="Courier New" panose="02070309020205020404" pitchFamily="49" charset="0"/>
                 <a:cs typeface="Courier New" panose="02070309020205020404" pitchFamily="49" charset="0"/>
               </a:rPr>
               <a:t>X_test</a:t>
             </a:r>
             <a:r>
-              <a:rPr lang="en-GB" dirty="0">
+              <a:rPr lang="en-US" b="0" dirty="0">
+                <a:effectLst/>
                 <a:latin typeface="Courier New" panose="02070309020205020404" pitchFamily="49" charset="0"/>
                 <a:cs typeface="Courier New" panose="02070309020205020404" pitchFamily="49" charset="0"/>
               </a:rPr>
               <a:t>)</a:t>
             </a:r>
+            <a:endParaRPr lang="en-GB" dirty="0">
+              <a:latin typeface="Courier New" panose="02070309020205020404" pitchFamily="49" charset="0"/>
+              <a:cs typeface="Courier New" panose="02070309020205020404" pitchFamily="49" charset="0"/>
+            </a:endParaRPr>
           </a:p>
           <a:p>
             <a:r>
@@ -15645,7 +16925,7 @@
                 <a:latin typeface="Courier New" panose="02070309020205020404" pitchFamily="49" charset="0"/>
                 <a:cs typeface="Courier New" panose="02070309020205020404" pitchFamily="49" charset="0"/>
               </a:rPr>
-              <a:t>acc_decision_tree</a:t>
+              <a:t>acc_svc</a:t>
             </a:r>
             <a:r>
               <a:rPr lang="en-US" dirty="0">
@@ -15659,7 +16939,7 @@
                 <a:latin typeface="Courier New" panose="02070309020205020404" pitchFamily="49" charset="0"/>
                 <a:cs typeface="Courier New" panose="02070309020205020404" pitchFamily="49" charset="0"/>
               </a:rPr>
-              <a:t>decision_tree.score</a:t>
+              <a:t>svc.score</a:t>
             </a:r>
             <a:r>
               <a:rPr lang="en-US" dirty="0">
@@ -15694,7 +16974,7 @@
                 <a:latin typeface="Courier New" panose="02070309020205020404" pitchFamily="49" charset="0"/>
                 <a:cs typeface="Courier New" panose="02070309020205020404" pitchFamily="49" charset="0"/>
               </a:rPr>
-              <a:t>) 		* 100, 2)</a:t>
+              <a:t>) * 100, 2)</a:t>
             </a:r>
           </a:p>
           <a:p>
@@ -15713,7 +16993,7 @@
                 <a:latin typeface="Courier New" panose="02070309020205020404" pitchFamily="49" charset="0"/>
                 <a:cs typeface="Courier New" panose="02070309020205020404" pitchFamily="49" charset="0"/>
               </a:rPr>
-              <a:t>acc_decision_tree</a:t>
+              <a:t>acc_svc</a:t>
             </a:r>
             <a:endParaRPr lang="en-US" dirty="0">
               <a:latin typeface="Courier New" panose="02070309020205020404" pitchFamily="49" charset="0"/>
@@ -15723,7 +17003,7 @@
           <a:p>
             <a:r>
               <a:rPr lang="en-US" dirty="0"/>
-              <a:t>The accuracy of the model is 98.2%</a:t>
+              <a:t>The accuracy of the model is 68.39%</a:t>
             </a:r>
           </a:p>
         </p:txBody>
@@ -15731,7 +17011,7 @@
     </p:spTree>
     <p:extLst>
       <p:ext uri="{BB962C8B-B14F-4D97-AF65-F5344CB8AC3E}">
-        <p14:creationId xmlns:p14="http://schemas.microsoft.com/office/powerpoint/2010/main" val="3131340779"/>
+        <p14:creationId xmlns:p14="http://schemas.microsoft.com/office/powerpoint/2010/main" val="3791781117"/>
       </p:ext>
     </p:extLst>
   </p:cSld>
@@ -15741,7 +17021,377 @@
 </p:sld>
 </file>
 
-<file path=ppt/slides/slide2.xml><?xml version="1.0" encoding="utf-8"?>
+<file path=ppt/slides/slide24.xml><?xml version="1.0" encoding="utf-8"?>
+<p:sld xmlns:a="http://schemas.openxmlformats.org/drawingml/2006/main" xmlns:r="http://schemas.openxmlformats.org/officeDocument/2006/relationships" xmlns:p="http://schemas.openxmlformats.org/presentationml/2006/main">
+  <p:cSld>
+    <p:spTree>
+      <p:nvGrpSpPr>
+        <p:cNvPr id="1" name=""/>
+        <p:cNvGrpSpPr/>
+        <p:nvPr/>
+      </p:nvGrpSpPr>
+      <p:grpSpPr>
+        <a:xfrm>
+          <a:off x="0" y="0"/>
+          <a:ext cx="0" cy="0"/>
+          <a:chOff x="0" y="0"/>
+          <a:chExt cx="0" cy="0"/>
+        </a:xfrm>
+      </p:grpSpPr>
+      <p:sp>
+        <p:nvSpPr>
+          <p:cNvPr id="2" name="Title 1">
+            <a:extLst>
+              <a:ext uri="{FF2B5EF4-FFF2-40B4-BE49-F238E27FC236}">
+                <a16:creationId xmlns:a16="http://schemas.microsoft.com/office/drawing/2014/main" id="{3B3C8C02-556B-441A-A831-F5866BCCD5D8}"/>
+              </a:ext>
+            </a:extLst>
+          </p:cNvPr>
+          <p:cNvSpPr>
+            <a:spLocks noGrp="1"/>
+          </p:cNvSpPr>
+          <p:nvPr>
+            <p:ph type="title"/>
+          </p:nvPr>
+        </p:nvSpPr>
+        <p:spPr>
+          <a:xfrm>
+            <a:off x="913795" y="599325"/>
+            <a:ext cx="10353762" cy="970450"/>
+          </a:xfrm>
+        </p:spPr>
+        <p:txBody>
+          <a:bodyPr/>
+          <a:lstStyle/>
+          <a:p>
+            <a:r>
+              <a:rPr lang="en-US" dirty="0"/>
+              <a:t>Gaussian Naïve Bayes</a:t>
+            </a:r>
+            <a:endParaRPr lang="en-GB" dirty="0"/>
+          </a:p>
+        </p:txBody>
+      </p:sp>
+      <p:sp>
+        <p:nvSpPr>
+          <p:cNvPr id="3" name="Content Placeholder 2">
+            <a:extLst>
+              <a:ext uri="{FF2B5EF4-FFF2-40B4-BE49-F238E27FC236}">
+                <a16:creationId xmlns:a16="http://schemas.microsoft.com/office/drawing/2014/main" id="{D8557DCF-2E5C-4A4F-9CAE-AAD94989642A}"/>
+              </a:ext>
+            </a:extLst>
+          </p:cNvPr>
+          <p:cNvSpPr>
+            <a:spLocks noGrp="1"/>
+          </p:cNvSpPr>
+          <p:nvPr>
+            <p:ph idx="1"/>
+          </p:nvPr>
+        </p:nvSpPr>
+        <p:spPr>
+          <a:xfrm>
+            <a:off x="913795" y="1732449"/>
+            <a:ext cx="10353762" cy="4729996"/>
+          </a:xfrm>
+        </p:spPr>
+        <p:txBody>
+          <a:bodyPr>
+            <a:normAutofit/>
+          </a:bodyPr>
+          <a:lstStyle/>
+          <a:p>
+            <a:r>
+              <a:rPr lang="en-US" dirty="0"/>
+              <a:t>For this project, we have chosen three machine learning methods to create our model, namely Decision Tree, Support Vector Machine, and Gaussian Naïve Bayes. We will compare the accuracy of those three models.</a:t>
+            </a:r>
+          </a:p>
+          <a:p>
+            <a:r>
+              <a:rPr lang="en-US" dirty="0"/>
+              <a:t>For the decision tree, we use this code to train the model using the specified data:</a:t>
+            </a:r>
+          </a:p>
+          <a:p>
+            <a:pPr marL="36900" indent="0">
+              <a:buNone/>
+            </a:pPr>
+            <a:r>
+              <a:rPr lang="en-GB" dirty="0">
+                <a:latin typeface="Courier New" panose="02070309020205020404" pitchFamily="49" charset="0"/>
+                <a:cs typeface="Courier New" panose="02070309020205020404" pitchFamily="49" charset="0"/>
+              </a:rPr>
+              <a:t>	gaussian = </a:t>
+            </a:r>
+            <a:r>
+              <a:rPr lang="en-GB" dirty="0" err="1">
+                <a:latin typeface="Courier New" panose="02070309020205020404" pitchFamily="49" charset="0"/>
+                <a:cs typeface="Courier New" panose="02070309020205020404" pitchFamily="49" charset="0"/>
+              </a:rPr>
+              <a:t>GaussianNB</a:t>
+            </a:r>
+            <a:r>
+              <a:rPr lang="en-GB" dirty="0">
+                <a:latin typeface="Courier New" panose="02070309020205020404" pitchFamily="49" charset="0"/>
+                <a:cs typeface="Courier New" panose="02070309020205020404" pitchFamily="49" charset="0"/>
+              </a:rPr>
+              <a:t>()</a:t>
+            </a:r>
+          </a:p>
+          <a:p>
+            <a:pPr marL="36900" indent="0">
+              <a:buNone/>
+            </a:pPr>
+            <a:r>
+              <a:rPr lang="en-GB" dirty="0">
+                <a:latin typeface="Courier New" panose="02070309020205020404" pitchFamily="49" charset="0"/>
+                <a:cs typeface="Courier New" panose="02070309020205020404" pitchFamily="49" charset="0"/>
+              </a:rPr>
+              <a:t>	</a:t>
+            </a:r>
+            <a:r>
+              <a:rPr lang="en-GB" dirty="0" err="1">
+                <a:latin typeface="Courier New" panose="02070309020205020404" pitchFamily="49" charset="0"/>
+                <a:cs typeface="Courier New" panose="02070309020205020404" pitchFamily="49" charset="0"/>
+              </a:rPr>
+              <a:t>gaussian.fit</a:t>
+            </a:r>
+            <a:r>
+              <a:rPr lang="en-GB" dirty="0">
+                <a:latin typeface="Courier New" panose="02070309020205020404" pitchFamily="49" charset="0"/>
+                <a:cs typeface="Courier New" panose="02070309020205020404" pitchFamily="49" charset="0"/>
+              </a:rPr>
+              <a:t>(</a:t>
+            </a:r>
+            <a:r>
+              <a:rPr lang="en-GB" dirty="0" err="1">
+                <a:latin typeface="Courier New" panose="02070309020205020404" pitchFamily="49" charset="0"/>
+                <a:cs typeface="Courier New" panose="02070309020205020404" pitchFamily="49" charset="0"/>
+              </a:rPr>
+              <a:t>X_train</a:t>
+            </a:r>
+            <a:r>
+              <a:rPr lang="en-GB" dirty="0">
+                <a:latin typeface="Courier New" panose="02070309020205020404" pitchFamily="49" charset="0"/>
+                <a:cs typeface="Courier New" panose="02070309020205020404" pitchFamily="49" charset="0"/>
+              </a:rPr>
+              <a:t>, </a:t>
+            </a:r>
+            <a:r>
+              <a:rPr lang="en-GB" dirty="0" err="1">
+                <a:latin typeface="Courier New" panose="02070309020205020404" pitchFamily="49" charset="0"/>
+                <a:cs typeface="Courier New" panose="02070309020205020404" pitchFamily="49" charset="0"/>
+              </a:rPr>
+              <a:t>Y_train</a:t>
+            </a:r>
+            <a:r>
+              <a:rPr lang="en-GB" dirty="0">
+                <a:latin typeface="Courier New" panose="02070309020205020404" pitchFamily="49" charset="0"/>
+                <a:cs typeface="Courier New" panose="02070309020205020404" pitchFamily="49" charset="0"/>
+              </a:rPr>
+              <a:t>)</a:t>
+            </a:r>
+          </a:p>
+          <a:p>
+            <a:pPr marL="36900" indent="0">
+              <a:buNone/>
+            </a:pPr>
+            <a:r>
+              <a:rPr lang="en-GB" dirty="0">
+                <a:latin typeface="Courier New" panose="02070309020205020404" pitchFamily="49" charset="0"/>
+                <a:cs typeface="Courier New" panose="02070309020205020404" pitchFamily="49" charset="0"/>
+              </a:rPr>
+              <a:t>	</a:t>
+            </a:r>
+            <a:r>
+              <a:rPr lang="en-GB" dirty="0" err="1">
+                <a:latin typeface="Courier New" panose="02070309020205020404" pitchFamily="49" charset="0"/>
+                <a:cs typeface="Courier New" panose="02070309020205020404" pitchFamily="49" charset="0"/>
+              </a:rPr>
+              <a:t>Y_pred</a:t>
+            </a:r>
+            <a:r>
+              <a:rPr lang="en-GB" dirty="0">
+                <a:latin typeface="Courier New" panose="02070309020205020404" pitchFamily="49" charset="0"/>
+                <a:cs typeface="Courier New" panose="02070309020205020404" pitchFamily="49" charset="0"/>
+              </a:rPr>
+              <a:t> = </a:t>
+            </a:r>
+            <a:r>
+              <a:rPr lang="en-GB" dirty="0" err="1">
+                <a:latin typeface="Courier New" panose="02070309020205020404" pitchFamily="49" charset="0"/>
+                <a:cs typeface="Courier New" panose="02070309020205020404" pitchFamily="49" charset="0"/>
+              </a:rPr>
+              <a:t>gaussian.predict</a:t>
+            </a:r>
+            <a:r>
+              <a:rPr lang="en-GB" dirty="0">
+                <a:latin typeface="Courier New" panose="02070309020205020404" pitchFamily="49" charset="0"/>
+                <a:cs typeface="Courier New" panose="02070309020205020404" pitchFamily="49" charset="0"/>
+              </a:rPr>
+              <a:t>(</a:t>
+            </a:r>
+            <a:r>
+              <a:rPr lang="en-GB" dirty="0" err="1">
+                <a:latin typeface="Courier New" panose="02070309020205020404" pitchFamily="49" charset="0"/>
+                <a:cs typeface="Courier New" panose="02070309020205020404" pitchFamily="49" charset="0"/>
+              </a:rPr>
+              <a:t>X_test</a:t>
+            </a:r>
+            <a:r>
+              <a:rPr lang="en-GB" dirty="0">
+                <a:latin typeface="Courier New" panose="02070309020205020404" pitchFamily="49" charset="0"/>
+                <a:cs typeface="Courier New" panose="02070309020205020404" pitchFamily="49" charset="0"/>
+              </a:rPr>
+              <a:t>)</a:t>
+            </a:r>
+          </a:p>
+          <a:p>
+            <a:r>
+              <a:rPr lang="en-US" dirty="0"/>
+              <a:t>To estimate the accuracy of this model, we use these statements:</a:t>
+            </a:r>
+          </a:p>
+          <a:p>
+            <a:pPr marL="36900" indent="0">
+              <a:buNone/>
+            </a:pPr>
+            <a:r>
+              <a:rPr lang="en-US" dirty="0">
+                <a:latin typeface="Courier New" panose="02070309020205020404" pitchFamily="49" charset="0"/>
+                <a:cs typeface="Courier New" panose="02070309020205020404" pitchFamily="49" charset="0"/>
+              </a:rPr>
+              <a:t>	</a:t>
+            </a:r>
+            <a:r>
+              <a:rPr lang="fr-FR" dirty="0">
+                <a:latin typeface="Courier New" panose="02070309020205020404" pitchFamily="49" charset="0"/>
+                <a:cs typeface="Courier New" panose="02070309020205020404" pitchFamily="49" charset="0"/>
+              </a:rPr>
+              <a:t>acc_gaussian = round(gaussian.score(X_train, Y_train) * 100, 2)</a:t>
+            </a:r>
+          </a:p>
+          <a:p>
+            <a:pPr marL="36900" indent="0">
+              <a:buNone/>
+            </a:pPr>
+            <a:r>
+              <a:rPr lang="fr-FR" dirty="0">
+                <a:latin typeface="Courier New" panose="02070309020205020404" pitchFamily="49" charset="0"/>
+                <a:cs typeface="Courier New" panose="02070309020205020404" pitchFamily="49" charset="0"/>
+              </a:rPr>
+              <a:t>	acc_gaussian</a:t>
+            </a:r>
+            <a:endParaRPr lang="en-US" dirty="0">
+              <a:latin typeface="Courier New" panose="02070309020205020404" pitchFamily="49" charset="0"/>
+              <a:cs typeface="Courier New" panose="02070309020205020404" pitchFamily="49" charset="0"/>
+            </a:endParaRPr>
+          </a:p>
+          <a:p>
+            <a:r>
+              <a:rPr lang="en-US" dirty="0"/>
+              <a:t>The accuracy of the model is 79.19%</a:t>
+            </a:r>
+          </a:p>
+        </p:txBody>
+      </p:sp>
+    </p:spTree>
+    <p:extLst>
+      <p:ext uri="{BB962C8B-B14F-4D97-AF65-F5344CB8AC3E}">
+        <p14:creationId xmlns:p14="http://schemas.microsoft.com/office/powerpoint/2010/main" val="4222576068"/>
+      </p:ext>
+    </p:extLst>
+  </p:cSld>
+  <p:clrMapOvr>
+    <a:masterClrMapping/>
+  </p:clrMapOvr>
+</p:sld>
+</file>
+
+<file path=ppt/slides/slide25.xml><?xml version="1.0" encoding="utf-8"?>
+<p:sld xmlns:a="http://schemas.openxmlformats.org/drawingml/2006/main" xmlns:r="http://schemas.openxmlformats.org/officeDocument/2006/relationships" xmlns:p="http://schemas.openxmlformats.org/presentationml/2006/main">
+  <p:cSld>
+    <p:spTree>
+      <p:nvGrpSpPr>
+        <p:cNvPr id="1" name=""/>
+        <p:cNvGrpSpPr/>
+        <p:nvPr/>
+      </p:nvGrpSpPr>
+      <p:grpSpPr>
+        <a:xfrm>
+          <a:off x="0" y="0"/>
+          <a:ext cx="0" cy="0"/>
+          <a:chOff x="0" y="0"/>
+          <a:chExt cx="0" cy="0"/>
+        </a:xfrm>
+      </p:grpSpPr>
+      <p:sp>
+        <p:nvSpPr>
+          <p:cNvPr id="2" name="Title 1">
+            <a:extLst>
+              <a:ext uri="{FF2B5EF4-FFF2-40B4-BE49-F238E27FC236}">
+                <a16:creationId xmlns:a16="http://schemas.microsoft.com/office/drawing/2014/main" id="{41D5CF32-C0F5-4216-ACFD-A59768F586EF}"/>
+              </a:ext>
+            </a:extLst>
+          </p:cNvPr>
+          <p:cNvSpPr>
+            <a:spLocks noGrp="1"/>
+          </p:cNvSpPr>
+          <p:nvPr>
+            <p:ph type="title"/>
+          </p:nvPr>
+        </p:nvSpPr>
+        <p:spPr/>
+        <p:txBody>
+          <a:bodyPr/>
+          <a:lstStyle/>
+          <a:p>
+            <a:r>
+              <a:rPr lang="en-US" dirty="0"/>
+              <a:t>Comparing the Methods</a:t>
+            </a:r>
+            <a:endParaRPr lang="en-GB" dirty="0"/>
+          </a:p>
+        </p:txBody>
+      </p:sp>
+      <p:sp>
+        <p:nvSpPr>
+          <p:cNvPr id="3" name="Content Placeholder 2">
+            <a:extLst>
+              <a:ext uri="{FF2B5EF4-FFF2-40B4-BE49-F238E27FC236}">
+                <a16:creationId xmlns:a16="http://schemas.microsoft.com/office/drawing/2014/main" id="{BD665F85-6EDA-486D-9631-0C9B4C7BC469}"/>
+              </a:ext>
+            </a:extLst>
+          </p:cNvPr>
+          <p:cNvSpPr>
+            <a:spLocks noGrp="1"/>
+          </p:cNvSpPr>
+          <p:nvPr>
+            <p:ph idx="1"/>
+          </p:nvPr>
+        </p:nvSpPr>
+        <p:spPr/>
+        <p:txBody>
+          <a:bodyPr/>
+          <a:lstStyle/>
+          <a:p>
+            <a:endParaRPr lang="en-GB" dirty="0"/>
+          </a:p>
+        </p:txBody>
+      </p:sp>
+    </p:spTree>
+    <p:extLst>
+      <p:ext uri="{BB962C8B-B14F-4D97-AF65-F5344CB8AC3E}">
+        <p14:creationId xmlns:p14="http://schemas.microsoft.com/office/powerpoint/2010/main" val="625439533"/>
+      </p:ext>
+    </p:extLst>
+  </p:cSld>
+  <p:clrMapOvr>
+    <a:masterClrMapping/>
+  </p:clrMapOvr>
+</p:sld>
+</file>
+
+<file path=ppt/slides/slide3.xml><?xml version="1.0" encoding="utf-8"?>
 <p:sld xmlns:a="http://schemas.openxmlformats.org/drawingml/2006/main" xmlns:r="http://schemas.openxmlformats.org/officeDocument/2006/relationships" xmlns:p="http://schemas.openxmlformats.org/presentationml/2006/main">
   <p:cSld>
     <p:bg>
@@ -15829,7 +17479,7 @@
             <p:ph idx="1"/>
             <p:extLst>
               <p:ext uri="{D42A27DB-BD31-4B8C-83A1-F6EECF244321}">
-                <p14:modId xmlns:p14="http://schemas.microsoft.com/office/powerpoint/2010/main" val="2675136705"/>
+                <p14:modId xmlns:p14="http://schemas.microsoft.com/office/powerpoint/2010/main" val="3328978277"/>
               </p:ext>
             </p:extLst>
           </p:nvPr>
@@ -15857,283 +17507,7 @@
 </p:sld>
 </file>
 
-<file path=ppt/slides/slide20.xml><?xml version="1.0" encoding="utf-8"?>
-<p:sld xmlns:a="http://schemas.openxmlformats.org/drawingml/2006/main" xmlns:r="http://schemas.openxmlformats.org/officeDocument/2006/relationships" xmlns:p="http://schemas.openxmlformats.org/presentationml/2006/main">
-  <p:cSld>
-    <p:spTree>
-      <p:nvGrpSpPr>
-        <p:cNvPr id="1" name=""/>
-        <p:cNvGrpSpPr/>
-        <p:nvPr/>
-      </p:nvGrpSpPr>
-      <p:grpSpPr>
-        <a:xfrm>
-          <a:off x="0" y="0"/>
-          <a:ext cx="0" cy="0"/>
-          <a:chOff x="0" y="0"/>
-          <a:chExt cx="0" cy="0"/>
-        </a:xfrm>
-      </p:grpSpPr>
-      <p:sp>
-        <p:nvSpPr>
-          <p:cNvPr id="2" name="Title 1">
-            <a:extLst>
-              <a:ext uri="{FF2B5EF4-FFF2-40B4-BE49-F238E27FC236}">
-                <a16:creationId xmlns:a16="http://schemas.microsoft.com/office/drawing/2014/main" id="{79D14D4E-F665-4B16-BE73-0749AE598F3A}"/>
-              </a:ext>
-            </a:extLst>
-          </p:cNvPr>
-          <p:cNvSpPr>
-            <a:spLocks noGrp="1"/>
-          </p:cNvSpPr>
-          <p:nvPr>
-            <p:ph type="title"/>
-          </p:nvPr>
-        </p:nvSpPr>
-        <p:spPr/>
-        <p:txBody>
-          <a:bodyPr/>
-          <a:lstStyle/>
-          <a:p>
-            <a:r>
-              <a:rPr lang="en-US" dirty="0"/>
-              <a:t>Logistic Regression.</a:t>
-            </a:r>
-            <a:endParaRPr lang="en-GB" dirty="0"/>
-          </a:p>
-        </p:txBody>
-      </p:sp>
-      <p:sp>
-        <p:nvSpPr>
-          <p:cNvPr id="3" name="Content Placeholder 2">
-            <a:extLst>
-              <a:ext uri="{FF2B5EF4-FFF2-40B4-BE49-F238E27FC236}">
-                <a16:creationId xmlns:a16="http://schemas.microsoft.com/office/drawing/2014/main" id="{DEF2D25F-1766-43D4-B44F-2575F9001B6A}"/>
-              </a:ext>
-            </a:extLst>
-          </p:cNvPr>
-          <p:cNvSpPr>
-            <a:spLocks noGrp="1"/>
-          </p:cNvSpPr>
-          <p:nvPr>
-            <p:ph idx="1"/>
-          </p:nvPr>
-        </p:nvSpPr>
-        <p:spPr/>
-        <p:txBody>
-          <a:bodyPr/>
-          <a:lstStyle/>
-          <a:p>
-            <a:r>
-              <a:rPr lang="en-US" dirty="0"/>
-              <a:t>For the logistic regression, we use this code to train the model:</a:t>
-            </a:r>
-          </a:p>
-          <a:p>
-            <a:pPr marL="36900" indent="0">
-              <a:buNone/>
-            </a:pPr>
-            <a:r>
-              <a:rPr lang="en-GB" dirty="0">
-                <a:latin typeface="Courier New" panose="02070309020205020404" pitchFamily="49" charset="0"/>
-                <a:cs typeface="Courier New" panose="02070309020205020404" pitchFamily="49" charset="0"/>
-              </a:rPr>
-              <a:t>	</a:t>
-            </a:r>
-            <a:r>
-              <a:rPr lang="en-GB" dirty="0" err="1">
-                <a:latin typeface="Courier New" panose="02070309020205020404" pitchFamily="49" charset="0"/>
-                <a:cs typeface="Courier New" panose="02070309020205020404" pitchFamily="49" charset="0"/>
-              </a:rPr>
-              <a:t>logreg</a:t>
-            </a:r>
-            <a:r>
-              <a:rPr lang="en-GB" dirty="0">
-                <a:latin typeface="Courier New" panose="02070309020205020404" pitchFamily="49" charset="0"/>
-                <a:cs typeface="Courier New" panose="02070309020205020404" pitchFamily="49" charset="0"/>
-              </a:rPr>
-              <a:t> = </a:t>
-            </a:r>
-            <a:r>
-              <a:rPr lang="en-GB" dirty="0" err="1">
-                <a:latin typeface="Courier New" panose="02070309020205020404" pitchFamily="49" charset="0"/>
-                <a:cs typeface="Courier New" panose="02070309020205020404" pitchFamily="49" charset="0"/>
-              </a:rPr>
-              <a:t>LogisticRegression</a:t>
-            </a:r>
-            <a:r>
-              <a:rPr lang="en-GB" dirty="0">
-                <a:latin typeface="Courier New" panose="02070309020205020404" pitchFamily="49" charset="0"/>
-                <a:cs typeface="Courier New" panose="02070309020205020404" pitchFamily="49" charset="0"/>
-              </a:rPr>
-              <a:t>()</a:t>
-            </a:r>
-          </a:p>
-          <a:p>
-            <a:pPr marL="36900" indent="0">
-              <a:buNone/>
-            </a:pPr>
-            <a:r>
-              <a:rPr lang="en-GB" dirty="0">
-                <a:latin typeface="Courier New" panose="02070309020205020404" pitchFamily="49" charset="0"/>
-                <a:cs typeface="Courier New" panose="02070309020205020404" pitchFamily="49" charset="0"/>
-              </a:rPr>
-              <a:t>	</a:t>
-            </a:r>
-            <a:r>
-              <a:rPr lang="en-GB" dirty="0" err="1">
-                <a:latin typeface="Courier New" panose="02070309020205020404" pitchFamily="49" charset="0"/>
-                <a:cs typeface="Courier New" panose="02070309020205020404" pitchFamily="49" charset="0"/>
-              </a:rPr>
-              <a:t>logreg.fit</a:t>
-            </a:r>
-            <a:r>
-              <a:rPr lang="en-GB" dirty="0">
-                <a:latin typeface="Courier New" panose="02070309020205020404" pitchFamily="49" charset="0"/>
-                <a:cs typeface="Courier New" panose="02070309020205020404" pitchFamily="49" charset="0"/>
-              </a:rPr>
-              <a:t>(</a:t>
-            </a:r>
-            <a:r>
-              <a:rPr lang="en-GB" dirty="0" err="1">
-                <a:latin typeface="Courier New" panose="02070309020205020404" pitchFamily="49" charset="0"/>
-                <a:cs typeface="Courier New" panose="02070309020205020404" pitchFamily="49" charset="0"/>
-              </a:rPr>
-              <a:t>X_train</a:t>
-            </a:r>
-            <a:r>
-              <a:rPr lang="en-GB" dirty="0">
-                <a:latin typeface="Courier New" panose="02070309020205020404" pitchFamily="49" charset="0"/>
-                <a:cs typeface="Courier New" panose="02070309020205020404" pitchFamily="49" charset="0"/>
-              </a:rPr>
-              <a:t>, </a:t>
-            </a:r>
-            <a:r>
-              <a:rPr lang="en-GB" dirty="0" err="1">
-                <a:latin typeface="Courier New" panose="02070309020205020404" pitchFamily="49" charset="0"/>
-                <a:cs typeface="Courier New" panose="02070309020205020404" pitchFamily="49" charset="0"/>
-              </a:rPr>
-              <a:t>Y_train</a:t>
-            </a:r>
-            <a:r>
-              <a:rPr lang="en-GB" dirty="0">
-                <a:latin typeface="Courier New" panose="02070309020205020404" pitchFamily="49" charset="0"/>
-                <a:cs typeface="Courier New" panose="02070309020205020404" pitchFamily="49" charset="0"/>
-              </a:rPr>
-              <a:t>)</a:t>
-            </a:r>
-          </a:p>
-          <a:p>
-            <a:pPr marL="36900" indent="0">
-              <a:buNone/>
-            </a:pPr>
-            <a:r>
-              <a:rPr lang="en-GB" dirty="0">
-                <a:latin typeface="Courier New" panose="02070309020205020404" pitchFamily="49" charset="0"/>
-                <a:cs typeface="Courier New" panose="02070309020205020404" pitchFamily="49" charset="0"/>
-              </a:rPr>
-              <a:t>	</a:t>
-            </a:r>
-            <a:r>
-              <a:rPr lang="en-GB" dirty="0" err="1">
-                <a:latin typeface="Courier New" panose="02070309020205020404" pitchFamily="49" charset="0"/>
-                <a:cs typeface="Courier New" panose="02070309020205020404" pitchFamily="49" charset="0"/>
-              </a:rPr>
-              <a:t>Y_pred</a:t>
-            </a:r>
-            <a:r>
-              <a:rPr lang="en-GB" dirty="0">
-                <a:latin typeface="Courier New" panose="02070309020205020404" pitchFamily="49" charset="0"/>
-                <a:cs typeface="Courier New" panose="02070309020205020404" pitchFamily="49" charset="0"/>
-              </a:rPr>
-              <a:t> = </a:t>
-            </a:r>
-            <a:r>
-              <a:rPr lang="en-GB" dirty="0" err="1">
-                <a:latin typeface="Courier New" panose="02070309020205020404" pitchFamily="49" charset="0"/>
-                <a:cs typeface="Courier New" panose="02070309020205020404" pitchFamily="49" charset="0"/>
-              </a:rPr>
-              <a:t>logreg.predict</a:t>
-            </a:r>
-            <a:r>
-              <a:rPr lang="en-GB" dirty="0">
-                <a:latin typeface="Courier New" panose="02070309020205020404" pitchFamily="49" charset="0"/>
-                <a:cs typeface="Courier New" panose="02070309020205020404" pitchFamily="49" charset="0"/>
-              </a:rPr>
-              <a:t>(</a:t>
-            </a:r>
-            <a:r>
-              <a:rPr lang="en-GB" dirty="0" err="1">
-                <a:latin typeface="Courier New" panose="02070309020205020404" pitchFamily="49" charset="0"/>
-                <a:cs typeface="Courier New" panose="02070309020205020404" pitchFamily="49" charset="0"/>
-              </a:rPr>
-              <a:t>X_test</a:t>
-            </a:r>
-            <a:r>
-              <a:rPr lang="en-GB" dirty="0">
-                <a:latin typeface="Courier New" panose="02070309020205020404" pitchFamily="49" charset="0"/>
-                <a:cs typeface="Courier New" panose="02070309020205020404" pitchFamily="49" charset="0"/>
-              </a:rPr>
-              <a:t>)</a:t>
-            </a:r>
-          </a:p>
-          <a:p>
-            <a:r>
-              <a:rPr lang="en-US" dirty="0"/>
-              <a:t>To estimate the accuracy of this model, we use these statements:</a:t>
-            </a:r>
-          </a:p>
-          <a:p>
-            <a:pPr marL="36900" indent="0">
-              <a:buNone/>
-            </a:pPr>
-            <a:r>
-              <a:rPr lang="fr-FR" dirty="0">
-                <a:latin typeface="Courier New" panose="02070309020205020404" pitchFamily="49" charset="0"/>
-                <a:cs typeface="Courier New" panose="02070309020205020404" pitchFamily="49" charset="0"/>
-              </a:rPr>
-              <a:t>	acc_log = round(logreg.score(X_train, Y_train) * 100, 2)</a:t>
-            </a:r>
-          </a:p>
-          <a:p>
-            <a:pPr marL="36900" indent="0">
-              <a:buNone/>
-            </a:pPr>
-            <a:r>
-              <a:rPr lang="fr-FR" dirty="0">
-                <a:latin typeface="Courier New" panose="02070309020205020404" pitchFamily="49" charset="0"/>
-                <a:cs typeface="Courier New" panose="02070309020205020404" pitchFamily="49" charset="0"/>
-              </a:rPr>
-              <a:t>	acc_log</a:t>
-            </a:r>
-            <a:endParaRPr lang="en-US" dirty="0">
-              <a:latin typeface="Courier New" panose="02070309020205020404" pitchFamily="49" charset="0"/>
-              <a:cs typeface="Courier New" panose="02070309020205020404" pitchFamily="49" charset="0"/>
-            </a:endParaRPr>
-          </a:p>
-          <a:p>
-            <a:r>
-              <a:rPr lang="en-US" dirty="0"/>
-              <a:t>The accuracy of the model is 80.2%</a:t>
-            </a:r>
-            <a:endParaRPr lang="en-GB" dirty="0"/>
-          </a:p>
-        </p:txBody>
-      </p:sp>
-    </p:spTree>
-    <p:extLst>
-      <p:ext uri="{BB962C8B-B14F-4D97-AF65-F5344CB8AC3E}">
-        <p14:creationId xmlns:p14="http://schemas.microsoft.com/office/powerpoint/2010/main" val="3274722811"/>
-      </p:ext>
-    </p:extLst>
-  </p:cSld>
-  <p:clrMapOvr>
-    <a:masterClrMapping/>
-  </p:clrMapOvr>
-</p:sld>
-</file>
-
-<file path=ppt/slides/slide3.xml><?xml version="1.0" encoding="utf-8"?>
+<file path=ppt/slides/slide4.xml><?xml version="1.0" encoding="utf-8"?>
 <p:sld xmlns:a="http://schemas.openxmlformats.org/drawingml/2006/main" xmlns:r="http://schemas.openxmlformats.org/officeDocument/2006/relationships" xmlns:p="http://schemas.openxmlformats.org/presentationml/2006/main">
   <p:cSld>
     <p:bg>
@@ -16434,7 +17808,7 @@
 </p:sld>
 </file>
 
-<file path=ppt/slides/slide4.xml><?xml version="1.0" encoding="utf-8"?>
+<file path=ppt/slides/slide5.xml><?xml version="1.0" encoding="utf-8"?>
 <p:sld xmlns:a="http://schemas.openxmlformats.org/drawingml/2006/main" xmlns:r="http://schemas.openxmlformats.org/officeDocument/2006/relationships" xmlns:p="http://schemas.openxmlformats.org/presentationml/2006/main">
   <p:cSld>
     <p:spTree>
@@ -16568,7 +17942,246 @@
 </p:sld>
 </file>
 
-<file path=ppt/slides/slide5.xml><?xml version="1.0" encoding="utf-8"?>
+<file path=ppt/slides/slide6.xml><?xml version="1.0" encoding="utf-8"?>
+<p:sld xmlns:a="http://schemas.openxmlformats.org/drawingml/2006/main" xmlns:r="http://schemas.openxmlformats.org/officeDocument/2006/relationships" xmlns:p="http://schemas.openxmlformats.org/presentationml/2006/main">
+  <p:cSld>
+    <p:bg>
+      <p:bgPr>
+        <a:solidFill>
+          <a:schemeClr val="bg1"/>
+        </a:solidFill>
+        <a:effectLst/>
+      </p:bgPr>
+    </p:bg>
+    <p:spTree>
+      <p:nvGrpSpPr>
+        <p:cNvPr id="1" name=""/>
+        <p:cNvGrpSpPr/>
+        <p:nvPr/>
+      </p:nvGrpSpPr>
+      <p:grpSpPr>
+        <a:xfrm>
+          <a:off x="0" y="0"/>
+          <a:ext cx="0" cy="0"/>
+          <a:chOff x="0" y="0"/>
+          <a:chExt cx="0" cy="0"/>
+        </a:xfrm>
+      </p:grpSpPr>
+      <p:sp>
+        <p:nvSpPr>
+          <p:cNvPr id="17" name="Rectangle 16">
+            <a:extLst>
+              <a:ext uri="{FF2B5EF4-FFF2-40B4-BE49-F238E27FC236}">
+                <a16:creationId xmlns:a16="http://schemas.microsoft.com/office/drawing/2014/main" id="{95CB840F-8E41-4CA5-B79B-25CC80AD234A}"/>
+              </a:ext>
+              <a:ext uri="{C183D7F6-B498-43B3-948B-1728B52AA6E4}">
+                <adec:decorative xmlns:adec="http://schemas.microsoft.com/office/drawing/2017/decorative" val="1"/>
+              </a:ext>
+            </a:extLst>
+          </p:cNvPr>
+          <p:cNvSpPr>
+            <a:spLocks noGrp="1" noRot="1" noChangeAspect="1" noMove="1" noResize="1" noEditPoints="1" noAdjustHandles="1" noChangeArrowheads="1" noChangeShapeType="1" noTextEdit="1"/>
+          </p:cNvSpPr>
+          <p:nvPr>
+            <p:extLst>
+              <p:ext uri="{386F3935-93C4-4BCD-93E2-E3B085C9AB24}">
+                <p16:designElem xmlns:p16="http://schemas.microsoft.com/office/powerpoint/2015/main" val="1"/>
+              </p:ext>
+            </p:extLst>
+          </p:nvPr>
+        </p:nvSpPr>
+        <p:spPr>
+          <a:xfrm>
+            <a:off x="0" y="0"/>
+            <a:ext cx="12192000" cy="6858000"/>
+          </a:xfrm>
+          <a:prstGeom prst="rect">
+            <a:avLst/>
+          </a:prstGeom>
+          <a:ln>
+            <a:noFill/>
+          </a:ln>
+        </p:spPr>
+        <p:style>
+          <a:lnRef idx="2">
+            <a:schemeClr val="accent1">
+              <a:shade val="50000"/>
+            </a:schemeClr>
+          </a:lnRef>
+          <a:fillRef idx="1003">
+            <a:schemeClr val="dk2"/>
+          </a:fillRef>
+          <a:effectRef idx="0">
+            <a:schemeClr val="accent1"/>
+          </a:effectRef>
+          <a:fontRef idx="minor">
+            <a:schemeClr val="lt1"/>
+          </a:fontRef>
+        </p:style>
+        <p:txBody>
+          <a:bodyPr rtlCol="0" anchor="ctr"/>
+          <a:lstStyle/>
+          <a:p>
+            <a:pPr algn="ctr"/>
+            <a:endParaRPr lang="en-US"/>
+          </a:p>
+        </p:txBody>
+      </p:sp>
+      <p:sp>
+        <p:nvSpPr>
+          <p:cNvPr id="2" name="Title 1">
+            <a:extLst>
+              <a:ext uri="{FF2B5EF4-FFF2-40B4-BE49-F238E27FC236}">
+                <a16:creationId xmlns:a16="http://schemas.microsoft.com/office/drawing/2014/main" id="{E5E97353-95D6-4792-A206-18547FBBDCCD}"/>
+              </a:ext>
+            </a:extLst>
+          </p:cNvPr>
+          <p:cNvSpPr>
+            <a:spLocks noGrp="1"/>
+          </p:cNvSpPr>
+          <p:nvPr>
+            <p:ph type="title"/>
+          </p:nvPr>
+        </p:nvSpPr>
+        <p:spPr>
+          <a:xfrm>
+            <a:off x="585021" y="628638"/>
+            <a:ext cx="3078749" cy="970450"/>
+          </a:xfrm>
+        </p:spPr>
+        <p:txBody>
+          <a:bodyPr anchor="b">
+            <a:normAutofit/>
+          </a:bodyPr>
+          <a:lstStyle/>
+          <a:p>
+            <a:pPr algn="l"/>
+            <a:r>
+              <a:rPr lang="en-US" sz="2800" dirty="0">
+                <a:ln>
+                  <a:solidFill>
+                    <a:srgbClr val="404040">
+                      <a:alpha val="10000"/>
+                    </a:srgbClr>
+                  </a:solidFill>
+                </a:ln>
+                <a:solidFill>
+                  <a:srgbClr val="DADADA"/>
+                </a:solidFill>
+              </a:rPr>
+              <a:t>Data Loading – Cont.</a:t>
+            </a:r>
+            <a:endParaRPr lang="en-GB" sz="2800" dirty="0">
+              <a:ln>
+                <a:solidFill>
+                  <a:srgbClr val="404040">
+                    <a:alpha val="10000"/>
+                  </a:srgbClr>
+                </a:solidFill>
+              </a:ln>
+              <a:solidFill>
+                <a:srgbClr val="DADADA"/>
+              </a:solidFill>
+            </a:endParaRPr>
+          </a:p>
+        </p:txBody>
+      </p:sp>
+      <p:sp>
+        <p:nvSpPr>
+          <p:cNvPr id="9" name="Content Placeholder 8">
+            <a:extLst>
+              <a:ext uri="{FF2B5EF4-FFF2-40B4-BE49-F238E27FC236}">
+                <a16:creationId xmlns:a16="http://schemas.microsoft.com/office/drawing/2014/main" id="{121E5B07-832F-4C01-A33D-3F716E6C5FCC}"/>
+              </a:ext>
+            </a:extLst>
+          </p:cNvPr>
+          <p:cNvSpPr>
+            <a:spLocks noGrp="1"/>
+          </p:cNvSpPr>
+          <p:nvPr>
+            <p:ph idx="1"/>
+          </p:nvPr>
+        </p:nvSpPr>
+        <p:spPr>
+          <a:xfrm>
+            <a:off x="585022" y="1747278"/>
+            <a:ext cx="3309416" cy="4482084"/>
+          </a:xfrm>
+        </p:spPr>
+        <p:txBody>
+          <a:bodyPr anchor="t">
+            <a:normAutofit/>
+          </a:bodyPr>
+          <a:lstStyle/>
+          <a:p>
+            <a:r>
+              <a:rPr lang="en-US" sz="1800" dirty="0">
+                <a:ln>
+                  <a:solidFill>
+                    <a:srgbClr val="404040">
+                      <a:alpha val="10000"/>
+                    </a:srgbClr>
+                  </a:solidFill>
+                </a:ln>
+                <a:solidFill>
+                  <a:srgbClr val="DADADA"/>
+                </a:solidFill>
+              </a:rPr>
+              <a:t>It might be useful to display some extra information about the data here.</a:t>
+            </a:r>
+          </a:p>
+        </p:txBody>
+      </p:sp>
+      <p:pic>
+        <p:nvPicPr>
+          <p:cNvPr id="5" name="Content Placeholder 4" descr="Graphical user interface, application, table, Excel&#10;&#10;Description automatically generated">
+            <a:extLst>
+              <a:ext uri="{FF2B5EF4-FFF2-40B4-BE49-F238E27FC236}">
+                <a16:creationId xmlns:a16="http://schemas.microsoft.com/office/drawing/2014/main" id="{A28BB3C0-261C-4FC5-90B2-FA3C85C05818}"/>
+              </a:ext>
+            </a:extLst>
+          </p:cNvPr>
+          <p:cNvPicPr>
+            <a:picLocks noChangeAspect="1"/>
+          </p:cNvPicPr>
+          <p:nvPr/>
+        </p:nvPicPr>
+        <p:blipFill>
+          <a:blip r:embed="rId2">
+            <a:extLst>
+              <a:ext uri="{28A0092B-C50C-407E-A947-70E740481C1C}">
+                <a14:useLocalDpi xmlns:a14="http://schemas.microsoft.com/office/drawing/2010/main" val="0"/>
+              </a:ext>
+            </a:extLst>
+          </a:blip>
+          <a:stretch>
+            <a:fillRect/>
+          </a:stretch>
+        </p:blipFill>
+        <p:spPr>
+          <a:xfrm>
+            <a:off x="3992544" y="1737843"/>
+            <a:ext cx="8101350" cy="3382313"/>
+          </a:xfrm>
+          <a:prstGeom prst="rect">
+            <a:avLst/>
+          </a:prstGeom>
+        </p:spPr>
+      </p:pic>
+    </p:spTree>
+    <p:extLst>
+      <p:ext uri="{BB962C8B-B14F-4D97-AF65-F5344CB8AC3E}">
+        <p14:creationId xmlns:p14="http://schemas.microsoft.com/office/powerpoint/2010/main" val="3189286787"/>
+      </p:ext>
+    </p:extLst>
+  </p:cSld>
+  <p:clrMapOvr>
+    <a:overrideClrMapping bg1="lt1" tx1="dk1" bg2="lt2" tx2="dk2" accent1="accent1" accent2="accent2" accent3="accent3" accent4="accent4" accent5="accent5" accent6="accent6" hlink="hlink" folHlink="folHlink"/>
+  </p:clrMapOvr>
+</p:sld>
+</file>
+
+<file path=ppt/slides/slide7.xml><?xml version="1.0" encoding="utf-8"?>
 <p:sld xmlns:a="http://schemas.openxmlformats.org/drawingml/2006/main" xmlns:r="http://schemas.openxmlformats.org/officeDocument/2006/relationships" xmlns:p="http://schemas.openxmlformats.org/presentationml/2006/main">
   <p:cSld>
     <p:spTree>
@@ -16590,7 +18203,7 @@
           <p:cNvPr id="2" name="Title 1">
             <a:extLst>
               <a:ext uri="{FF2B5EF4-FFF2-40B4-BE49-F238E27FC236}">
-                <a16:creationId xmlns:a16="http://schemas.microsoft.com/office/drawing/2014/main" id="{1C154D38-6D45-4EEE-9247-6B11D9B1DBEF}"/>
+                <a16:creationId xmlns:a16="http://schemas.microsoft.com/office/drawing/2014/main" id="{370A4DB3-9735-4BDF-8625-4EF135696CFC}"/>
               </a:ext>
             </a:extLst>
           </p:cNvPr>
@@ -16608,7 +18221,7 @@
           <a:p>
             <a:r>
               <a:rPr lang="en-US" dirty="0"/>
-              <a:t>Data Cleaning – An Overview</a:t>
+              <a:t>Exploratory Data Analysis – Before Cleaning</a:t>
             </a:r>
             <a:endParaRPr lang="en-GB" dirty="0"/>
           </a:p>
@@ -16619,7 +18232,7 @@
           <p:cNvPr id="3" name="Content Placeholder 2">
             <a:extLst>
               <a:ext uri="{FF2B5EF4-FFF2-40B4-BE49-F238E27FC236}">
-                <a16:creationId xmlns:a16="http://schemas.microsoft.com/office/drawing/2014/main" id="{C19FDC94-E606-418F-8D42-99C2CD819BF3}"/>
+                <a16:creationId xmlns:a16="http://schemas.microsoft.com/office/drawing/2014/main" id="{D9EB0ADF-5498-4477-BFF1-D36D45522F52}"/>
               </a:ext>
             </a:extLst>
           </p:cNvPr>
@@ -16630,542 +18243,23 @@
             <p:ph idx="1"/>
           </p:nvPr>
         </p:nvSpPr>
-        <p:spPr>
-          <a:xfrm>
-            <a:off x="913795" y="1732449"/>
-            <a:ext cx="10353762" cy="4515951"/>
-          </a:xfrm>
-        </p:spPr>
+        <p:spPr/>
         <p:txBody>
-          <a:bodyPr>
-            <a:normAutofit/>
-          </a:bodyPr>
+          <a:bodyPr/>
           <a:lstStyle/>
           <a:p>
             <a:r>
-              <a:rPr lang="en-US" sz="3200" dirty="0"/>
-              <a:t>For data cleaning, we will follow the following approach:</a:t>
-            </a:r>
-          </a:p>
-          <a:p>
-            <a:pPr lvl="1"/>
-            <a:r>
-              <a:rPr lang="en-US" sz="2600" dirty="0"/>
-              <a:t>Handle the duplicate rows</a:t>
-            </a:r>
-          </a:p>
-          <a:p>
-            <a:pPr lvl="1"/>
-            <a:r>
-              <a:rPr lang="en-US" sz="2600" dirty="0"/>
-              <a:t>Remove the columns with 50%+ </a:t>
-            </a:r>
-            <a:r>
-              <a:rPr lang="en-US" sz="2600" dirty="0" err="1"/>
-              <a:t>NaN</a:t>
-            </a:r>
-            <a:r>
-              <a:rPr lang="en-US" sz="2600" dirty="0"/>
-              <a:t>/NA</a:t>
-            </a:r>
-          </a:p>
-          <a:p>
-            <a:pPr lvl="1"/>
-            <a:r>
-              <a:rPr lang="en-US" sz="2600" dirty="0"/>
-              <a:t>Handle the outliers</a:t>
-            </a:r>
-          </a:p>
-          <a:p>
-            <a:pPr lvl="1"/>
-            <a:r>
-              <a:rPr lang="en-US" sz="2600" dirty="0"/>
-              <a:t>Handle the missing values</a:t>
-            </a:r>
+              <a:rPr lang="en-US" dirty="0"/>
+              <a:t>Before we begin with </a:t>
+            </a:r>
+            <a:endParaRPr lang="en-GB" dirty="0"/>
           </a:p>
         </p:txBody>
       </p:sp>
     </p:spTree>
     <p:extLst>
       <p:ext uri="{BB962C8B-B14F-4D97-AF65-F5344CB8AC3E}">
-        <p14:creationId xmlns:p14="http://schemas.microsoft.com/office/powerpoint/2010/main" val="2084728758"/>
-      </p:ext>
-    </p:extLst>
-  </p:cSld>
-  <p:clrMapOvr>
-    <a:masterClrMapping/>
-  </p:clrMapOvr>
-</p:sld>
-</file>
-
-<file path=ppt/slides/slide6.xml><?xml version="1.0" encoding="utf-8"?>
-<p:sld xmlns:a="http://schemas.openxmlformats.org/drawingml/2006/main" xmlns:r="http://schemas.openxmlformats.org/officeDocument/2006/relationships" xmlns:p="http://schemas.openxmlformats.org/presentationml/2006/main">
-  <p:cSld>
-    <p:spTree>
-      <p:nvGrpSpPr>
-        <p:cNvPr id="1" name=""/>
-        <p:cNvGrpSpPr/>
-        <p:nvPr/>
-      </p:nvGrpSpPr>
-      <p:grpSpPr>
-        <a:xfrm>
-          <a:off x="0" y="0"/>
-          <a:ext cx="0" cy="0"/>
-          <a:chOff x="0" y="0"/>
-          <a:chExt cx="0" cy="0"/>
-        </a:xfrm>
-      </p:grpSpPr>
-      <p:sp>
-        <p:nvSpPr>
-          <p:cNvPr id="2" name="Title 1">
-            <a:extLst>
-              <a:ext uri="{FF2B5EF4-FFF2-40B4-BE49-F238E27FC236}">
-                <a16:creationId xmlns:a16="http://schemas.microsoft.com/office/drawing/2014/main" id="{1C154D38-6D45-4EEE-9247-6B11D9B1DBEF}"/>
-              </a:ext>
-            </a:extLst>
-          </p:cNvPr>
-          <p:cNvSpPr>
-            <a:spLocks noGrp="1"/>
-          </p:cNvSpPr>
-          <p:nvPr>
-            <p:ph type="title"/>
-          </p:nvPr>
-        </p:nvSpPr>
-        <p:spPr/>
-        <p:txBody>
-          <a:bodyPr/>
-          <a:lstStyle/>
-          <a:p>
-            <a:r>
-              <a:rPr lang="en-US" dirty="0"/>
-              <a:t>Data Cleaning – Handling Duplicate Rows </a:t>
-            </a:r>
-            <a:endParaRPr lang="en-GB" dirty="0"/>
-          </a:p>
-        </p:txBody>
-      </p:sp>
-      <p:sp>
-        <p:nvSpPr>
-          <p:cNvPr id="3" name="Content Placeholder 2">
-            <a:extLst>
-              <a:ext uri="{FF2B5EF4-FFF2-40B4-BE49-F238E27FC236}">
-                <a16:creationId xmlns:a16="http://schemas.microsoft.com/office/drawing/2014/main" id="{C19FDC94-E606-418F-8D42-99C2CD819BF3}"/>
-              </a:ext>
-            </a:extLst>
-          </p:cNvPr>
-          <p:cNvSpPr>
-            <a:spLocks noGrp="1"/>
-          </p:cNvSpPr>
-          <p:nvPr>
-            <p:ph idx="1"/>
-          </p:nvPr>
-        </p:nvSpPr>
-        <p:spPr>
-          <a:xfrm>
-            <a:off x="913795" y="1732449"/>
-            <a:ext cx="10353762" cy="4515951"/>
-          </a:xfrm>
-        </p:spPr>
-        <p:txBody>
-          <a:bodyPr>
-            <a:normAutofit fontScale="92500" lnSpcReduction="20000"/>
-          </a:bodyPr>
-          <a:lstStyle/>
-          <a:p>
-            <a:r>
-              <a:rPr lang="en-US" sz="3200" dirty="0"/>
-              <a:t>We first check for duplicate rows using the statement</a:t>
-            </a:r>
-          </a:p>
-          <a:p>
-            <a:pPr marL="450000" lvl="1" indent="0">
-              <a:buNone/>
-            </a:pPr>
-            <a:r>
-              <a:rPr lang="en-US" sz="2400" dirty="0">
-                <a:latin typeface="Courier New" panose="02070309020205020404" pitchFamily="49" charset="0"/>
-                <a:cs typeface="Courier New" panose="02070309020205020404" pitchFamily="49" charset="0"/>
-              </a:rPr>
-              <a:t>print(</a:t>
-            </a:r>
-          </a:p>
-          <a:p>
-            <a:pPr marL="450000" lvl="1" indent="0">
-              <a:buNone/>
-            </a:pPr>
-            <a:r>
-              <a:rPr lang="en-US" sz="2400" dirty="0">
-                <a:latin typeface="Courier New" panose="02070309020205020404" pitchFamily="49" charset="0"/>
-                <a:cs typeface="Courier New" panose="02070309020205020404" pitchFamily="49" charset="0"/>
-              </a:rPr>
-              <a:t>    </a:t>
-            </a:r>
-            <a:r>
-              <a:rPr lang="en-US" sz="2400" dirty="0" err="1">
-                <a:latin typeface="Courier New" panose="02070309020205020404" pitchFamily="49" charset="0"/>
-                <a:cs typeface="Courier New" panose="02070309020205020404" pitchFamily="49" charset="0"/>
-              </a:rPr>
-              <a:t>df_train</a:t>
-            </a:r>
-            <a:r>
-              <a:rPr lang="en-US" sz="2400" dirty="0">
-                <a:latin typeface="Courier New" panose="02070309020205020404" pitchFamily="49" charset="0"/>
-                <a:cs typeface="Courier New" panose="02070309020205020404" pitchFamily="49" charset="0"/>
-              </a:rPr>
-              <a:t>[</a:t>
-            </a:r>
-            <a:r>
-              <a:rPr lang="en-US" sz="2400" dirty="0" err="1">
-                <a:latin typeface="Courier New" panose="02070309020205020404" pitchFamily="49" charset="0"/>
-                <a:cs typeface="Courier New" panose="02070309020205020404" pitchFamily="49" charset="0"/>
-              </a:rPr>
-              <a:t>df_train.duplicated</a:t>
-            </a:r>
-            <a:r>
-              <a:rPr lang="en-US" sz="2400" dirty="0">
-                <a:latin typeface="Courier New" panose="02070309020205020404" pitchFamily="49" charset="0"/>
-                <a:cs typeface="Courier New" panose="02070309020205020404" pitchFamily="49" charset="0"/>
-              </a:rPr>
-              <a:t>()].size,</a:t>
-            </a:r>
-          </a:p>
-          <a:p>
-            <a:pPr marL="450000" lvl="1" indent="0">
-              <a:buNone/>
-            </a:pPr>
-            <a:r>
-              <a:rPr lang="en-US" sz="2400" dirty="0">
-                <a:latin typeface="Courier New" panose="02070309020205020404" pitchFamily="49" charset="0"/>
-                <a:cs typeface="Courier New" panose="02070309020205020404" pitchFamily="49" charset="0"/>
-              </a:rPr>
-              <a:t>    </a:t>
-            </a:r>
-            <a:r>
-              <a:rPr lang="en-US" sz="2400" dirty="0" err="1">
-                <a:latin typeface="Courier New" panose="02070309020205020404" pitchFamily="49" charset="0"/>
-                <a:cs typeface="Courier New" panose="02070309020205020404" pitchFamily="49" charset="0"/>
-              </a:rPr>
-              <a:t>df_test</a:t>
-            </a:r>
-            <a:r>
-              <a:rPr lang="en-US" sz="2400" dirty="0">
-                <a:latin typeface="Courier New" panose="02070309020205020404" pitchFamily="49" charset="0"/>
-                <a:cs typeface="Courier New" panose="02070309020205020404" pitchFamily="49" charset="0"/>
-              </a:rPr>
-              <a:t>[</a:t>
-            </a:r>
-            <a:r>
-              <a:rPr lang="en-US" sz="2400" dirty="0" err="1">
-                <a:latin typeface="Courier New" panose="02070309020205020404" pitchFamily="49" charset="0"/>
-                <a:cs typeface="Courier New" panose="02070309020205020404" pitchFamily="49" charset="0"/>
-              </a:rPr>
-              <a:t>df_train.duplicated</a:t>
-            </a:r>
-            <a:r>
-              <a:rPr lang="en-US" sz="2400" dirty="0">
-                <a:latin typeface="Courier New" panose="02070309020205020404" pitchFamily="49" charset="0"/>
-                <a:cs typeface="Courier New" panose="02070309020205020404" pitchFamily="49" charset="0"/>
-              </a:rPr>
-              <a:t>()].size,</a:t>
-            </a:r>
-          </a:p>
-          <a:p>
-            <a:pPr marL="450000" lvl="1" indent="0">
-              <a:buNone/>
-            </a:pPr>
-            <a:r>
-              <a:rPr lang="en-US" sz="2400" dirty="0">
-                <a:latin typeface="Courier New" panose="02070309020205020404" pitchFamily="49" charset="0"/>
-                <a:cs typeface="Courier New" panose="02070309020205020404" pitchFamily="49" charset="0"/>
-              </a:rPr>
-              <a:t>    </a:t>
-            </a:r>
-            <a:r>
-              <a:rPr lang="en-US" sz="2400" dirty="0" err="1">
-                <a:latin typeface="Courier New" panose="02070309020205020404" pitchFamily="49" charset="0"/>
-                <a:cs typeface="Courier New" panose="02070309020205020404" pitchFamily="49" charset="0"/>
-              </a:rPr>
-              <a:t>sep</a:t>
-            </a:r>
-            <a:r>
-              <a:rPr lang="en-US" sz="2400" dirty="0">
-                <a:latin typeface="Courier New" panose="02070309020205020404" pitchFamily="49" charset="0"/>
-                <a:cs typeface="Courier New" panose="02070309020205020404" pitchFamily="49" charset="0"/>
-              </a:rPr>
-              <a:t>=‘, ‘</a:t>
-            </a:r>
-          </a:p>
-          <a:p>
-            <a:pPr marL="450000" lvl="1" indent="0">
-              <a:buNone/>
-            </a:pPr>
-            <a:r>
-              <a:rPr lang="en-US" sz="2400" dirty="0">
-                <a:latin typeface="Courier New" panose="02070309020205020404" pitchFamily="49" charset="0"/>
-                <a:cs typeface="Courier New" panose="02070309020205020404" pitchFamily="49" charset="0"/>
-              </a:rPr>
-              <a:t>)</a:t>
-            </a:r>
-            <a:endParaRPr lang="en-US" sz="3200" dirty="0">
-              <a:latin typeface="Courier New" panose="02070309020205020404" pitchFamily="49" charset="0"/>
-              <a:cs typeface="Courier New" panose="02070309020205020404" pitchFamily="49" charset="0"/>
-            </a:endParaRPr>
-          </a:p>
-          <a:p>
-            <a:r>
-              <a:rPr lang="en-US" sz="3200" dirty="0"/>
-              <a:t>This statement yields this output:</a:t>
-            </a:r>
-          </a:p>
-          <a:p>
-            <a:pPr lvl="1"/>
-            <a:r>
-              <a:rPr lang="en-US" sz="3000" dirty="0">
-                <a:latin typeface="Courier New" panose="02070309020205020404" pitchFamily="49" charset="0"/>
-                <a:cs typeface="Courier New" panose="02070309020205020404" pitchFamily="49" charset="0"/>
-              </a:rPr>
-              <a:t>0, 0</a:t>
-            </a:r>
-          </a:p>
-          <a:p>
-            <a:r>
-              <a:rPr lang="en-US" sz="3200" dirty="0"/>
-              <a:t>It turns out that there are no duplicate rows in the dataset, which implies that there’s no action needed.</a:t>
-            </a:r>
-            <a:endParaRPr lang="en-US" sz="2400" dirty="0"/>
-          </a:p>
-        </p:txBody>
-      </p:sp>
-    </p:spTree>
-    <p:extLst>
-      <p:ext uri="{BB962C8B-B14F-4D97-AF65-F5344CB8AC3E}">
-        <p14:creationId xmlns:p14="http://schemas.microsoft.com/office/powerpoint/2010/main" val="3091650857"/>
-      </p:ext>
-    </p:extLst>
-  </p:cSld>
-  <p:clrMapOvr>
-    <a:masterClrMapping/>
-  </p:clrMapOvr>
-</p:sld>
-</file>
-
-<file path=ppt/slides/slide7.xml><?xml version="1.0" encoding="utf-8"?>
-<p:sld xmlns:a="http://schemas.openxmlformats.org/drawingml/2006/main" xmlns:r="http://schemas.openxmlformats.org/officeDocument/2006/relationships" xmlns:p="http://schemas.openxmlformats.org/presentationml/2006/main">
-  <p:cSld>
-    <p:bg>
-      <p:bgPr>
-        <a:blipFill rotWithShape="1">
-          <a:blip r:embed="rId3">
-            <a:duotone>
-              <a:schemeClr val="bg2">
-                <a:shade val="80000"/>
-                <a:lumMod val="80000"/>
-              </a:schemeClr>
-              <a:schemeClr val="bg2">
-                <a:tint val="98000"/>
-              </a:schemeClr>
-            </a:duotone>
-          </a:blip>
-          <a:stretch/>
-        </a:blipFill>
-        <a:effectLst/>
-      </p:bgPr>
-    </p:bg>
-    <p:spTree>
-      <p:nvGrpSpPr>
-        <p:cNvPr id="1" name=""/>
-        <p:cNvGrpSpPr/>
-        <p:nvPr/>
-      </p:nvGrpSpPr>
-      <p:grpSpPr>
-        <a:xfrm>
-          <a:off x="0" y="0"/>
-          <a:ext cx="0" cy="0"/>
-          <a:chOff x="0" y="0"/>
-          <a:chExt cx="0" cy="0"/>
-        </a:xfrm>
-      </p:grpSpPr>
-      <p:sp>
-        <p:nvSpPr>
-          <p:cNvPr id="2" name="Title 1">
-            <a:extLst>
-              <a:ext uri="{FF2B5EF4-FFF2-40B4-BE49-F238E27FC236}">
-                <a16:creationId xmlns:a16="http://schemas.microsoft.com/office/drawing/2014/main" id="{1C154D38-6D45-4EEE-9247-6B11D9B1DBEF}"/>
-              </a:ext>
-            </a:extLst>
-          </p:cNvPr>
-          <p:cNvSpPr>
-            <a:spLocks noGrp="1"/>
-          </p:cNvSpPr>
-          <p:nvPr>
-            <p:ph type="title"/>
-          </p:nvPr>
-        </p:nvSpPr>
-        <p:spPr>
-          <a:xfrm>
-            <a:off x="913795" y="609600"/>
-            <a:ext cx="10353762" cy="970450"/>
-          </a:xfrm>
-        </p:spPr>
-        <p:txBody>
-          <a:bodyPr>
-            <a:normAutofit/>
-          </a:bodyPr>
-          <a:lstStyle/>
-          <a:p>
-            <a:pPr>
-              <a:lnSpc>
-                <a:spcPct val="90000"/>
-              </a:lnSpc>
-            </a:pPr>
-            <a:r>
-              <a:rPr lang="en-US" sz="3400"/>
-              <a:t>Data Cleaning – Removing Columns with 50%+ Null </a:t>
-            </a:r>
-            <a:endParaRPr lang="en-GB" sz="3400"/>
-          </a:p>
-        </p:txBody>
-      </p:sp>
-      <p:sp>
-        <p:nvSpPr>
-          <p:cNvPr id="3" name="Content Placeholder 2">
-            <a:extLst>
-              <a:ext uri="{FF2B5EF4-FFF2-40B4-BE49-F238E27FC236}">
-                <a16:creationId xmlns:a16="http://schemas.microsoft.com/office/drawing/2014/main" id="{C19FDC94-E606-418F-8D42-99C2CD819BF3}"/>
-              </a:ext>
-            </a:extLst>
-          </p:cNvPr>
-          <p:cNvSpPr>
-            <a:spLocks noGrp="1"/>
-          </p:cNvSpPr>
-          <p:nvPr>
-            <p:ph idx="1"/>
-          </p:nvPr>
-        </p:nvSpPr>
-        <p:spPr>
-          <a:xfrm>
-            <a:off x="913795" y="1732449"/>
-            <a:ext cx="5546272" cy="4216288"/>
-          </a:xfrm>
-        </p:spPr>
-        <p:txBody>
-          <a:bodyPr anchor="ctr">
-            <a:noAutofit/>
-          </a:bodyPr>
-          <a:lstStyle/>
-          <a:p>
-            <a:pPr>
-              <a:lnSpc>
-                <a:spcPct val="90000"/>
-              </a:lnSpc>
-            </a:pPr>
-            <a:r>
-              <a:rPr lang="en-US" sz="2600" dirty="0"/>
-              <a:t>We use the following statement to view data about the counts of null in every column:</a:t>
-            </a:r>
-          </a:p>
-          <a:p>
-            <a:pPr marL="450000" lvl="1" indent="0">
-              <a:lnSpc>
-                <a:spcPct val="90000"/>
-              </a:lnSpc>
-              <a:buNone/>
-            </a:pPr>
-            <a:r>
-              <a:rPr lang="en-US" sz="2200" dirty="0">
-                <a:latin typeface="Courier New" panose="02070309020205020404" pitchFamily="49" charset="0"/>
-                <a:cs typeface="Courier New" panose="02070309020205020404" pitchFamily="49" charset="0"/>
-              </a:rPr>
-              <a:t>df_train.info()</a:t>
-            </a:r>
-            <a:endParaRPr lang="en-US" sz="2200" dirty="0"/>
-          </a:p>
-          <a:p>
-            <a:pPr>
-              <a:lnSpc>
-                <a:spcPct val="90000"/>
-              </a:lnSpc>
-            </a:pPr>
-            <a:r>
-              <a:rPr lang="en-US" sz="2600" dirty="0"/>
-              <a:t>Based on the output data, we will remove the column Cabin, as it has more null values than existing values. We will also remove the columns </a:t>
-            </a:r>
-            <a:r>
-              <a:rPr lang="en-US" sz="2600" dirty="0">
-                <a:latin typeface="Courier New" panose="02070309020205020404" pitchFamily="49" charset="0"/>
-                <a:cs typeface="Courier New" panose="02070309020205020404" pitchFamily="49" charset="0"/>
-              </a:rPr>
-              <a:t>Ticket</a:t>
-            </a:r>
-            <a:r>
-              <a:rPr lang="en-US" sz="2600" dirty="0"/>
-              <a:t>, </a:t>
-            </a:r>
-            <a:r>
-              <a:rPr lang="en-US" sz="2600" dirty="0" err="1">
-                <a:latin typeface="Courier New" panose="02070309020205020404" pitchFamily="49" charset="0"/>
-                <a:cs typeface="Courier New" panose="02070309020205020404" pitchFamily="49" charset="0"/>
-              </a:rPr>
-              <a:t>PassengerId</a:t>
-            </a:r>
-            <a:r>
-              <a:rPr lang="en-US" sz="2600" dirty="0"/>
-              <a:t>, and </a:t>
-            </a:r>
-            <a:r>
-              <a:rPr lang="en-US" sz="2600" dirty="0">
-                <a:latin typeface="Courier New" panose="02070309020205020404" pitchFamily="49" charset="0"/>
-                <a:cs typeface="Courier New" panose="02070309020205020404" pitchFamily="49" charset="0"/>
-              </a:rPr>
-              <a:t>Name</a:t>
-            </a:r>
-            <a:r>
-              <a:rPr lang="en-US" sz="2600" dirty="0"/>
-              <a:t>, as we will not use them later in the analysis.</a:t>
-            </a:r>
-          </a:p>
-        </p:txBody>
-      </p:sp>
-      <p:pic>
-        <p:nvPicPr>
-          <p:cNvPr id="8" name="Picture 7" descr="A screenshot of a computer&#10;&#10;Description automatically generated with low confidence">
-            <a:extLst>
-              <a:ext uri="{FF2B5EF4-FFF2-40B4-BE49-F238E27FC236}">
-                <a16:creationId xmlns:a16="http://schemas.microsoft.com/office/drawing/2014/main" id="{502BF09E-F3F9-49F3-B293-63ED003898A7}"/>
-              </a:ext>
-            </a:extLst>
-          </p:cNvPr>
-          <p:cNvPicPr>
-            <a:picLocks noChangeAspect="1"/>
-          </p:cNvPicPr>
-          <p:nvPr/>
-        </p:nvPicPr>
-        <p:blipFill>
-          <a:blip r:embed="rId4">
-            <a:extLst>
-              <a:ext uri="{28A0092B-C50C-407E-A947-70E740481C1C}">
-                <a14:useLocalDpi xmlns:a14="http://schemas.microsoft.com/office/drawing/2010/main" val="0"/>
-              </a:ext>
-            </a:extLst>
-          </a:blip>
-          <a:stretch>
-            <a:fillRect/>
-          </a:stretch>
-        </p:blipFill>
-        <p:spPr>
-          <a:xfrm>
-            <a:off x="6834382" y="1732449"/>
-            <a:ext cx="4980717" cy="4157212"/>
-          </a:xfrm>
-          <a:prstGeom prst="rect">
-            <a:avLst/>
-          </a:prstGeom>
-        </p:spPr>
-      </p:pic>
-    </p:spTree>
-    <p:extLst>
-      <p:ext uri="{BB962C8B-B14F-4D97-AF65-F5344CB8AC3E}">
-        <p14:creationId xmlns:p14="http://schemas.microsoft.com/office/powerpoint/2010/main" val="1103358885"/>
+        <p14:creationId xmlns:p14="http://schemas.microsoft.com/office/powerpoint/2010/main" val="3774735812"/>
       </p:ext>
     </p:extLst>
   </p:cSld>
@@ -17215,7 +18309,7 @@
           <a:p>
             <a:r>
               <a:rPr lang="en-US" dirty="0"/>
-              <a:t>Data Cleaning – Handling the Outliers</a:t>
+              <a:t>Data Cleaning – An Overview</a:t>
             </a:r>
             <a:endParaRPr lang="en-GB" dirty="0"/>
           </a:p>
@@ -17250,42 +18344,44 @@
           <a:lstStyle/>
           <a:p>
             <a:r>
-              <a:rPr lang="en-US" sz="2800" dirty="0"/>
-              <a:t>Sometimes the dataset contains abnormal data that might negatively influence the analysis, such abnormal data points are termed </a:t>
-            </a:r>
-            <a:r>
-              <a:rPr lang="en-US" sz="2800" i="1" dirty="0"/>
-              <a:t>outliers</a:t>
-            </a:r>
-            <a:r>
-              <a:rPr lang="en-US" sz="2800" dirty="0"/>
-              <a:t>.</a:t>
-            </a:r>
-          </a:p>
-          <a:p>
-            <a:r>
-              <a:rPr lang="en-US" sz="2800" dirty="0"/>
-              <a:t>We can check for outliers by plotting our data columns.</a:t>
-            </a:r>
-          </a:p>
-          <a:p>
-            <a:r>
-              <a:rPr lang="en-US" sz="2800" dirty="0"/>
-              <a:t>For that, we can use seaborn </a:t>
-            </a:r>
-            <a:r>
-              <a:rPr lang="en-US" sz="2800" dirty="0" err="1"/>
-              <a:t>histplots</a:t>
-            </a:r>
-            <a:r>
-              <a:rPr lang="en-US" sz="2800" dirty="0"/>
-              <a:t>.</a:t>
-            </a:r>
-          </a:p>
-          <a:p>
-            <a:r>
-              <a:rPr lang="en-US" sz="2800" dirty="0"/>
-              <a:t>We will not present the plots here to save space.</a:t>
+              <a:rPr lang="en-US" sz="3200" dirty="0"/>
+              <a:t>For data cleaning, we will follow the following approach:</a:t>
+            </a:r>
+          </a:p>
+          <a:p>
+            <a:pPr lvl="1"/>
+            <a:r>
+              <a:rPr lang="en-US" sz="2600" dirty="0"/>
+              <a:t>Handle the duplicate rows</a:t>
+            </a:r>
+          </a:p>
+          <a:p>
+            <a:pPr lvl="1"/>
+            <a:r>
+              <a:rPr lang="en-US" sz="2600" dirty="0"/>
+              <a:t>Remove the columns with 50%+ </a:t>
+            </a:r>
+            <a:r>
+              <a:rPr lang="en-US" sz="2600" dirty="0" err="1"/>
+              <a:t>NaN</a:t>
+            </a:r>
+            <a:r>
+              <a:rPr lang="en-US" sz="2600" dirty="0"/>
+              <a:t>/NA</a:t>
+            </a:r>
+          </a:p>
+          <a:p>
+            <a:pPr lvl="1"/>
+            <a:r>
+              <a:rPr lang="en-US" sz="2600" dirty="0"/>
+              <a:t>Handle the outliers</a:t>
+            </a:r>
+          </a:p>
+          <a:p>
+            <a:pPr lvl="1"/>
+            <a:r>
+              <a:rPr lang="en-US" sz="2600" dirty="0"/>
+              <a:t>Handle the missing values</a:t>
             </a:r>
           </a:p>
         </p:txBody>
@@ -17293,7 +18389,7 @@
     </p:spTree>
     <p:extLst>
       <p:ext uri="{BB962C8B-B14F-4D97-AF65-F5344CB8AC3E}">
-        <p14:creationId xmlns:p14="http://schemas.microsoft.com/office/powerpoint/2010/main" val="4061966808"/>
+        <p14:creationId xmlns:p14="http://schemas.microsoft.com/office/powerpoint/2010/main" val="2084728758"/>
       </p:ext>
     </p:extLst>
   </p:cSld>
@@ -17306,25 +18402,6 @@
 <file path=ppt/slides/slide9.xml><?xml version="1.0" encoding="utf-8"?>
 <p:sld xmlns:a="http://schemas.openxmlformats.org/drawingml/2006/main" xmlns:r="http://schemas.openxmlformats.org/officeDocument/2006/relationships" xmlns:p="http://schemas.openxmlformats.org/presentationml/2006/main">
   <p:cSld>
-    <p:bg>
-      <p:bgPr>
-        <a:blipFill rotWithShape="1">
-          <a:blip r:embed="rId2">
-            <a:duotone>
-              <a:schemeClr val="bg2">
-                <a:shade val="80000"/>
-                <a:lumMod val="80000"/>
-              </a:schemeClr>
-              <a:schemeClr val="bg2">
-                <a:tint val="98000"/>
-              </a:schemeClr>
-            </a:duotone>
-          </a:blip>
-          <a:stretch/>
-        </a:blipFill>
-        <a:effectLst/>
-      </p:bgPr>
-    </p:bg>
     <p:spTree>
       <p:nvGrpSpPr>
         <p:cNvPr id="1" name=""/>
@@ -17344,7 +18421,7 @@
           <p:cNvPr id="2" name="Title 1">
             <a:extLst>
               <a:ext uri="{FF2B5EF4-FFF2-40B4-BE49-F238E27FC236}">
-                <a16:creationId xmlns:a16="http://schemas.microsoft.com/office/drawing/2014/main" id="{5F8639E2-A911-4BE5-A978-3E89B6CB6AD9}"/>
+                <a16:creationId xmlns:a16="http://schemas.microsoft.com/office/drawing/2014/main" id="{1C154D38-6D45-4EEE-9247-6B11D9B1DBEF}"/>
               </a:ext>
             </a:extLst>
           </p:cNvPr>
@@ -17355,28 +18432,16 @@
             <p:ph type="title"/>
           </p:nvPr>
         </p:nvSpPr>
-        <p:spPr>
-          <a:xfrm>
-            <a:off x="913795" y="609600"/>
-            <a:ext cx="5910517" cy="1117600"/>
-          </a:xfrm>
-        </p:spPr>
+        <p:spPr/>
         <p:txBody>
-          <a:bodyPr>
-            <a:normAutofit/>
-          </a:bodyPr>
+          <a:bodyPr/>
           <a:lstStyle/>
           <a:p>
-            <a:pPr>
-              <a:lnSpc>
-                <a:spcPct val="90000"/>
-              </a:lnSpc>
-            </a:pPr>
-            <a:r>
-              <a:rPr lang="en-US" sz="3700"/>
-              <a:t>Data Cleaning – Handling Missing Values</a:t>
-            </a:r>
-            <a:endParaRPr lang="en-GB" sz="3700"/>
+            <a:r>
+              <a:rPr lang="en-US" dirty="0"/>
+              <a:t>Data Cleaning – Handling Duplicate Rows </a:t>
+            </a:r>
+            <a:endParaRPr lang="en-GB" dirty="0"/>
           </a:p>
         </p:txBody>
       </p:sp>
@@ -17385,7 +18450,7 @@
           <p:cNvPr id="3" name="Content Placeholder 2">
             <a:extLst>
               <a:ext uri="{FF2B5EF4-FFF2-40B4-BE49-F238E27FC236}">
-                <a16:creationId xmlns:a16="http://schemas.microsoft.com/office/drawing/2014/main" id="{748EB230-E6D7-46EA-B34B-DDDAE3B85D93}"/>
+                <a16:creationId xmlns:a16="http://schemas.microsoft.com/office/drawing/2014/main" id="{C19FDC94-E606-418F-8D42-99C2CD819BF3}"/>
               </a:ext>
             </a:extLst>
           </p:cNvPr>
@@ -17398,274 +18463,186 @@
         </p:nvSpPr>
         <p:spPr>
           <a:xfrm>
-            <a:off x="534257" y="1828799"/>
-            <a:ext cx="6290056" cy="4695291"/>
+            <a:off x="913795" y="1732449"/>
+            <a:ext cx="10353762" cy="4515951"/>
           </a:xfrm>
         </p:spPr>
         <p:txBody>
           <a:bodyPr>
-            <a:normAutofit lnSpcReduction="10000"/>
+            <a:normAutofit fontScale="92500" lnSpcReduction="20000"/>
           </a:bodyPr>
           <a:lstStyle/>
           <a:p>
             <a:r>
-              <a:rPr lang="en-US" sz="2200" dirty="0"/>
-              <a:t>Handling missing values can be done two ways:</a:t>
-            </a:r>
-          </a:p>
-          <a:p>
-            <a:pPr lvl="1"/>
-            <a:r>
-              <a:rPr lang="en-US" sz="2000" dirty="0"/>
-              <a:t>Removing the rows with those values entirely</a:t>
-            </a:r>
-          </a:p>
-          <a:p>
-            <a:pPr lvl="1"/>
-            <a:r>
-              <a:rPr lang="en-US" sz="2000" dirty="0"/>
-              <a:t>Compensating for the missing values with a reasonable value/values, e.g. the mean, median, …</a:t>
-            </a:r>
-            <a:r>
-              <a:rPr lang="en-US" sz="2000" dirty="0" err="1"/>
-              <a:t>etc</a:t>
-            </a:r>
-            <a:endParaRPr lang="en-US" sz="2000" dirty="0"/>
-          </a:p>
-          <a:p>
-            <a:r>
-              <a:rPr lang="en-US" sz="2200" dirty="0"/>
-              <a:t>After checking the </a:t>
-            </a:r>
-            <a:r>
-              <a:rPr lang="en-US" sz="2200" dirty="0">
+              <a:rPr lang="en-US" sz="3200" dirty="0"/>
+              <a:t>We first check for duplicate rows using the statement</a:t>
+            </a:r>
+          </a:p>
+          <a:p>
+            <a:pPr marL="450000" lvl="1" indent="0">
+              <a:buNone/>
+            </a:pPr>
+            <a:r>
+              <a:rPr lang="en-US" sz="2400" dirty="0">
                 <a:latin typeface="Courier New" panose="02070309020205020404" pitchFamily="49" charset="0"/>
                 <a:cs typeface="Courier New" panose="02070309020205020404" pitchFamily="49" charset="0"/>
               </a:rPr>
-              <a:t>info()</a:t>
-            </a:r>
-            <a:r>
-              <a:rPr lang="en-US" sz="2200" dirty="0"/>
-              <a:t> method for the two </a:t>
-            </a:r>
-            <a:r>
-              <a:rPr lang="en-US" sz="2200" dirty="0" err="1"/>
-              <a:t>dataframes</a:t>
-            </a:r>
-            <a:r>
-              <a:rPr lang="en-US" sz="2200" dirty="0"/>
-              <a:t>, it seems best to take the following actions with </a:t>
-            </a:r>
-            <a:r>
-              <a:rPr lang="en-US" sz="2200" dirty="0" err="1">
+              <a:t>print(</a:t>
+            </a:r>
+          </a:p>
+          <a:p>
+            <a:pPr marL="450000" lvl="1" indent="0">
+              <a:buNone/>
+            </a:pPr>
+            <a:r>
+              <a:rPr lang="en-US" sz="2400" dirty="0">
+                <a:latin typeface="Courier New" panose="02070309020205020404" pitchFamily="49" charset="0"/>
+                <a:cs typeface="Courier New" panose="02070309020205020404" pitchFamily="49" charset="0"/>
+              </a:rPr>
+              <a:t>    </a:t>
+            </a:r>
+            <a:r>
+              <a:rPr lang="en-US" sz="2400" dirty="0" err="1">
                 <a:latin typeface="Courier New" panose="02070309020205020404" pitchFamily="49" charset="0"/>
                 <a:cs typeface="Courier New" panose="02070309020205020404" pitchFamily="49" charset="0"/>
               </a:rPr>
               <a:t>df_train</a:t>
             </a:r>
             <a:r>
-              <a:rPr lang="en-US" sz="2200" dirty="0"/>
-              <a:t>:</a:t>
-            </a:r>
-          </a:p>
-          <a:p>
-            <a:pPr lvl="1"/>
-            <a:r>
-              <a:rPr lang="en-US" sz="2000" dirty="0"/>
-              <a:t>Remove the two rows that have missing values for the </a:t>
-            </a:r>
-            <a:r>
-              <a:rPr lang="en-US" sz="2000" dirty="0">
+              <a:rPr lang="en-US" sz="2400" dirty="0">
                 <a:latin typeface="Courier New" panose="02070309020205020404" pitchFamily="49" charset="0"/>
                 <a:cs typeface="Courier New" panose="02070309020205020404" pitchFamily="49" charset="0"/>
               </a:rPr>
-              <a:t>Embarked</a:t>
-            </a:r>
-            <a:r>
-              <a:rPr lang="en-US" sz="2000" dirty="0"/>
-              <a:t> column.</a:t>
-            </a:r>
-          </a:p>
-          <a:p>
-            <a:pPr lvl="1"/>
-            <a:r>
-              <a:rPr lang="en-US" sz="2000" dirty="0"/>
-              <a:t>Compensate with the average for the </a:t>
-            </a:r>
-            <a:r>
-              <a:rPr lang="en-US" sz="2000" dirty="0">
+              <a:t>[</a:t>
+            </a:r>
+            <a:r>
+              <a:rPr lang="en-US" sz="2400" dirty="0" err="1">
                 <a:latin typeface="Courier New" panose="02070309020205020404" pitchFamily="49" charset="0"/>
                 <a:cs typeface="Courier New" panose="02070309020205020404" pitchFamily="49" charset="0"/>
               </a:rPr>
-              <a:t>Age</a:t>
-            </a:r>
-            <a:r>
-              <a:rPr lang="en-US" sz="2000" dirty="0"/>
-              <a:t> column.</a:t>
-            </a:r>
-          </a:p>
-          <a:p>
-            <a:r>
-              <a:rPr lang="en-US" sz="2000" dirty="0"/>
-              <a:t>Similar actions can be taken with </a:t>
-            </a:r>
-            <a:r>
-              <a:rPr lang="en-US" sz="2000" dirty="0" err="1">
+              <a:t>df_train.duplicated</a:t>
+            </a:r>
+            <a:r>
+              <a:rPr lang="en-US" sz="2400" dirty="0">
+                <a:latin typeface="Courier New" panose="02070309020205020404" pitchFamily="49" charset="0"/>
+                <a:cs typeface="Courier New" panose="02070309020205020404" pitchFamily="49" charset="0"/>
+              </a:rPr>
+              <a:t>()].size,</a:t>
+            </a:r>
+          </a:p>
+          <a:p>
+            <a:pPr marL="450000" lvl="1" indent="0">
+              <a:buNone/>
+            </a:pPr>
+            <a:r>
+              <a:rPr lang="en-US" sz="2400" dirty="0">
+                <a:latin typeface="Courier New" panose="02070309020205020404" pitchFamily="49" charset="0"/>
+                <a:cs typeface="Courier New" panose="02070309020205020404" pitchFamily="49" charset="0"/>
+              </a:rPr>
+              <a:t>    </a:t>
+            </a:r>
+            <a:r>
+              <a:rPr lang="en-US" sz="2400" dirty="0" err="1">
                 <a:latin typeface="Courier New" panose="02070309020205020404" pitchFamily="49" charset="0"/>
                 <a:cs typeface="Courier New" panose="02070309020205020404" pitchFamily="49" charset="0"/>
               </a:rPr>
               <a:t>df_test</a:t>
             </a:r>
             <a:r>
-              <a:rPr lang="en-US" sz="2000" dirty="0"/>
-              <a:t>.</a:t>
-            </a:r>
+              <a:rPr lang="en-US" sz="2400" dirty="0">
+                <a:latin typeface="Courier New" panose="02070309020205020404" pitchFamily="49" charset="0"/>
+                <a:cs typeface="Courier New" panose="02070309020205020404" pitchFamily="49" charset="0"/>
+              </a:rPr>
+              <a:t>[</a:t>
+            </a:r>
+            <a:r>
+              <a:rPr lang="en-US" sz="2400" dirty="0" err="1">
+                <a:latin typeface="Courier New" panose="02070309020205020404" pitchFamily="49" charset="0"/>
+                <a:cs typeface="Courier New" panose="02070309020205020404" pitchFamily="49" charset="0"/>
+              </a:rPr>
+              <a:t>df_train.duplicated</a:t>
+            </a:r>
+            <a:r>
+              <a:rPr lang="en-US" sz="2400" dirty="0">
+                <a:latin typeface="Courier New" panose="02070309020205020404" pitchFamily="49" charset="0"/>
+                <a:cs typeface="Courier New" panose="02070309020205020404" pitchFamily="49" charset="0"/>
+              </a:rPr>
+              <a:t>()].size,</a:t>
+            </a:r>
+          </a:p>
+          <a:p>
+            <a:pPr marL="450000" lvl="1" indent="0">
+              <a:buNone/>
+            </a:pPr>
+            <a:r>
+              <a:rPr lang="en-US" sz="2400" dirty="0">
+                <a:latin typeface="Courier New" panose="02070309020205020404" pitchFamily="49" charset="0"/>
+                <a:cs typeface="Courier New" panose="02070309020205020404" pitchFamily="49" charset="0"/>
+              </a:rPr>
+              <a:t>    </a:t>
+            </a:r>
+            <a:r>
+              <a:rPr lang="en-US" sz="2400" dirty="0" err="1">
+                <a:latin typeface="Courier New" panose="02070309020205020404" pitchFamily="49" charset="0"/>
+                <a:cs typeface="Courier New" panose="02070309020205020404" pitchFamily="49" charset="0"/>
+              </a:rPr>
+              <a:t>sep</a:t>
+            </a:r>
+            <a:r>
+              <a:rPr lang="en-US" sz="2400" dirty="0">
+                <a:latin typeface="Courier New" panose="02070309020205020404" pitchFamily="49" charset="0"/>
+                <a:cs typeface="Courier New" panose="02070309020205020404" pitchFamily="49" charset="0"/>
+              </a:rPr>
+              <a:t>=‘, ‘</a:t>
+            </a:r>
+          </a:p>
+          <a:p>
+            <a:pPr marL="450000" lvl="1" indent="0">
+              <a:buNone/>
+            </a:pPr>
+            <a:r>
+              <a:rPr lang="en-US" sz="2400" dirty="0">
+                <a:latin typeface="Courier New" panose="02070309020205020404" pitchFamily="49" charset="0"/>
+                <a:cs typeface="Courier New" panose="02070309020205020404" pitchFamily="49" charset="0"/>
+              </a:rPr>
+              <a:t>)</a:t>
+            </a:r>
+            <a:endParaRPr lang="en-US" sz="3200" dirty="0">
+              <a:latin typeface="Courier New" panose="02070309020205020404" pitchFamily="49" charset="0"/>
+              <a:cs typeface="Courier New" panose="02070309020205020404" pitchFamily="49" charset="0"/>
+            </a:endParaRPr>
+          </a:p>
+          <a:p>
+            <a:r>
+              <a:rPr lang="en-US" sz="3200" dirty="0"/>
+              <a:t>This statement yields this output:</a:t>
+            </a:r>
+          </a:p>
+          <a:p>
+            <a:pPr marL="450000" lvl="1" indent="0">
+              <a:buNone/>
+            </a:pPr>
+            <a:r>
+              <a:rPr lang="en-US" sz="3000" dirty="0">
+                <a:latin typeface="Courier New" panose="02070309020205020404" pitchFamily="49" charset="0"/>
+                <a:cs typeface="Courier New" panose="02070309020205020404" pitchFamily="49" charset="0"/>
+              </a:rPr>
+              <a:t>0, 0</a:t>
+            </a:r>
+          </a:p>
+          <a:p>
+            <a:r>
+              <a:rPr lang="en-US" sz="3200" dirty="0"/>
+              <a:t>It turns out that there are no duplicate rows in the dataset, which implies that there’s no action needed.</a:t>
+            </a:r>
+            <a:endParaRPr lang="en-US" sz="2400" dirty="0"/>
           </a:p>
         </p:txBody>
       </p:sp>
-      <p:sp>
-        <p:nvSpPr>
-          <p:cNvPr id="15" name="Rectangle 12">
-            <a:extLst>
-              <a:ext uri="{FF2B5EF4-FFF2-40B4-BE49-F238E27FC236}">
-                <a16:creationId xmlns:a16="http://schemas.microsoft.com/office/drawing/2014/main" id="{FEB31415-7BF1-4297-867D-3EA440C99172}"/>
-              </a:ext>
-              <a:ext uri="{C183D7F6-B498-43B3-948B-1728B52AA6E4}">
-                <adec:decorative xmlns:adec="http://schemas.microsoft.com/office/drawing/2017/decorative" val="1"/>
-              </a:ext>
-            </a:extLst>
-          </p:cNvPr>
-          <p:cNvSpPr>
-            <a:spLocks noGrp="1" noRot="1" noChangeAspect="1" noMove="1" noResize="1" noEditPoints="1" noAdjustHandles="1" noChangeArrowheads="1" noChangeShapeType="1" noTextEdit="1"/>
-          </p:cNvSpPr>
-          <p:nvPr>
-            <p:extLst>
-              <p:ext uri="{386F3935-93C4-4BCD-93E2-E3B085C9AB24}">
-                <p16:designElem xmlns:p16="http://schemas.microsoft.com/office/powerpoint/2015/main" val="1"/>
-              </p:ext>
-            </p:extLst>
-          </p:nvPr>
-        </p:nvSpPr>
-        <p:spPr>
-          <a:xfrm>
-            <a:off x="7582162" y="965196"/>
-            <a:ext cx="3685394" cy="4971787"/>
-          </a:xfrm>
-          <a:prstGeom prst="rect">
-            <a:avLst/>
-          </a:prstGeom>
-          <a:solidFill>
-            <a:schemeClr val="tx1"/>
-          </a:solidFill>
-          <a:ln w="190500">
-            <a:solidFill>
-              <a:schemeClr val="tx1">
-                <a:alpha val="7000"/>
-              </a:schemeClr>
-            </a:solidFill>
-          </a:ln>
-        </p:spPr>
-        <p:style>
-          <a:lnRef idx="2">
-            <a:schemeClr val="accent1">
-              <a:shade val="50000"/>
-            </a:schemeClr>
-          </a:lnRef>
-          <a:fillRef idx="1">
-            <a:schemeClr val="accent1"/>
-          </a:fillRef>
-          <a:effectRef idx="0">
-            <a:schemeClr val="accent1"/>
-          </a:effectRef>
-          <a:fontRef idx="minor">
-            <a:schemeClr val="lt1"/>
-          </a:fontRef>
-        </p:style>
-        <p:txBody>
-          <a:bodyPr rtlCol="0" anchor="ctr"/>
-          <a:lstStyle/>
-          <a:p>
-            <a:pPr algn="ctr"/>
-            <a:endParaRPr lang="en-US"/>
-          </a:p>
-        </p:txBody>
-      </p:sp>
-      <p:pic>
-        <p:nvPicPr>
-          <p:cNvPr id="8" name="Picture 7" descr="A close-up of a document&#10;&#10;Description automatically generated with low confidence">
-            <a:extLst>
-              <a:ext uri="{FF2B5EF4-FFF2-40B4-BE49-F238E27FC236}">
-                <a16:creationId xmlns:a16="http://schemas.microsoft.com/office/drawing/2014/main" id="{F205D4DD-9549-4626-89B9-6042400CBBEB}"/>
-              </a:ext>
-            </a:extLst>
-          </p:cNvPr>
-          <p:cNvPicPr>
-            <a:picLocks noChangeAspect="1"/>
-          </p:cNvPicPr>
-          <p:nvPr/>
-        </p:nvPicPr>
-        <p:blipFill>
-          <a:blip r:embed="rId3">
-            <a:extLst>
-              <a:ext uri="{28A0092B-C50C-407E-A947-70E740481C1C}">
-                <a14:useLocalDpi xmlns:a14="http://schemas.microsoft.com/office/drawing/2010/main" val="0"/>
-              </a:ext>
-            </a:extLst>
-          </a:blip>
-          <a:stretch>
-            <a:fillRect/>
-          </a:stretch>
-        </p:blipFill>
-        <p:spPr>
-          <a:xfrm>
-            <a:off x="7892696" y="1126064"/>
-            <a:ext cx="3095987" cy="2244591"/>
-          </a:xfrm>
-          <a:prstGeom prst="rect">
-            <a:avLst/>
-          </a:prstGeom>
-        </p:spPr>
-      </p:pic>
-      <p:pic>
-        <p:nvPicPr>
-          <p:cNvPr id="6" name="Picture 5" descr="A close-up of a document&#10;&#10;Description automatically generated with low confidence">
-            <a:extLst>
-              <a:ext uri="{FF2B5EF4-FFF2-40B4-BE49-F238E27FC236}">
-                <a16:creationId xmlns:a16="http://schemas.microsoft.com/office/drawing/2014/main" id="{F268AA01-89C3-4DF9-B4B6-8492A56900A4}"/>
-              </a:ext>
-            </a:extLst>
-          </p:cNvPr>
-          <p:cNvPicPr>
-            <a:picLocks noChangeAspect="1"/>
-          </p:cNvPicPr>
-          <p:nvPr/>
-        </p:nvPicPr>
-        <p:blipFill>
-          <a:blip r:embed="rId4">
-            <a:extLst>
-              <a:ext uri="{28A0092B-C50C-407E-A947-70E740481C1C}">
-                <a14:useLocalDpi xmlns:a14="http://schemas.microsoft.com/office/drawing/2010/main" val="0"/>
-              </a:ext>
-            </a:extLst>
-          </a:blip>
-          <a:stretch>
-            <a:fillRect/>
-          </a:stretch>
-        </p:blipFill>
-        <p:spPr>
-          <a:xfrm>
-            <a:off x="7892697" y="3419294"/>
-            <a:ext cx="3095986" cy="2469050"/>
-          </a:xfrm>
-          <a:prstGeom prst="rect">
-            <a:avLst/>
-          </a:prstGeom>
-        </p:spPr>
-      </p:pic>
     </p:spTree>
     <p:extLst>
       <p:ext uri="{BB962C8B-B14F-4D97-AF65-F5344CB8AC3E}">
-        <p14:creationId xmlns:p14="http://schemas.microsoft.com/office/powerpoint/2010/main" val="888120808"/>
+        <p14:creationId xmlns:p14="http://schemas.microsoft.com/office/powerpoint/2010/main" val="3091650857"/>
       </p:ext>
     </p:extLst>
   </p:cSld>

--- a/class-3-data_analysis_and_ml/titanic/presentation.pptx
+++ b/class-3-data_analysis_and_ml/titanic/presentation.pptx
@@ -5,7 +5,7 @@
     <p:sldMasterId id="2147483862" r:id="rId1"/>
   </p:sldMasterIdLst>
   <p:notesMasterIdLst>
-    <p:notesMasterId r:id="rId27"/>
+    <p:notesMasterId r:id="rId28"/>
   </p:notesMasterIdLst>
   <p:sldIdLst>
     <p:sldId id="262" r:id="rId2"/>
@@ -14,25 +14,26 @@
     <p:sldId id="260" r:id="rId5"/>
     <p:sldId id="258" r:id="rId6"/>
     <p:sldId id="278" r:id="rId7"/>
-    <p:sldId id="282" r:id="rId8"/>
-    <p:sldId id="259" r:id="rId9"/>
-    <p:sldId id="263" r:id="rId10"/>
-    <p:sldId id="264" r:id="rId11"/>
-    <p:sldId id="265" r:id="rId12"/>
-    <p:sldId id="266" r:id="rId13"/>
-    <p:sldId id="267" r:id="rId14"/>
-    <p:sldId id="268" r:id="rId15"/>
-    <p:sldId id="269" r:id="rId16"/>
-    <p:sldId id="270" r:id="rId17"/>
-    <p:sldId id="271" r:id="rId18"/>
-    <p:sldId id="272" r:id="rId19"/>
-    <p:sldId id="274" r:id="rId20"/>
-    <p:sldId id="261" r:id="rId21"/>
-    <p:sldId id="273" r:id="rId22"/>
-    <p:sldId id="275" r:id="rId23"/>
-    <p:sldId id="279" r:id="rId24"/>
-    <p:sldId id="280" r:id="rId25"/>
-    <p:sldId id="281" r:id="rId26"/>
+    <p:sldId id="259" r:id="rId8"/>
+    <p:sldId id="263" r:id="rId9"/>
+    <p:sldId id="264" r:id="rId10"/>
+    <p:sldId id="265" r:id="rId11"/>
+    <p:sldId id="282" r:id="rId12"/>
+    <p:sldId id="283" r:id="rId13"/>
+    <p:sldId id="266" r:id="rId14"/>
+    <p:sldId id="267" r:id="rId15"/>
+    <p:sldId id="268" r:id="rId16"/>
+    <p:sldId id="269" r:id="rId17"/>
+    <p:sldId id="284" r:id="rId18"/>
+    <p:sldId id="271" r:id="rId19"/>
+    <p:sldId id="272" r:id="rId20"/>
+    <p:sldId id="274" r:id="rId21"/>
+    <p:sldId id="261" r:id="rId22"/>
+    <p:sldId id="273" r:id="rId23"/>
+    <p:sldId id="275" r:id="rId24"/>
+    <p:sldId id="279" r:id="rId25"/>
+    <p:sldId id="280" r:id="rId26"/>
+    <p:sldId id="281" r:id="rId27"/>
   </p:sldIdLst>
   <p:sldSz cx="12192000" cy="6858000"/>
   <p:notesSz cx="6858000" cy="9144000"/>
@@ -6247,7 +6248,7 @@
           <a:p>
             <a:fld id="{2A4A9800-5339-4724-9091-C84BEA1AA2F7}" type="datetimeFigureOut">
               <a:rPr lang="en-GB" smtClean="0"/>
-              <a:t>27/12/2021</a:t>
+              <a:t>28/12/2021</a:t>
             </a:fld>
             <a:endParaRPr lang="en-GB"/>
           </a:p>
@@ -6874,7 +6875,7 @@
           <a:p>
             <a:fld id="{FF45D806-066F-4B81-A46D-20A2C8D4BBF1}" type="slidenum">
               <a:rPr lang="en-GB" smtClean="0"/>
-              <a:t>10</a:t>
+              <a:t>9</a:t>
             </a:fld>
             <a:endParaRPr lang="en-GB"/>
           </a:p>
@@ -7078,7 +7079,7 @@
           <a:p>
             <a:fld id="{02AC24A9-CCB6-4F8D-B8DB-C2F3692CFA5A}" type="datetimeFigureOut">
               <a:rPr lang="en-US" smtClean="0"/>
-              <a:t>12/27/2021</a:t>
+              <a:t>12/28/2021</a:t>
             </a:fld>
             <a:endParaRPr lang="en-US" dirty="0"/>
           </a:p>
@@ -7376,7 +7377,7 @@
           <a:p>
             <a:fld id="{02AC24A9-CCB6-4F8D-B8DB-C2F3692CFA5A}" type="datetimeFigureOut">
               <a:rPr lang="en-US" smtClean="0"/>
-              <a:t>12/27/2021</a:t>
+              <a:t>12/28/2021</a:t>
             </a:fld>
             <a:endParaRPr lang="en-US"/>
           </a:p>
@@ -7568,7 +7569,7 @@
           <a:p>
             <a:fld id="{02AC24A9-CCB6-4F8D-B8DB-C2F3692CFA5A}" type="datetimeFigureOut">
               <a:rPr lang="en-US" smtClean="0"/>
-              <a:t>12/27/2021</a:t>
+              <a:t>12/28/2021</a:t>
             </a:fld>
             <a:endParaRPr lang="en-US"/>
           </a:p>
@@ -7829,7 +7830,7 @@
           <a:p>
             <a:fld id="{02AC24A9-CCB6-4F8D-B8DB-C2F3692CFA5A}" type="datetimeFigureOut">
               <a:rPr lang="en-US" smtClean="0"/>
-              <a:t>12/27/2021</a:t>
+              <a:t>12/28/2021</a:t>
             </a:fld>
             <a:endParaRPr lang="en-US"/>
           </a:p>
@@ -8253,7 +8254,7 @@
           <a:p>
             <a:fld id="{02AC24A9-CCB6-4F8D-B8DB-C2F3692CFA5A}" type="datetimeFigureOut">
               <a:rPr lang="en-US" smtClean="0"/>
-              <a:t>12/27/2021</a:t>
+              <a:t>12/28/2021</a:t>
             </a:fld>
             <a:endParaRPr lang="en-US"/>
           </a:p>
@@ -8790,7 +8791,7 @@
           <a:p>
             <a:fld id="{02AC24A9-CCB6-4F8D-B8DB-C2F3692CFA5A}" type="datetimeFigureOut">
               <a:rPr lang="en-US" smtClean="0"/>
-              <a:t>12/27/2021</a:t>
+              <a:t>12/28/2021</a:t>
             </a:fld>
             <a:endParaRPr lang="en-US"/>
           </a:p>
@@ -9654,7 +9655,7 @@
           <a:p>
             <a:fld id="{02AC24A9-CCB6-4F8D-B8DB-C2F3692CFA5A}" type="datetimeFigureOut">
               <a:rPr lang="en-US" smtClean="0"/>
-              <a:t>12/27/2021</a:t>
+              <a:t>12/28/2021</a:t>
             </a:fld>
             <a:endParaRPr lang="en-US"/>
           </a:p>
@@ -9824,7 +9825,7 @@
           <a:p>
             <a:fld id="{02AC24A9-CCB6-4F8D-B8DB-C2F3692CFA5A}" type="datetimeFigureOut">
               <a:rPr lang="en-US" smtClean="0"/>
-              <a:t>12/27/2021</a:t>
+              <a:t>12/28/2021</a:t>
             </a:fld>
             <a:endParaRPr lang="en-US"/>
           </a:p>
@@ -10008,7 +10009,7 @@
           <a:p>
             <a:fld id="{02AC24A9-CCB6-4F8D-B8DB-C2F3692CFA5A}" type="datetimeFigureOut">
               <a:rPr lang="en-US" smtClean="0"/>
-              <a:t>12/27/2021</a:t>
+              <a:t>12/28/2021</a:t>
             </a:fld>
             <a:endParaRPr lang="en-US"/>
           </a:p>
@@ -10178,7 +10179,7 @@
           <a:p>
             <a:fld id="{02AC24A9-CCB6-4F8D-B8DB-C2F3692CFA5A}" type="datetimeFigureOut">
               <a:rPr lang="en-US" smtClean="0"/>
-              <a:t>12/27/2021</a:t>
+              <a:t>12/28/2021</a:t>
             </a:fld>
             <a:endParaRPr lang="en-US"/>
           </a:p>
@@ -10422,7 +10423,7 @@
           <a:p>
             <a:fld id="{02AC24A9-CCB6-4F8D-B8DB-C2F3692CFA5A}" type="datetimeFigureOut">
               <a:rPr lang="en-US" smtClean="0"/>
-              <a:t>12/27/2021</a:t>
+              <a:t>12/28/2021</a:t>
             </a:fld>
             <a:endParaRPr lang="en-US"/>
           </a:p>
@@ -10658,7 +10659,7 @@
           <a:p>
             <a:fld id="{02AC24A9-CCB6-4F8D-B8DB-C2F3692CFA5A}" type="datetimeFigureOut">
               <a:rPr lang="en-US" smtClean="0"/>
-              <a:t>12/27/2021</a:t>
+              <a:t>12/28/2021</a:t>
             </a:fld>
             <a:endParaRPr lang="en-US"/>
           </a:p>
@@ -11124,7 +11125,7 @@
           <a:p>
             <a:fld id="{02AC24A9-CCB6-4F8D-B8DB-C2F3692CFA5A}" type="datetimeFigureOut">
               <a:rPr lang="en-US" smtClean="0"/>
-              <a:t>12/27/2021</a:t>
+              <a:t>12/28/2021</a:t>
             </a:fld>
             <a:endParaRPr lang="en-US"/>
           </a:p>
@@ -11242,7 +11243,7 @@
           <a:p>
             <a:fld id="{02AC24A9-CCB6-4F8D-B8DB-C2F3692CFA5A}" type="datetimeFigureOut">
               <a:rPr lang="en-US" smtClean="0"/>
-              <a:t>12/27/2021</a:t>
+              <a:t>12/28/2021</a:t>
             </a:fld>
             <a:endParaRPr lang="en-US"/>
           </a:p>
@@ -11337,7 +11338,7 @@
           <a:p>
             <a:fld id="{02AC24A9-CCB6-4F8D-B8DB-C2F3692CFA5A}" type="datetimeFigureOut">
               <a:rPr lang="en-US" smtClean="0"/>
-              <a:t>12/27/2021</a:t>
+              <a:t>12/28/2021</a:t>
             </a:fld>
             <a:endParaRPr lang="en-US"/>
           </a:p>
@@ -11592,7 +11593,7 @@
           <a:p>
             <a:fld id="{02AC24A9-CCB6-4F8D-B8DB-C2F3692CFA5A}" type="datetimeFigureOut">
               <a:rPr lang="en-US" smtClean="0"/>
-              <a:t>12/27/2021</a:t>
+              <a:t>12/28/2021</a:t>
             </a:fld>
             <a:endParaRPr lang="en-US" dirty="0"/>
           </a:p>
@@ -11892,7 +11893,7 @@
           <a:p>
             <a:fld id="{02AC24A9-CCB6-4F8D-B8DB-C2F3692CFA5A}" type="datetimeFigureOut">
               <a:rPr lang="en-US" smtClean="0"/>
-              <a:t>12/27/2021</a:t>
+              <a:t>12/28/2021</a:t>
             </a:fld>
             <a:endParaRPr lang="en-US"/>
           </a:p>
@@ -12126,7 +12127,7 @@
           <a:p>
             <a:fld id="{02AC24A9-CCB6-4F8D-B8DB-C2F3692CFA5A}" type="datetimeFigureOut">
               <a:rPr lang="en-US" smtClean="0"/>
-              <a:t>12/27/2021</a:t>
+              <a:t>12/28/2021</a:t>
             </a:fld>
             <a:endParaRPr lang="en-US"/>
           </a:p>
@@ -12865,7 +12866,7 @@
           </a:effectLst>
           <a:extLst>
             <a:ext uri="{91240B29-F687-4f45-9708-019B960494DF}">
-              <a14:hiddenLine xmlns:a14="http://schemas.microsoft.com/office/drawing/2010/main" xmlns:p14="http://schemas.microsoft.com/office/powerpoint/2010/main" xmlns:a16="http://schemas.microsoft.com/office/drawing/2014/main" xmlns="" w="9525">
+              <a14:hiddenLine xmlns="" xmlns:a16="http://schemas.microsoft.com/office/drawing/2014/main" xmlns:p14="http://schemas.microsoft.com/office/powerpoint/2010/main" xmlns:a14="http://schemas.microsoft.com/office/drawing/2010/main" w="9525">
                 <a:solidFill>
                   <a:srgbClr val="000000"/>
                 </a:solidFill>
@@ -13530,232 +13531,6 @@
 <file path=ppt/slides/slide10.xml><?xml version="1.0" encoding="utf-8"?>
 <p:sld xmlns:a="http://schemas.openxmlformats.org/drawingml/2006/main" xmlns:r="http://schemas.openxmlformats.org/officeDocument/2006/relationships" xmlns:p="http://schemas.openxmlformats.org/presentationml/2006/main">
   <p:cSld>
-    <p:bg>
-      <p:bgPr>
-        <a:blipFill rotWithShape="1">
-          <a:blip r:embed="rId3">
-            <a:duotone>
-              <a:schemeClr val="bg2">
-                <a:shade val="80000"/>
-                <a:lumMod val="80000"/>
-              </a:schemeClr>
-              <a:schemeClr val="bg2">
-                <a:tint val="98000"/>
-              </a:schemeClr>
-            </a:duotone>
-          </a:blip>
-          <a:stretch/>
-        </a:blipFill>
-        <a:effectLst/>
-      </p:bgPr>
-    </p:bg>
-    <p:spTree>
-      <p:nvGrpSpPr>
-        <p:cNvPr id="1" name=""/>
-        <p:cNvGrpSpPr/>
-        <p:nvPr/>
-      </p:nvGrpSpPr>
-      <p:grpSpPr>
-        <a:xfrm>
-          <a:off x="0" y="0"/>
-          <a:ext cx="0" cy="0"/>
-          <a:chOff x="0" y="0"/>
-          <a:chExt cx="0" cy="0"/>
-        </a:xfrm>
-      </p:grpSpPr>
-      <p:sp>
-        <p:nvSpPr>
-          <p:cNvPr id="2" name="Title 1">
-            <a:extLst>
-              <a:ext uri="{FF2B5EF4-FFF2-40B4-BE49-F238E27FC236}">
-                <a16:creationId xmlns:a16="http://schemas.microsoft.com/office/drawing/2014/main" id="{1C154D38-6D45-4EEE-9247-6B11D9B1DBEF}"/>
-              </a:ext>
-            </a:extLst>
-          </p:cNvPr>
-          <p:cNvSpPr>
-            <a:spLocks noGrp="1"/>
-          </p:cNvSpPr>
-          <p:nvPr>
-            <p:ph type="title"/>
-          </p:nvPr>
-        </p:nvSpPr>
-        <p:spPr>
-          <a:xfrm>
-            <a:off x="913795" y="609600"/>
-            <a:ext cx="10353762" cy="970450"/>
-          </a:xfrm>
-        </p:spPr>
-        <p:txBody>
-          <a:bodyPr>
-            <a:normAutofit/>
-          </a:bodyPr>
-          <a:lstStyle/>
-          <a:p>
-            <a:pPr>
-              <a:lnSpc>
-                <a:spcPct val="90000"/>
-              </a:lnSpc>
-            </a:pPr>
-            <a:r>
-              <a:rPr lang="en-US" sz="3400"/>
-              <a:t>Data Cleaning – Removing Columns with 50%+ Null </a:t>
-            </a:r>
-            <a:endParaRPr lang="en-GB" sz="3400"/>
-          </a:p>
-        </p:txBody>
-      </p:sp>
-      <p:sp>
-        <p:nvSpPr>
-          <p:cNvPr id="3" name="Content Placeholder 2">
-            <a:extLst>
-              <a:ext uri="{FF2B5EF4-FFF2-40B4-BE49-F238E27FC236}">
-                <a16:creationId xmlns:a16="http://schemas.microsoft.com/office/drawing/2014/main" id="{C19FDC94-E606-418F-8D42-99C2CD819BF3}"/>
-              </a:ext>
-            </a:extLst>
-          </p:cNvPr>
-          <p:cNvSpPr>
-            <a:spLocks noGrp="1"/>
-          </p:cNvSpPr>
-          <p:nvPr>
-            <p:ph idx="1"/>
-          </p:nvPr>
-        </p:nvSpPr>
-        <p:spPr>
-          <a:xfrm>
-            <a:off x="913795" y="1732449"/>
-            <a:ext cx="5546272" cy="4216288"/>
-          </a:xfrm>
-        </p:spPr>
-        <p:txBody>
-          <a:bodyPr anchor="ctr">
-            <a:noAutofit/>
-          </a:bodyPr>
-          <a:lstStyle/>
-          <a:p>
-            <a:pPr>
-              <a:lnSpc>
-                <a:spcPct val="90000"/>
-              </a:lnSpc>
-            </a:pPr>
-            <a:r>
-              <a:rPr lang="en-US" sz="2600" dirty="0"/>
-              <a:t>We use the following statement to view data about the counts of null in every column:</a:t>
-            </a:r>
-          </a:p>
-          <a:p>
-            <a:pPr marL="450000" lvl="1" indent="0">
-              <a:lnSpc>
-                <a:spcPct val="90000"/>
-              </a:lnSpc>
-              <a:buNone/>
-            </a:pPr>
-            <a:r>
-              <a:rPr lang="en-US" sz="2200" dirty="0">
-                <a:latin typeface="Courier New" panose="02070309020205020404" pitchFamily="49" charset="0"/>
-                <a:cs typeface="Courier New" panose="02070309020205020404" pitchFamily="49" charset="0"/>
-              </a:rPr>
-              <a:t>df_train.info()</a:t>
-            </a:r>
-            <a:endParaRPr lang="en-US" sz="2200" dirty="0"/>
-          </a:p>
-          <a:p>
-            <a:pPr>
-              <a:lnSpc>
-                <a:spcPct val="90000"/>
-              </a:lnSpc>
-            </a:pPr>
-            <a:r>
-              <a:rPr lang="en-US" sz="2600" dirty="0"/>
-              <a:t>Based on the output data, we will remove the column Cabin, as it has more null values than existing values. We will also remove the columns </a:t>
-            </a:r>
-            <a:r>
-              <a:rPr lang="en-US" sz="2600" dirty="0">
-                <a:latin typeface="Courier New" panose="02070309020205020404" pitchFamily="49" charset="0"/>
-                <a:cs typeface="Courier New" panose="02070309020205020404" pitchFamily="49" charset="0"/>
-              </a:rPr>
-              <a:t>Ticket</a:t>
-            </a:r>
-            <a:r>
-              <a:rPr lang="en-US" sz="2600" dirty="0"/>
-              <a:t>, </a:t>
-            </a:r>
-            <a:r>
-              <a:rPr lang="en-US" sz="2600" dirty="0" err="1">
-                <a:latin typeface="Courier New" panose="02070309020205020404" pitchFamily="49" charset="0"/>
-                <a:cs typeface="Courier New" panose="02070309020205020404" pitchFamily="49" charset="0"/>
-              </a:rPr>
-              <a:t>PassengerId</a:t>
-            </a:r>
-            <a:r>
-              <a:rPr lang="en-US" sz="2600" dirty="0"/>
-              <a:t>, and </a:t>
-            </a:r>
-            <a:r>
-              <a:rPr lang="en-US" sz="2600" dirty="0">
-                <a:latin typeface="Courier New" panose="02070309020205020404" pitchFamily="49" charset="0"/>
-                <a:cs typeface="Courier New" panose="02070309020205020404" pitchFamily="49" charset="0"/>
-              </a:rPr>
-              <a:t>Name</a:t>
-            </a:r>
-            <a:r>
-              <a:rPr lang="en-US" sz="2600" dirty="0"/>
-              <a:t>, as we will not use them later in the analysis.</a:t>
-            </a:r>
-          </a:p>
-        </p:txBody>
-      </p:sp>
-      <p:pic>
-        <p:nvPicPr>
-          <p:cNvPr id="8" name="Picture 7" descr="A screenshot of a computer&#10;&#10;Description automatically generated with low confidence">
-            <a:extLst>
-              <a:ext uri="{FF2B5EF4-FFF2-40B4-BE49-F238E27FC236}">
-                <a16:creationId xmlns:a16="http://schemas.microsoft.com/office/drawing/2014/main" id="{502BF09E-F3F9-49F3-B293-63ED003898A7}"/>
-              </a:ext>
-            </a:extLst>
-          </p:cNvPr>
-          <p:cNvPicPr>
-            <a:picLocks noChangeAspect="1"/>
-          </p:cNvPicPr>
-          <p:nvPr/>
-        </p:nvPicPr>
-        <p:blipFill>
-          <a:blip r:embed="rId4">
-            <a:extLst>
-              <a:ext uri="{28A0092B-C50C-407E-A947-70E740481C1C}">
-                <a14:useLocalDpi xmlns:a14="http://schemas.microsoft.com/office/drawing/2010/main" val="0"/>
-              </a:ext>
-            </a:extLst>
-          </a:blip>
-          <a:stretch>
-            <a:fillRect/>
-          </a:stretch>
-        </p:blipFill>
-        <p:spPr>
-          <a:xfrm>
-            <a:off x="6834382" y="1732449"/>
-            <a:ext cx="4980717" cy="4157212"/>
-          </a:xfrm>
-          <a:prstGeom prst="rect">
-            <a:avLst/>
-          </a:prstGeom>
-        </p:spPr>
-      </p:pic>
-    </p:spTree>
-    <p:extLst>
-      <p:ext uri="{BB962C8B-B14F-4D97-AF65-F5344CB8AC3E}">
-        <p14:creationId xmlns:p14="http://schemas.microsoft.com/office/powerpoint/2010/main" val="1103358885"/>
-      </p:ext>
-    </p:extLst>
-  </p:cSld>
-  <p:clrMapOvr>
-    <a:masterClrMapping/>
-  </p:clrMapOvr>
-</p:sld>
-</file>
-
-<file path=ppt/slides/slide11.xml><?xml version="1.0" encoding="utf-8"?>
-<p:sld xmlns:a="http://schemas.openxmlformats.org/drawingml/2006/main" xmlns:r="http://schemas.openxmlformats.org/officeDocument/2006/relationships" xmlns:p="http://schemas.openxmlformats.org/presentationml/2006/main">
-  <p:cSld>
     <p:spTree>
       <p:nvGrpSpPr>
         <p:cNvPr id="1" name=""/>
@@ -13863,7 +13638,7 @@
           <a:p>
             <a:r>
               <a:rPr lang="en-US" sz="2800" dirty="0"/>
-              <a:t>We will not present the plots here to save space.</a:t>
+              <a:t>The next few slides will present those plots.</a:t>
             </a:r>
           </a:p>
         </p:txBody>
@@ -13881,7 +13656,785 @@
 </p:sld>
 </file>
 
+<file path=ppt/slides/slide11.xml><?xml version="1.0" encoding="utf-8"?>
+<p:sld xmlns:a="http://schemas.openxmlformats.org/drawingml/2006/main" xmlns:r="http://schemas.openxmlformats.org/officeDocument/2006/relationships" xmlns:p="http://schemas.openxmlformats.org/presentationml/2006/main">
+  <p:cSld>
+    <p:bg>
+      <p:bgPr>
+        <a:solidFill>
+          <a:schemeClr val="bg1"/>
+        </a:solidFill>
+        <a:effectLst/>
+      </p:bgPr>
+    </p:bg>
+    <p:spTree>
+      <p:nvGrpSpPr>
+        <p:cNvPr id="1" name=""/>
+        <p:cNvGrpSpPr/>
+        <p:nvPr/>
+      </p:nvGrpSpPr>
+      <p:grpSpPr>
+        <a:xfrm>
+          <a:off x="0" y="0"/>
+          <a:ext cx="0" cy="0"/>
+          <a:chOff x="0" y="0"/>
+          <a:chExt cx="0" cy="0"/>
+        </a:xfrm>
+      </p:grpSpPr>
+      <p:sp>
+        <p:nvSpPr>
+          <p:cNvPr id="27" name="Rectangle 26">
+            <a:extLst>
+              <a:ext uri="{FF2B5EF4-FFF2-40B4-BE49-F238E27FC236}">
+                <a16:creationId xmlns:a16="http://schemas.microsoft.com/office/drawing/2014/main" id="{12E8CD4E-6381-4807-AA5B-CE0024A8BE19}"/>
+              </a:ext>
+              <a:ext uri="{C183D7F6-B498-43B3-948B-1728B52AA6E4}">
+                <adec:decorative xmlns:adec="http://schemas.microsoft.com/office/drawing/2017/decorative" val="1"/>
+              </a:ext>
+            </a:extLst>
+          </p:cNvPr>
+          <p:cNvSpPr>
+            <a:spLocks noGrp="1" noRot="1" noChangeAspect="1" noMove="1" noResize="1" noEditPoints="1" noAdjustHandles="1" noChangeArrowheads="1" noChangeShapeType="1" noTextEdit="1"/>
+          </p:cNvSpPr>
+          <p:nvPr>
+            <p:extLst>
+              <p:ext uri="{386F3935-93C4-4BCD-93E2-E3B085C9AB24}">
+                <p16:designElem xmlns:p16="http://schemas.microsoft.com/office/powerpoint/2015/main" val="1"/>
+              </p:ext>
+            </p:extLst>
+          </p:nvPr>
+        </p:nvSpPr>
+        <p:spPr>
+          <a:xfrm>
+            <a:off x="0" y="0"/>
+            <a:ext cx="12192000" cy="6858000"/>
+          </a:xfrm>
+          <a:prstGeom prst="rect">
+            <a:avLst/>
+          </a:prstGeom>
+          <a:solidFill>
+            <a:schemeClr val="bg1">
+              <a:lumMod val="85000"/>
+              <a:lumOff val="15000"/>
+            </a:schemeClr>
+          </a:solidFill>
+          <a:ln>
+            <a:noFill/>
+          </a:ln>
+        </p:spPr>
+        <p:style>
+          <a:lnRef idx="2">
+            <a:schemeClr val="accent1">
+              <a:shade val="50000"/>
+            </a:schemeClr>
+          </a:lnRef>
+          <a:fillRef idx="1">
+            <a:schemeClr val="accent1"/>
+          </a:fillRef>
+          <a:effectRef idx="0">
+            <a:schemeClr val="accent1"/>
+          </a:effectRef>
+          <a:fontRef idx="minor">
+            <a:schemeClr val="lt1"/>
+          </a:fontRef>
+        </p:style>
+        <p:txBody>
+          <a:bodyPr rtlCol="0" anchor="ctr"/>
+          <a:lstStyle/>
+          <a:p>
+            <a:pPr algn="ctr"/>
+            <a:endParaRPr lang="en-US"/>
+          </a:p>
+        </p:txBody>
+      </p:sp>
+      <p:sp>
+        <p:nvSpPr>
+          <p:cNvPr id="29" name="Rectangle 28">
+            <a:extLst>
+              <a:ext uri="{FF2B5EF4-FFF2-40B4-BE49-F238E27FC236}">
+                <a16:creationId xmlns:a16="http://schemas.microsoft.com/office/drawing/2014/main" id="{D28445F8-F032-43C9-8D0F-A5155F525283}"/>
+              </a:ext>
+              <a:ext uri="{C183D7F6-B498-43B3-948B-1728B52AA6E4}">
+                <adec:decorative xmlns:adec="http://schemas.microsoft.com/office/drawing/2017/decorative" val="1"/>
+              </a:ext>
+            </a:extLst>
+          </p:cNvPr>
+          <p:cNvSpPr>
+            <a:spLocks noGrp="1" noRot="1" noChangeAspect="1" noMove="1" noResize="1" noEditPoints="1" noAdjustHandles="1" noChangeArrowheads="1" noChangeShapeType="1" noTextEdit="1"/>
+          </p:cNvSpPr>
+          <p:nvPr>
+            <p:extLst>
+              <p:ext uri="{386F3935-93C4-4BCD-93E2-E3B085C9AB24}">
+                <p16:designElem xmlns:p16="http://schemas.microsoft.com/office/powerpoint/2015/main" val="1"/>
+              </p:ext>
+            </p:extLst>
+          </p:nvPr>
+        </p:nvSpPr>
+        <p:spPr>
+          <a:xfrm>
+            <a:off x="477012" y="480059"/>
+            <a:ext cx="5538555" cy="2887029"/>
+          </a:xfrm>
+          <a:prstGeom prst="rect">
+            <a:avLst/>
+          </a:prstGeom>
+          <a:noFill/>
+          <a:ln>
+            <a:solidFill>
+              <a:schemeClr val="tx1"/>
+            </a:solidFill>
+          </a:ln>
+        </p:spPr>
+        <p:style>
+          <a:lnRef idx="2">
+            <a:schemeClr val="accent1">
+              <a:shade val="50000"/>
+            </a:schemeClr>
+          </a:lnRef>
+          <a:fillRef idx="1">
+            <a:schemeClr val="accent1"/>
+          </a:fillRef>
+          <a:effectRef idx="0">
+            <a:schemeClr val="accent1"/>
+          </a:effectRef>
+          <a:fontRef idx="minor">
+            <a:schemeClr val="lt1"/>
+          </a:fontRef>
+        </p:style>
+        <p:txBody>
+          <a:bodyPr rtlCol="0" anchor="ctr"/>
+          <a:lstStyle/>
+          <a:p>
+            <a:pPr algn="ctr"/>
+            <a:endParaRPr lang="en-US"/>
+          </a:p>
+        </p:txBody>
+      </p:sp>
+      <p:pic>
+        <p:nvPicPr>
+          <p:cNvPr id="5" name="Content Placeholder 4" descr="Chart, histogram&#10;&#10;Description automatically generated">
+            <a:extLst>
+              <a:ext uri="{FF2B5EF4-FFF2-40B4-BE49-F238E27FC236}">
+                <a16:creationId xmlns:a16="http://schemas.microsoft.com/office/drawing/2014/main" id="{F4070AEC-C379-4A2D-91B1-78981C032FF9}"/>
+              </a:ext>
+            </a:extLst>
+          </p:cNvPr>
+          <p:cNvPicPr>
+            <a:picLocks noChangeAspect="1"/>
+          </p:cNvPicPr>
+          <p:nvPr/>
+        </p:nvPicPr>
+        <p:blipFill>
+          <a:blip r:embed="rId2">
+            <a:extLst>
+              <a:ext uri="{28A0092B-C50C-407E-A947-70E740481C1C}">
+                <a14:useLocalDpi xmlns:a14="http://schemas.microsoft.com/office/drawing/2010/main" val="0"/>
+              </a:ext>
+            </a:extLst>
+          </a:blip>
+          <a:stretch>
+            <a:fillRect/>
+          </a:stretch>
+        </p:blipFill>
+        <p:spPr>
+          <a:xfrm>
+            <a:off x="1378372" y="644229"/>
+            <a:ext cx="3737693" cy="2560320"/>
+          </a:xfrm>
+          <a:prstGeom prst="rect">
+            <a:avLst/>
+          </a:prstGeom>
+        </p:spPr>
+      </p:pic>
+      <p:sp>
+        <p:nvSpPr>
+          <p:cNvPr id="31" name="Rectangle 30">
+            <a:extLst>
+              <a:ext uri="{FF2B5EF4-FFF2-40B4-BE49-F238E27FC236}">
+                <a16:creationId xmlns:a16="http://schemas.microsoft.com/office/drawing/2014/main" id="{36A325B5-56A3-425A-B9A3-0CEB7CA1BBF6}"/>
+              </a:ext>
+              <a:ext uri="{C183D7F6-B498-43B3-948B-1728B52AA6E4}">
+                <adec:decorative xmlns:adec="http://schemas.microsoft.com/office/drawing/2017/decorative" val="1"/>
+              </a:ext>
+            </a:extLst>
+          </p:cNvPr>
+          <p:cNvSpPr>
+            <a:spLocks noGrp="1" noRot="1" noChangeAspect="1" noMove="1" noResize="1" noEditPoints="1" noAdjustHandles="1" noChangeArrowheads="1" noChangeShapeType="1" noTextEdit="1"/>
+          </p:cNvSpPr>
+          <p:nvPr>
+            <p:extLst>
+              <p:ext uri="{386F3935-93C4-4BCD-93E2-E3B085C9AB24}">
+                <p16:designElem xmlns:p16="http://schemas.microsoft.com/office/powerpoint/2015/main" val="1"/>
+              </p:ext>
+            </p:extLst>
+          </p:nvPr>
+        </p:nvSpPr>
+        <p:spPr>
+          <a:xfrm>
+            <a:off x="6176432" y="480060"/>
+            <a:ext cx="5538555" cy="2887028"/>
+          </a:xfrm>
+          <a:prstGeom prst="rect">
+            <a:avLst/>
+          </a:prstGeom>
+          <a:noFill/>
+          <a:ln>
+            <a:solidFill>
+              <a:schemeClr val="tx1"/>
+            </a:solidFill>
+          </a:ln>
+        </p:spPr>
+        <p:style>
+          <a:lnRef idx="2">
+            <a:schemeClr val="accent1">
+              <a:shade val="50000"/>
+            </a:schemeClr>
+          </a:lnRef>
+          <a:fillRef idx="1">
+            <a:schemeClr val="accent1"/>
+          </a:fillRef>
+          <a:effectRef idx="0">
+            <a:schemeClr val="accent1"/>
+          </a:effectRef>
+          <a:fontRef idx="minor">
+            <a:schemeClr val="lt1"/>
+          </a:fontRef>
+        </p:style>
+        <p:txBody>
+          <a:bodyPr rtlCol="0" anchor="ctr"/>
+          <a:lstStyle/>
+          <a:p>
+            <a:pPr algn="ctr"/>
+            <a:endParaRPr lang="en-US"/>
+          </a:p>
+        </p:txBody>
+      </p:sp>
+      <p:pic>
+        <p:nvPicPr>
+          <p:cNvPr id="11" name="Picture 10" descr="Chart, histogram&#10;&#10;Description automatically generated">
+            <a:extLst>
+              <a:ext uri="{FF2B5EF4-FFF2-40B4-BE49-F238E27FC236}">
+                <a16:creationId xmlns:a16="http://schemas.microsoft.com/office/drawing/2014/main" id="{1674A840-1177-4E1F-9905-B8DF58DA5F0A}"/>
+              </a:ext>
+            </a:extLst>
+          </p:cNvPr>
+          <p:cNvPicPr>
+            <a:picLocks noChangeAspect="1"/>
+          </p:cNvPicPr>
+          <p:nvPr/>
+        </p:nvPicPr>
+        <p:blipFill>
+          <a:blip r:embed="rId3">
+            <a:extLst>
+              <a:ext uri="{28A0092B-C50C-407E-A947-70E740481C1C}">
+                <a14:useLocalDpi xmlns:a14="http://schemas.microsoft.com/office/drawing/2010/main" val="0"/>
+              </a:ext>
+            </a:extLst>
+          </a:blip>
+          <a:stretch>
+            <a:fillRect/>
+          </a:stretch>
+        </p:blipFill>
+        <p:spPr>
+          <a:xfrm>
+            <a:off x="7063121" y="644229"/>
+            <a:ext cx="3765176" cy="2560320"/>
+          </a:xfrm>
+          <a:prstGeom prst="rect">
+            <a:avLst/>
+          </a:prstGeom>
+        </p:spPr>
+      </p:pic>
+      <p:sp>
+        <p:nvSpPr>
+          <p:cNvPr id="33" name="Rectangle 32">
+            <a:extLst>
+              <a:ext uri="{FF2B5EF4-FFF2-40B4-BE49-F238E27FC236}">
+                <a16:creationId xmlns:a16="http://schemas.microsoft.com/office/drawing/2014/main" id="{B80DE958-9D45-4CAD-BF1F-FA2ED970B7F6}"/>
+              </a:ext>
+              <a:ext uri="{C183D7F6-B498-43B3-948B-1728B52AA6E4}">
+                <adec:decorative xmlns:adec="http://schemas.microsoft.com/office/drawing/2017/decorative" val="1"/>
+              </a:ext>
+            </a:extLst>
+          </p:cNvPr>
+          <p:cNvSpPr>
+            <a:spLocks noGrp="1" noRot="1" noChangeAspect="1" noMove="1" noResize="1" noEditPoints="1" noAdjustHandles="1" noChangeArrowheads="1" noChangeShapeType="1" noTextEdit="1"/>
+          </p:cNvSpPr>
+          <p:nvPr>
+            <p:extLst>
+              <p:ext uri="{386F3935-93C4-4BCD-93E2-E3B085C9AB24}">
+                <p16:designElem xmlns:p16="http://schemas.microsoft.com/office/powerpoint/2015/main" val="1"/>
+              </p:ext>
+            </p:extLst>
+          </p:nvPr>
+        </p:nvSpPr>
+        <p:spPr>
+          <a:xfrm>
+            <a:off x="477013" y="3527956"/>
+            <a:ext cx="5538554" cy="2849985"/>
+          </a:xfrm>
+          <a:prstGeom prst="rect">
+            <a:avLst/>
+          </a:prstGeom>
+          <a:noFill/>
+          <a:ln>
+            <a:solidFill>
+              <a:schemeClr val="tx1"/>
+            </a:solidFill>
+          </a:ln>
+        </p:spPr>
+        <p:style>
+          <a:lnRef idx="2">
+            <a:schemeClr val="accent1">
+              <a:shade val="50000"/>
+            </a:schemeClr>
+          </a:lnRef>
+          <a:fillRef idx="1">
+            <a:schemeClr val="accent1"/>
+          </a:fillRef>
+          <a:effectRef idx="0">
+            <a:schemeClr val="accent1"/>
+          </a:effectRef>
+          <a:fontRef idx="minor">
+            <a:schemeClr val="lt1"/>
+          </a:fontRef>
+        </p:style>
+        <p:txBody>
+          <a:bodyPr rtlCol="0" anchor="ctr"/>
+          <a:lstStyle/>
+          <a:p>
+            <a:pPr algn="ctr"/>
+            <a:endParaRPr lang="en-US"/>
+          </a:p>
+        </p:txBody>
+      </p:sp>
+      <p:pic>
+        <p:nvPicPr>
+          <p:cNvPr id="9" name="Picture 8" descr="Chart, histogram&#10;&#10;Description automatically generated">
+            <a:extLst>
+              <a:ext uri="{FF2B5EF4-FFF2-40B4-BE49-F238E27FC236}">
+                <a16:creationId xmlns:a16="http://schemas.microsoft.com/office/drawing/2014/main" id="{C175AE7C-0A72-4EF7-BD6C-8692606452DB}"/>
+              </a:ext>
+            </a:extLst>
+          </p:cNvPr>
+          <p:cNvPicPr>
+            <a:picLocks noChangeAspect="1"/>
+          </p:cNvPicPr>
+          <p:nvPr/>
+        </p:nvPicPr>
+        <p:blipFill>
+          <a:blip r:embed="rId4">
+            <a:extLst>
+              <a:ext uri="{28A0092B-C50C-407E-A947-70E740481C1C}">
+                <a14:useLocalDpi xmlns:a14="http://schemas.microsoft.com/office/drawing/2010/main" val="0"/>
+              </a:ext>
+            </a:extLst>
+          </a:blip>
+          <a:stretch>
+            <a:fillRect/>
+          </a:stretch>
+        </p:blipFill>
+        <p:spPr>
+          <a:xfrm>
+            <a:off x="1364631" y="3653451"/>
+            <a:ext cx="3765176" cy="2560320"/>
+          </a:xfrm>
+          <a:prstGeom prst="rect">
+            <a:avLst/>
+          </a:prstGeom>
+        </p:spPr>
+      </p:pic>
+      <p:sp>
+        <p:nvSpPr>
+          <p:cNvPr id="35" name="Rectangle 34">
+            <a:extLst>
+              <a:ext uri="{FF2B5EF4-FFF2-40B4-BE49-F238E27FC236}">
+                <a16:creationId xmlns:a16="http://schemas.microsoft.com/office/drawing/2014/main" id="{BB93B4BF-AD35-4E52-8131-161C5FB9CDD7}"/>
+              </a:ext>
+              <a:ext uri="{C183D7F6-B498-43B3-948B-1728B52AA6E4}">
+                <adec:decorative xmlns:adec="http://schemas.microsoft.com/office/drawing/2017/decorative" val="1"/>
+              </a:ext>
+            </a:extLst>
+          </p:cNvPr>
+          <p:cNvSpPr>
+            <a:spLocks noGrp="1" noRot="1" noChangeAspect="1" noMove="1" noResize="1" noEditPoints="1" noAdjustHandles="1" noChangeArrowheads="1" noChangeShapeType="1" noTextEdit="1"/>
+          </p:cNvSpPr>
+          <p:nvPr>
+            <p:extLst>
+              <p:ext uri="{386F3935-93C4-4BCD-93E2-E3B085C9AB24}">
+                <p16:designElem xmlns:p16="http://schemas.microsoft.com/office/powerpoint/2015/main" val="1"/>
+              </p:ext>
+            </p:extLst>
+          </p:nvPr>
+        </p:nvSpPr>
+        <p:spPr>
+          <a:xfrm>
+            <a:off x="6176432" y="3527956"/>
+            <a:ext cx="5538555" cy="2849985"/>
+          </a:xfrm>
+          <a:prstGeom prst="rect">
+            <a:avLst/>
+          </a:prstGeom>
+          <a:noFill/>
+          <a:ln>
+            <a:solidFill>
+              <a:schemeClr val="tx1"/>
+            </a:solidFill>
+          </a:ln>
+        </p:spPr>
+        <p:style>
+          <a:lnRef idx="2">
+            <a:schemeClr val="accent1">
+              <a:shade val="50000"/>
+            </a:schemeClr>
+          </a:lnRef>
+          <a:fillRef idx="1">
+            <a:schemeClr val="accent1"/>
+          </a:fillRef>
+          <a:effectRef idx="0">
+            <a:schemeClr val="accent1"/>
+          </a:effectRef>
+          <a:fontRef idx="minor">
+            <a:schemeClr val="lt1"/>
+          </a:fontRef>
+        </p:style>
+        <p:txBody>
+          <a:bodyPr rtlCol="0" anchor="ctr"/>
+          <a:lstStyle/>
+          <a:p>
+            <a:pPr algn="ctr"/>
+            <a:endParaRPr lang="en-US"/>
+          </a:p>
+        </p:txBody>
+      </p:sp>
+      <p:pic>
+        <p:nvPicPr>
+          <p:cNvPr id="7" name="Picture 6" descr="Chart&#10;&#10;Description automatically generated">
+            <a:extLst>
+              <a:ext uri="{FF2B5EF4-FFF2-40B4-BE49-F238E27FC236}">
+                <a16:creationId xmlns:a16="http://schemas.microsoft.com/office/drawing/2014/main" id="{C0DCF2C7-39E7-4B8B-B7A9-74A1F7DDA3A8}"/>
+              </a:ext>
+            </a:extLst>
+          </p:cNvPr>
+          <p:cNvPicPr>
+            <a:picLocks noChangeAspect="1"/>
+          </p:cNvPicPr>
+          <p:nvPr/>
+        </p:nvPicPr>
+        <p:blipFill>
+          <a:blip r:embed="rId5">
+            <a:extLst>
+              <a:ext uri="{28A0092B-C50C-407E-A947-70E740481C1C}">
+                <a14:useLocalDpi xmlns:a14="http://schemas.microsoft.com/office/drawing/2010/main" val="0"/>
+              </a:ext>
+            </a:extLst>
+          </a:blip>
+          <a:stretch>
+            <a:fillRect/>
+          </a:stretch>
+        </p:blipFill>
+        <p:spPr>
+          <a:xfrm>
+            <a:off x="7063121" y="3672788"/>
+            <a:ext cx="3765176" cy="2560320"/>
+          </a:xfrm>
+          <a:prstGeom prst="rect">
+            <a:avLst/>
+          </a:prstGeom>
+        </p:spPr>
+      </p:pic>
+    </p:spTree>
+    <p:extLst>
+      <p:ext uri="{BB962C8B-B14F-4D97-AF65-F5344CB8AC3E}">
+        <p14:creationId xmlns:p14="http://schemas.microsoft.com/office/powerpoint/2010/main" val="2749359847"/>
+      </p:ext>
+    </p:extLst>
+  </p:cSld>
+  <p:clrMapOvr>
+    <a:masterClrMapping/>
+  </p:clrMapOvr>
+</p:sld>
+</file>
+
 <file path=ppt/slides/slide12.xml><?xml version="1.0" encoding="utf-8"?>
+<p:sld xmlns:a="http://schemas.openxmlformats.org/drawingml/2006/main" xmlns:r="http://schemas.openxmlformats.org/officeDocument/2006/relationships" xmlns:p="http://schemas.openxmlformats.org/presentationml/2006/main">
+  <p:cSld>
+    <p:bg>
+      <p:bgPr>
+        <a:solidFill>
+          <a:schemeClr val="bg1"/>
+        </a:solidFill>
+        <a:effectLst/>
+      </p:bgPr>
+    </p:bg>
+    <p:spTree>
+      <p:nvGrpSpPr>
+        <p:cNvPr id="1" name=""/>
+        <p:cNvGrpSpPr/>
+        <p:nvPr/>
+      </p:nvGrpSpPr>
+      <p:grpSpPr>
+        <a:xfrm>
+          <a:off x="0" y="0"/>
+          <a:ext cx="0" cy="0"/>
+          <a:chOff x="0" y="0"/>
+          <a:chExt cx="0" cy="0"/>
+        </a:xfrm>
+      </p:grpSpPr>
+      <p:pic>
+        <p:nvPicPr>
+          <p:cNvPr id="5" name="Content Placeholder 4" descr="Chart, histogram&#10;&#10;Description automatically generated">
+            <a:extLst>
+              <a:ext uri="{FF2B5EF4-FFF2-40B4-BE49-F238E27FC236}">
+                <a16:creationId xmlns:a16="http://schemas.microsoft.com/office/drawing/2014/main" id="{0CC07865-619B-44D2-BEF1-BC1009DFD3BF}"/>
+              </a:ext>
+            </a:extLst>
+          </p:cNvPr>
+          <p:cNvPicPr>
+            <a:picLocks noChangeAspect="1"/>
+          </p:cNvPicPr>
+          <p:nvPr/>
+        </p:nvPicPr>
+        <p:blipFill>
+          <a:blip r:embed="rId2">
+            <a:extLst>
+              <a:ext uri="{28A0092B-C50C-407E-A947-70E740481C1C}">
+                <a14:useLocalDpi xmlns:a14="http://schemas.microsoft.com/office/drawing/2010/main" val="0"/>
+              </a:ext>
+            </a:extLst>
+          </a:blip>
+          <a:stretch>
+            <a:fillRect/>
+          </a:stretch>
+        </p:blipFill>
+        <p:spPr>
+          <a:xfrm>
+            <a:off x="1050022" y="321734"/>
+            <a:ext cx="4241124" cy="2905170"/>
+          </a:xfrm>
+          <a:prstGeom prst="rect">
+            <a:avLst/>
+          </a:prstGeom>
+        </p:spPr>
+      </p:pic>
+      <p:pic>
+        <p:nvPicPr>
+          <p:cNvPr id="9" name="Picture 8" descr="Chart, bar chart, histogram&#10;&#10;Description automatically generated">
+            <a:extLst>
+              <a:ext uri="{FF2B5EF4-FFF2-40B4-BE49-F238E27FC236}">
+                <a16:creationId xmlns:a16="http://schemas.microsoft.com/office/drawing/2014/main" id="{2211B480-F274-46CD-914C-21DCD943E4F8}"/>
+              </a:ext>
+            </a:extLst>
+          </p:cNvPr>
+          <p:cNvPicPr>
+            <a:picLocks noChangeAspect="1"/>
+          </p:cNvPicPr>
+          <p:nvPr/>
+        </p:nvPicPr>
+        <p:blipFill>
+          <a:blip r:embed="rId3">
+            <a:extLst>
+              <a:ext uri="{28A0092B-C50C-407E-A947-70E740481C1C}">
+                <a14:useLocalDpi xmlns:a14="http://schemas.microsoft.com/office/drawing/2010/main" val="0"/>
+              </a:ext>
+            </a:extLst>
+          </a:blip>
+          <a:stretch>
+            <a:fillRect/>
+          </a:stretch>
+        </p:blipFill>
+        <p:spPr>
+          <a:xfrm>
+            <a:off x="1110464" y="3631096"/>
+            <a:ext cx="4120238" cy="2760560"/>
+          </a:xfrm>
+          <a:prstGeom prst="rect">
+            <a:avLst/>
+          </a:prstGeom>
+        </p:spPr>
+      </p:pic>
+      <p:sp>
+        <p:nvSpPr>
+          <p:cNvPr id="29" name="Rectangle 24">
+            <a:extLst>
+              <a:ext uri="{FF2B5EF4-FFF2-40B4-BE49-F238E27FC236}">
+                <a16:creationId xmlns:a16="http://schemas.microsoft.com/office/drawing/2014/main" id="{799448F2-0E5B-42DA-B2D1-11A14E947BD4}"/>
+              </a:ext>
+              <a:ext uri="{C183D7F6-B498-43B3-948B-1728B52AA6E4}">
+                <adec:decorative xmlns:adec="http://schemas.microsoft.com/office/drawing/2017/decorative" val="1"/>
+              </a:ext>
+            </a:extLst>
+          </p:cNvPr>
+          <p:cNvSpPr>
+            <a:spLocks noGrp="1" noRot="1" noChangeAspect="1" noMove="1" noResize="1" noEditPoints="1" noAdjustHandles="1" noChangeArrowheads="1" noChangeShapeType="1" noTextEdit="1"/>
+          </p:cNvSpPr>
+          <p:nvPr>
+            <p:extLst>
+              <p:ext uri="{386F3935-93C4-4BCD-93E2-E3B085C9AB24}">
+                <p16:designElem xmlns:p16="http://schemas.microsoft.com/office/powerpoint/2015/main" val="1"/>
+              </p:ext>
+            </p:extLst>
+          </p:nvPr>
+        </p:nvSpPr>
+        <p:spPr>
+          <a:xfrm>
+            <a:off x="6050280" y="0"/>
+            <a:ext cx="91440" cy="6858000"/>
+          </a:xfrm>
+          <a:prstGeom prst="rect">
+            <a:avLst/>
+          </a:prstGeom>
+          <a:solidFill>
+            <a:schemeClr val="tx1">
+              <a:lumMod val="75000"/>
+              <a:lumOff val="25000"/>
+            </a:schemeClr>
+          </a:solidFill>
+          <a:ln>
+            <a:noFill/>
+          </a:ln>
+        </p:spPr>
+        <p:style>
+          <a:lnRef idx="2">
+            <a:schemeClr val="accent1">
+              <a:shade val="50000"/>
+            </a:schemeClr>
+          </a:lnRef>
+          <a:fillRef idx="1">
+            <a:schemeClr val="accent1"/>
+          </a:fillRef>
+          <a:effectRef idx="0">
+            <a:schemeClr val="accent1"/>
+          </a:effectRef>
+          <a:fontRef idx="minor">
+            <a:schemeClr val="lt1"/>
+          </a:fontRef>
+        </p:style>
+        <p:txBody>
+          <a:bodyPr rtlCol="0" anchor="ctr"/>
+          <a:lstStyle/>
+          <a:p>
+            <a:pPr algn="ctr"/>
+            <a:endParaRPr lang="en-US"/>
+          </a:p>
+        </p:txBody>
+      </p:sp>
+      <p:sp>
+        <p:nvSpPr>
+          <p:cNvPr id="30" name="Rectangle 26">
+            <a:extLst>
+              <a:ext uri="{FF2B5EF4-FFF2-40B4-BE49-F238E27FC236}">
+                <a16:creationId xmlns:a16="http://schemas.microsoft.com/office/drawing/2014/main" id="{4E8A7552-20E1-4F34-ADAB-C1DB6634D47E}"/>
+              </a:ext>
+              <a:ext uri="{C183D7F6-B498-43B3-948B-1728B52AA6E4}">
+                <adec:decorative xmlns:adec="http://schemas.microsoft.com/office/drawing/2017/decorative" val="1"/>
+              </a:ext>
+            </a:extLst>
+          </p:cNvPr>
+          <p:cNvSpPr>
+            <a:spLocks noGrp="1" noRot="1" noChangeAspect="1" noMove="1" noResize="1" noEditPoints="1" noAdjustHandles="1" noChangeArrowheads="1" noChangeShapeType="1" noTextEdit="1"/>
+          </p:cNvSpPr>
+          <p:nvPr>
+            <p:extLst>
+              <p:ext uri="{386F3935-93C4-4BCD-93E2-E3B085C9AB24}">
+                <p16:designElem xmlns:p16="http://schemas.microsoft.com/office/powerpoint/2015/main" val="1"/>
+              </p:ext>
+            </p:extLst>
+          </p:nvPr>
+        </p:nvSpPr>
+        <p:spPr>
+          <a:xfrm>
+            <a:off x="0" y="3383280"/>
+            <a:ext cx="6126480" cy="91440"/>
+          </a:xfrm>
+          <a:prstGeom prst="rect">
+            <a:avLst/>
+          </a:prstGeom>
+          <a:solidFill>
+            <a:schemeClr val="tx1">
+              <a:lumMod val="75000"/>
+              <a:lumOff val="25000"/>
+            </a:schemeClr>
+          </a:solidFill>
+          <a:ln>
+            <a:noFill/>
+          </a:ln>
+        </p:spPr>
+        <p:style>
+          <a:lnRef idx="2">
+            <a:schemeClr val="accent1">
+              <a:shade val="50000"/>
+            </a:schemeClr>
+          </a:lnRef>
+          <a:fillRef idx="1">
+            <a:schemeClr val="accent1"/>
+          </a:fillRef>
+          <a:effectRef idx="0">
+            <a:schemeClr val="accent1"/>
+          </a:effectRef>
+          <a:fontRef idx="minor">
+            <a:schemeClr val="lt1"/>
+          </a:fontRef>
+        </p:style>
+        <p:txBody>
+          <a:bodyPr rtlCol="0" anchor="ctr"/>
+          <a:lstStyle/>
+          <a:p>
+            <a:pPr algn="ctr"/>
+            <a:endParaRPr lang="en-US"/>
+          </a:p>
+        </p:txBody>
+      </p:sp>
+      <p:pic>
+        <p:nvPicPr>
+          <p:cNvPr id="7" name="Picture 6" descr="Chart, histogram&#10;&#10;Description automatically generated">
+            <a:extLst>
+              <a:ext uri="{FF2B5EF4-FFF2-40B4-BE49-F238E27FC236}">
+                <a16:creationId xmlns:a16="http://schemas.microsoft.com/office/drawing/2014/main" id="{593D03B1-BB04-4AFC-807F-E3310AE5744F}"/>
+              </a:ext>
+            </a:extLst>
+          </p:cNvPr>
+          <p:cNvPicPr>
+            <a:picLocks noChangeAspect="1"/>
+          </p:cNvPicPr>
+          <p:nvPr/>
+        </p:nvPicPr>
+        <p:blipFill>
+          <a:blip r:embed="rId4">
+            <a:extLst>
+              <a:ext uri="{28A0092B-C50C-407E-A947-70E740481C1C}">
+                <a14:useLocalDpi xmlns:a14="http://schemas.microsoft.com/office/drawing/2010/main" val="0"/>
+              </a:ext>
+            </a:extLst>
+          </a:blip>
+          <a:stretch>
+            <a:fillRect/>
+          </a:stretch>
+        </p:blipFill>
+        <p:spPr>
+          <a:xfrm>
+            <a:off x="6308034" y="1436977"/>
+            <a:ext cx="5426764" cy="3839435"/>
+          </a:xfrm>
+          <a:prstGeom prst="rect">
+            <a:avLst/>
+          </a:prstGeom>
+        </p:spPr>
+      </p:pic>
+    </p:spTree>
+    <p:extLst>
+      <p:ext uri="{BB962C8B-B14F-4D97-AF65-F5344CB8AC3E}">
+        <p14:creationId xmlns:p14="http://schemas.microsoft.com/office/powerpoint/2010/main" val="3892855250"/>
+      </p:ext>
+    </p:extLst>
+  </p:cSld>
+  <p:clrMapOvr>
+    <a:masterClrMapping/>
+  </p:clrMapOvr>
+</p:sld>
+</file>
+
+<file path=ppt/slides/slide13.xml><?xml version="1.0" encoding="utf-8"?>
 <p:sld xmlns:a="http://schemas.openxmlformats.org/drawingml/2006/main" xmlns:r="http://schemas.openxmlformats.org/officeDocument/2006/relationships" xmlns:p="http://schemas.openxmlformats.org/presentationml/2006/main">
   <p:cSld>
     <p:bg>
@@ -14253,7 +14806,7 @@
 </p:sld>
 </file>
 
-<file path=ppt/slides/slide13.xml><?xml version="1.0" encoding="utf-8"?>
+<file path=ppt/slides/slide14.xml><?xml version="1.0" encoding="utf-8"?>
 <p:sld xmlns:a="http://schemas.openxmlformats.org/drawingml/2006/main" xmlns:r="http://schemas.openxmlformats.org/officeDocument/2006/relationships" xmlns:p="http://schemas.openxmlformats.org/presentationml/2006/main">
   <p:cSld>
     <p:spTree>
@@ -14349,7 +14902,7 @@
 </p:sld>
 </file>
 
-<file path=ppt/slides/slide14.xml><?xml version="1.0" encoding="utf-8"?>
+<file path=ppt/slides/slide15.xml><?xml version="1.0" encoding="utf-8"?>
 <p:sld xmlns:a="http://schemas.openxmlformats.org/drawingml/2006/main" xmlns:r="http://schemas.openxmlformats.org/officeDocument/2006/relationships" xmlns:p="http://schemas.openxmlformats.org/presentationml/2006/main">
   <p:cSld>
     <p:bg>
@@ -14606,202 +15159,6 @@
 </p:sld>
 </file>
 
-<file path=ppt/slides/slide15.xml><?xml version="1.0" encoding="utf-8"?>
-<p:sld xmlns:a="http://schemas.openxmlformats.org/drawingml/2006/main" xmlns:r="http://schemas.openxmlformats.org/officeDocument/2006/relationships" xmlns:p="http://schemas.openxmlformats.org/presentationml/2006/main">
-  <p:cSld>
-    <p:bg>
-      <p:bgPr>
-        <a:blipFill rotWithShape="1">
-          <a:blip r:embed="rId2">
-            <a:duotone>
-              <a:schemeClr val="bg2">
-                <a:shade val="80000"/>
-                <a:lumMod val="80000"/>
-              </a:schemeClr>
-              <a:schemeClr val="bg2">
-                <a:tint val="98000"/>
-              </a:schemeClr>
-            </a:duotone>
-          </a:blip>
-          <a:stretch/>
-        </a:blipFill>
-        <a:effectLst/>
-      </p:bgPr>
-    </p:bg>
-    <p:spTree>
-      <p:nvGrpSpPr>
-        <p:cNvPr id="1" name=""/>
-        <p:cNvGrpSpPr/>
-        <p:nvPr/>
-      </p:nvGrpSpPr>
-      <p:grpSpPr>
-        <a:xfrm>
-          <a:off x="0" y="0"/>
-          <a:ext cx="0" cy="0"/>
-          <a:chOff x="0" y="0"/>
-          <a:chExt cx="0" cy="0"/>
-        </a:xfrm>
-      </p:grpSpPr>
-      <p:sp>
-        <p:nvSpPr>
-          <p:cNvPr id="2" name="Title 1">
-            <a:extLst>
-              <a:ext uri="{FF2B5EF4-FFF2-40B4-BE49-F238E27FC236}">
-                <a16:creationId xmlns:a16="http://schemas.microsoft.com/office/drawing/2014/main" id="{9C1C460A-DE04-4868-B1C9-03C824A1E08B}"/>
-              </a:ext>
-            </a:extLst>
-          </p:cNvPr>
-          <p:cNvSpPr>
-            <a:spLocks noGrp="1"/>
-          </p:cNvSpPr>
-          <p:nvPr>
-            <p:ph type="title"/>
-          </p:nvPr>
-        </p:nvSpPr>
-        <p:spPr>
-          <a:xfrm>
-            <a:off x="707900" y="460178"/>
-            <a:ext cx="3946393" cy="1956298"/>
-          </a:xfrm>
-        </p:spPr>
-        <p:txBody>
-          <a:bodyPr>
-            <a:normAutofit/>
-          </a:bodyPr>
-          <a:lstStyle/>
-          <a:p>
-            <a:pPr algn="l"/>
-            <a:r>
-              <a:rPr lang="en-US" sz="3600" dirty="0">
-                <a:ln>
-                  <a:solidFill>
-                    <a:srgbClr val="404040">
-                      <a:alpha val="10000"/>
-                    </a:srgbClr>
-                  </a:solidFill>
-                </a:ln>
-              </a:rPr>
-              <a:t>EDA – Sex</a:t>
-            </a:r>
-            <a:endParaRPr lang="en-GB" sz="3600" dirty="0">
-              <a:ln>
-                <a:solidFill>
-                  <a:srgbClr val="404040">
-                    <a:alpha val="10000"/>
-                  </a:srgbClr>
-                </a:solidFill>
-              </a:ln>
-            </a:endParaRPr>
-          </a:p>
-        </p:txBody>
-      </p:sp>
-      <p:sp>
-        <p:nvSpPr>
-          <p:cNvPr id="3" name="Content Placeholder 2">
-            <a:extLst>
-              <a:ext uri="{FF2B5EF4-FFF2-40B4-BE49-F238E27FC236}">
-                <a16:creationId xmlns:a16="http://schemas.microsoft.com/office/drawing/2014/main" id="{D361CC5C-566F-4AC0-8FFC-803D58F889AA}"/>
-              </a:ext>
-            </a:extLst>
-          </p:cNvPr>
-          <p:cNvSpPr>
-            <a:spLocks noGrp="1"/>
-          </p:cNvSpPr>
-          <p:nvPr>
-            <p:ph idx="1"/>
-          </p:nvPr>
-        </p:nvSpPr>
-        <p:spPr>
-          <a:xfrm>
-            <a:off x="5129494" y="460178"/>
-            <a:ext cx="6430560" cy="1956298"/>
-          </a:xfrm>
-        </p:spPr>
-        <p:txBody>
-          <a:bodyPr anchor="ctr">
-            <a:normAutofit/>
-          </a:bodyPr>
-          <a:lstStyle/>
-          <a:p>
-            <a:pPr marL="36900" indent="0">
-              <a:buClr>
-                <a:srgbClr val="7F9ECC"/>
-              </a:buClr>
-              <a:buNone/>
-            </a:pPr>
-            <a:r>
-              <a:rPr lang="en-US" dirty="0">
-                <a:ln>
-                  <a:solidFill>
-                    <a:srgbClr val="404040">
-                      <a:alpha val="10000"/>
-                    </a:srgbClr>
-                  </a:solidFill>
-                </a:ln>
-              </a:rPr>
-              <a:t>The count of males who drowned is way more than that of the females, where as the count of males who survived is considerably less than that of the females.</a:t>
-            </a:r>
-            <a:endParaRPr lang="en-GB" dirty="0">
-              <a:ln>
-                <a:solidFill>
-                  <a:srgbClr val="404040">
-                    <a:alpha val="10000"/>
-                  </a:srgbClr>
-                </a:solidFill>
-              </a:ln>
-            </a:endParaRPr>
-          </a:p>
-        </p:txBody>
-      </p:sp>
-      <p:pic>
-        <p:nvPicPr>
-          <p:cNvPr id="5" name="Picture 4" descr="Chart, bar chart&#10;&#10;Description automatically generated">
-            <a:extLst>
-              <a:ext uri="{FF2B5EF4-FFF2-40B4-BE49-F238E27FC236}">
-                <a16:creationId xmlns:a16="http://schemas.microsoft.com/office/drawing/2014/main" id="{22D9E162-CD2C-4D1C-82FD-472F06A487E5}"/>
-              </a:ext>
-            </a:extLst>
-          </p:cNvPr>
-          <p:cNvPicPr>
-            <a:picLocks noChangeAspect="1"/>
-          </p:cNvPicPr>
-          <p:nvPr/>
-        </p:nvPicPr>
-        <p:blipFill>
-          <a:blip r:embed="rId3">
-            <a:extLst>
-              <a:ext uri="{28A0092B-C50C-407E-A947-70E740481C1C}">
-                <a14:useLocalDpi xmlns:a14="http://schemas.microsoft.com/office/drawing/2010/main" val="0"/>
-              </a:ext>
-            </a:extLst>
-          </a:blip>
-          <a:stretch>
-            <a:fillRect/>
-          </a:stretch>
-        </p:blipFill>
-        <p:spPr>
-          <a:xfrm>
-            <a:off x="1344898" y="2233186"/>
-            <a:ext cx="8600486" cy="4277846"/>
-          </a:xfrm>
-          <a:prstGeom prst="rect">
-            <a:avLst/>
-          </a:prstGeom>
-        </p:spPr>
-      </p:pic>
-    </p:spTree>
-    <p:extLst>
-      <p:ext uri="{BB962C8B-B14F-4D97-AF65-F5344CB8AC3E}">
-        <p14:creationId xmlns:p14="http://schemas.microsoft.com/office/powerpoint/2010/main" val="725586398"/>
-      </p:ext>
-    </p:extLst>
-  </p:cSld>
-  <p:clrMapOvr>
-    <a:masterClrMapping/>
-  </p:clrMapOvr>
-</p:sld>
-</file>
-
 <file path=ppt/slides/slide16.xml><?xml version="1.0" encoding="utf-8"?>
 <p:sld xmlns:a="http://schemas.openxmlformats.org/drawingml/2006/main" xmlns:r="http://schemas.openxmlformats.org/officeDocument/2006/relationships" xmlns:p="http://schemas.openxmlformats.org/presentationml/2006/main">
   <p:cSld>
@@ -14868,7 +15225,7 @@
           <a:p>
             <a:pPr algn="l"/>
             <a:r>
-              <a:rPr lang="en-US" sz="3600">
+              <a:rPr lang="en-US" sz="3600" dirty="0">
                 <a:ln>
                   <a:solidFill>
                     <a:srgbClr val="404040">
@@ -14877,7 +15234,7 @@
                   </a:solidFill>
                 </a:ln>
               </a:rPr>
-              <a:t>EDA – Pclass</a:t>
+              <a:t>EDA – Sex</a:t>
             </a:r>
             <a:endParaRPr lang="en-GB" sz="3600" dirty="0">
               <a:ln>
@@ -14909,13 +15266,13 @@
         </p:nvSpPr>
         <p:spPr>
           <a:xfrm>
-            <a:off x="5129494" y="269378"/>
-            <a:ext cx="6430560" cy="1956297"/>
+            <a:off x="5129494" y="460178"/>
+            <a:ext cx="6430560" cy="1956298"/>
           </a:xfrm>
         </p:spPr>
         <p:txBody>
           <a:bodyPr anchor="ctr">
-            <a:normAutofit fontScale="92500" lnSpcReduction="10000"/>
+            <a:normAutofit/>
           </a:bodyPr>
           <a:lstStyle/>
           <a:p>
@@ -14935,119 +15292,7 @@
                   </a:solidFill>
                 </a:ln>
               </a:rPr>
-              <a:t>For </a:t>
-            </a:r>
-            <a:r>
-              <a:rPr lang="en-US" dirty="0" err="1">
-                <a:ln>
-                  <a:solidFill>
-                    <a:srgbClr val="404040">
-                      <a:alpha val="10000"/>
-                    </a:srgbClr>
-                  </a:solidFill>
-                </a:ln>
-              </a:rPr>
-              <a:t>pclass</a:t>
-            </a:r>
-            <a:r>
-              <a:rPr lang="en-US" dirty="0">
-                <a:ln>
-                  <a:solidFill>
-                    <a:srgbClr val="404040">
-                      <a:alpha val="10000"/>
-                    </a:srgbClr>
-                  </a:solidFill>
-                </a:ln>
-              </a:rPr>
-              <a:t> 1, the count of passengers who survived is considerably higher.</a:t>
-            </a:r>
-          </a:p>
-          <a:p>
-            <a:pPr marL="36900" indent="0">
-              <a:buClr>
-                <a:srgbClr val="7F9ECC"/>
-              </a:buClr>
-              <a:buNone/>
-            </a:pPr>
-            <a:r>
-              <a:rPr lang="en-US" dirty="0">
-                <a:ln>
-                  <a:solidFill>
-                    <a:srgbClr val="404040">
-                      <a:alpha val="10000"/>
-                    </a:srgbClr>
-                  </a:solidFill>
-                </a:ln>
-              </a:rPr>
-              <a:t>For </a:t>
-            </a:r>
-            <a:r>
-              <a:rPr lang="en-US" dirty="0" err="1">
-                <a:ln>
-                  <a:solidFill>
-                    <a:srgbClr val="404040">
-                      <a:alpha val="10000"/>
-                    </a:srgbClr>
-                  </a:solidFill>
-                </a:ln>
-              </a:rPr>
-              <a:t>pclass</a:t>
-            </a:r>
-            <a:r>
-              <a:rPr lang="en-US" dirty="0">
-                <a:ln>
-                  <a:solidFill>
-                    <a:srgbClr val="404040">
-                      <a:alpha val="10000"/>
-                    </a:srgbClr>
-                  </a:solidFill>
-                </a:ln>
-              </a:rPr>
-              <a:t> 2, the count of the passengers who survived is slightly higher.</a:t>
-            </a:r>
-          </a:p>
-          <a:p>
-            <a:pPr marL="36900" indent="0">
-              <a:buClr>
-                <a:srgbClr val="7F9ECC"/>
-              </a:buClr>
-              <a:buNone/>
-            </a:pPr>
-            <a:r>
-              <a:rPr lang="en-US" dirty="0">
-                <a:ln>
-                  <a:solidFill>
-                    <a:srgbClr val="404040">
-                      <a:alpha val="10000"/>
-                    </a:srgbClr>
-                  </a:solidFill>
-                </a:ln>
-              </a:rPr>
-              <a:t>For </a:t>
-            </a:r>
-            <a:r>
-              <a:rPr lang="en-US" dirty="0" err="1">
-                <a:ln>
-                  <a:solidFill>
-                    <a:srgbClr val="404040">
-                      <a:alpha val="10000"/>
-                    </a:srgbClr>
-                  </a:solidFill>
-                </a:ln>
-              </a:rPr>
-              <a:t>pclass</a:t>
-            </a:r>
-            <a:r>
-              <a:rPr lang="en-US" dirty="0">
-                <a:ln>
-                  <a:solidFill>
-                    <a:srgbClr val="404040">
-                      <a:alpha val="10000"/>
-                    </a:srgbClr>
-                  </a:solidFill>
-                </a:ln>
-              </a:rPr>
-              <a:t> 3, the count of those who drowned is extremely higher.</a:t>
+              <a:t>The count of males who drowned is way more than that of the females, where as the count of males who survived is considerably less than that of the females.</a:t>
             </a:r>
             <a:endParaRPr lang="en-GB" dirty="0">
               <a:ln>
@@ -15063,10 +15308,10 @@
       </p:sp>
       <p:pic>
         <p:nvPicPr>
-          <p:cNvPr id="6" name="Picture 5" descr="Chart, bar chart&#10;&#10;Description automatically generated">
+          <p:cNvPr id="5" name="Picture 4" descr="Chart, bar chart&#10;&#10;Description automatically generated">
             <a:extLst>
               <a:ext uri="{FF2B5EF4-FFF2-40B4-BE49-F238E27FC236}">
-                <a16:creationId xmlns:a16="http://schemas.microsoft.com/office/drawing/2014/main" id="{F331089F-C747-4A67-AC1B-CA5E692202B2}"/>
+                <a16:creationId xmlns:a16="http://schemas.microsoft.com/office/drawing/2014/main" id="{22D9E162-CD2C-4D1C-82FD-472F06A487E5}"/>
               </a:ext>
             </a:extLst>
           </p:cNvPr>
@@ -15089,8 +15334,8 @@
         </p:blipFill>
         <p:spPr>
           <a:xfrm>
-            <a:off x="1344898" y="2225675"/>
-            <a:ext cx="8867614" cy="4232778"/>
+            <a:off x="1344898" y="2233186"/>
+            <a:ext cx="8600486" cy="4277846"/>
           </a:xfrm>
           <a:prstGeom prst="rect">
             <a:avLst/>
@@ -15100,7 +15345,7 @@
     </p:spTree>
     <p:extLst>
       <p:ext uri="{BB962C8B-B14F-4D97-AF65-F5344CB8AC3E}">
-        <p14:creationId xmlns:p14="http://schemas.microsoft.com/office/powerpoint/2010/main" val="3169479085"/>
+        <p14:creationId xmlns:p14="http://schemas.microsoft.com/office/powerpoint/2010/main" val="725586398"/>
       </p:ext>
     </p:extLst>
   </p:cSld>
@@ -15151,7 +15396,7 @@
           <p:cNvPr id="2" name="Title 1">
             <a:extLst>
               <a:ext uri="{FF2B5EF4-FFF2-40B4-BE49-F238E27FC236}">
-                <a16:creationId xmlns:a16="http://schemas.microsoft.com/office/drawing/2014/main" id="{9C1C460A-DE04-4868-B1C9-03C824A1E08B}"/>
+                <a16:creationId xmlns:a16="http://schemas.microsoft.com/office/drawing/2014/main" id="{E9B8E53C-CFBC-47AC-9C13-9992FC0418BD}"/>
               </a:ext>
             </a:extLst>
           </p:cNvPr>
@@ -15164,19 +15409,19 @@
         </p:nvSpPr>
         <p:spPr>
           <a:xfrm>
-            <a:off x="707900" y="460178"/>
-            <a:ext cx="3946393" cy="1956298"/>
+            <a:off x="410362" y="239730"/>
+            <a:ext cx="3078749" cy="970450"/>
           </a:xfrm>
         </p:spPr>
         <p:txBody>
-          <a:bodyPr>
+          <a:bodyPr anchor="b">
             <a:normAutofit/>
           </a:bodyPr>
           <a:lstStyle/>
           <a:p>
             <a:pPr algn="l"/>
             <a:r>
-              <a:rPr lang="en-US" sz="3600" dirty="0">
+              <a:rPr lang="en-US" sz="2800" dirty="0">
                 <a:ln>
                   <a:solidFill>
                     <a:srgbClr val="404040">
@@ -15185,17 +15430,9 @@
                   </a:solidFill>
                 </a:ln>
               </a:rPr>
-              <a:t>EDA – Parch</a:t>
-            </a:r>
-            <a:endParaRPr lang="en-GB" sz="3600" dirty="0">
-              <a:ln>
-                <a:solidFill>
-                  <a:srgbClr val="404040">
-                    <a:alpha val="10000"/>
-                  </a:srgbClr>
-                </a:solidFill>
-              </a:ln>
-            </a:endParaRPr>
+              <a:t>EDA – P-class</a:t>
+            </a:r>
+            <a:endParaRPr lang="en-GB" sz="2800" dirty="0"/>
           </a:p>
         </p:txBody>
       </p:sp>
@@ -15204,7 +15441,7 @@
           <p:cNvPr id="3" name="Content Placeholder 2">
             <a:extLst>
               <a:ext uri="{FF2B5EF4-FFF2-40B4-BE49-F238E27FC236}">
-                <a16:creationId xmlns:a16="http://schemas.microsoft.com/office/drawing/2014/main" id="{D361CC5C-566F-4AC0-8FFC-803D58F889AA}"/>
+                <a16:creationId xmlns:a16="http://schemas.microsoft.com/office/drawing/2014/main" id="{F9DBD14B-A092-4131-9902-7EE892B48EE6}"/>
               </a:ext>
             </a:extLst>
           </p:cNvPr>
@@ -15217,22 +15454,37 @@
         </p:nvSpPr>
         <p:spPr>
           <a:xfrm>
-            <a:off x="5129494" y="460178"/>
-            <a:ext cx="6430560" cy="1956298"/>
+            <a:off x="410362" y="1362580"/>
+            <a:ext cx="3976703" cy="5161510"/>
           </a:xfrm>
         </p:spPr>
         <p:txBody>
-          <a:bodyPr anchor="ctr">
+          <a:bodyPr anchor="t">
             <a:normAutofit/>
           </a:bodyPr>
           <a:lstStyle/>
           <a:p>
-            <a:pPr marL="36900" indent="0">
-              <a:buClr>
-                <a:srgbClr val="7F9ECC"/>
-              </a:buClr>
-              <a:buNone/>
-            </a:pPr>
+            <a:r>
+              <a:rPr lang="en-US" dirty="0"/>
+              <a:t>To represent the relationship between the p-class and survival, we have chosen to use a matplotlib </a:t>
+            </a:r>
+            <a:r>
+              <a:rPr lang="en-US" dirty="0" err="1"/>
+              <a:t>regplot</a:t>
+            </a:r>
+            <a:r>
+              <a:rPr lang="en-US" dirty="0"/>
+              <a:t> with jitter.</a:t>
+            </a:r>
+          </a:p>
+          <a:p>
+            <a:r>
+              <a:rPr lang="en-US" dirty="0"/>
+              <a:t>The plot reveals the following:</a:t>
+            </a:r>
+          </a:p>
+          <a:p>
+            <a:pPr lvl="1"/>
             <a:r>
               <a:rPr lang="en-US" dirty="0">
                 <a:ln>
@@ -15243,26 +15495,118 @@
                   </a:solidFill>
                 </a:ln>
               </a:rPr>
-              <a:t>{Replace with a comment}</a:t>
-            </a:r>
-            <a:endParaRPr lang="en-GB" dirty="0">
-              <a:ln>
-                <a:solidFill>
-                  <a:srgbClr val="404040">
-                    <a:alpha val="10000"/>
-                  </a:srgbClr>
-                </a:solidFill>
-              </a:ln>
-            </a:endParaRPr>
+              <a:t>For p-class 1, the count of passengers who survived is considerably higher than those who drowned.</a:t>
+            </a:r>
+          </a:p>
+          <a:p>
+            <a:pPr lvl="1"/>
+            <a:r>
+              <a:rPr lang="en-US" dirty="0">
+                <a:ln>
+                  <a:solidFill>
+                    <a:srgbClr val="404040">
+                      <a:alpha val="10000"/>
+                    </a:srgbClr>
+                  </a:solidFill>
+                </a:ln>
+              </a:rPr>
+              <a:t>For p-class 2, the count of the passengers who survived is slightly higher.</a:t>
+            </a:r>
+          </a:p>
+          <a:p>
+            <a:pPr lvl="1"/>
+            <a:r>
+              <a:rPr lang="en-US" dirty="0">
+                <a:ln>
+                  <a:solidFill>
+                    <a:srgbClr val="404040">
+                      <a:alpha val="10000"/>
+                    </a:srgbClr>
+                  </a:solidFill>
+                </a:ln>
+              </a:rPr>
+              <a:t>For p-class 3, the count of those who drowned is extremely higher.</a:t>
+            </a:r>
+            <a:endParaRPr lang="en-US" dirty="0"/>
+          </a:p>
+          <a:p>
+            <a:endParaRPr lang="en-GB" dirty="0"/>
+          </a:p>
+        </p:txBody>
+      </p:sp>
+      <p:sp>
+        <p:nvSpPr>
+          <p:cNvPr id="17" name="Rectangle 14">
+            <a:extLst>
+              <a:ext uri="{FF2B5EF4-FFF2-40B4-BE49-F238E27FC236}">
+                <a16:creationId xmlns:a16="http://schemas.microsoft.com/office/drawing/2014/main" id="{0A22D114-11B7-46ED-94A9-18DC1C977BF4}"/>
+              </a:ext>
+              <a:ext uri="{C183D7F6-B498-43B3-948B-1728B52AA6E4}">
+                <adec:decorative xmlns:adec="http://schemas.microsoft.com/office/drawing/2017/decorative" val="1"/>
+              </a:ext>
+            </a:extLst>
+          </p:cNvPr>
+          <p:cNvSpPr>
+            <a:spLocks noGrp="1" noRot="1" noChangeAspect="1" noMove="1" noResize="1" noEditPoints="1" noAdjustHandles="1" noChangeArrowheads="1" noChangeShapeType="1" noTextEdit="1"/>
+          </p:cNvSpPr>
+          <p:nvPr>
+            <p:extLst>
+              <p:ext uri="{386F3935-93C4-4BCD-93E2-E3B085C9AB24}">
+                <p16:designElem xmlns:p16="http://schemas.microsoft.com/office/powerpoint/2015/main" val="1"/>
+              </p:ext>
+            </p:extLst>
+          </p:nvPr>
+        </p:nvSpPr>
+        <p:spPr>
+          <a:xfrm>
+            <a:off x="4636008" y="965196"/>
+            <a:ext cx="6581364" cy="4781641"/>
+          </a:xfrm>
+          <a:prstGeom prst="rect">
+            <a:avLst/>
+          </a:prstGeom>
+          <a:solidFill>
+            <a:schemeClr val="tx1"/>
+          </a:solidFill>
+          <a:ln w="190500">
+            <a:solidFill>
+              <a:schemeClr val="tx1">
+                <a:alpha val="7000"/>
+              </a:schemeClr>
+            </a:solidFill>
+          </a:ln>
+        </p:spPr>
+        <p:style>
+          <a:lnRef idx="2">
+            <a:schemeClr val="accent1">
+              <a:shade val="50000"/>
+            </a:schemeClr>
+          </a:lnRef>
+          <a:fillRef idx="1">
+            <a:schemeClr val="accent1"/>
+          </a:fillRef>
+          <a:effectRef idx="0">
+            <a:schemeClr val="accent1"/>
+          </a:effectRef>
+          <a:fontRef idx="minor">
+            <a:schemeClr val="lt1"/>
+          </a:fontRef>
+        </p:style>
+        <p:txBody>
+          <a:bodyPr rtlCol="0" anchor="ctr"/>
+          <a:lstStyle/>
+          <a:p>
+            <a:pPr algn="ctr"/>
+            <a:endParaRPr lang="en-US"/>
           </a:p>
         </p:txBody>
       </p:sp>
       <p:pic>
         <p:nvPicPr>
-          <p:cNvPr id="6" name="Picture 5" descr="Chart, histogram&#10;&#10;Description automatically generated">
+          <p:cNvPr id="5" name="Picture 4" descr="Diagram&#10;&#10;Description automatically generated">
             <a:extLst>
               <a:ext uri="{FF2B5EF4-FFF2-40B4-BE49-F238E27FC236}">
-                <a16:creationId xmlns:a16="http://schemas.microsoft.com/office/drawing/2014/main" id="{BBD27209-AB58-4FDA-A3E9-7D19F1CED417}"/>
+                <a16:creationId xmlns:a16="http://schemas.microsoft.com/office/drawing/2014/main" id="{D6499D7C-505E-4C89-A799-FA4DFA368815}"/>
               </a:ext>
             </a:extLst>
           </p:cNvPr>
@@ -15271,7 +15615,7 @@
           </p:cNvPicPr>
           <p:nvPr/>
         </p:nvPicPr>
-        <p:blipFill>
+        <p:blipFill rotWithShape="1">
           <a:blip r:embed="rId3">
             <a:extLst>
               <a:ext uri="{28A0092B-C50C-407E-A947-70E740481C1C}">
@@ -15279,14 +15623,13 @@
               </a:ext>
             </a:extLst>
           </a:blip>
-          <a:stretch>
-            <a:fillRect/>
-          </a:stretch>
+          <a:srcRect l="100" r="1" b="1"/>
+          <a:stretch/>
         </p:blipFill>
         <p:spPr>
           <a:xfrm>
-            <a:off x="1344897" y="2335926"/>
-            <a:ext cx="8684515" cy="4290904"/>
+            <a:off x="4763490" y="1210180"/>
+            <a:ext cx="6453882" cy="4360753"/>
           </a:xfrm>
           <a:prstGeom prst="rect">
             <a:avLst/>
@@ -15296,7 +15639,7 @@
     </p:spTree>
     <p:extLst>
       <p:ext uri="{BB962C8B-B14F-4D97-AF65-F5344CB8AC3E}">
-        <p14:creationId xmlns:p14="http://schemas.microsoft.com/office/powerpoint/2010/main" val="197563666"/>
+        <p14:creationId xmlns:p14="http://schemas.microsoft.com/office/powerpoint/2010/main" val="1901374600"/>
       </p:ext>
     </p:extLst>
   </p:cSld>
@@ -15361,6 +15704,202 @@
         <p:spPr>
           <a:xfrm>
             <a:off x="707900" y="460178"/>
+            <a:ext cx="3946393" cy="1956298"/>
+          </a:xfrm>
+        </p:spPr>
+        <p:txBody>
+          <a:bodyPr>
+            <a:normAutofit/>
+          </a:bodyPr>
+          <a:lstStyle/>
+          <a:p>
+            <a:pPr algn="l"/>
+            <a:r>
+              <a:rPr lang="en-US" sz="3600" dirty="0">
+                <a:ln>
+                  <a:solidFill>
+                    <a:srgbClr val="404040">
+                      <a:alpha val="10000"/>
+                    </a:srgbClr>
+                  </a:solidFill>
+                </a:ln>
+              </a:rPr>
+              <a:t>EDA – Parch</a:t>
+            </a:r>
+            <a:endParaRPr lang="en-GB" sz="3600" dirty="0">
+              <a:ln>
+                <a:solidFill>
+                  <a:srgbClr val="404040">
+                    <a:alpha val="10000"/>
+                  </a:srgbClr>
+                </a:solidFill>
+              </a:ln>
+            </a:endParaRPr>
+          </a:p>
+        </p:txBody>
+      </p:sp>
+      <p:sp>
+        <p:nvSpPr>
+          <p:cNvPr id="3" name="Content Placeholder 2">
+            <a:extLst>
+              <a:ext uri="{FF2B5EF4-FFF2-40B4-BE49-F238E27FC236}">
+                <a16:creationId xmlns:a16="http://schemas.microsoft.com/office/drawing/2014/main" id="{D361CC5C-566F-4AC0-8FFC-803D58F889AA}"/>
+              </a:ext>
+            </a:extLst>
+          </p:cNvPr>
+          <p:cNvSpPr>
+            <a:spLocks noGrp="1"/>
+          </p:cNvSpPr>
+          <p:nvPr>
+            <p:ph idx="1"/>
+          </p:nvPr>
+        </p:nvSpPr>
+        <p:spPr>
+          <a:xfrm>
+            <a:off x="5129494" y="460178"/>
+            <a:ext cx="6430560" cy="1956298"/>
+          </a:xfrm>
+        </p:spPr>
+        <p:txBody>
+          <a:bodyPr anchor="ctr">
+            <a:normAutofit/>
+          </a:bodyPr>
+          <a:lstStyle/>
+          <a:p>
+            <a:pPr marL="36900" indent="0">
+              <a:buClr>
+                <a:srgbClr val="7F9ECC"/>
+              </a:buClr>
+              <a:buNone/>
+            </a:pPr>
+            <a:r>
+              <a:rPr lang="en-US" dirty="0">
+                <a:ln>
+                  <a:solidFill>
+                    <a:srgbClr val="404040">
+                      <a:alpha val="10000"/>
+                    </a:srgbClr>
+                  </a:solidFill>
+                </a:ln>
+              </a:rPr>
+              <a:t>Parch does not seem to be corelated with the survival/death.</a:t>
+            </a:r>
+            <a:endParaRPr lang="en-GB" dirty="0">
+              <a:ln>
+                <a:solidFill>
+                  <a:srgbClr val="404040">
+                    <a:alpha val="10000"/>
+                  </a:srgbClr>
+                </a:solidFill>
+              </a:ln>
+            </a:endParaRPr>
+          </a:p>
+        </p:txBody>
+      </p:sp>
+      <p:pic>
+        <p:nvPicPr>
+          <p:cNvPr id="6" name="Picture 5" descr="Chart, histogram&#10;&#10;Description automatically generated">
+            <a:extLst>
+              <a:ext uri="{FF2B5EF4-FFF2-40B4-BE49-F238E27FC236}">
+                <a16:creationId xmlns:a16="http://schemas.microsoft.com/office/drawing/2014/main" id="{BBD27209-AB58-4FDA-A3E9-7D19F1CED417}"/>
+              </a:ext>
+            </a:extLst>
+          </p:cNvPr>
+          <p:cNvPicPr>
+            <a:picLocks noChangeAspect="1"/>
+          </p:cNvPicPr>
+          <p:nvPr/>
+        </p:nvPicPr>
+        <p:blipFill>
+          <a:blip r:embed="rId3">
+            <a:extLst>
+              <a:ext uri="{28A0092B-C50C-407E-A947-70E740481C1C}">
+                <a14:useLocalDpi xmlns:a14="http://schemas.microsoft.com/office/drawing/2010/main" val="0"/>
+              </a:ext>
+            </a:extLst>
+          </a:blip>
+          <a:stretch>
+            <a:fillRect/>
+          </a:stretch>
+        </p:blipFill>
+        <p:spPr>
+          <a:xfrm>
+            <a:off x="1344897" y="2335926"/>
+            <a:ext cx="8684515" cy="4290904"/>
+          </a:xfrm>
+          <a:prstGeom prst="rect">
+            <a:avLst/>
+          </a:prstGeom>
+        </p:spPr>
+      </p:pic>
+    </p:spTree>
+    <p:extLst>
+      <p:ext uri="{BB962C8B-B14F-4D97-AF65-F5344CB8AC3E}">
+        <p14:creationId xmlns:p14="http://schemas.microsoft.com/office/powerpoint/2010/main" val="197563666"/>
+      </p:ext>
+    </p:extLst>
+  </p:cSld>
+  <p:clrMapOvr>
+    <a:masterClrMapping/>
+  </p:clrMapOvr>
+</p:sld>
+</file>
+
+<file path=ppt/slides/slide19.xml><?xml version="1.0" encoding="utf-8"?>
+<p:sld xmlns:a="http://schemas.openxmlformats.org/drawingml/2006/main" xmlns:r="http://schemas.openxmlformats.org/officeDocument/2006/relationships" xmlns:p="http://schemas.openxmlformats.org/presentationml/2006/main">
+  <p:cSld>
+    <p:bg>
+      <p:bgPr>
+        <a:blipFill rotWithShape="1">
+          <a:blip r:embed="rId2">
+            <a:duotone>
+              <a:schemeClr val="bg2">
+                <a:shade val="80000"/>
+                <a:lumMod val="80000"/>
+              </a:schemeClr>
+              <a:schemeClr val="bg2">
+                <a:tint val="98000"/>
+              </a:schemeClr>
+            </a:duotone>
+          </a:blip>
+          <a:stretch/>
+        </a:blipFill>
+        <a:effectLst/>
+      </p:bgPr>
+    </p:bg>
+    <p:spTree>
+      <p:nvGrpSpPr>
+        <p:cNvPr id="1" name=""/>
+        <p:cNvGrpSpPr/>
+        <p:nvPr/>
+      </p:nvGrpSpPr>
+      <p:grpSpPr>
+        <a:xfrm>
+          <a:off x="0" y="0"/>
+          <a:ext cx="0" cy="0"/>
+          <a:chOff x="0" y="0"/>
+          <a:chExt cx="0" cy="0"/>
+        </a:xfrm>
+      </p:grpSpPr>
+      <p:sp>
+        <p:nvSpPr>
+          <p:cNvPr id="2" name="Title 1">
+            <a:extLst>
+              <a:ext uri="{FF2B5EF4-FFF2-40B4-BE49-F238E27FC236}">
+                <a16:creationId xmlns:a16="http://schemas.microsoft.com/office/drawing/2014/main" id="{9C1C460A-DE04-4868-B1C9-03C824A1E08B}"/>
+              </a:ext>
+            </a:extLst>
+          </p:cNvPr>
+          <p:cNvSpPr>
+            <a:spLocks noGrp="1"/>
+          </p:cNvSpPr>
+          <p:nvPr>
+            <p:ph type="title"/>
+          </p:nvPr>
+        </p:nvSpPr>
+        <p:spPr>
+          <a:xfrm>
+            <a:off x="707900" y="460178"/>
             <a:ext cx="4305889" cy="1956298"/>
           </a:xfrm>
         </p:spPr>
@@ -15502,7 +16041,125 @@
 </p:sld>
 </file>
 
-<file path=ppt/slides/slide19.xml><?xml version="1.0" encoding="utf-8"?>
+<file path=ppt/slides/slide2.xml><?xml version="1.0" encoding="utf-8"?>
+<p:sld xmlns:a="http://schemas.openxmlformats.org/drawingml/2006/main" xmlns:r="http://schemas.openxmlformats.org/officeDocument/2006/relationships" xmlns:p="http://schemas.openxmlformats.org/presentationml/2006/main">
+  <p:cSld>
+    <p:spTree>
+      <p:nvGrpSpPr>
+        <p:cNvPr id="1" name=""/>
+        <p:cNvGrpSpPr/>
+        <p:nvPr/>
+      </p:nvGrpSpPr>
+      <p:grpSpPr>
+        <a:xfrm>
+          <a:off x="0" y="0"/>
+          <a:ext cx="0" cy="0"/>
+          <a:chOff x="0" y="0"/>
+          <a:chExt cx="0" cy="0"/>
+        </a:xfrm>
+      </p:grpSpPr>
+      <p:sp>
+        <p:nvSpPr>
+          <p:cNvPr id="2" name="Title 1">
+            <a:extLst>
+              <a:ext uri="{FF2B5EF4-FFF2-40B4-BE49-F238E27FC236}">
+                <a16:creationId xmlns:a16="http://schemas.microsoft.com/office/drawing/2014/main" id="{5752A65E-F642-40AB-9F0B-25AFE0D7B372}"/>
+              </a:ext>
+            </a:extLst>
+          </p:cNvPr>
+          <p:cNvSpPr>
+            <a:spLocks noGrp="1"/>
+          </p:cNvSpPr>
+          <p:nvPr>
+            <p:ph type="title"/>
+          </p:nvPr>
+        </p:nvSpPr>
+        <p:spPr/>
+        <p:txBody>
+          <a:bodyPr/>
+          <a:lstStyle/>
+          <a:p>
+            <a:r>
+              <a:rPr lang="en-US" dirty="0"/>
+              <a:t>Overview of the Problem</a:t>
+            </a:r>
+            <a:endParaRPr lang="en-GB" dirty="0"/>
+          </a:p>
+        </p:txBody>
+      </p:sp>
+      <p:sp>
+        <p:nvSpPr>
+          <p:cNvPr id="3" name="Content Placeholder 2">
+            <a:extLst>
+              <a:ext uri="{FF2B5EF4-FFF2-40B4-BE49-F238E27FC236}">
+                <a16:creationId xmlns:a16="http://schemas.microsoft.com/office/drawing/2014/main" id="{E9252785-3943-487B-A331-889C593E8880}"/>
+              </a:ext>
+            </a:extLst>
+          </p:cNvPr>
+          <p:cNvSpPr>
+            <a:spLocks noGrp="1"/>
+          </p:cNvSpPr>
+          <p:nvPr>
+            <p:ph idx="1"/>
+          </p:nvPr>
+        </p:nvSpPr>
+        <p:spPr/>
+        <p:txBody>
+          <a:bodyPr/>
+          <a:lstStyle/>
+          <a:p>
+            <a:r>
+              <a:rPr lang="en-US" dirty="0"/>
+              <a:t>This problem deals with data about Titanic passengers. This data includes their ages, p-classes, and more.</a:t>
+            </a:r>
+          </a:p>
+          <a:p>
+            <a:r>
+              <a:rPr lang="en-US" dirty="0"/>
+              <a:t>The main purpose is to create a machine learning model that can make guesses about whether a passenger has survived or not based on some data (for example their age, </a:t>
+            </a:r>
+            <a:r>
+              <a:rPr lang="en-US" dirty="0" err="1"/>
+              <a:t>Pclass</a:t>
+            </a:r>
+            <a:r>
+              <a:rPr lang="en-US" dirty="0"/>
+              <a:t>, …</a:t>
+            </a:r>
+            <a:r>
+              <a:rPr lang="en-US" dirty="0" err="1"/>
+              <a:t>etc</a:t>
+            </a:r>
+            <a:r>
+              <a:rPr lang="en-US" dirty="0"/>
+              <a:t>) describing the passenger. That is, to </a:t>
+            </a:r>
+            <a:r>
+              <a:rPr lang="en-US" i="1" dirty="0"/>
+              <a:t>classify</a:t>
+            </a:r>
+            <a:r>
+              <a:rPr lang="en-US" dirty="0"/>
+              <a:t> the passengers into two categories based on that data.</a:t>
+            </a:r>
+            <a:endParaRPr lang="en-GB" dirty="0"/>
+          </a:p>
+        </p:txBody>
+      </p:sp>
+    </p:spTree>
+    <p:extLst>
+      <p:ext uri="{BB962C8B-B14F-4D97-AF65-F5344CB8AC3E}">
+        <p14:creationId xmlns:p14="http://schemas.microsoft.com/office/powerpoint/2010/main" val="3051820988"/>
+      </p:ext>
+    </p:extLst>
+  </p:cSld>
+  <p:clrMapOvr>
+    <a:masterClrMapping/>
+  </p:clrMapOvr>
+</p:sld>
+</file>
+
+<file path=ppt/slides/slide20.xml><?xml version="1.0" encoding="utf-8"?>
 <p:sld xmlns:a="http://schemas.openxmlformats.org/drawingml/2006/main" xmlns:r="http://schemas.openxmlformats.org/officeDocument/2006/relationships" xmlns:p="http://schemas.openxmlformats.org/presentationml/2006/main">
   <p:cSld>
     <p:spTree>
@@ -15659,125 +16316,7 @@
 </p:sld>
 </file>
 
-<file path=ppt/slides/slide2.xml><?xml version="1.0" encoding="utf-8"?>
-<p:sld xmlns:a="http://schemas.openxmlformats.org/drawingml/2006/main" xmlns:r="http://schemas.openxmlformats.org/officeDocument/2006/relationships" xmlns:p="http://schemas.openxmlformats.org/presentationml/2006/main">
-  <p:cSld>
-    <p:spTree>
-      <p:nvGrpSpPr>
-        <p:cNvPr id="1" name=""/>
-        <p:cNvGrpSpPr/>
-        <p:nvPr/>
-      </p:nvGrpSpPr>
-      <p:grpSpPr>
-        <a:xfrm>
-          <a:off x="0" y="0"/>
-          <a:ext cx="0" cy="0"/>
-          <a:chOff x="0" y="0"/>
-          <a:chExt cx="0" cy="0"/>
-        </a:xfrm>
-      </p:grpSpPr>
-      <p:sp>
-        <p:nvSpPr>
-          <p:cNvPr id="2" name="Title 1">
-            <a:extLst>
-              <a:ext uri="{FF2B5EF4-FFF2-40B4-BE49-F238E27FC236}">
-                <a16:creationId xmlns:a16="http://schemas.microsoft.com/office/drawing/2014/main" id="{5752A65E-F642-40AB-9F0B-25AFE0D7B372}"/>
-              </a:ext>
-            </a:extLst>
-          </p:cNvPr>
-          <p:cNvSpPr>
-            <a:spLocks noGrp="1"/>
-          </p:cNvSpPr>
-          <p:nvPr>
-            <p:ph type="title"/>
-          </p:nvPr>
-        </p:nvSpPr>
-        <p:spPr/>
-        <p:txBody>
-          <a:bodyPr/>
-          <a:lstStyle/>
-          <a:p>
-            <a:r>
-              <a:rPr lang="en-US" dirty="0"/>
-              <a:t>Overview of the Problem</a:t>
-            </a:r>
-            <a:endParaRPr lang="en-GB" dirty="0"/>
-          </a:p>
-        </p:txBody>
-      </p:sp>
-      <p:sp>
-        <p:nvSpPr>
-          <p:cNvPr id="3" name="Content Placeholder 2">
-            <a:extLst>
-              <a:ext uri="{FF2B5EF4-FFF2-40B4-BE49-F238E27FC236}">
-                <a16:creationId xmlns:a16="http://schemas.microsoft.com/office/drawing/2014/main" id="{E9252785-3943-487B-A331-889C593E8880}"/>
-              </a:ext>
-            </a:extLst>
-          </p:cNvPr>
-          <p:cNvSpPr>
-            <a:spLocks noGrp="1"/>
-          </p:cNvSpPr>
-          <p:nvPr>
-            <p:ph idx="1"/>
-          </p:nvPr>
-        </p:nvSpPr>
-        <p:spPr/>
-        <p:txBody>
-          <a:bodyPr/>
-          <a:lstStyle/>
-          <a:p>
-            <a:r>
-              <a:rPr lang="en-US" dirty="0"/>
-              <a:t>This problem deals with some data about Titanic passengers.</a:t>
-            </a:r>
-          </a:p>
-          <a:p>
-            <a:r>
-              <a:rPr lang="en-US" dirty="0"/>
-              <a:t>The main purpose is to create a machine learning model that can make guesses about whether a passenger has survived or not based on some data (for example their age, </a:t>
-            </a:r>
-            <a:r>
-              <a:rPr lang="en-US" dirty="0" err="1"/>
-              <a:t>Pclass</a:t>
-            </a:r>
-            <a:r>
-              <a:rPr lang="en-US" dirty="0"/>
-              <a:t>, …</a:t>
-            </a:r>
-            <a:r>
-              <a:rPr lang="en-US" dirty="0" err="1"/>
-              <a:t>etc</a:t>
-            </a:r>
-            <a:r>
-              <a:rPr lang="en-US" dirty="0"/>
-              <a:t>) describing the passenger. That is, to </a:t>
-            </a:r>
-            <a:r>
-              <a:rPr lang="en-US" i="1" dirty="0"/>
-              <a:t>classify</a:t>
-            </a:r>
-            <a:r>
-              <a:rPr lang="en-US" dirty="0"/>
-              <a:t> the passengers into two categories based on that data.</a:t>
-            </a:r>
-            <a:endParaRPr lang="en-GB" dirty="0"/>
-          </a:p>
-        </p:txBody>
-      </p:sp>
-    </p:spTree>
-    <p:extLst>
-      <p:ext uri="{BB962C8B-B14F-4D97-AF65-F5344CB8AC3E}">
-        <p14:creationId xmlns:p14="http://schemas.microsoft.com/office/powerpoint/2010/main" val="3051820988"/>
-      </p:ext>
-    </p:extLst>
-  </p:cSld>
-  <p:clrMapOvr>
-    <a:masterClrMapping/>
-  </p:clrMapOvr>
-</p:sld>
-</file>
-
-<file path=ppt/slides/slide20.xml><?xml version="1.0" encoding="utf-8"?>
+<file path=ppt/slides/slide21.xml><?xml version="1.0" encoding="utf-8"?>
 <p:sld xmlns:a="http://schemas.openxmlformats.org/drawingml/2006/main" xmlns:r="http://schemas.openxmlformats.org/officeDocument/2006/relationships" xmlns:p="http://schemas.openxmlformats.org/presentationml/2006/main">
   <p:cSld>
     <p:bg>
@@ -16079,7 +16618,7 @@
 </p:sld>
 </file>
 
-<file path=ppt/slides/slide21.xml><?xml version="1.0" encoding="utf-8"?>
+<file path=ppt/slides/slide22.xml><?xml version="1.0" encoding="utf-8"?>
 <p:sld xmlns:a="http://schemas.openxmlformats.org/drawingml/2006/main" xmlns:r="http://schemas.openxmlformats.org/officeDocument/2006/relationships" xmlns:p="http://schemas.openxmlformats.org/presentationml/2006/main">
   <p:cSld>
     <p:spTree>
@@ -16154,7 +16693,7 @@
           <a:p>
             <a:r>
               <a:rPr lang="en-US" dirty="0"/>
-              <a:t>We use the following code cell after importing </a:t>
+              <a:t>We use the following code cell after importing some modules from Sci-Kit Learn (</a:t>
             </a:r>
             <a:r>
               <a:rPr lang="en-US" dirty="0" err="1"/>
@@ -16162,7 +16701,7 @@
             </a:r>
             <a:r>
               <a:rPr lang="en-US" dirty="0"/>
-              <a:t>:</a:t>
+              <a:t>):</a:t>
             </a:r>
           </a:p>
           <a:p>
@@ -16342,362 +16881,6 @@
     <p:extLst>
       <p:ext uri="{BB962C8B-B14F-4D97-AF65-F5344CB8AC3E}">
         <p14:creationId xmlns:p14="http://schemas.microsoft.com/office/powerpoint/2010/main" val="565120930"/>
-      </p:ext>
-    </p:extLst>
-  </p:cSld>
-  <p:clrMapOvr>
-    <a:masterClrMapping/>
-  </p:clrMapOvr>
-</p:sld>
-</file>
-
-<file path=ppt/slides/slide22.xml><?xml version="1.0" encoding="utf-8"?>
-<p:sld xmlns:a="http://schemas.openxmlformats.org/drawingml/2006/main" xmlns:r="http://schemas.openxmlformats.org/officeDocument/2006/relationships" xmlns:p="http://schemas.openxmlformats.org/presentationml/2006/main">
-  <p:cSld>
-    <p:spTree>
-      <p:nvGrpSpPr>
-        <p:cNvPr id="1" name=""/>
-        <p:cNvGrpSpPr/>
-        <p:nvPr/>
-      </p:nvGrpSpPr>
-      <p:grpSpPr>
-        <a:xfrm>
-          <a:off x="0" y="0"/>
-          <a:ext cx="0" cy="0"/>
-          <a:chOff x="0" y="0"/>
-          <a:chExt cx="0" cy="0"/>
-        </a:xfrm>
-      </p:grpSpPr>
-      <p:sp>
-        <p:nvSpPr>
-          <p:cNvPr id="2" name="Title 1">
-            <a:extLst>
-              <a:ext uri="{FF2B5EF4-FFF2-40B4-BE49-F238E27FC236}">
-                <a16:creationId xmlns:a16="http://schemas.microsoft.com/office/drawing/2014/main" id="{3B3C8C02-556B-441A-A831-F5866BCCD5D8}"/>
-              </a:ext>
-            </a:extLst>
-          </p:cNvPr>
-          <p:cNvSpPr>
-            <a:spLocks noGrp="1"/>
-          </p:cNvSpPr>
-          <p:nvPr>
-            <p:ph type="title"/>
-          </p:nvPr>
-        </p:nvSpPr>
-        <p:spPr>
-          <a:xfrm>
-            <a:off x="913795" y="599325"/>
-            <a:ext cx="10353762" cy="970450"/>
-          </a:xfrm>
-        </p:spPr>
-        <p:txBody>
-          <a:bodyPr/>
-          <a:lstStyle/>
-          <a:p>
-            <a:r>
-              <a:rPr lang="en-US" dirty="0"/>
-              <a:t>Decision Tree</a:t>
-            </a:r>
-            <a:endParaRPr lang="en-GB" dirty="0"/>
-          </a:p>
-        </p:txBody>
-      </p:sp>
-      <p:sp>
-        <p:nvSpPr>
-          <p:cNvPr id="3" name="Content Placeholder 2">
-            <a:extLst>
-              <a:ext uri="{FF2B5EF4-FFF2-40B4-BE49-F238E27FC236}">
-                <a16:creationId xmlns:a16="http://schemas.microsoft.com/office/drawing/2014/main" id="{D8557DCF-2E5C-4A4F-9CAE-AAD94989642A}"/>
-              </a:ext>
-            </a:extLst>
-          </p:cNvPr>
-          <p:cNvSpPr>
-            <a:spLocks noGrp="1"/>
-          </p:cNvSpPr>
-          <p:nvPr>
-            <p:ph idx="1"/>
-          </p:nvPr>
-        </p:nvSpPr>
-        <p:spPr>
-          <a:xfrm>
-            <a:off x="913795" y="1732449"/>
-            <a:ext cx="10353762" cy="4729996"/>
-          </a:xfrm>
-        </p:spPr>
-        <p:txBody>
-          <a:bodyPr>
-            <a:normAutofit lnSpcReduction="10000"/>
-          </a:bodyPr>
-          <a:lstStyle/>
-          <a:p>
-            <a:r>
-              <a:rPr lang="en-US" dirty="0"/>
-              <a:t>For this project, we have chosen three machine learning methods to create our model, namely Decision Tree, Support Vector Machine, and Gaussian Naïve Bayes. We will compare the accuracy of those three models.</a:t>
-            </a:r>
-          </a:p>
-          <a:p>
-            <a:r>
-              <a:rPr lang="en-US" dirty="0"/>
-              <a:t>For the decision tree, we use this code to train the model using the specified data:</a:t>
-            </a:r>
-          </a:p>
-          <a:p>
-            <a:pPr marL="36900" indent="0">
-              <a:buNone/>
-            </a:pPr>
-            <a:r>
-              <a:rPr lang="en-GB" dirty="0">
-                <a:latin typeface="Courier New" panose="02070309020205020404" pitchFamily="49" charset="0"/>
-                <a:cs typeface="Courier New" panose="02070309020205020404" pitchFamily="49" charset="0"/>
-              </a:rPr>
-              <a:t>	</a:t>
-            </a:r>
-            <a:r>
-              <a:rPr lang="en-GB" dirty="0" err="1">
-                <a:latin typeface="Courier New" panose="02070309020205020404" pitchFamily="49" charset="0"/>
-                <a:cs typeface="Courier New" panose="02070309020205020404" pitchFamily="49" charset="0"/>
-              </a:rPr>
-              <a:t>decision_tree</a:t>
-            </a:r>
-            <a:r>
-              <a:rPr lang="en-GB" dirty="0">
-                <a:latin typeface="Courier New" panose="02070309020205020404" pitchFamily="49" charset="0"/>
-                <a:cs typeface="Courier New" panose="02070309020205020404" pitchFamily="49" charset="0"/>
-              </a:rPr>
-              <a:t> = </a:t>
-            </a:r>
-            <a:r>
-              <a:rPr lang="en-GB" dirty="0" err="1">
-                <a:latin typeface="Courier New" panose="02070309020205020404" pitchFamily="49" charset="0"/>
-                <a:cs typeface="Courier New" panose="02070309020205020404" pitchFamily="49" charset="0"/>
-              </a:rPr>
-              <a:t>DecisionTreeClassifier</a:t>
-            </a:r>
-            <a:r>
-              <a:rPr lang="en-GB" dirty="0">
-                <a:latin typeface="Courier New" panose="02070309020205020404" pitchFamily="49" charset="0"/>
-                <a:cs typeface="Courier New" panose="02070309020205020404" pitchFamily="49" charset="0"/>
-              </a:rPr>
-              <a:t>()</a:t>
-            </a:r>
-          </a:p>
-          <a:p>
-            <a:pPr marL="36900" indent="0">
-              <a:buNone/>
-            </a:pPr>
-            <a:r>
-              <a:rPr lang="en-GB" dirty="0">
-                <a:latin typeface="Courier New" panose="02070309020205020404" pitchFamily="49" charset="0"/>
-                <a:cs typeface="Courier New" panose="02070309020205020404" pitchFamily="49" charset="0"/>
-              </a:rPr>
-              <a:t>	</a:t>
-            </a:r>
-            <a:r>
-              <a:rPr lang="en-GB" dirty="0" err="1">
-                <a:latin typeface="Courier New" panose="02070309020205020404" pitchFamily="49" charset="0"/>
-                <a:cs typeface="Courier New" panose="02070309020205020404" pitchFamily="49" charset="0"/>
-              </a:rPr>
-              <a:t>decision_tree.fit</a:t>
-            </a:r>
-            <a:r>
-              <a:rPr lang="en-GB" dirty="0">
-                <a:latin typeface="Courier New" panose="02070309020205020404" pitchFamily="49" charset="0"/>
-                <a:cs typeface="Courier New" panose="02070309020205020404" pitchFamily="49" charset="0"/>
-              </a:rPr>
-              <a:t>(</a:t>
-            </a:r>
-            <a:r>
-              <a:rPr lang="en-GB" dirty="0" err="1">
-                <a:latin typeface="Courier New" panose="02070309020205020404" pitchFamily="49" charset="0"/>
-                <a:cs typeface="Courier New" panose="02070309020205020404" pitchFamily="49" charset="0"/>
-              </a:rPr>
-              <a:t>X_train</a:t>
-            </a:r>
-            <a:r>
-              <a:rPr lang="en-GB" dirty="0">
-                <a:latin typeface="Courier New" panose="02070309020205020404" pitchFamily="49" charset="0"/>
-                <a:cs typeface="Courier New" panose="02070309020205020404" pitchFamily="49" charset="0"/>
-              </a:rPr>
-              <a:t>, </a:t>
-            </a:r>
-            <a:r>
-              <a:rPr lang="en-GB" dirty="0" err="1">
-                <a:latin typeface="Courier New" panose="02070309020205020404" pitchFamily="49" charset="0"/>
-                <a:cs typeface="Courier New" panose="02070309020205020404" pitchFamily="49" charset="0"/>
-              </a:rPr>
-              <a:t>Y_train</a:t>
-            </a:r>
-            <a:r>
-              <a:rPr lang="en-GB" dirty="0">
-                <a:latin typeface="Courier New" panose="02070309020205020404" pitchFamily="49" charset="0"/>
-                <a:cs typeface="Courier New" panose="02070309020205020404" pitchFamily="49" charset="0"/>
-              </a:rPr>
-              <a:t>)</a:t>
-            </a:r>
-          </a:p>
-          <a:p>
-            <a:pPr marL="36900" indent="0">
-              <a:buNone/>
-            </a:pPr>
-            <a:r>
-              <a:rPr lang="en-GB" dirty="0">
-                <a:latin typeface="Courier New" panose="02070309020205020404" pitchFamily="49" charset="0"/>
-                <a:cs typeface="Courier New" panose="02070309020205020404" pitchFamily="49" charset="0"/>
-              </a:rPr>
-              <a:t>	</a:t>
-            </a:r>
-            <a:r>
-              <a:rPr lang="en-GB" dirty="0" err="1">
-                <a:latin typeface="Courier New" panose="02070309020205020404" pitchFamily="49" charset="0"/>
-                <a:cs typeface="Courier New" panose="02070309020205020404" pitchFamily="49" charset="0"/>
-              </a:rPr>
-              <a:t>Y_pred</a:t>
-            </a:r>
-            <a:r>
-              <a:rPr lang="en-GB" dirty="0">
-                <a:latin typeface="Courier New" panose="02070309020205020404" pitchFamily="49" charset="0"/>
-                <a:cs typeface="Courier New" panose="02070309020205020404" pitchFamily="49" charset="0"/>
-              </a:rPr>
-              <a:t> = </a:t>
-            </a:r>
-            <a:r>
-              <a:rPr lang="en-GB" dirty="0" err="1">
-                <a:latin typeface="Courier New" panose="02070309020205020404" pitchFamily="49" charset="0"/>
-                <a:cs typeface="Courier New" panose="02070309020205020404" pitchFamily="49" charset="0"/>
-              </a:rPr>
-              <a:t>decision_tree.predict</a:t>
-            </a:r>
-            <a:r>
-              <a:rPr lang="en-GB" dirty="0">
-                <a:latin typeface="Courier New" panose="02070309020205020404" pitchFamily="49" charset="0"/>
-                <a:cs typeface="Courier New" panose="02070309020205020404" pitchFamily="49" charset="0"/>
-              </a:rPr>
-              <a:t>(</a:t>
-            </a:r>
-            <a:r>
-              <a:rPr lang="en-GB" dirty="0" err="1">
-                <a:latin typeface="Courier New" panose="02070309020205020404" pitchFamily="49" charset="0"/>
-                <a:cs typeface="Courier New" panose="02070309020205020404" pitchFamily="49" charset="0"/>
-              </a:rPr>
-              <a:t>X_test</a:t>
-            </a:r>
-            <a:r>
-              <a:rPr lang="en-GB" dirty="0">
-                <a:latin typeface="Courier New" panose="02070309020205020404" pitchFamily="49" charset="0"/>
-                <a:cs typeface="Courier New" panose="02070309020205020404" pitchFamily="49" charset="0"/>
-              </a:rPr>
-              <a:t>)</a:t>
-            </a:r>
-          </a:p>
-          <a:p>
-            <a:r>
-              <a:rPr lang="en-US" dirty="0"/>
-              <a:t>To estimate the accuracy of this model, we use these statements:</a:t>
-            </a:r>
-          </a:p>
-          <a:p>
-            <a:pPr marL="36900" indent="0">
-              <a:buNone/>
-            </a:pPr>
-            <a:r>
-              <a:rPr lang="en-US" dirty="0">
-                <a:latin typeface="Courier New" panose="02070309020205020404" pitchFamily="49" charset="0"/>
-                <a:cs typeface="Courier New" panose="02070309020205020404" pitchFamily="49" charset="0"/>
-              </a:rPr>
-              <a:t>	</a:t>
-            </a:r>
-            <a:r>
-              <a:rPr lang="en-US" dirty="0" err="1">
-                <a:latin typeface="Courier New" panose="02070309020205020404" pitchFamily="49" charset="0"/>
-                <a:cs typeface="Courier New" panose="02070309020205020404" pitchFamily="49" charset="0"/>
-              </a:rPr>
-              <a:t>acc_decision_tree</a:t>
-            </a:r>
-            <a:r>
-              <a:rPr lang="en-US" dirty="0">
-                <a:latin typeface="Courier New" panose="02070309020205020404" pitchFamily="49" charset="0"/>
-                <a:cs typeface="Courier New" panose="02070309020205020404" pitchFamily="49" charset="0"/>
-              </a:rPr>
-              <a:t> = round(</a:t>
-            </a:r>
-            <a:r>
-              <a:rPr lang="en-US" dirty="0" err="1">
-                <a:latin typeface="Courier New" panose="02070309020205020404" pitchFamily="49" charset="0"/>
-                <a:cs typeface="Courier New" panose="02070309020205020404" pitchFamily="49" charset="0"/>
-              </a:rPr>
-              <a:t>decision_tree.score</a:t>
-            </a:r>
-            <a:r>
-              <a:rPr lang="en-US" dirty="0">
-                <a:latin typeface="Courier New" panose="02070309020205020404" pitchFamily="49" charset="0"/>
-                <a:cs typeface="Courier New" panose="02070309020205020404" pitchFamily="49" charset="0"/>
-              </a:rPr>
-              <a:t>(</a:t>
-            </a:r>
-            <a:r>
-              <a:rPr lang="en-US" dirty="0" err="1">
-                <a:latin typeface="Courier New" panose="02070309020205020404" pitchFamily="49" charset="0"/>
-                <a:cs typeface="Courier New" panose="02070309020205020404" pitchFamily="49" charset="0"/>
-              </a:rPr>
-              <a:t>X_train</a:t>
-            </a:r>
-            <a:r>
-              <a:rPr lang="en-US" dirty="0">
-                <a:latin typeface="Courier New" panose="02070309020205020404" pitchFamily="49" charset="0"/>
-                <a:cs typeface="Courier New" panose="02070309020205020404" pitchFamily="49" charset="0"/>
-              </a:rPr>
-              <a:t>, </a:t>
-            </a:r>
-            <a:r>
-              <a:rPr lang="en-US" dirty="0" err="1">
-                <a:latin typeface="Courier New" panose="02070309020205020404" pitchFamily="49" charset="0"/>
-                <a:cs typeface="Courier New" panose="02070309020205020404" pitchFamily="49" charset="0"/>
-              </a:rPr>
-              <a:t>Y_train</a:t>
-            </a:r>
-            <a:r>
-              <a:rPr lang="en-US" dirty="0">
-                <a:latin typeface="Courier New" panose="02070309020205020404" pitchFamily="49" charset="0"/>
-                <a:cs typeface="Courier New" panose="02070309020205020404" pitchFamily="49" charset="0"/>
-              </a:rPr>
-              <a:t>) 		* 100, 2)</a:t>
-            </a:r>
-          </a:p>
-          <a:p>
-            <a:pPr marL="36900" indent="0">
-              <a:buNone/>
-            </a:pPr>
-            <a:r>
-              <a:rPr lang="en-US" dirty="0">
-                <a:latin typeface="Courier New" panose="02070309020205020404" pitchFamily="49" charset="0"/>
-                <a:cs typeface="Courier New" panose="02070309020205020404" pitchFamily="49" charset="0"/>
-              </a:rPr>
-              <a:t>	</a:t>
-            </a:r>
-            <a:r>
-              <a:rPr lang="en-US" dirty="0" err="1">
-                <a:latin typeface="Courier New" panose="02070309020205020404" pitchFamily="49" charset="0"/>
-                <a:cs typeface="Courier New" panose="02070309020205020404" pitchFamily="49" charset="0"/>
-              </a:rPr>
-              <a:t>acc_decision_tree</a:t>
-            </a:r>
-            <a:endParaRPr lang="en-US" dirty="0">
-              <a:latin typeface="Courier New" panose="02070309020205020404" pitchFamily="49" charset="0"/>
-              <a:cs typeface="Courier New" panose="02070309020205020404" pitchFamily="49" charset="0"/>
-            </a:endParaRPr>
-          </a:p>
-          <a:p>
-            <a:r>
-              <a:rPr lang="en-US" dirty="0"/>
-              <a:t>The accuracy of the model is 98.2%</a:t>
-            </a:r>
-          </a:p>
-        </p:txBody>
-      </p:sp>
-    </p:spTree>
-    <p:extLst>
-      <p:ext uri="{BB962C8B-B14F-4D97-AF65-F5344CB8AC3E}">
-        <p14:creationId xmlns:p14="http://schemas.microsoft.com/office/powerpoint/2010/main" val="3131340779"/>
       </p:ext>
     </p:extLst>
   </p:cSld>
@@ -16751,8 +16934,8 @@
           <a:lstStyle/>
           <a:p>
             <a:r>
-              <a:rPr lang="en-US" dirty="0"/>
-              <a:t>Support Vector Machine</a:t>
+              <a:rPr lang="en-US"/>
+              <a:t>Decision Tree</a:t>
             </a:r>
             <a:endParaRPr lang="en-GB" dirty="0"/>
           </a:p>
@@ -16782,13 +16965,19 @@
         </p:spPr>
         <p:txBody>
           <a:bodyPr>
-            <a:normAutofit/>
+            <a:normAutofit lnSpcReduction="10000"/>
           </a:bodyPr>
           <a:lstStyle/>
           <a:p>
             <a:r>
-              <a:rPr lang="en-US" dirty="0"/>
-              <a:t>For the SVM, we use this code to train the model using the specified data:</a:t>
+              <a:rPr lang="en-US"/>
+              <a:t>For this project, we have chosen three machine learning methods to create our model, namely Decision Tree, Support Vector Machine, and Gaussian Naïve Bayes. We will compare the accuracy of those three models.</a:t>
+            </a:r>
+          </a:p>
+          <a:p>
+            <a:r>
+              <a:rPr lang="en-US"/>
+              <a:t>For the decision tree, we use this code to train the model using the specified data:</a:t>
             </a:r>
           </a:p>
           <a:p>
@@ -16796,222 +16985,80 @@
               <a:buNone/>
             </a:pPr>
             <a:r>
-              <a:rPr lang="en-GB" dirty="0">
+              <a:rPr lang="en-GB">
                 <a:latin typeface="Courier New" panose="02070309020205020404" pitchFamily="49" charset="0"/>
                 <a:cs typeface="Courier New" panose="02070309020205020404" pitchFamily="49" charset="0"/>
               </a:rPr>
-              <a:t>	</a:t>
-            </a:r>
-            <a:r>
-              <a:rPr lang="en-GB" b="0" dirty="0">
-                <a:effectLst/>
+              <a:t>	decision_tree = DecisionTreeClassifier()</a:t>
+            </a:r>
+          </a:p>
+          <a:p>
+            <a:pPr marL="36900" indent="0">
+              <a:buNone/>
+            </a:pPr>
+            <a:r>
+              <a:rPr lang="en-GB">
                 <a:latin typeface="Courier New" panose="02070309020205020404" pitchFamily="49" charset="0"/>
                 <a:cs typeface="Courier New" panose="02070309020205020404" pitchFamily="49" charset="0"/>
               </a:rPr>
-              <a:t>svc = SVC()</a:t>
-            </a:r>
-            <a:endParaRPr lang="en-GB" dirty="0">
-              <a:latin typeface="Courier New" panose="02070309020205020404" pitchFamily="49" charset="0"/>
-              <a:cs typeface="Courier New" panose="02070309020205020404" pitchFamily="49" charset="0"/>
-            </a:endParaRPr>
+              <a:t>	decision_tree.fit(X_train, Y_train)</a:t>
+            </a:r>
           </a:p>
           <a:p>
             <a:pPr marL="36900" indent="0">
               <a:buNone/>
             </a:pPr>
             <a:r>
-              <a:rPr lang="en-GB" dirty="0">
+              <a:rPr lang="en-GB">
                 <a:latin typeface="Courier New" panose="02070309020205020404" pitchFamily="49" charset="0"/>
                 <a:cs typeface="Courier New" panose="02070309020205020404" pitchFamily="49" charset="0"/>
               </a:rPr>
-              <a:t>	</a:t>
-            </a:r>
-            <a:r>
-              <a:rPr lang="fr-FR" b="0" dirty="0">
-                <a:effectLst/>
+              <a:t>	Y_pred = decision_tree.predict(X_test)</a:t>
+            </a:r>
+          </a:p>
+          <a:p>
+            <a:r>
+              <a:rPr lang="en-US"/>
+              <a:t>To estimate the accuracy of this model, we use these statements:</a:t>
+            </a:r>
+          </a:p>
+          <a:p>
+            <a:pPr marL="36900" indent="0">
+              <a:buNone/>
+            </a:pPr>
+            <a:r>
+              <a:rPr lang="en-US">
                 <a:latin typeface="Courier New" panose="02070309020205020404" pitchFamily="49" charset="0"/>
                 <a:cs typeface="Courier New" panose="02070309020205020404" pitchFamily="49" charset="0"/>
               </a:rPr>
-              <a:t>svc.fit(X_train, Y_train)</a:t>
-            </a:r>
-            <a:endParaRPr lang="en-GB" dirty="0">
-              <a:latin typeface="Courier New" panose="02070309020205020404" pitchFamily="49" charset="0"/>
-              <a:cs typeface="Courier New" panose="02070309020205020404" pitchFamily="49" charset="0"/>
-            </a:endParaRPr>
+              <a:t>	acc_decision_tree = round(decision_tree.score(X_train, Y_train) 		* 100, 2)</a:t>
+            </a:r>
           </a:p>
           <a:p>
             <a:pPr marL="36900" indent="0">
               <a:buNone/>
             </a:pPr>
             <a:r>
-              <a:rPr lang="en-GB" dirty="0">
+              <a:rPr lang="en-US">
                 <a:latin typeface="Courier New" panose="02070309020205020404" pitchFamily="49" charset="0"/>
                 <a:cs typeface="Courier New" panose="02070309020205020404" pitchFamily="49" charset="0"/>
               </a:rPr>
-              <a:t>	</a:t>
-            </a:r>
-            <a:r>
-              <a:rPr lang="en-US" b="0" dirty="0" err="1">
-                <a:effectLst/>
-                <a:latin typeface="Courier New" panose="02070309020205020404" pitchFamily="49" charset="0"/>
-                <a:cs typeface="Courier New" panose="02070309020205020404" pitchFamily="49" charset="0"/>
-              </a:rPr>
-              <a:t>Y_pred</a:t>
-            </a:r>
-            <a:r>
-              <a:rPr lang="en-US" b="0" dirty="0">
-                <a:effectLst/>
-                <a:latin typeface="Courier New" panose="02070309020205020404" pitchFamily="49" charset="0"/>
-                <a:cs typeface="Courier New" panose="02070309020205020404" pitchFamily="49" charset="0"/>
-              </a:rPr>
-              <a:t> = </a:t>
-            </a:r>
-            <a:r>
-              <a:rPr lang="en-US" b="0" dirty="0" err="1">
-                <a:effectLst/>
-                <a:latin typeface="Courier New" panose="02070309020205020404" pitchFamily="49" charset="0"/>
-                <a:cs typeface="Courier New" panose="02070309020205020404" pitchFamily="49" charset="0"/>
-              </a:rPr>
-              <a:t>svc.predict</a:t>
-            </a:r>
-            <a:r>
-              <a:rPr lang="en-US" b="0" dirty="0">
-                <a:effectLst/>
-                <a:latin typeface="Courier New" panose="02070309020205020404" pitchFamily="49" charset="0"/>
-                <a:cs typeface="Courier New" panose="02070309020205020404" pitchFamily="49" charset="0"/>
-              </a:rPr>
-              <a:t>(</a:t>
-            </a:r>
-            <a:r>
-              <a:rPr lang="en-US" b="0" dirty="0" err="1">
-                <a:effectLst/>
-                <a:latin typeface="Courier New" panose="02070309020205020404" pitchFamily="49" charset="0"/>
-                <a:cs typeface="Courier New" panose="02070309020205020404" pitchFamily="49" charset="0"/>
-              </a:rPr>
-              <a:t>X_test</a:t>
-            </a:r>
-            <a:r>
-              <a:rPr lang="en-US" b="0" dirty="0">
-                <a:effectLst/>
-                <a:latin typeface="Courier New" panose="02070309020205020404" pitchFamily="49" charset="0"/>
-                <a:cs typeface="Courier New" panose="02070309020205020404" pitchFamily="49" charset="0"/>
-              </a:rPr>
-              <a:t>)</a:t>
-            </a:r>
-            <a:endParaRPr lang="en-GB" dirty="0">
-              <a:latin typeface="Courier New" panose="02070309020205020404" pitchFamily="49" charset="0"/>
-              <a:cs typeface="Courier New" panose="02070309020205020404" pitchFamily="49" charset="0"/>
-            </a:endParaRPr>
-          </a:p>
-          <a:p>
-            <a:r>
-              <a:rPr lang="en-US" dirty="0"/>
-              <a:t>To estimate the accuracy of this model, we use these statements:</a:t>
-            </a:r>
-          </a:p>
-          <a:p>
-            <a:pPr marL="36900" indent="0">
-              <a:buNone/>
-            </a:pPr>
-            <a:r>
-              <a:rPr lang="en-US" dirty="0">
-                <a:latin typeface="Courier New" panose="02070309020205020404" pitchFamily="49" charset="0"/>
-                <a:cs typeface="Courier New" panose="02070309020205020404" pitchFamily="49" charset="0"/>
-              </a:rPr>
-              <a:t>	</a:t>
-            </a:r>
-            <a:r>
-              <a:rPr lang="en-US" dirty="0" err="1">
-                <a:latin typeface="Courier New" panose="02070309020205020404" pitchFamily="49" charset="0"/>
-                <a:cs typeface="Courier New" panose="02070309020205020404" pitchFamily="49" charset="0"/>
-              </a:rPr>
-              <a:t>acc_svc</a:t>
-            </a:r>
-            <a:r>
-              <a:rPr lang="en-US" dirty="0">
-                <a:latin typeface="Courier New" panose="02070309020205020404" pitchFamily="49" charset="0"/>
-                <a:cs typeface="Courier New" panose="02070309020205020404" pitchFamily="49" charset="0"/>
-              </a:rPr>
-              <a:t> = round(</a:t>
-            </a:r>
-            <a:r>
-              <a:rPr lang="en-US" dirty="0" err="1">
-                <a:latin typeface="Courier New" panose="02070309020205020404" pitchFamily="49" charset="0"/>
-                <a:cs typeface="Courier New" panose="02070309020205020404" pitchFamily="49" charset="0"/>
-              </a:rPr>
-              <a:t>svc.score</a:t>
-            </a:r>
-            <a:r>
-              <a:rPr lang="en-US" dirty="0">
-                <a:latin typeface="Courier New" panose="02070309020205020404" pitchFamily="49" charset="0"/>
-                <a:cs typeface="Courier New" panose="02070309020205020404" pitchFamily="49" charset="0"/>
-              </a:rPr>
-              <a:t>(</a:t>
-            </a:r>
-            <a:r>
-              <a:rPr lang="en-US" dirty="0" err="1">
-                <a:latin typeface="Courier New" panose="02070309020205020404" pitchFamily="49" charset="0"/>
-                <a:cs typeface="Courier New" panose="02070309020205020404" pitchFamily="49" charset="0"/>
-              </a:rPr>
-              <a:t>X_train</a:t>
-            </a:r>
-            <a:r>
-              <a:rPr lang="en-US" dirty="0">
-                <a:latin typeface="Courier New" panose="02070309020205020404" pitchFamily="49" charset="0"/>
-                <a:cs typeface="Courier New" panose="02070309020205020404" pitchFamily="49" charset="0"/>
-              </a:rPr>
-              <a:t>, </a:t>
-            </a:r>
-            <a:r>
-              <a:rPr lang="en-US" dirty="0" err="1">
-                <a:latin typeface="Courier New" panose="02070309020205020404" pitchFamily="49" charset="0"/>
-                <a:cs typeface="Courier New" panose="02070309020205020404" pitchFamily="49" charset="0"/>
-              </a:rPr>
-              <a:t>Y_train</a:t>
-            </a:r>
-            <a:r>
-              <a:rPr lang="en-US" dirty="0">
-                <a:latin typeface="Courier New" panose="02070309020205020404" pitchFamily="49" charset="0"/>
-                <a:cs typeface="Courier New" panose="02070309020205020404" pitchFamily="49" charset="0"/>
-              </a:rPr>
-              <a:t>) * 100, 2)</a:t>
-            </a:r>
-          </a:p>
-          <a:p>
-            <a:pPr marL="36900" indent="0">
-              <a:buNone/>
-            </a:pPr>
-            <a:r>
-              <a:rPr lang="en-US" dirty="0">
-                <a:latin typeface="Courier New" panose="02070309020205020404" pitchFamily="49" charset="0"/>
-                <a:cs typeface="Courier New" panose="02070309020205020404" pitchFamily="49" charset="0"/>
-              </a:rPr>
-              <a:t>	</a:t>
-            </a:r>
-            <a:r>
-              <a:rPr lang="en-US" dirty="0" err="1">
-                <a:latin typeface="Courier New" panose="02070309020205020404" pitchFamily="49" charset="0"/>
-                <a:cs typeface="Courier New" panose="02070309020205020404" pitchFamily="49" charset="0"/>
-              </a:rPr>
-              <a:t>acc_svc</a:t>
-            </a:r>
-            <a:endParaRPr lang="en-US" dirty="0">
-              <a:latin typeface="Courier New" panose="02070309020205020404" pitchFamily="49" charset="0"/>
-              <a:cs typeface="Courier New" panose="02070309020205020404" pitchFamily="49" charset="0"/>
-            </a:endParaRPr>
-          </a:p>
-          <a:p>
-            <a:r>
-              <a:rPr lang="en-US" dirty="0"/>
-              <a:t>The accuracy of the model is 68.39%</a:t>
-            </a:r>
+              <a:t>	acc_decision_tree</a:t>
+            </a:r>
+          </a:p>
+          <a:p>
+            <a:r>
+              <a:rPr lang="en-US"/>
+              <a:t>The accuracy of the model is 98.2%</a:t>
+            </a:r>
+            <a:endParaRPr lang="en-US" dirty="0"/>
           </a:p>
         </p:txBody>
       </p:sp>
     </p:spTree>
     <p:extLst>
       <p:ext uri="{BB962C8B-B14F-4D97-AF65-F5344CB8AC3E}">
-        <p14:creationId xmlns:p14="http://schemas.microsoft.com/office/powerpoint/2010/main" val="3791781117"/>
+        <p14:creationId xmlns:p14="http://schemas.microsoft.com/office/powerpoint/2010/main" val="3131340779"/>
       </p:ext>
     </p:extLst>
   </p:cSld>
@@ -17066,7 +17113,7 @@
           <a:p>
             <a:r>
               <a:rPr lang="en-US" dirty="0"/>
-              <a:t>Gaussian Naïve Bayes</a:t>
+              <a:t>Support Vector Machine</a:t>
             </a:r>
             <a:endParaRPr lang="en-GB" dirty="0"/>
           </a:p>
@@ -17102,6 +17149,320 @@
           <a:p>
             <a:r>
               <a:rPr lang="en-US" dirty="0"/>
+              <a:t>For the SVM, we use this code to train the model using the specified data:</a:t>
+            </a:r>
+          </a:p>
+          <a:p>
+            <a:pPr marL="36900" indent="0">
+              <a:buNone/>
+            </a:pPr>
+            <a:r>
+              <a:rPr lang="en-GB" dirty="0">
+                <a:latin typeface="Courier New" panose="02070309020205020404" pitchFamily="49" charset="0"/>
+                <a:cs typeface="Courier New" panose="02070309020205020404" pitchFamily="49" charset="0"/>
+              </a:rPr>
+              <a:t>	</a:t>
+            </a:r>
+            <a:r>
+              <a:rPr lang="en-GB" b="0" dirty="0">
+                <a:effectLst/>
+                <a:latin typeface="Courier New" panose="02070309020205020404" pitchFamily="49" charset="0"/>
+                <a:cs typeface="Courier New" panose="02070309020205020404" pitchFamily="49" charset="0"/>
+              </a:rPr>
+              <a:t>svc = SVC()</a:t>
+            </a:r>
+            <a:endParaRPr lang="en-GB" dirty="0">
+              <a:latin typeface="Courier New" panose="02070309020205020404" pitchFamily="49" charset="0"/>
+              <a:cs typeface="Courier New" panose="02070309020205020404" pitchFamily="49" charset="0"/>
+            </a:endParaRPr>
+          </a:p>
+          <a:p>
+            <a:pPr marL="36900" indent="0">
+              <a:buNone/>
+            </a:pPr>
+            <a:r>
+              <a:rPr lang="en-GB" dirty="0">
+                <a:latin typeface="Courier New" panose="02070309020205020404" pitchFamily="49" charset="0"/>
+                <a:cs typeface="Courier New" panose="02070309020205020404" pitchFamily="49" charset="0"/>
+              </a:rPr>
+              <a:t>	</a:t>
+            </a:r>
+            <a:r>
+              <a:rPr lang="fr-FR" b="0" dirty="0">
+                <a:effectLst/>
+                <a:latin typeface="Courier New" panose="02070309020205020404" pitchFamily="49" charset="0"/>
+                <a:cs typeface="Courier New" panose="02070309020205020404" pitchFamily="49" charset="0"/>
+              </a:rPr>
+              <a:t>svc.fit(X_train, Y_train)</a:t>
+            </a:r>
+            <a:endParaRPr lang="en-GB" dirty="0">
+              <a:latin typeface="Courier New" panose="02070309020205020404" pitchFamily="49" charset="0"/>
+              <a:cs typeface="Courier New" panose="02070309020205020404" pitchFamily="49" charset="0"/>
+            </a:endParaRPr>
+          </a:p>
+          <a:p>
+            <a:pPr marL="36900" indent="0">
+              <a:buNone/>
+            </a:pPr>
+            <a:r>
+              <a:rPr lang="en-GB" dirty="0">
+                <a:latin typeface="Courier New" panose="02070309020205020404" pitchFamily="49" charset="0"/>
+                <a:cs typeface="Courier New" panose="02070309020205020404" pitchFamily="49" charset="0"/>
+              </a:rPr>
+              <a:t>	</a:t>
+            </a:r>
+            <a:r>
+              <a:rPr lang="en-US" b="0" dirty="0" err="1">
+                <a:effectLst/>
+                <a:latin typeface="Courier New" panose="02070309020205020404" pitchFamily="49" charset="0"/>
+                <a:cs typeface="Courier New" panose="02070309020205020404" pitchFamily="49" charset="0"/>
+              </a:rPr>
+              <a:t>Y_pred</a:t>
+            </a:r>
+            <a:r>
+              <a:rPr lang="en-US" b="0" dirty="0">
+                <a:effectLst/>
+                <a:latin typeface="Courier New" panose="02070309020205020404" pitchFamily="49" charset="0"/>
+                <a:cs typeface="Courier New" panose="02070309020205020404" pitchFamily="49" charset="0"/>
+              </a:rPr>
+              <a:t> = </a:t>
+            </a:r>
+            <a:r>
+              <a:rPr lang="en-US" b="0" dirty="0" err="1">
+                <a:effectLst/>
+                <a:latin typeface="Courier New" panose="02070309020205020404" pitchFamily="49" charset="0"/>
+                <a:cs typeface="Courier New" panose="02070309020205020404" pitchFamily="49" charset="0"/>
+              </a:rPr>
+              <a:t>svc.predict</a:t>
+            </a:r>
+            <a:r>
+              <a:rPr lang="en-US" b="0" dirty="0">
+                <a:effectLst/>
+                <a:latin typeface="Courier New" panose="02070309020205020404" pitchFamily="49" charset="0"/>
+                <a:cs typeface="Courier New" panose="02070309020205020404" pitchFamily="49" charset="0"/>
+              </a:rPr>
+              <a:t>(</a:t>
+            </a:r>
+            <a:r>
+              <a:rPr lang="en-US" b="0" dirty="0" err="1">
+                <a:effectLst/>
+                <a:latin typeface="Courier New" panose="02070309020205020404" pitchFamily="49" charset="0"/>
+                <a:cs typeface="Courier New" panose="02070309020205020404" pitchFamily="49" charset="0"/>
+              </a:rPr>
+              <a:t>X_test</a:t>
+            </a:r>
+            <a:r>
+              <a:rPr lang="en-US" b="0" dirty="0">
+                <a:effectLst/>
+                <a:latin typeface="Courier New" panose="02070309020205020404" pitchFamily="49" charset="0"/>
+                <a:cs typeface="Courier New" panose="02070309020205020404" pitchFamily="49" charset="0"/>
+              </a:rPr>
+              <a:t>)</a:t>
+            </a:r>
+            <a:endParaRPr lang="en-GB" dirty="0">
+              <a:latin typeface="Courier New" panose="02070309020205020404" pitchFamily="49" charset="0"/>
+              <a:cs typeface="Courier New" panose="02070309020205020404" pitchFamily="49" charset="0"/>
+            </a:endParaRPr>
+          </a:p>
+          <a:p>
+            <a:r>
+              <a:rPr lang="en-US" dirty="0"/>
+              <a:t>To estimate the accuracy of this model, we use these statements:</a:t>
+            </a:r>
+          </a:p>
+          <a:p>
+            <a:pPr marL="36900" indent="0">
+              <a:buNone/>
+            </a:pPr>
+            <a:r>
+              <a:rPr lang="en-US" dirty="0">
+                <a:latin typeface="Courier New" panose="02070309020205020404" pitchFamily="49" charset="0"/>
+                <a:cs typeface="Courier New" panose="02070309020205020404" pitchFamily="49" charset="0"/>
+              </a:rPr>
+              <a:t>	</a:t>
+            </a:r>
+            <a:r>
+              <a:rPr lang="en-US" dirty="0" err="1">
+                <a:latin typeface="Courier New" panose="02070309020205020404" pitchFamily="49" charset="0"/>
+                <a:cs typeface="Courier New" panose="02070309020205020404" pitchFamily="49" charset="0"/>
+              </a:rPr>
+              <a:t>acc_svc</a:t>
+            </a:r>
+            <a:r>
+              <a:rPr lang="en-US" dirty="0">
+                <a:latin typeface="Courier New" panose="02070309020205020404" pitchFamily="49" charset="0"/>
+                <a:cs typeface="Courier New" panose="02070309020205020404" pitchFamily="49" charset="0"/>
+              </a:rPr>
+              <a:t> = round(</a:t>
+            </a:r>
+            <a:r>
+              <a:rPr lang="en-US" dirty="0" err="1">
+                <a:latin typeface="Courier New" panose="02070309020205020404" pitchFamily="49" charset="0"/>
+                <a:cs typeface="Courier New" panose="02070309020205020404" pitchFamily="49" charset="0"/>
+              </a:rPr>
+              <a:t>svc.score</a:t>
+            </a:r>
+            <a:r>
+              <a:rPr lang="en-US" dirty="0">
+                <a:latin typeface="Courier New" panose="02070309020205020404" pitchFamily="49" charset="0"/>
+                <a:cs typeface="Courier New" panose="02070309020205020404" pitchFamily="49" charset="0"/>
+              </a:rPr>
+              <a:t>(</a:t>
+            </a:r>
+            <a:r>
+              <a:rPr lang="en-US" dirty="0" err="1">
+                <a:latin typeface="Courier New" panose="02070309020205020404" pitchFamily="49" charset="0"/>
+                <a:cs typeface="Courier New" panose="02070309020205020404" pitchFamily="49" charset="0"/>
+              </a:rPr>
+              <a:t>X_train</a:t>
+            </a:r>
+            <a:r>
+              <a:rPr lang="en-US" dirty="0">
+                <a:latin typeface="Courier New" panose="02070309020205020404" pitchFamily="49" charset="0"/>
+                <a:cs typeface="Courier New" panose="02070309020205020404" pitchFamily="49" charset="0"/>
+              </a:rPr>
+              <a:t>, </a:t>
+            </a:r>
+            <a:r>
+              <a:rPr lang="en-US" dirty="0" err="1">
+                <a:latin typeface="Courier New" panose="02070309020205020404" pitchFamily="49" charset="0"/>
+                <a:cs typeface="Courier New" panose="02070309020205020404" pitchFamily="49" charset="0"/>
+              </a:rPr>
+              <a:t>Y_train</a:t>
+            </a:r>
+            <a:r>
+              <a:rPr lang="en-US" dirty="0">
+                <a:latin typeface="Courier New" panose="02070309020205020404" pitchFamily="49" charset="0"/>
+                <a:cs typeface="Courier New" panose="02070309020205020404" pitchFamily="49" charset="0"/>
+              </a:rPr>
+              <a:t>) * 100, 2)</a:t>
+            </a:r>
+          </a:p>
+          <a:p>
+            <a:pPr marL="36900" indent="0">
+              <a:buNone/>
+            </a:pPr>
+            <a:r>
+              <a:rPr lang="en-US" dirty="0">
+                <a:latin typeface="Courier New" panose="02070309020205020404" pitchFamily="49" charset="0"/>
+                <a:cs typeface="Courier New" panose="02070309020205020404" pitchFamily="49" charset="0"/>
+              </a:rPr>
+              <a:t>	</a:t>
+            </a:r>
+            <a:r>
+              <a:rPr lang="en-US" dirty="0" err="1">
+                <a:latin typeface="Courier New" panose="02070309020205020404" pitchFamily="49" charset="0"/>
+                <a:cs typeface="Courier New" panose="02070309020205020404" pitchFamily="49" charset="0"/>
+              </a:rPr>
+              <a:t>acc_svc</a:t>
+            </a:r>
+            <a:endParaRPr lang="en-US" dirty="0">
+              <a:latin typeface="Courier New" panose="02070309020205020404" pitchFamily="49" charset="0"/>
+              <a:cs typeface="Courier New" panose="02070309020205020404" pitchFamily="49" charset="0"/>
+            </a:endParaRPr>
+          </a:p>
+          <a:p>
+            <a:r>
+              <a:rPr lang="en-US" dirty="0"/>
+              <a:t>The accuracy of the model is 68.39%</a:t>
+            </a:r>
+          </a:p>
+        </p:txBody>
+      </p:sp>
+    </p:spTree>
+    <p:extLst>
+      <p:ext uri="{BB962C8B-B14F-4D97-AF65-F5344CB8AC3E}">
+        <p14:creationId xmlns:p14="http://schemas.microsoft.com/office/powerpoint/2010/main" val="3791781117"/>
+      </p:ext>
+    </p:extLst>
+  </p:cSld>
+  <p:clrMapOvr>
+    <a:masterClrMapping/>
+  </p:clrMapOvr>
+</p:sld>
+</file>
+
+<file path=ppt/slides/slide25.xml><?xml version="1.0" encoding="utf-8"?>
+<p:sld xmlns:a="http://schemas.openxmlformats.org/drawingml/2006/main" xmlns:r="http://schemas.openxmlformats.org/officeDocument/2006/relationships" xmlns:p="http://schemas.openxmlformats.org/presentationml/2006/main">
+  <p:cSld>
+    <p:spTree>
+      <p:nvGrpSpPr>
+        <p:cNvPr id="1" name=""/>
+        <p:cNvGrpSpPr/>
+        <p:nvPr/>
+      </p:nvGrpSpPr>
+      <p:grpSpPr>
+        <a:xfrm>
+          <a:off x="0" y="0"/>
+          <a:ext cx="0" cy="0"/>
+          <a:chOff x="0" y="0"/>
+          <a:chExt cx="0" cy="0"/>
+        </a:xfrm>
+      </p:grpSpPr>
+      <p:sp>
+        <p:nvSpPr>
+          <p:cNvPr id="2" name="Title 1">
+            <a:extLst>
+              <a:ext uri="{FF2B5EF4-FFF2-40B4-BE49-F238E27FC236}">
+                <a16:creationId xmlns:a16="http://schemas.microsoft.com/office/drawing/2014/main" id="{3B3C8C02-556B-441A-A831-F5866BCCD5D8}"/>
+              </a:ext>
+            </a:extLst>
+          </p:cNvPr>
+          <p:cNvSpPr>
+            <a:spLocks noGrp="1"/>
+          </p:cNvSpPr>
+          <p:nvPr>
+            <p:ph type="title"/>
+          </p:nvPr>
+        </p:nvSpPr>
+        <p:spPr>
+          <a:xfrm>
+            <a:off x="913795" y="599325"/>
+            <a:ext cx="10353762" cy="970450"/>
+          </a:xfrm>
+        </p:spPr>
+        <p:txBody>
+          <a:bodyPr/>
+          <a:lstStyle/>
+          <a:p>
+            <a:r>
+              <a:rPr lang="en-US" dirty="0"/>
+              <a:t>Gaussian Naïve Bayes</a:t>
+            </a:r>
+            <a:endParaRPr lang="en-GB" dirty="0"/>
+          </a:p>
+        </p:txBody>
+      </p:sp>
+      <p:sp>
+        <p:nvSpPr>
+          <p:cNvPr id="3" name="Content Placeholder 2">
+            <a:extLst>
+              <a:ext uri="{FF2B5EF4-FFF2-40B4-BE49-F238E27FC236}">
+                <a16:creationId xmlns:a16="http://schemas.microsoft.com/office/drawing/2014/main" id="{D8557DCF-2E5C-4A4F-9CAE-AAD94989642A}"/>
+              </a:ext>
+            </a:extLst>
+          </p:cNvPr>
+          <p:cNvSpPr>
+            <a:spLocks noGrp="1"/>
+          </p:cNvSpPr>
+          <p:nvPr>
+            <p:ph idx="1"/>
+          </p:nvPr>
+        </p:nvSpPr>
+        <p:spPr>
+          <a:xfrm>
+            <a:off x="913795" y="1732449"/>
+            <a:ext cx="10353762" cy="4729996"/>
+          </a:xfrm>
+        </p:spPr>
+        <p:txBody>
+          <a:bodyPr>
+            <a:normAutofit/>
+          </a:bodyPr>
+          <a:lstStyle/>
+          <a:p>
+            <a:r>
+              <a:rPr lang="en-US" dirty="0"/>
               <a:t>For this project, we have chosen three machine learning methods to create our model, namely Decision Tree, Support Vector Machine, and Gaussian Naïve Bayes. We will compare the accuracy of those three models.</a:t>
             </a:r>
           </a:p>
@@ -17307,7 +17668,7 @@
 </p:sld>
 </file>
 
-<file path=ppt/slides/slide25.xml><?xml version="1.0" encoding="utf-8"?>
+<file path=ppt/slides/slide26.xml><?xml version="1.0" encoding="utf-8"?>
 <p:sld xmlns:a="http://schemas.openxmlformats.org/drawingml/2006/main" xmlns:r="http://schemas.openxmlformats.org/officeDocument/2006/relationships" xmlns:p="http://schemas.openxmlformats.org/presentationml/2006/main">
   <p:cSld>
     <p:spTree>
@@ -18115,7 +18476,7 @@
           <a:lstStyle/>
           <a:p>
             <a:r>
-              <a:rPr lang="en-US" sz="1800" dirty="0">
+              <a:rPr lang="en-US" dirty="0">
                 <a:ln>
                   <a:solidFill>
                     <a:srgbClr val="404040">
@@ -18203,7 +18564,7 @@
           <p:cNvPr id="2" name="Title 1">
             <a:extLst>
               <a:ext uri="{FF2B5EF4-FFF2-40B4-BE49-F238E27FC236}">
-                <a16:creationId xmlns:a16="http://schemas.microsoft.com/office/drawing/2014/main" id="{370A4DB3-9735-4BDF-8625-4EF135696CFC}"/>
+                <a16:creationId xmlns:a16="http://schemas.microsoft.com/office/drawing/2014/main" id="{1C154D38-6D45-4EEE-9247-6B11D9B1DBEF}"/>
               </a:ext>
             </a:extLst>
           </p:cNvPr>
@@ -18221,7 +18582,7 @@
           <a:p>
             <a:r>
               <a:rPr lang="en-US" dirty="0"/>
-              <a:t>Exploratory Data Analysis – Before Cleaning</a:t>
+              <a:t>Data Cleaning – An Overview</a:t>
             </a:r>
             <a:endParaRPr lang="en-GB" dirty="0"/>
           </a:p>
@@ -18232,7 +18593,7 @@
           <p:cNvPr id="3" name="Content Placeholder 2">
             <a:extLst>
               <a:ext uri="{FF2B5EF4-FFF2-40B4-BE49-F238E27FC236}">
-                <a16:creationId xmlns:a16="http://schemas.microsoft.com/office/drawing/2014/main" id="{D9EB0ADF-5498-4477-BFF1-D36D45522F52}"/>
+                <a16:creationId xmlns:a16="http://schemas.microsoft.com/office/drawing/2014/main" id="{C19FDC94-E606-418F-8D42-99C2CD819BF3}"/>
               </a:ext>
             </a:extLst>
           </p:cNvPr>
@@ -18243,23 +18604,65 @@
             <p:ph idx="1"/>
           </p:nvPr>
         </p:nvSpPr>
-        <p:spPr/>
+        <p:spPr>
+          <a:xfrm>
+            <a:off x="913795" y="1732449"/>
+            <a:ext cx="10353762" cy="4515951"/>
+          </a:xfrm>
+        </p:spPr>
         <p:txBody>
-          <a:bodyPr/>
+          <a:bodyPr>
+            <a:normAutofit/>
+          </a:bodyPr>
           <a:lstStyle/>
           <a:p>
             <a:r>
-              <a:rPr lang="en-US" dirty="0"/>
-              <a:t>Before we begin with </a:t>
-            </a:r>
-            <a:endParaRPr lang="en-GB" dirty="0"/>
+              <a:rPr lang="en-US" sz="3200" dirty="0"/>
+              <a:t>For data cleaning, we will follow the following approach:</a:t>
+            </a:r>
+          </a:p>
+          <a:p>
+            <a:pPr lvl="1"/>
+            <a:r>
+              <a:rPr lang="en-US" sz="2600" dirty="0"/>
+              <a:t>Handle the duplicate rows</a:t>
+            </a:r>
+          </a:p>
+          <a:p>
+            <a:pPr lvl="1"/>
+            <a:r>
+              <a:rPr lang="en-US" sz="2600" dirty="0"/>
+              <a:t>Remove the columns with 50%+ </a:t>
+            </a:r>
+            <a:r>
+              <a:rPr lang="en-US" sz="2600" dirty="0" err="1"/>
+              <a:t>NaN</a:t>
+            </a:r>
+            <a:r>
+              <a:rPr lang="en-US" sz="2600" dirty="0"/>
+              <a:t>/NA</a:t>
+            </a:r>
+          </a:p>
+          <a:p>
+            <a:pPr lvl="1"/>
+            <a:r>
+              <a:rPr lang="en-US" sz="2600" dirty="0"/>
+              <a:t>Handle the outliers</a:t>
+            </a:r>
+          </a:p>
+          <a:p>
+            <a:pPr lvl="1"/>
+            <a:r>
+              <a:rPr lang="en-US" sz="2600" dirty="0"/>
+              <a:t>Handle the missing values</a:t>
+            </a:r>
           </a:p>
         </p:txBody>
       </p:sp>
     </p:spTree>
     <p:extLst>
       <p:ext uri="{BB962C8B-B14F-4D97-AF65-F5344CB8AC3E}">
-        <p14:creationId xmlns:p14="http://schemas.microsoft.com/office/powerpoint/2010/main" val="3774735812"/>
+        <p14:creationId xmlns:p14="http://schemas.microsoft.com/office/powerpoint/2010/main" val="2084728758"/>
       </p:ext>
     </p:extLst>
   </p:cSld>
@@ -18309,7 +18712,7 @@
           <a:p>
             <a:r>
               <a:rPr lang="en-US" dirty="0"/>
-              <a:t>Data Cleaning – An Overview</a:t>
+              <a:t>Data Cleaning – Handling Duplicate Rows </a:t>
             </a:r>
             <a:endParaRPr lang="en-GB" dirty="0"/>
           </a:p>
@@ -18339,57 +18742,180 @@
         </p:spPr>
         <p:txBody>
           <a:bodyPr>
-            <a:normAutofit/>
+            <a:normAutofit fontScale="92500" lnSpcReduction="20000"/>
           </a:bodyPr>
           <a:lstStyle/>
           <a:p>
             <a:r>
               <a:rPr lang="en-US" sz="3200" dirty="0"/>
-              <a:t>For data cleaning, we will follow the following approach:</a:t>
-            </a:r>
-          </a:p>
-          <a:p>
-            <a:pPr lvl="1"/>
-            <a:r>
-              <a:rPr lang="en-US" sz="2600" dirty="0"/>
-              <a:t>Handle the duplicate rows</a:t>
-            </a:r>
-          </a:p>
-          <a:p>
-            <a:pPr lvl="1"/>
-            <a:r>
-              <a:rPr lang="en-US" sz="2600" dirty="0"/>
-              <a:t>Remove the columns with 50%+ </a:t>
-            </a:r>
-            <a:r>
-              <a:rPr lang="en-US" sz="2600" dirty="0" err="1"/>
-              <a:t>NaN</a:t>
-            </a:r>
-            <a:r>
-              <a:rPr lang="en-US" sz="2600" dirty="0"/>
-              <a:t>/NA</a:t>
-            </a:r>
-          </a:p>
-          <a:p>
-            <a:pPr lvl="1"/>
-            <a:r>
-              <a:rPr lang="en-US" sz="2600" dirty="0"/>
-              <a:t>Handle the outliers</a:t>
-            </a:r>
-          </a:p>
-          <a:p>
-            <a:pPr lvl="1"/>
-            <a:r>
-              <a:rPr lang="en-US" sz="2600" dirty="0"/>
-              <a:t>Handle the missing values</a:t>
-            </a:r>
+              <a:t>We first check for duplicate rows using the statement</a:t>
+            </a:r>
+          </a:p>
+          <a:p>
+            <a:pPr marL="450000" lvl="1" indent="0">
+              <a:buNone/>
+            </a:pPr>
+            <a:r>
+              <a:rPr lang="en-US" sz="2400" dirty="0">
+                <a:latin typeface="Courier New" panose="02070309020205020404" pitchFamily="49" charset="0"/>
+                <a:cs typeface="Courier New" panose="02070309020205020404" pitchFamily="49" charset="0"/>
+              </a:rPr>
+              <a:t>print(</a:t>
+            </a:r>
+          </a:p>
+          <a:p>
+            <a:pPr marL="450000" lvl="1" indent="0">
+              <a:buNone/>
+            </a:pPr>
+            <a:r>
+              <a:rPr lang="en-US" sz="2400" dirty="0">
+                <a:latin typeface="Courier New" panose="02070309020205020404" pitchFamily="49" charset="0"/>
+                <a:cs typeface="Courier New" panose="02070309020205020404" pitchFamily="49" charset="0"/>
+              </a:rPr>
+              <a:t>    </a:t>
+            </a:r>
+            <a:r>
+              <a:rPr lang="en-US" sz="2400" dirty="0" err="1">
+                <a:latin typeface="Courier New" panose="02070309020205020404" pitchFamily="49" charset="0"/>
+                <a:cs typeface="Courier New" panose="02070309020205020404" pitchFamily="49" charset="0"/>
+              </a:rPr>
+              <a:t>df_train</a:t>
+            </a:r>
+            <a:r>
+              <a:rPr lang="en-US" sz="2400" dirty="0">
+                <a:latin typeface="Courier New" panose="02070309020205020404" pitchFamily="49" charset="0"/>
+                <a:cs typeface="Courier New" panose="02070309020205020404" pitchFamily="49" charset="0"/>
+              </a:rPr>
+              <a:t>[</a:t>
+            </a:r>
+            <a:r>
+              <a:rPr lang="en-US" sz="2400" dirty="0" err="1">
+                <a:latin typeface="Courier New" panose="02070309020205020404" pitchFamily="49" charset="0"/>
+                <a:cs typeface="Courier New" panose="02070309020205020404" pitchFamily="49" charset="0"/>
+              </a:rPr>
+              <a:t>df_train.duplicated</a:t>
+            </a:r>
+            <a:r>
+              <a:rPr lang="en-US" sz="2400" dirty="0">
+                <a:latin typeface="Courier New" panose="02070309020205020404" pitchFamily="49" charset="0"/>
+                <a:cs typeface="Courier New" panose="02070309020205020404" pitchFamily="49" charset="0"/>
+              </a:rPr>
+              <a:t>()].size,</a:t>
+            </a:r>
+          </a:p>
+          <a:p>
+            <a:pPr marL="450000" lvl="1" indent="0">
+              <a:buNone/>
+            </a:pPr>
+            <a:r>
+              <a:rPr lang="en-US" sz="2400" dirty="0">
+                <a:latin typeface="Courier New" panose="02070309020205020404" pitchFamily="49" charset="0"/>
+                <a:cs typeface="Courier New" panose="02070309020205020404" pitchFamily="49" charset="0"/>
+              </a:rPr>
+              <a:t>    </a:t>
+            </a:r>
+            <a:r>
+              <a:rPr lang="en-US" sz="2400" dirty="0" err="1">
+                <a:latin typeface="Courier New" panose="02070309020205020404" pitchFamily="49" charset="0"/>
+                <a:cs typeface="Courier New" panose="02070309020205020404" pitchFamily="49" charset="0"/>
+              </a:rPr>
+              <a:t>df_test</a:t>
+            </a:r>
+            <a:r>
+              <a:rPr lang="en-US" sz="2400" dirty="0">
+                <a:latin typeface="Courier New" panose="02070309020205020404" pitchFamily="49" charset="0"/>
+                <a:cs typeface="Courier New" panose="02070309020205020404" pitchFamily="49" charset="0"/>
+              </a:rPr>
+              <a:t>[</a:t>
+            </a:r>
+            <a:r>
+              <a:rPr lang="en-US" sz="2400" dirty="0" err="1">
+                <a:latin typeface="Courier New" panose="02070309020205020404" pitchFamily="49" charset="0"/>
+                <a:cs typeface="Courier New" panose="02070309020205020404" pitchFamily="49" charset="0"/>
+              </a:rPr>
+              <a:t>df_train.duplicated</a:t>
+            </a:r>
+            <a:r>
+              <a:rPr lang="en-US" sz="2400" dirty="0">
+                <a:latin typeface="Courier New" panose="02070309020205020404" pitchFamily="49" charset="0"/>
+                <a:cs typeface="Courier New" panose="02070309020205020404" pitchFamily="49" charset="0"/>
+              </a:rPr>
+              <a:t>()].size,</a:t>
+            </a:r>
+          </a:p>
+          <a:p>
+            <a:pPr marL="450000" lvl="1" indent="0">
+              <a:buNone/>
+            </a:pPr>
+            <a:r>
+              <a:rPr lang="en-US" sz="2400" dirty="0">
+                <a:latin typeface="Courier New" panose="02070309020205020404" pitchFamily="49" charset="0"/>
+                <a:cs typeface="Courier New" panose="02070309020205020404" pitchFamily="49" charset="0"/>
+              </a:rPr>
+              <a:t>    </a:t>
+            </a:r>
+            <a:r>
+              <a:rPr lang="en-US" sz="2400" dirty="0" err="1">
+                <a:latin typeface="Courier New" panose="02070309020205020404" pitchFamily="49" charset="0"/>
+                <a:cs typeface="Courier New" panose="02070309020205020404" pitchFamily="49" charset="0"/>
+              </a:rPr>
+              <a:t>sep</a:t>
+            </a:r>
+            <a:r>
+              <a:rPr lang="en-US" sz="2400" dirty="0">
+                <a:latin typeface="Courier New" panose="02070309020205020404" pitchFamily="49" charset="0"/>
+                <a:cs typeface="Courier New" panose="02070309020205020404" pitchFamily="49" charset="0"/>
+              </a:rPr>
+              <a:t>=‘, ‘</a:t>
+            </a:r>
+          </a:p>
+          <a:p>
+            <a:pPr marL="450000" lvl="1" indent="0">
+              <a:buNone/>
+            </a:pPr>
+            <a:r>
+              <a:rPr lang="en-US" sz="2400" dirty="0">
+                <a:latin typeface="Courier New" panose="02070309020205020404" pitchFamily="49" charset="0"/>
+                <a:cs typeface="Courier New" panose="02070309020205020404" pitchFamily="49" charset="0"/>
+              </a:rPr>
+              <a:t>)</a:t>
+            </a:r>
+            <a:endParaRPr lang="en-US" sz="3200" dirty="0">
+              <a:latin typeface="Courier New" panose="02070309020205020404" pitchFamily="49" charset="0"/>
+              <a:cs typeface="Courier New" panose="02070309020205020404" pitchFamily="49" charset="0"/>
+            </a:endParaRPr>
+          </a:p>
+          <a:p>
+            <a:r>
+              <a:rPr lang="en-US" sz="3200" dirty="0"/>
+              <a:t>This statement yields this output:</a:t>
+            </a:r>
+          </a:p>
+          <a:p>
+            <a:pPr marL="450000" lvl="1" indent="0">
+              <a:buNone/>
+            </a:pPr>
+            <a:r>
+              <a:rPr lang="en-US" sz="3000" dirty="0">
+                <a:latin typeface="Courier New" panose="02070309020205020404" pitchFamily="49" charset="0"/>
+                <a:cs typeface="Courier New" panose="02070309020205020404" pitchFamily="49" charset="0"/>
+              </a:rPr>
+              <a:t>0, 0</a:t>
+            </a:r>
+          </a:p>
+          <a:p>
+            <a:r>
+              <a:rPr lang="en-US" sz="3200" dirty="0"/>
+              <a:t>It turns out that there are no duplicate rows in the dataset, which implies that there’s no action needed.</a:t>
+            </a:r>
+            <a:endParaRPr lang="en-US" sz="2400" dirty="0"/>
           </a:p>
         </p:txBody>
       </p:sp>
     </p:spTree>
     <p:extLst>
       <p:ext uri="{BB962C8B-B14F-4D97-AF65-F5344CB8AC3E}">
-        <p14:creationId xmlns:p14="http://schemas.microsoft.com/office/powerpoint/2010/main" val="2084728758"/>
+        <p14:creationId xmlns:p14="http://schemas.microsoft.com/office/powerpoint/2010/main" val="3091650857"/>
       </p:ext>
     </p:extLst>
   </p:cSld>
@@ -18402,6 +18928,25 @@
 <file path=ppt/slides/slide9.xml><?xml version="1.0" encoding="utf-8"?>
 <p:sld xmlns:a="http://schemas.openxmlformats.org/drawingml/2006/main" xmlns:r="http://schemas.openxmlformats.org/officeDocument/2006/relationships" xmlns:p="http://schemas.openxmlformats.org/presentationml/2006/main">
   <p:cSld>
+    <p:bg>
+      <p:bgPr>
+        <a:blipFill rotWithShape="1">
+          <a:blip r:embed="rId3">
+            <a:duotone>
+              <a:schemeClr val="bg2">
+                <a:shade val="80000"/>
+                <a:lumMod val="80000"/>
+              </a:schemeClr>
+              <a:schemeClr val="bg2">
+                <a:tint val="98000"/>
+              </a:schemeClr>
+            </a:duotone>
+          </a:blip>
+          <a:stretch/>
+        </a:blipFill>
+        <a:effectLst/>
+      </p:bgPr>
+    </p:bg>
     <p:spTree>
       <p:nvGrpSpPr>
         <p:cNvPr id="1" name=""/>
@@ -18432,16 +18977,28 @@
             <p:ph type="title"/>
           </p:nvPr>
         </p:nvSpPr>
-        <p:spPr/>
+        <p:spPr>
+          <a:xfrm>
+            <a:off x="913795" y="609600"/>
+            <a:ext cx="10353762" cy="970450"/>
+          </a:xfrm>
+        </p:spPr>
         <p:txBody>
-          <a:bodyPr/>
+          <a:bodyPr>
+            <a:normAutofit/>
+          </a:bodyPr>
           <a:lstStyle/>
           <a:p>
-            <a:r>
-              <a:rPr lang="en-US" dirty="0"/>
-              <a:t>Data Cleaning – Handling Duplicate Rows </a:t>
-            </a:r>
-            <a:endParaRPr lang="en-GB" dirty="0"/>
+            <a:pPr>
+              <a:lnSpc>
+                <a:spcPct val="90000"/>
+              </a:lnSpc>
+            </a:pPr>
+            <a:r>
+              <a:rPr lang="en-US" sz="3400"/>
+              <a:t>Data Cleaning – Removing Columns with 50%+ Null </a:t>
+            </a:r>
+            <a:endParaRPr lang="en-GB" sz="3400"/>
           </a:p>
         </p:txBody>
       </p:sp>
@@ -18464,185 +19021,127 @@
         <p:spPr>
           <a:xfrm>
             <a:off x="913795" y="1732449"/>
-            <a:ext cx="10353762" cy="4515951"/>
+            <a:ext cx="5546272" cy="4216288"/>
           </a:xfrm>
         </p:spPr>
         <p:txBody>
-          <a:bodyPr>
-            <a:normAutofit fontScale="92500" lnSpcReduction="20000"/>
+          <a:bodyPr anchor="ctr">
+            <a:noAutofit/>
           </a:bodyPr>
           <a:lstStyle/>
           <a:p>
-            <a:r>
-              <a:rPr lang="en-US" sz="3200" dirty="0"/>
-              <a:t>We first check for duplicate rows using the statement</a:t>
+            <a:pPr>
+              <a:lnSpc>
+                <a:spcPct val="90000"/>
+              </a:lnSpc>
+            </a:pPr>
+            <a:r>
+              <a:rPr lang="en-US" sz="2600" dirty="0"/>
+              <a:t>We use the following statement to view data about the counts of null in every column:</a:t>
             </a:r>
           </a:p>
           <a:p>
             <a:pPr marL="450000" lvl="1" indent="0">
+              <a:lnSpc>
+                <a:spcPct val="90000"/>
+              </a:lnSpc>
               <a:buNone/>
             </a:pPr>
             <a:r>
-              <a:rPr lang="en-US" sz="2400" dirty="0">
+              <a:rPr lang="en-US" sz="2200" dirty="0">
                 <a:latin typeface="Courier New" panose="02070309020205020404" pitchFamily="49" charset="0"/>
                 <a:cs typeface="Courier New" panose="02070309020205020404" pitchFamily="49" charset="0"/>
               </a:rPr>
-              <a:t>print(</a:t>
-            </a:r>
-          </a:p>
-          <a:p>
-            <a:pPr marL="450000" lvl="1" indent="0">
-              <a:buNone/>
+              <a:t>df_train.info()</a:t>
+            </a:r>
+            <a:endParaRPr lang="en-US" sz="2200" dirty="0"/>
+          </a:p>
+          <a:p>
+            <a:pPr>
+              <a:lnSpc>
+                <a:spcPct val="90000"/>
+              </a:lnSpc>
             </a:pPr>
             <a:r>
-              <a:rPr lang="en-US" sz="2400" dirty="0">
+              <a:rPr lang="en-US" sz="2600" dirty="0"/>
+              <a:t>Based on the output data, we will remove the column Cabin, as it has more null values than existing values. We will also remove the columns </a:t>
+            </a:r>
+            <a:r>
+              <a:rPr lang="en-US" sz="2600" dirty="0">
                 <a:latin typeface="Courier New" panose="02070309020205020404" pitchFamily="49" charset="0"/>
                 <a:cs typeface="Courier New" panose="02070309020205020404" pitchFamily="49" charset="0"/>
               </a:rPr>
-              <a:t>    </a:t>
-            </a:r>
-            <a:r>
-              <a:rPr lang="en-US" sz="2400" dirty="0" err="1">
+              <a:t>Ticket</a:t>
+            </a:r>
+            <a:r>
+              <a:rPr lang="en-US" sz="2600" dirty="0"/>
+              <a:t>, </a:t>
+            </a:r>
+            <a:r>
+              <a:rPr lang="en-US" sz="2600" dirty="0" err="1">
                 <a:latin typeface="Courier New" panose="02070309020205020404" pitchFamily="49" charset="0"/>
                 <a:cs typeface="Courier New" panose="02070309020205020404" pitchFamily="49" charset="0"/>
               </a:rPr>
-              <a:t>df_train</a:t>
-            </a:r>
-            <a:r>
-              <a:rPr lang="en-US" sz="2400" dirty="0">
+              <a:t>PassengerId</a:t>
+            </a:r>
+            <a:r>
+              <a:rPr lang="en-US" sz="2600" dirty="0"/>
+              <a:t>, and </a:t>
+            </a:r>
+            <a:r>
+              <a:rPr lang="en-US" sz="2600" dirty="0">
                 <a:latin typeface="Courier New" panose="02070309020205020404" pitchFamily="49" charset="0"/>
                 <a:cs typeface="Courier New" panose="02070309020205020404" pitchFamily="49" charset="0"/>
               </a:rPr>
-              <a:t>[</a:t>
-            </a:r>
-            <a:r>
-              <a:rPr lang="en-US" sz="2400" dirty="0" err="1">
-                <a:latin typeface="Courier New" panose="02070309020205020404" pitchFamily="49" charset="0"/>
-                <a:cs typeface="Courier New" panose="02070309020205020404" pitchFamily="49" charset="0"/>
-              </a:rPr>
-              <a:t>df_train.duplicated</a:t>
-            </a:r>
-            <a:r>
-              <a:rPr lang="en-US" sz="2400" dirty="0">
-                <a:latin typeface="Courier New" panose="02070309020205020404" pitchFamily="49" charset="0"/>
-                <a:cs typeface="Courier New" panose="02070309020205020404" pitchFamily="49" charset="0"/>
-              </a:rPr>
-              <a:t>()].size,</a:t>
-            </a:r>
-          </a:p>
-          <a:p>
-            <a:pPr marL="450000" lvl="1" indent="0">
-              <a:buNone/>
-            </a:pPr>
-            <a:r>
-              <a:rPr lang="en-US" sz="2400" dirty="0">
-                <a:latin typeface="Courier New" panose="02070309020205020404" pitchFamily="49" charset="0"/>
-                <a:cs typeface="Courier New" panose="02070309020205020404" pitchFamily="49" charset="0"/>
-              </a:rPr>
-              <a:t>    </a:t>
-            </a:r>
-            <a:r>
-              <a:rPr lang="en-US" sz="2400" dirty="0" err="1">
-                <a:latin typeface="Courier New" panose="02070309020205020404" pitchFamily="49" charset="0"/>
-                <a:cs typeface="Courier New" panose="02070309020205020404" pitchFamily="49" charset="0"/>
-              </a:rPr>
-              <a:t>df_test</a:t>
-            </a:r>
-            <a:r>
-              <a:rPr lang="en-US" sz="2400" dirty="0">
-                <a:latin typeface="Courier New" panose="02070309020205020404" pitchFamily="49" charset="0"/>
-                <a:cs typeface="Courier New" panose="02070309020205020404" pitchFamily="49" charset="0"/>
-              </a:rPr>
-              <a:t>[</a:t>
-            </a:r>
-            <a:r>
-              <a:rPr lang="en-US" sz="2400" dirty="0" err="1">
-                <a:latin typeface="Courier New" panose="02070309020205020404" pitchFamily="49" charset="0"/>
-                <a:cs typeface="Courier New" panose="02070309020205020404" pitchFamily="49" charset="0"/>
-              </a:rPr>
-              <a:t>df_train.duplicated</a:t>
-            </a:r>
-            <a:r>
-              <a:rPr lang="en-US" sz="2400" dirty="0">
-                <a:latin typeface="Courier New" panose="02070309020205020404" pitchFamily="49" charset="0"/>
-                <a:cs typeface="Courier New" panose="02070309020205020404" pitchFamily="49" charset="0"/>
-              </a:rPr>
-              <a:t>()].size,</a:t>
-            </a:r>
-          </a:p>
-          <a:p>
-            <a:pPr marL="450000" lvl="1" indent="0">
-              <a:buNone/>
-            </a:pPr>
-            <a:r>
-              <a:rPr lang="en-US" sz="2400" dirty="0">
-                <a:latin typeface="Courier New" panose="02070309020205020404" pitchFamily="49" charset="0"/>
-                <a:cs typeface="Courier New" panose="02070309020205020404" pitchFamily="49" charset="0"/>
-              </a:rPr>
-              <a:t>    </a:t>
-            </a:r>
-            <a:r>
-              <a:rPr lang="en-US" sz="2400" dirty="0" err="1">
-                <a:latin typeface="Courier New" panose="02070309020205020404" pitchFamily="49" charset="0"/>
-                <a:cs typeface="Courier New" panose="02070309020205020404" pitchFamily="49" charset="0"/>
-              </a:rPr>
-              <a:t>sep</a:t>
-            </a:r>
-            <a:r>
-              <a:rPr lang="en-US" sz="2400" dirty="0">
-                <a:latin typeface="Courier New" panose="02070309020205020404" pitchFamily="49" charset="0"/>
-                <a:cs typeface="Courier New" panose="02070309020205020404" pitchFamily="49" charset="0"/>
-              </a:rPr>
-              <a:t>=‘, ‘</a:t>
-            </a:r>
-          </a:p>
-          <a:p>
-            <a:pPr marL="450000" lvl="1" indent="0">
-              <a:buNone/>
-            </a:pPr>
-            <a:r>
-              <a:rPr lang="en-US" sz="2400" dirty="0">
-                <a:latin typeface="Courier New" panose="02070309020205020404" pitchFamily="49" charset="0"/>
-                <a:cs typeface="Courier New" panose="02070309020205020404" pitchFamily="49" charset="0"/>
-              </a:rPr>
-              <a:t>)</a:t>
-            </a:r>
-            <a:endParaRPr lang="en-US" sz="3200" dirty="0">
-              <a:latin typeface="Courier New" panose="02070309020205020404" pitchFamily="49" charset="0"/>
-              <a:cs typeface="Courier New" panose="02070309020205020404" pitchFamily="49" charset="0"/>
-            </a:endParaRPr>
-          </a:p>
-          <a:p>
-            <a:r>
-              <a:rPr lang="en-US" sz="3200" dirty="0"/>
-              <a:t>This statement yields this output:</a:t>
-            </a:r>
-          </a:p>
-          <a:p>
-            <a:pPr marL="450000" lvl="1" indent="0">
-              <a:buNone/>
-            </a:pPr>
-            <a:r>
-              <a:rPr lang="en-US" sz="3000" dirty="0">
-                <a:latin typeface="Courier New" panose="02070309020205020404" pitchFamily="49" charset="0"/>
-                <a:cs typeface="Courier New" panose="02070309020205020404" pitchFamily="49" charset="0"/>
-              </a:rPr>
-              <a:t>0, 0</a:t>
-            </a:r>
-          </a:p>
-          <a:p>
-            <a:r>
-              <a:rPr lang="en-US" sz="3200" dirty="0"/>
-              <a:t>It turns out that there are no duplicate rows in the dataset, which implies that there’s no action needed.</a:t>
-            </a:r>
-            <a:endParaRPr lang="en-US" sz="2400" dirty="0"/>
+              <a:t>Name</a:t>
+            </a:r>
+            <a:r>
+              <a:rPr lang="en-US" sz="2600" dirty="0"/>
+              <a:t>, as we will not use them later in the analysis.</a:t>
+            </a:r>
           </a:p>
         </p:txBody>
       </p:sp>
+      <p:pic>
+        <p:nvPicPr>
+          <p:cNvPr id="8" name="Picture 7" descr="A screenshot of a computer&#10;&#10;Description automatically generated with low confidence">
+            <a:extLst>
+              <a:ext uri="{FF2B5EF4-FFF2-40B4-BE49-F238E27FC236}">
+                <a16:creationId xmlns:a16="http://schemas.microsoft.com/office/drawing/2014/main" id="{502BF09E-F3F9-49F3-B293-63ED003898A7}"/>
+              </a:ext>
+            </a:extLst>
+          </p:cNvPr>
+          <p:cNvPicPr>
+            <a:picLocks noChangeAspect="1"/>
+          </p:cNvPicPr>
+          <p:nvPr/>
+        </p:nvPicPr>
+        <p:blipFill>
+          <a:blip r:embed="rId4">
+            <a:extLst>
+              <a:ext uri="{28A0092B-C50C-407E-A947-70E740481C1C}">
+                <a14:useLocalDpi xmlns:a14="http://schemas.microsoft.com/office/drawing/2010/main" val="0"/>
+              </a:ext>
+            </a:extLst>
+          </a:blip>
+          <a:stretch>
+            <a:fillRect/>
+          </a:stretch>
+        </p:blipFill>
+        <p:spPr>
+          <a:xfrm>
+            <a:off x="6834382" y="1732449"/>
+            <a:ext cx="4980717" cy="4157212"/>
+          </a:xfrm>
+          <a:prstGeom prst="rect">
+            <a:avLst/>
+          </a:prstGeom>
+        </p:spPr>
+      </p:pic>
     </p:spTree>
     <p:extLst>
       <p:ext uri="{BB962C8B-B14F-4D97-AF65-F5344CB8AC3E}">
-        <p14:creationId xmlns:p14="http://schemas.microsoft.com/office/powerpoint/2010/main" val="3091650857"/>
+        <p14:creationId xmlns:p14="http://schemas.microsoft.com/office/powerpoint/2010/main" val="1103358885"/>
       </p:ext>
     </p:extLst>
   </p:cSld>

--- a/class-3-data_analysis_and_ml/titanic/presentation.pptx
+++ b/class-3-data_analysis_and_ml/titanic/presentation.pptx
@@ -12866,7 +12866,7 @@
           </a:effectLst>
           <a:extLst>
             <a:ext uri="{91240B29-F687-4f45-9708-019B960494DF}">
-              <a14:hiddenLine xmlns="" xmlns:a16="http://schemas.microsoft.com/office/drawing/2014/main" xmlns:p14="http://schemas.microsoft.com/office/powerpoint/2010/main" xmlns:a14="http://schemas.microsoft.com/office/drawing/2010/main" w="9525">
+              <a14:hiddenLine xmlns:a14="http://schemas.microsoft.com/office/drawing/2010/main" xmlns:p14="http://schemas.microsoft.com/office/powerpoint/2010/main" xmlns:a16="http://schemas.microsoft.com/office/drawing/2014/main" xmlns="" w="9525">
                 <a:solidFill>
                   <a:srgbClr val="000000"/>
                 </a:solidFill>

--- a/class-3-data_analysis_and_ml/titanic/presentation.pptx
+++ b/class-3-data_analysis_and_ml/titanic/presentation.pptx
@@ -6248,7 +6248,7 @@
           <a:p>
             <a:fld id="{2A4A9800-5339-4724-9091-C84BEA1AA2F7}" type="datetimeFigureOut">
               <a:rPr lang="en-GB" smtClean="0"/>
-              <a:t>28/12/2021</a:t>
+              <a:t>29/12/2021</a:t>
             </a:fld>
             <a:endParaRPr lang="en-GB"/>
           </a:p>
@@ -7079,7 +7079,7 @@
           <a:p>
             <a:fld id="{02AC24A9-CCB6-4F8D-B8DB-C2F3692CFA5A}" type="datetimeFigureOut">
               <a:rPr lang="en-US" smtClean="0"/>
-              <a:t>12/28/2021</a:t>
+              <a:t>12/29/2021</a:t>
             </a:fld>
             <a:endParaRPr lang="en-US" dirty="0"/>
           </a:p>
@@ -7377,7 +7377,7 @@
           <a:p>
             <a:fld id="{02AC24A9-CCB6-4F8D-B8DB-C2F3692CFA5A}" type="datetimeFigureOut">
               <a:rPr lang="en-US" smtClean="0"/>
-              <a:t>12/28/2021</a:t>
+              <a:t>12/29/2021</a:t>
             </a:fld>
             <a:endParaRPr lang="en-US"/>
           </a:p>
@@ -7569,7 +7569,7 @@
           <a:p>
             <a:fld id="{02AC24A9-CCB6-4F8D-B8DB-C2F3692CFA5A}" type="datetimeFigureOut">
               <a:rPr lang="en-US" smtClean="0"/>
-              <a:t>12/28/2021</a:t>
+              <a:t>12/29/2021</a:t>
             </a:fld>
             <a:endParaRPr lang="en-US"/>
           </a:p>
@@ -7830,7 +7830,7 @@
           <a:p>
             <a:fld id="{02AC24A9-CCB6-4F8D-B8DB-C2F3692CFA5A}" type="datetimeFigureOut">
               <a:rPr lang="en-US" smtClean="0"/>
-              <a:t>12/28/2021</a:t>
+              <a:t>12/29/2021</a:t>
             </a:fld>
             <a:endParaRPr lang="en-US"/>
           </a:p>
@@ -8254,7 +8254,7 @@
           <a:p>
             <a:fld id="{02AC24A9-CCB6-4F8D-B8DB-C2F3692CFA5A}" type="datetimeFigureOut">
               <a:rPr lang="en-US" smtClean="0"/>
-              <a:t>12/28/2021</a:t>
+              <a:t>12/29/2021</a:t>
             </a:fld>
             <a:endParaRPr lang="en-US"/>
           </a:p>
@@ -8791,7 +8791,7 @@
           <a:p>
             <a:fld id="{02AC24A9-CCB6-4F8D-B8DB-C2F3692CFA5A}" type="datetimeFigureOut">
               <a:rPr lang="en-US" smtClean="0"/>
-              <a:t>12/28/2021</a:t>
+              <a:t>12/29/2021</a:t>
             </a:fld>
             <a:endParaRPr lang="en-US"/>
           </a:p>
@@ -9655,7 +9655,7 @@
           <a:p>
             <a:fld id="{02AC24A9-CCB6-4F8D-B8DB-C2F3692CFA5A}" type="datetimeFigureOut">
               <a:rPr lang="en-US" smtClean="0"/>
-              <a:t>12/28/2021</a:t>
+              <a:t>12/29/2021</a:t>
             </a:fld>
             <a:endParaRPr lang="en-US"/>
           </a:p>
@@ -9825,7 +9825,7 @@
           <a:p>
             <a:fld id="{02AC24A9-CCB6-4F8D-B8DB-C2F3692CFA5A}" type="datetimeFigureOut">
               <a:rPr lang="en-US" smtClean="0"/>
-              <a:t>12/28/2021</a:t>
+              <a:t>12/29/2021</a:t>
             </a:fld>
             <a:endParaRPr lang="en-US"/>
           </a:p>
@@ -10009,7 +10009,7 @@
           <a:p>
             <a:fld id="{02AC24A9-CCB6-4F8D-B8DB-C2F3692CFA5A}" type="datetimeFigureOut">
               <a:rPr lang="en-US" smtClean="0"/>
-              <a:t>12/28/2021</a:t>
+              <a:t>12/29/2021</a:t>
             </a:fld>
             <a:endParaRPr lang="en-US"/>
           </a:p>
@@ -10179,7 +10179,7 @@
           <a:p>
             <a:fld id="{02AC24A9-CCB6-4F8D-B8DB-C2F3692CFA5A}" type="datetimeFigureOut">
               <a:rPr lang="en-US" smtClean="0"/>
-              <a:t>12/28/2021</a:t>
+              <a:t>12/29/2021</a:t>
             </a:fld>
             <a:endParaRPr lang="en-US"/>
           </a:p>
@@ -10423,7 +10423,7 @@
           <a:p>
             <a:fld id="{02AC24A9-CCB6-4F8D-B8DB-C2F3692CFA5A}" type="datetimeFigureOut">
               <a:rPr lang="en-US" smtClean="0"/>
-              <a:t>12/28/2021</a:t>
+              <a:t>12/29/2021</a:t>
             </a:fld>
             <a:endParaRPr lang="en-US"/>
           </a:p>
@@ -10659,7 +10659,7 @@
           <a:p>
             <a:fld id="{02AC24A9-CCB6-4F8D-B8DB-C2F3692CFA5A}" type="datetimeFigureOut">
               <a:rPr lang="en-US" smtClean="0"/>
-              <a:t>12/28/2021</a:t>
+              <a:t>12/29/2021</a:t>
             </a:fld>
             <a:endParaRPr lang="en-US"/>
           </a:p>
@@ -11125,7 +11125,7 @@
           <a:p>
             <a:fld id="{02AC24A9-CCB6-4F8D-B8DB-C2F3692CFA5A}" type="datetimeFigureOut">
               <a:rPr lang="en-US" smtClean="0"/>
-              <a:t>12/28/2021</a:t>
+              <a:t>12/29/2021</a:t>
             </a:fld>
             <a:endParaRPr lang="en-US"/>
           </a:p>
@@ -11243,7 +11243,7 @@
           <a:p>
             <a:fld id="{02AC24A9-CCB6-4F8D-B8DB-C2F3692CFA5A}" type="datetimeFigureOut">
               <a:rPr lang="en-US" smtClean="0"/>
-              <a:t>12/28/2021</a:t>
+              <a:t>12/29/2021</a:t>
             </a:fld>
             <a:endParaRPr lang="en-US"/>
           </a:p>
@@ -11338,7 +11338,7 @@
           <a:p>
             <a:fld id="{02AC24A9-CCB6-4F8D-B8DB-C2F3692CFA5A}" type="datetimeFigureOut">
               <a:rPr lang="en-US" smtClean="0"/>
-              <a:t>12/28/2021</a:t>
+              <a:t>12/29/2021</a:t>
             </a:fld>
             <a:endParaRPr lang="en-US"/>
           </a:p>
@@ -11593,7 +11593,7 @@
           <a:p>
             <a:fld id="{02AC24A9-CCB6-4F8D-B8DB-C2F3692CFA5A}" type="datetimeFigureOut">
               <a:rPr lang="en-US" smtClean="0"/>
-              <a:t>12/28/2021</a:t>
+              <a:t>12/29/2021</a:t>
             </a:fld>
             <a:endParaRPr lang="en-US" dirty="0"/>
           </a:p>
@@ -11893,7 +11893,7 @@
           <a:p>
             <a:fld id="{02AC24A9-CCB6-4F8D-B8DB-C2F3692CFA5A}" type="datetimeFigureOut">
               <a:rPr lang="en-US" smtClean="0"/>
-              <a:t>12/28/2021</a:t>
+              <a:t>12/29/2021</a:t>
             </a:fld>
             <a:endParaRPr lang="en-US"/>
           </a:p>
@@ -12127,7 +12127,7 @@
           <a:p>
             <a:fld id="{02AC24A9-CCB6-4F8D-B8DB-C2F3692CFA5A}" type="datetimeFigureOut">
               <a:rPr lang="en-US" smtClean="0"/>
-              <a:t>12/28/2021</a:t>
+              <a:t>12/29/2021</a:t>
             </a:fld>
             <a:endParaRPr lang="en-US"/>
           </a:p>
@@ -12866,7 +12866,7 @@
           </a:effectLst>
           <a:extLst>
             <a:ext uri="{91240B29-F687-4f45-9708-019B960494DF}">
-              <a14:hiddenLine xmlns:a14="http://schemas.microsoft.com/office/drawing/2010/main" xmlns:p14="http://schemas.microsoft.com/office/powerpoint/2010/main" xmlns:a16="http://schemas.microsoft.com/office/drawing/2014/main" xmlns="" w="9525">
+              <a14:hiddenLine xmlns="" xmlns:a16="http://schemas.microsoft.com/office/drawing/2014/main" xmlns:p14="http://schemas.microsoft.com/office/powerpoint/2010/main" xmlns:a14="http://schemas.microsoft.com/office/drawing/2010/main" w="9525">
                 <a:solidFill>
                   <a:srgbClr val="000000"/>
                 </a:solidFill>
@@ -15421,7 +15421,7 @@
           <a:p>
             <a:pPr algn="l"/>
             <a:r>
-              <a:rPr lang="en-US" sz="2800" dirty="0">
+              <a:rPr lang="en-US" sz="2800">
                 <a:ln>
                   <a:solidFill>
                     <a:srgbClr val="404040">
@@ -15465,28 +15465,20 @@
           <a:lstStyle/>
           <a:p>
             <a:r>
-              <a:rPr lang="en-US" dirty="0"/>
-              <a:t>To represent the relationship between the p-class and survival, we have chosen to use a matplotlib </a:t>
-            </a:r>
-            <a:r>
-              <a:rPr lang="en-US" dirty="0" err="1"/>
-              <a:t>regplot</a:t>
-            </a:r>
-            <a:r>
-              <a:rPr lang="en-US" dirty="0"/>
-              <a:t> with jitter.</a:t>
-            </a:r>
-          </a:p>
-          <a:p>
-            <a:r>
-              <a:rPr lang="en-US" dirty="0"/>
+              <a:rPr lang="en-US"/>
+              <a:t>To represent the relationship between the p-class and survival, we have chosen to use a matplotlib regplot with jitter.</a:t>
+            </a:r>
+          </a:p>
+          <a:p>
+            <a:r>
+              <a:rPr lang="en-US"/>
               <a:t>The plot reveals the following:</a:t>
             </a:r>
           </a:p>
           <a:p>
             <a:pPr lvl="1"/>
             <a:r>
-              <a:rPr lang="en-US" dirty="0">
+              <a:rPr lang="en-US">
                 <a:ln>
                   <a:solidFill>
                     <a:srgbClr val="404040">
@@ -15501,7 +15493,7 @@
           <a:p>
             <a:pPr lvl="1"/>
             <a:r>
-              <a:rPr lang="en-US" dirty="0">
+              <a:rPr lang="en-US">
                 <a:ln>
                   <a:solidFill>
                     <a:srgbClr val="404040">
@@ -15516,7 +15508,7 @@
           <a:p>
             <a:pPr lvl="1"/>
             <a:r>
-              <a:rPr lang="en-US" dirty="0">
+              <a:rPr lang="en-US">
                 <a:ln>
                   <a:solidFill>
                     <a:srgbClr val="404040">
@@ -15527,7 +15519,7 @@
               </a:rPr>
               <a:t>For p-class 3, the count of those who drowned is extremely higher.</a:t>
             </a:r>
-            <a:endParaRPr lang="en-US" dirty="0"/>
+            <a:endParaRPr lang="en-US"/>
           </a:p>
           <a:p>
             <a:endParaRPr lang="en-GB" dirty="0"/>
@@ -15603,10 +15595,10 @@
       </p:sp>
       <p:pic>
         <p:nvPicPr>
-          <p:cNvPr id="5" name="Picture 4" descr="Diagram&#10;&#10;Description automatically generated">
+          <p:cNvPr id="6" name="Picture 5" descr="Chart, scatter chart&#10;&#10;Description automatically generated">
             <a:extLst>
               <a:ext uri="{FF2B5EF4-FFF2-40B4-BE49-F238E27FC236}">
-                <a16:creationId xmlns:a16="http://schemas.microsoft.com/office/drawing/2014/main" id="{D6499D7C-505E-4C89-A799-FA4DFA368815}"/>
+                <a16:creationId xmlns:a16="http://schemas.microsoft.com/office/drawing/2014/main" id="{27E29BDE-AD14-4610-BAA0-D3F05F57B8FC}"/>
               </a:ext>
             </a:extLst>
           </p:cNvPr>
@@ -15615,7 +15607,7 @@
           </p:cNvPicPr>
           <p:nvPr/>
         </p:nvPicPr>
-        <p:blipFill rotWithShape="1">
+        <p:blipFill>
           <a:blip r:embed="rId3">
             <a:extLst>
               <a:ext uri="{28A0092B-C50C-407E-A947-70E740481C1C}">
@@ -15623,13 +15615,14 @@
               </a:ext>
             </a:extLst>
           </a:blip>
-          <a:srcRect l="100" r="1" b="1"/>
-          <a:stretch/>
+          <a:stretch>
+            <a:fillRect/>
+          </a:stretch>
         </p:blipFill>
         <p:spPr>
           <a:xfrm>
-            <a:off x="4763490" y="1210180"/>
-            <a:ext cx="6453882" cy="4360753"/>
+            <a:off x="4690762" y="1111163"/>
+            <a:ext cx="6471855" cy="4356818"/>
           </a:xfrm>
           <a:prstGeom prst="rect">
             <a:avLst/>
